--- a/Praesentation/COVID-19 Hospitalisierungsrate .ppt.pptx
+++ b/Praesentation/COVID-19 Hospitalisierungsrate .ppt.pptx
@@ -5,7 +5,7 @@
     <p:sldMasterId id="2147483676" r:id="rId1"/>
   </p:sldMasterIdLst>
   <p:notesMasterIdLst>
-    <p:notesMasterId r:id="rId26"/>
+    <p:notesMasterId r:id="rId25"/>
   </p:notesMasterIdLst>
   <p:sldIdLst>
     <p:sldId id="256" r:id="rId2"/>
@@ -26,36 +26,35 @@
     <p:sldId id="313" r:id="rId17"/>
     <p:sldId id="312" r:id="rId18"/>
     <p:sldId id="267" r:id="rId19"/>
-    <p:sldId id="305" r:id="rId20"/>
-    <p:sldId id="314" r:id="rId21"/>
-    <p:sldId id="315" r:id="rId22"/>
-    <p:sldId id="316" r:id="rId23"/>
-    <p:sldId id="272" r:id="rId24"/>
-    <p:sldId id="279" r:id="rId25"/>
+    <p:sldId id="317" r:id="rId20"/>
+    <p:sldId id="305" r:id="rId21"/>
+    <p:sldId id="314" r:id="rId22"/>
+    <p:sldId id="315" r:id="rId23"/>
+    <p:sldId id="316" r:id="rId24"/>
   </p:sldIdLst>
   <p:sldSz cx="9144000" cy="5143500" type="screen16x9"/>
   <p:notesSz cx="6858000" cy="9144000"/>
   <p:embeddedFontLst>
     <p:embeddedFont>
       <p:font typeface="Fira Sans Extra Condensed Medium" panose="020B0604020202020204" charset="0"/>
-      <p:regular r:id="rId27"/>
-      <p:bold r:id="rId28"/>
-      <p:italic r:id="rId29"/>
-      <p:boldItalic r:id="rId30"/>
+      <p:regular r:id="rId26"/>
+      <p:bold r:id="rId27"/>
+      <p:italic r:id="rId28"/>
+      <p:boldItalic r:id="rId29"/>
     </p:embeddedFont>
     <p:embeddedFont>
       <p:font typeface="Hind" panose="020B0604020202020204" charset="0"/>
-      <p:regular r:id="rId31"/>
-      <p:bold r:id="rId32"/>
+      <p:regular r:id="rId30"/>
+      <p:bold r:id="rId31"/>
     </p:embeddedFont>
     <p:embeddedFont>
       <p:font typeface="Oswald" panose="020B0604020202020204" charset="0"/>
-      <p:regular r:id="rId33"/>
-      <p:bold r:id="rId34"/>
+      <p:regular r:id="rId32"/>
+      <p:bold r:id="rId33"/>
     </p:embeddedFont>
     <p:embeddedFont>
       <p:font typeface="Pathway Gothic One" panose="020B0604020202020204" charset="0"/>
-      <p:regular r:id="rId35"/>
+      <p:regular r:id="rId34"/>
     </p:embeddedFont>
   </p:embeddedFontLst>
   <p:defaultTextStyle>
@@ -950,6 +949,115 @@
 </file>
 
 <file path=ppt/notesSlides/notesSlide11.xml><?xml version="1.0" encoding="utf-8"?>
+<p:notes xmlns:a="http://schemas.openxmlformats.org/drawingml/2006/main" xmlns:r="http://schemas.openxmlformats.org/officeDocument/2006/relationships" xmlns:p="http://schemas.openxmlformats.org/presentationml/2006/main">
+  <p:cSld>
+    <p:spTree>
+      <p:nvGrpSpPr>
+        <p:cNvPr id="1" name=""/>
+        <p:cNvGrpSpPr/>
+        <p:nvPr/>
+      </p:nvGrpSpPr>
+      <p:grpSpPr>
+        <a:xfrm>
+          <a:off x="0" y="0"/>
+          <a:ext cx="0" cy="0"/>
+          <a:chOff x="0" y="0"/>
+          <a:chExt cx="0" cy="0"/>
+        </a:xfrm>
+      </p:grpSpPr>
+      <p:sp>
+        <p:nvSpPr>
+          <p:cNvPr id="2" name="Folienbildplatzhalter 1"/>
+          <p:cNvSpPr>
+            <a:spLocks noGrp="1" noRot="1" noChangeAspect="1"/>
+          </p:cNvSpPr>
+          <p:nvPr>
+            <p:ph type="sldImg"/>
+          </p:nvPr>
+        </p:nvSpPr>
+        <p:spPr>
+          <a:xfrm>
+            <a:off x="381000" y="685800"/>
+            <a:ext cx="6096000" cy="3429000"/>
+          </a:xfrm>
+        </p:spPr>
+      </p:sp>
+      <p:sp>
+        <p:nvSpPr>
+          <p:cNvPr id="3" name="Notizenplatzhalter 2"/>
+          <p:cNvSpPr>
+            <a:spLocks noGrp="1"/>
+          </p:cNvSpPr>
+          <p:nvPr>
+            <p:ph type="body" idx="1"/>
+          </p:nvPr>
+        </p:nvSpPr>
+        <p:spPr/>
+        <p:txBody>
+          <a:bodyPr/>
+          <a:lstStyle/>
+          <a:p>
+            <a:r>
+              <a:rPr lang="en-US" dirty="0"/>
+              <a:t>Coefficients: Estimate Std. Error t value </a:t>
+            </a:r>
+            <a:r>
+              <a:rPr lang="en-US" dirty="0" err="1"/>
+              <a:t>Pr</a:t>
+            </a:r>
+            <a:r>
+              <a:rPr lang="en-US" dirty="0"/>
+              <a:t>(&gt;|t|) (Intercept) -1.83770 0.15982 -11.499 &lt; 2e-16 *** </a:t>
+            </a:r>
+            <a:r>
+              <a:rPr lang="en-US" dirty="0" err="1"/>
+              <a:t>Altersgruppe</a:t>
+            </a:r>
+            <a:r>
+              <a:rPr lang="en-US" dirty="0"/>
+              <a:t>(59, Inf) 1.66400 0.06008 27.698 &lt; 2e-16 *** </a:t>
+            </a:r>
+            <a:r>
+              <a:rPr lang="en-US" dirty="0" err="1"/>
+              <a:t>seasonAutumn</a:t>
+            </a:r>
+            <a:r>
+              <a:rPr lang="en-US" dirty="0"/>
+              <a:t> -0.11828 0.08151 -1.451 0.14855 </a:t>
+            </a:r>
+            <a:r>
+              <a:rPr lang="en-US" dirty="0" err="1"/>
+              <a:t>seasonSpring</a:t>
+            </a:r>
+            <a:r>
+              <a:rPr lang="en-US" dirty="0"/>
+              <a:t> 0.23664 0.08079 2.929 0.00387 ** </a:t>
+            </a:r>
+            <a:r>
+              <a:rPr lang="en-US" dirty="0" err="1"/>
+              <a:t>seasonWinter</a:t>
+            </a:r>
+            <a:r>
+              <a:rPr lang="en-US" dirty="0"/>
+              <a:t> 0.09325 0.10207 0.914 0.36223 log(lag_1) 1.37197 0.05791 23.692 &lt; 2e-16 *** log(lag_2) -0.57622 0.05312 -10.847 &lt; 2e-16 ***</a:t>
+            </a:r>
+          </a:p>
+        </p:txBody>
+      </p:sp>
+    </p:spTree>
+    <p:extLst>
+      <p:ext uri="{BB962C8B-B14F-4D97-AF65-F5344CB8AC3E}">
+        <p14:creationId xmlns:p14="http://schemas.microsoft.com/office/powerpoint/2010/main" val="2781791631"/>
+      </p:ext>
+    </p:extLst>
+  </p:cSld>
+  <p:clrMapOvr>
+    <a:masterClrMapping/>
+  </p:clrMapOvr>
+</p:notes>
+</file>
+
+<file path=ppt/notesSlides/notesSlide12.xml><?xml version="1.0" encoding="utf-8"?>
 <p:notes xmlns:a="http://schemas.openxmlformats.org/drawingml/2006/main" xmlns:r="http://schemas.openxmlformats.org/officeDocument/2006/relationships" xmlns:p="http://schemas.openxmlformats.org/presentationml/2006/main" showMasterSp="0" showMasterPhAnim="0">
   <p:cSld>
     <p:spTree>
@@ -1058,7 +1166,7 @@
 </p:notes>
 </file>
 
-<file path=ppt/notesSlides/notesSlide12.xml><?xml version="1.0" encoding="utf-8"?>
+<file path=ppt/notesSlides/notesSlide13.xml><?xml version="1.0" encoding="utf-8"?>
 <p:notes xmlns:a="http://schemas.openxmlformats.org/drawingml/2006/main" xmlns:r="http://schemas.openxmlformats.org/officeDocument/2006/relationships" xmlns:p="http://schemas.openxmlformats.org/presentationml/2006/main" showMasterSp="0" showMasterPhAnim="0">
   <p:cSld>
     <p:spTree>
@@ -1119,214 +1227,6 @@
       <p:sp>
         <p:nvSpPr>
           <p:cNvPr id="814" name="Google Shape;814;g700345baf0_2_441:notes"/>
-          <p:cNvSpPr txBox="1">
-            <a:spLocks noGrp="1"/>
-          </p:cNvSpPr>
-          <p:nvPr>
-            <p:ph type="body" idx="1"/>
-          </p:nvPr>
-        </p:nvSpPr>
-        <p:spPr>
-          <a:xfrm>
-            <a:off x="685800" y="4343400"/>
-            <a:ext cx="5486400" cy="4114800"/>
-          </a:xfrm>
-          <a:prstGeom prst="rect">
-            <a:avLst/>
-          </a:prstGeom>
-        </p:spPr>
-        <p:txBody>
-          <a:bodyPr spcFirstLastPara="1" wrap="square" lIns="91425" tIns="91425" rIns="91425" bIns="91425" anchor="t" anchorCtr="0">
-            <a:noAutofit/>
-          </a:bodyPr>
-          <a:lstStyle/>
-          <a:p>
-            <a:pPr marL="0" lvl="0" indent="0" algn="l" rtl="0">
-              <a:spcBef>
-                <a:spcPts val="0"/>
-              </a:spcBef>
-              <a:spcAft>
-                <a:spcPts val="0"/>
-              </a:spcAft>
-              <a:buNone/>
-            </a:pPr>
-            <a:endParaRPr/>
-          </a:p>
-        </p:txBody>
-      </p:sp>
-    </p:spTree>
-  </p:cSld>
-  <p:clrMapOvr>
-    <a:masterClrMapping/>
-  </p:clrMapOvr>
-</p:notes>
-</file>
-
-<file path=ppt/notesSlides/notesSlide13.xml><?xml version="1.0" encoding="utf-8"?>
-<p:notes xmlns:a="http://schemas.openxmlformats.org/drawingml/2006/main" xmlns:r="http://schemas.openxmlformats.org/officeDocument/2006/relationships" xmlns:p="http://schemas.openxmlformats.org/presentationml/2006/main" showMasterSp="0" showMasterPhAnim="0">
-  <p:cSld>
-    <p:spTree>
-      <p:nvGrpSpPr>
-        <p:cNvPr id="1" name="Shape 929"/>
-        <p:cNvGrpSpPr/>
-        <p:nvPr/>
-      </p:nvGrpSpPr>
-      <p:grpSpPr>
-        <a:xfrm>
-          <a:off x="0" y="0"/>
-          <a:ext cx="0" cy="0"/>
-          <a:chOff x="0" y="0"/>
-          <a:chExt cx="0" cy="0"/>
-        </a:xfrm>
-      </p:grpSpPr>
-      <p:sp>
-        <p:nvSpPr>
-          <p:cNvPr id="930" name="Google Shape;930;g6fe0c27f63_0_55:notes"/>
-          <p:cNvSpPr>
-            <a:spLocks noGrp="1" noRot="1" noChangeAspect="1"/>
-          </p:cNvSpPr>
-          <p:nvPr>
-            <p:ph type="sldImg" idx="2"/>
-          </p:nvPr>
-        </p:nvSpPr>
-        <p:spPr>
-          <a:xfrm>
-            <a:off x="381000" y="685800"/>
-            <a:ext cx="6096000" cy="3429000"/>
-          </a:xfrm>
-          <a:custGeom>
-            <a:avLst/>
-            <a:gdLst/>
-            <a:ahLst/>
-            <a:cxnLst/>
-            <a:rect l="l" t="t" r="r" b="b"/>
-            <a:pathLst>
-              <a:path w="120000" h="120000" extrusionOk="0">
-                <a:moveTo>
-                  <a:pt x="0" y="0"/>
-                </a:moveTo>
-                <a:lnTo>
-                  <a:pt x="120000" y="0"/>
-                </a:lnTo>
-                <a:lnTo>
-                  <a:pt x="120000" y="120000"/>
-                </a:lnTo>
-                <a:lnTo>
-                  <a:pt x="0" y="120000"/>
-                </a:lnTo>
-                <a:close/>
-              </a:path>
-            </a:pathLst>
-          </a:custGeom>
-        </p:spPr>
-      </p:sp>
-      <p:sp>
-        <p:nvSpPr>
-          <p:cNvPr id="931" name="Google Shape;931;g6fe0c27f63_0_55:notes"/>
-          <p:cNvSpPr txBox="1">
-            <a:spLocks noGrp="1"/>
-          </p:cNvSpPr>
-          <p:nvPr>
-            <p:ph type="body" idx="1"/>
-          </p:nvPr>
-        </p:nvSpPr>
-        <p:spPr>
-          <a:xfrm>
-            <a:off x="685800" y="4343400"/>
-            <a:ext cx="5486400" cy="4114800"/>
-          </a:xfrm>
-          <a:prstGeom prst="rect">
-            <a:avLst/>
-          </a:prstGeom>
-        </p:spPr>
-        <p:txBody>
-          <a:bodyPr spcFirstLastPara="1" wrap="square" lIns="91425" tIns="91425" rIns="91425" bIns="91425" anchor="t" anchorCtr="0">
-            <a:noAutofit/>
-          </a:bodyPr>
-          <a:lstStyle/>
-          <a:p>
-            <a:pPr marL="0" lvl="0" indent="0" algn="l" rtl="0">
-              <a:spcBef>
-                <a:spcPts val="0"/>
-              </a:spcBef>
-              <a:spcAft>
-                <a:spcPts val="0"/>
-              </a:spcAft>
-              <a:buNone/>
-            </a:pPr>
-            <a:endParaRPr/>
-          </a:p>
-        </p:txBody>
-      </p:sp>
-    </p:spTree>
-  </p:cSld>
-  <p:clrMapOvr>
-    <a:masterClrMapping/>
-  </p:clrMapOvr>
-</p:notes>
-</file>
-
-<file path=ppt/notesSlides/notesSlide14.xml><?xml version="1.0" encoding="utf-8"?>
-<p:notes xmlns:a="http://schemas.openxmlformats.org/drawingml/2006/main" xmlns:r="http://schemas.openxmlformats.org/officeDocument/2006/relationships" xmlns:p="http://schemas.openxmlformats.org/presentationml/2006/main" showMasterSp="0" showMasterPhAnim="0">
-  <p:cSld>
-    <p:spTree>
-      <p:nvGrpSpPr>
-        <p:cNvPr id="1" name="Shape 1458"/>
-        <p:cNvGrpSpPr/>
-        <p:nvPr/>
-      </p:nvGrpSpPr>
-      <p:grpSpPr>
-        <a:xfrm>
-          <a:off x="0" y="0"/>
-          <a:ext cx="0" cy="0"/>
-          <a:chOff x="0" y="0"/>
-          <a:chExt cx="0" cy="0"/>
-        </a:xfrm>
-      </p:grpSpPr>
-      <p:sp>
-        <p:nvSpPr>
-          <p:cNvPr id="1459" name="Google Shape;1459;g6ffd585346_0_302:notes"/>
-          <p:cNvSpPr>
-            <a:spLocks noGrp="1" noRot="1" noChangeAspect="1"/>
-          </p:cNvSpPr>
-          <p:nvPr>
-            <p:ph type="sldImg" idx="2"/>
-          </p:nvPr>
-        </p:nvSpPr>
-        <p:spPr>
-          <a:xfrm>
-            <a:off x="381000" y="685800"/>
-            <a:ext cx="6096000" cy="3429000"/>
-          </a:xfrm>
-          <a:custGeom>
-            <a:avLst/>
-            <a:gdLst/>
-            <a:ahLst/>
-            <a:cxnLst/>
-            <a:rect l="l" t="t" r="r" b="b"/>
-            <a:pathLst>
-              <a:path w="120000" h="120000" extrusionOk="0">
-                <a:moveTo>
-                  <a:pt x="0" y="0"/>
-                </a:moveTo>
-                <a:lnTo>
-                  <a:pt x="120000" y="0"/>
-                </a:lnTo>
-                <a:lnTo>
-                  <a:pt x="120000" y="120000"/>
-                </a:lnTo>
-                <a:lnTo>
-                  <a:pt x="0" y="120000"/>
-                </a:lnTo>
-                <a:close/>
-              </a:path>
-            </a:pathLst>
-          </a:custGeom>
-        </p:spPr>
-      </p:sp>
-      <p:sp>
-        <p:nvSpPr>
-          <p:cNvPr id="1460" name="Google Shape;1460;g6ffd585346_0_302:notes"/>
           <p:cNvSpPr txBox="1">
             <a:spLocks noGrp="1"/>
           </p:cNvSpPr>
@@ -6859,37 +6759,6 @@
 </p:sldLayout>
 </file>
 
-<file path=ppt/slideLayouts/slideLayout10.xml><?xml version="1.0" encoding="utf-8"?>
-<p:sldLayout xmlns:a="http://schemas.openxmlformats.org/drawingml/2006/main" xmlns:r="http://schemas.openxmlformats.org/officeDocument/2006/relationships" xmlns:p="http://schemas.openxmlformats.org/presentationml/2006/main" matchingName="Blank" type="blank">
-  <p:cSld name="BLANK">
-    <p:bg>
-      <p:bgPr>
-        <a:noFill/>
-        <a:effectLst/>
-      </p:bgPr>
-    </p:bg>
-    <p:spTree>
-      <p:nvGrpSpPr>
-        <p:cNvPr id="1" name="Shape 263"/>
-        <p:cNvGrpSpPr/>
-        <p:nvPr/>
-      </p:nvGrpSpPr>
-      <p:grpSpPr>
-        <a:xfrm>
-          <a:off x="0" y="0"/>
-          <a:ext cx="0" cy="0"/>
-          <a:chOff x="0" y="0"/>
-          <a:chExt cx="0" cy="0"/>
-        </a:xfrm>
-      </p:grpSpPr>
-    </p:spTree>
-  </p:cSld>
-  <p:clrMapOvr>
-    <a:masterClrMapping/>
-  </p:clrMapOvr>
-</p:sldLayout>
-</file>
-
 <file path=ppt/slideLayouts/slideLayout2.xml><?xml version="1.0" encoding="utf-8"?>
 <p:sldLayout xmlns:a="http://schemas.openxmlformats.org/drawingml/2006/main" xmlns:r="http://schemas.openxmlformats.org/officeDocument/2006/relationships" xmlns:p="http://schemas.openxmlformats.org/presentationml/2006/main" matchingName="Section header" type="secHead">
   <p:cSld name="SECTION_HEADER">
@@ -19777,4676 +19646,6 @@
 </file>
 
 <file path=ppt/slideLayouts/slideLayout7.xml><?xml version="1.0" encoding="utf-8"?>
-<p:sldLayout xmlns:a="http://schemas.openxmlformats.org/drawingml/2006/main" xmlns:r="http://schemas.openxmlformats.org/officeDocument/2006/relationships" xmlns:p="http://schemas.openxmlformats.org/presentationml/2006/main" matchingName="Title and list">
-  <p:cSld name="CUSTOM_5">
-    <p:spTree>
-      <p:nvGrpSpPr>
-        <p:cNvPr id="1" name="Shape 187"/>
-        <p:cNvGrpSpPr/>
-        <p:nvPr/>
-      </p:nvGrpSpPr>
-      <p:grpSpPr>
-        <a:xfrm>
-          <a:off x="0" y="0"/>
-          <a:ext cx="0" cy="0"/>
-          <a:chOff x="0" y="0"/>
-          <a:chExt cx="0" cy="0"/>
-        </a:xfrm>
-      </p:grpSpPr>
-      <p:sp>
-        <p:nvSpPr>
-          <p:cNvPr id="188" name="Google Shape;188;p17"/>
-          <p:cNvSpPr/>
-          <p:nvPr/>
-        </p:nvSpPr>
-        <p:spPr>
-          <a:xfrm rot="-1256097" flipH="1">
-            <a:off x="246414" y="654727"/>
-            <a:ext cx="3034839" cy="2199547"/>
-          </a:xfrm>
-          <a:custGeom>
-            <a:avLst/>
-            <a:gdLst/>
-            <a:ahLst/>
-            <a:cxnLst/>
-            <a:rect l="l" t="t" r="r" b="b"/>
-            <a:pathLst>
-              <a:path w="19229" h="15740" extrusionOk="0">
-                <a:moveTo>
-                  <a:pt x="9841" y="0"/>
-                </a:moveTo>
-                <a:cubicBezTo>
-                  <a:pt x="9447" y="0"/>
-                  <a:pt x="8949" y="157"/>
-                  <a:pt x="8230" y="559"/>
-                </a:cubicBezTo>
-                <a:cubicBezTo>
-                  <a:pt x="6692" y="1422"/>
-                  <a:pt x="6016" y="2016"/>
-                  <a:pt x="4225" y="2293"/>
-                </a:cubicBezTo>
-                <a:cubicBezTo>
-                  <a:pt x="2752" y="2513"/>
-                  <a:pt x="1767" y="2464"/>
-                  <a:pt x="1042" y="4019"/>
-                </a:cubicBezTo>
-                <a:cubicBezTo>
-                  <a:pt x="0" y="6282"/>
-                  <a:pt x="2003" y="7698"/>
-                  <a:pt x="2247" y="9807"/>
-                </a:cubicBezTo>
-                <a:cubicBezTo>
-                  <a:pt x="2450" y="11565"/>
-                  <a:pt x="1132" y="13576"/>
-                  <a:pt x="2222" y="14976"/>
-                </a:cubicBezTo>
-                <a:cubicBezTo>
-                  <a:pt x="2647" y="15522"/>
-                  <a:pt x="3280" y="15740"/>
-                  <a:pt x="3966" y="15740"/>
-                </a:cubicBezTo>
-                <a:cubicBezTo>
-                  <a:pt x="4751" y="15740"/>
-                  <a:pt x="5606" y="15454"/>
-                  <a:pt x="6293" y="15049"/>
-                </a:cubicBezTo>
-                <a:cubicBezTo>
-                  <a:pt x="7571" y="14292"/>
-                  <a:pt x="8776" y="13201"/>
-                  <a:pt x="10265" y="13169"/>
-                </a:cubicBezTo>
-                <a:cubicBezTo>
-                  <a:pt x="10288" y="13168"/>
-                  <a:pt x="10310" y="13168"/>
-                  <a:pt x="10332" y="13168"/>
-                </a:cubicBezTo>
-                <a:cubicBezTo>
-                  <a:pt x="11506" y="13168"/>
-                  <a:pt x="12688" y="13827"/>
-                  <a:pt x="13817" y="13827"/>
-                </a:cubicBezTo>
-                <a:cubicBezTo>
-                  <a:pt x="14108" y="13827"/>
-                  <a:pt x="14395" y="13784"/>
-                  <a:pt x="14677" y="13674"/>
-                </a:cubicBezTo>
-                <a:cubicBezTo>
-                  <a:pt x="15744" y="13258"/>
-                  <a:pt x="16257" y="12037"/>
-                  <a:pt x="16411" y="10906"/>
-                </a:cubicBezTo>
-                <a:cubicBezTo>
-                  <a:pt x="16566" y="9766"/>
-                  <a:pt x="16468" y="8594"/>
-                  <a:pt x="16818" y="7503"/>
-                </a:cubicBezTo>
-                <a:cubicBezTo>
-                  <a:pt x="17225" y="6241"/>
-                  <a:pt x="18194" y="5232"/>
-                  <a:pt x="18707" y="4011"/>
-                </a:cubicBezTo>
-                <a:cubicBezTo>
-                  <a:pt x="19228" y="2790"/>
-                  <a:pt x="19057" y="1048"/>
-                  <a:pt x="17828" y="559"/>
-                </a:cubicBezTo>
-                <a:cubicBezTo>
-                  <a:pt x="17609" y="473"/>
-                  <a:pt x="17388" y="437"/>
-                  <a:pt x="17166" y="437"/>
-                </a:cubicBezTo>
-                <a:cubicBezTo>
-                  <a:pt x="15887" y="437"/>
-                  <a:pt x="14559" y="1648"/>
-                  <a:pt x="13288" y="1648"/>
-                </a:cubicBezTo>
-                <a:cubicBezTo>
-                  <a:pt x="13063" y="1648"/>
-                  <a:pt x="12839" y="1610"/>
-                  <a:pt x="12618" y="1520"/>
-                </a:cubicBezTo>
-                <a:cubicBezTo>
-                  <a:pt x="11156" y="936"/>
-                  <a:pt x="10806" y="0"/>
-                  <a:pt x="9841" y="0"/>
-                </a:cubicBezTo>
-                <a:close/>
-              </a:path>
-            </a:pathLst>
-          </a:custGeom>
-          <a:solidFill>
-            <a:schemeClr val="dk2"/>
-          </a:solidFill>
-          <a:ln>
-            <a:noFill/>
-          </a:ln>
-        </p:spPr>
-        <p:txBody>
-          <a:bodyPr spcFirstLastPara="1" wrap="square" lIns="91425" tIns="91425" rIns="91425" bIns="91425" anchor="ctr" anchorCtr="0">
-            <a:noAutofit/>
-          </a:bodyPr>
-          <a:lstStyle/>
-          <a:p>
-            <a:pPr marL="0" lvl="0" indent="0" algn="l" rtl="0">
-              <a:spcBef>
-                <a:spcPts val="0"/>
-              </a:spcBef>
-              <a:spcAft>
-                <a:spcPts val="0"/>
-              </a:spcAft>
-              <a:buNone/>
-            </a:pPr>
-            <a:endParaRPr/>
-          </a:p>
-        </p:txBody>
-      </p:sp>
-      <p:sp>
-        <p:nvSpPr>
-          <p:cNvPr id="189" name="Google Shape;189;p17"/>
-          <p:cNvSpPr/>
-          <p:nvPr/>
-        </p:nvSpPr>
-        <p:spPr>
-          <a:xfrm rot="5400000">
-            <a:off x="5272412" y="1830000"/>
-            <a:ext cx="3923738" cy="3819438"/>
-          </a:xfrm>
-          <a:custGeom>
-            <a:avLst/>
-            <a:gdLst/>
-            <a:ahLst/>
-            <a:cxnLst/>
-            <a:rect l="l" t="t" r="r" b="b"/>
-            <a:pathLst>
-              <a:path w="76970" h="74924" extrusionOk="0">
-                <a:moveTo>
-                  <a:pt x="554" y="1"/>
-                </a:moveTo>
-                <a:cubicBezTo>
-                  <a:pt x="131" y="1328"/>
-                  <a:pt x="1" y="2817"/>
-                  <a:pt x="41" y="4462"/>
-                </a:cubicBezTo>
-                <a:cubicBezTo>
-                  <a:pt x="180" y="10526"/>
-                  <a:pt x="2630" y="17658"/>
-                  <a:pt x="8939" y="19782"/>
-                </a:cubicBezTo>
-                <a:cubicBezTo>
-                  <a:pt x="13042" y="21166"/>
-                  <a:pt x="17788" y="19872"/>
-                  <a:pt x="21679" y="21752"/>
-                </a:cubicBezTo>
-                <a:cubicBezTo>
-                  <a:pt x="28875" y="25236"/>
-                  <a:pt x="28924" y="37227"/>
-                  <a:pt x="36454" y="39906"/>
-                </a:cubicBezTo>
-                <a:cubicBezTo>
-                  <a:pt x="37891" y="40416"/>
-                  <a:pt x="39472" y="40522"/>
-                  <a:pt x="41073" y="40522"/>
-                </a:cubicBezTo>
-                <a:cubicBezTo>
-                  <a:pt x="42200" y="40522"/>
-                  <a:pt x="43337" y="40470"/>
-                  <a:pt x="44442" y="40470"/>
-                </a:cubicBezTo>
-                <a:cubicBezTo>
-                  <a:pt x="46969" y="40470"/>
-                  <a:pt x="49324" y="40743"/>
-                  <a:pt x="50993" y="42543"/>
-                </a:cubicBezTo>
-                <a:cubicBezTo>
-                  <a:pt x="52686" y="44367"/>
-                  <a:pt x="52866" y="47134"/>
-                  <a:pt x="52573" y="49609"/>
-                </a:cubicBezTo>
-                <a:cubicBezTo>
-                  <a:pt x="52279" y="52084"/>
-                  <a:pt x="51604" y="54567"/>
-                  <a:pt x="51938" y="57041"/>
-                </a:cubicBezTo>
-                <a:cubicBezTo>
-                  <a:pt x="52450" y="60843"/>
-                  <a:pt x="55234" y="63896"/>
-                  <a:pt x="57880" y="66672"/>
-                </a:cubicBezTo>
-                <a:cubicBezTo>
-                  <a:pt x="61665" y="70644"/>
-                  <a:pt x="66185" y="74924"/>
-                  <a:pt x="71586" y="74924"/>
-                </a:cubicBezTo>
-                <a:cubicBezTo>
-                  <a:pt x="71808" y="74924"/>
-                  <a:pt x="72031" y="74917"/>
-                  <a:pt x="72256" y="74902"/>
-                </a:cubicBezTo>
-                <a:cubicBezTo>
-                  <a:pt x="73925" y="74788"/>
-                  <a:pt x="75513" y="74242"/>
-                  <a:pt x="76970" y="73420"/>
-                </a:cubicBezTo>
-                <a:lnTo>
-                  <a:pt x="76970" y="1"/>
-                </a:lnTo>
-                <a:close/>
-              </a:path>
-            </a:pathLst>
-          </a:custGeom>
-          <a:solidFill>
-            <a:schemeClr val="dk2"/>
-          </a:solidFill>
-          <a:ln>
-            <a:noFill/>
-          </a:ln>
-        </p:spPr>
-        <p:txBody>
-          <a:bodyPr spcFirstLastPara="1" wrap="square" lIns="91425" tIns="91425" rIns="91425" bIns="91425" anchor="ctr" anchorCtr="0">
-            <a:noAutofit/>
-          </a:bodyPr>
-          <a:lstStyle/>
-          <a:p>
-            <a:pPr marL="0" lvl="0" indent="0" algn="l" rtl="0">
-              <a:spcBef>
-                <a:spcPts val="0"/>
-              </a:spcBef>
-              <a:spcAft>
-                <a:spcPts val="0"/>
-              </a:spcAft>
-              <a:buNone/>
-            </a:pPr>
-            <a:endParaRPr/>
-          </a:p>
-        </p:txBody>
-      </p:sp>
-      <p:sp>
-        <p:nvSpPr>
-          <p:cNvPr id="190" name="Google Shape;190;p17"/>
-          <p:cNvSpPr txBox="1">
-            <a:spLocks noGrp="1"/>
-          </p:cNvSpPr>
-          <p:nvPr>
-            <p:ph type="body" idx="1"/>
-          </p:nvPr>
-        </p:nvSpPr>
-        <p:spPr>
-          <a:xfrm>
-            <a:off x="1630925" y="1451375"/>
-            <a:ext cx="5882100" cy="2483400"/>
-          </a:xfrm>
-          <a:prstGeom prst="rect">
-            <a:avLst/>
-          </a:prstGeom>
-        </p:spPr>
-        <p:txBody>
-          <a:bodyPr spcFirstLastPara="1" wrap="square" lIns="91425" tIns="91425" rIns="91425" bIns="91425" anchor="ctr" anchorCtr="0">
-            <a:noAutofit/>
-          </a:bodyPr>
-          <a:lstStyle>
-            <a:lvl1pPr marL="457200" lvl="0" indent="-330200" algn="ctr" rtl="0">
-              <a:spcBef>
-                <a:spcPts val="0"/>
-              </a:spcBef>
-              <a:spcAft>
-                <a:spcPts val="0"/>
-              </a:spcAft>
-              <a:buClr>
-                <a:schemeClr val="accent2"/>
-              </a:buClr>
-              <a:buSzPts val="1600"/>
-              <a:buFont typeface="Raleway SemiBold"/>
-              <a:buChar char="●"/>
-              <a:defRPr sz="1400"/>
-            </a:lvl1pPr>
-            <a:lvl2pPr marL="914400" lvl="1" indent="-330200" rtl="0">
-              <a:spcBef>
-                <a:spcPts val="1600"/>
-              </a:spcBef>
-              <a:spcAft>
-                <a:spcPts val="0"/>
-              </a:spcAft>
-              <a:buSzPts val="1600"/>
-              <a:buFont typeface="Nunito Light"/>
-              <a:buChar char="○"/>
-              <a:defRPr/>
-            </a:lvl2pPr>
-            <a:lvl3pPr marL="1371600" lvl="2" indent="-323850" rtl="0">
-              <a:spcBef>
-                <a:spcPts val="1600"/>
-              </a:spcBef>
-              <a:spcAft>
-                <a:spcPts val="0"/>
-              </a:spcAft>
-              <a:buSzPts val="1500"/>
-              <a:buFont typeface="Nunito Light"/>
-              <a:buChar char="■"/>
-              <a:defRPr/>
-            </a:lvl3pPr>
-            <a:lvl4pPr marL="1828800" lvl="3" indent="-323850" rtl="0">
-              <a:spcBef>
-                <a:spcPts val="1600"/>
-              </a:spcBef>
-              <a:spcAft>
-                <a:spcPts val="0"/>
-              </a:spcAft>
-              <a:buSzPts val="1500"/>
-              <a:buFont typeface="Nunito Light"/>
-              <a:buChar char="●"/>
-              <a:defRPr/>
-            </a:lvl4pPr>
-            <a:lvl5pPr marL="2286000" lvl="4" indent="-317500" rtl="0">
-              <a:spcBef>
-                <a:spcPts val="1600"/>
-              </a:spcBef>
-              <a:spcAft>
-                <a:spcPts val="0"/>
-              </a:spcAft>
-              <a:buSzPts val="1400"/>
-              <a:buFont typeface="Nunito Light"/>
-              <a:buChar char="○"/>
-              <a:defRPr/>
-            </a:lvl5pPr>
-            <a:lvl6pPr marL="2743200" lvl="5" indent="-317500" rtl="0">
-              <a:spcBef>
-                <a:spcPts val="1600"/>
-              </a:spcBef>
-              <a:spcAft>
-                <a:spcPts val="0"/>
-              </a:spcAft>
-              <a:buSzPts val="1400"/>
-              <a:buFont typeface="Nunito Light"/>
-              <a:buChar char="■"/>
-              <a:defRPr/>
-            </a:lvl6pPr>
-            <a:lvl7pPr marL="3200400" lvl="6" indent="-311150" rtl="0">
-              <a:spcBef>
-                <a:spcPts val="1600"/>
-              </a:spcBef>
-              <a:spcAft>
-                <a:spcPts val="0"/>
-              </a:spcAft>
-              <a:buSzPts val="1300"/>
-              <a:buFont typeface="Nunito Light"/>
-              <a:buChar char="●"/>
-              <a:defRPr/>
-            </a:lvl7pPr>
-            <a:lvl8pPr marL="3657600" lvl="7" indent="-311150" rtl="0">
-              <a:spcBef>
-                <a:spcPts val="1600"/>
-              </a:spcBef>
-              <a:spcAft>
-                <a:spcPts val="0"/>
-              </a:spcAft>
-              <a:buSzPts val="1300"/>
-              <a:buFont typeface="Nunito Light"/>
-              <a:buChar char="○"/>
-              <a:defRPr/>
-            </a:lvl8pPr>
-            <a:lvl9pPr marL="4114800" lvl="8" indent="-317500" rtl="0">
-              <a:spcBef>
-                <a:spcPts val="1600"/>
-              </a:spcBef>
-              <a:spcAft>
-                <a:spcPts val="1600"/>
-              </a:spcAft>
-              <a:buSzPts val="1400"/>
-              <a:buFont typeface="Nunito Light"/>
-              <a:buChar char="■"/>
-              <a:defRPr/>
-            </a:lvl9pPr>
-          </a:lstStyle>
-          <a:p>
-            <a:endParaRPr/>
-          </a:p>
-        </p:txBody>
-      </p:sp>
-      <p:sp>
-        <p:nvSpPr>
-          <p:cNvPr id="191" name="Google Shape;191;p17"/>
-          <p:cNvSpPr txBox="1">
-            <a:spLocks noGrp="1"/>
-          </p:cNvSpPr>
-          <p:nvPr>
-            <p:ph type="title"/>
-          </p:nvPr>
-        </p:nvSpPr>
-        <p:spPr>
-          <a:xfrm>
-            <a:off x="470250" y="346050"/>
-            <a:ext cx="8203500" cy="755700"/>
-          </a:xfrm>
-          <a:prstGeom prst="rect">
-            <a:avLst/>
-          </a:prstGeom>
-        </p:spPr>
-        <p:txBody>
-          <a:bodyPr spcFirstLastPara="1" wrap="square" lIns="91425" tIns="91425" rIns="91425" bIns="91425" anchor="t" anchorCtr="0">
-            <a:noAutofit/>
-          </a:bodyPr>
-          <a:lstStyle>
-            <a:lvl1pPr lvl="0" algn="ctr" rtl="0">
-              <a:spcBef>
-                <a:spcPts val="0"/>
-              </a:spcBef>
-              <a:spcAft>
-                <a:spcPts val="0"/>
-              </a:spcAft>
-              <a:buSzPts val="2400"/>
-              <a:buNone/>
-              <a:defRPr sz="3000"/>
-            </a:lvl1pPr>
-            <a:lvl2pPr lvl="1" rtl="0">
-              <a:spcBef>
-                <a:spcPts val="0"/>
-              </a:spcBef>
-              <a:spcAft>
-                <a:spcPts val="0"/>
-              </a:spcAft>
-              <a:buSzPts val="2400"/>
-              <a:buNone/>
-              <a:defRPr sz="2400"/>
-            </a:lvl2pPr>
-            <a:lvl3pPr lvl="2" rtl="0">
-              <a:spcBef>
-                <a:spcPts val="0"/>
-              </a:spcBef>
-              <a:spcAft>
-                <a:spcPts val="0"/>
-              </a:spcAft>
-              <a:buSzPts val="2400"/>
-              <a:buNone/>
-              <a:defRPr sz="2400"/>
-            </a:lvl3pPr>
-            <a:lvl4pPr lvl="3" rtl="0">
-              <a:spcBef>
-                <a:spcPts val="0"/>
-              </a:spcBef>
-              <a:spcAft>
-                <a:spcPts val="0"/>
-              </a:spcAft>
-              <a:buSzPts val="2400"/>
-              <a:buNone/>
-              <a:defRPr sz="2400"/>
-            </a:lvl4pPr>
-            <a:lvl5pPr lvl="4" rtl="0">
-              <a:spcBef>
-                <a:spcPts val="0"/>
-              </a:spcBef>
-              <a:spcAft>
-                <a:spcPts val="0"/>
-              </a:spcAft>
-              <a:buSzPts val="2400"/>
-              <a:buNone/>
-              <a:defRPr sz="2400"/>
-            </a:lvl5pPr>
-            <a:lvl6pPr lvl="5" rtl="0">
-              <a:spcBef>
-                <a:spcPts val="0"/>
-              </a:spcBef>
-              <a:spcAft>
-                <a:spcPts val="0"/>
-              </a:spcAft>
-              <a:buSzPts val="2400"/>
-              <a:buNone/>
-              <a:defRPr sz="2400"/>
-            </a:lvl6pPr>
-            <a:lvl7pPr lvl="6" rtl="0">
-              <a:spcBef>
-                <a:spcPts val="0"/>
-              </a:spcBef>
-              <a:spcAft>
-                <a:spcPts val="0"/>
-              </a:spcAft>
-              <a:buSzPts val="2400"/>
-              <a:buNone/>
-              <a:defRPr sz="2400"/>
-            </a:lvl7pPr>
-            <a:lvl8pPr lvl="7" rtl="0">
-              <a:spcBef>
-                <a:spcPts val="0"/>
-              </a:spcBef>
-              <a:spcAft>
-                <a:spcPts val="0"/>
-              </a:spcAft>
-              <a:buSzPts val="2400"/>
-              <a:buNone/>
-              <a:defRPr sz="2400"/>
-            </a:lvl8pPr>
-            <a:lvl9pPr lvl="8" rtl="0">
-              <a:spcBef>
-                <a:spcPts val="0"/>
-              </a:spcBef>
-              <a:spcAft>
-                <a:spcPts val="0"/>
-              </a:spcAft>
-              <a:buSzPts val="2400"/>
-              <a:buNone/>
-              <a:defRPr sz="2400"/>
-            </a:lvl9pPr>
-          </a:lstStyle>
-          <a:p>
-            <a:endParaRPr/>
-          </a:p>
-        </p:txBody>
-      </p:sp>
-      <p:sp>
-        <p:nvSpPr>
-          <p:cNvPr id="192" name="Google Shape;192;p17"/>
-          <p:cNvSpPr/>
-          <p:nvPr/>
-        </p:nvSpPr>
-        <p:spPr>
-          <a:xfrm>
-            <a:off x="8068951" y="1415225"/>
-            <a:ext cx="310326" cy="318049"/>
-          </a:xfrm>
-          <a:custGeom>
-            <a:avLst/>
-            <a:gdLst/>
-            <a:ahLst/>
-            <a:cxnLst/>
-            <a:rect l="l" t="t" r="r" b="b"/>
-            <a:pathLst>
-              <a:path w="3452" h="3538" extrusionOk="0">
-                <a:moveTo>
-                  <a:pt x="1791" y="0"/>
-                </a:moveTo>
-                <a:cubicBezTo>
-                  <a:pt x="1783" y="0"/>
-                  <a:pt x="1775" y="2"/>
-                  <a:pt x="1767" y="6"/>
-                </a:cubicBezTo>
-                <a:cubicBezTo>
-                  <a:pt x="1726" y="6"/>
-                  <a:pt x="1685" y="15"/>
-                  <a:pt x="1653" y="23"/>
-                </a:cubicBezTo>
-                <a:cubicBezTo>
-                  <a:pt x="1628" y="31"/>
-                  <a:pt x="1612" y="39"/>
-                  <a:pt x="1596" y="47"/>
-                </a:cubicBezTo>
-                <a:cubicBezTo>
-                  <a:pt x="1523" y="80"/>
-                  <a:pt x="1474" y="129"/>
-                  <a:pt x="1482" y="186"/>
-                </a:cubicBezTo>
-                <a:cubicBezTo>
-                  <a:pt x="1482" y="259"/>
-                  <a:pt x="1580" y="332"/>
-                  <a:pt x="1718" y="348"/>
-                </a:cubicBezTo>
-                <a:lnTo>
-                  <a:pt x="1726" y="698"/>
-                </a:lnTo>
-                <a:cubicBezTo>
-                  <a:pt x="1689" y="695"/>
-                  <a:pt x="1652" y="693"/>
-                  <a:pt x="1615" y="693"/>
-                </a:cubicBezTo>
-                <a:cubicBezTo>
-                  <a:pt x="1344" y="693"/>
-                  <a:pt x="1080" y="796"/>
-                  <a:pt x="880" y="975"/>
-                </a:cubicBezTo>
-                <a:lnTo>
-                  <a:pt x="538" y="755"/>
-                </a:lnTo>
-                <a:cubicBezTo>
-                  <a:pt x="578" y="666"/>
-                  <a:pt x="570" y="584"/>
-                  <a:pt x="530" y="560"/>
-                </a:cubicBezTo>
-                <a:cubicBezTo>
-                  <a:pt x="513" y="553"/>
-                  <a:pt x="494" y="549"/>
-                  <a:pt x="476" y="549"/>
-                </a:cubicBezTo>
-                <a:cubicBezTo>
-                  <a:pt x="451" y="549"/>
-                  <a:pt x="426" y="557"/>
-                  <a:pt x="407" y="576"/>
-                </a:cubicBezTo>
-                <a:lnTo>
-                  <a:pt x="375" y="601"/>
-                </a:lnTo>
-                <a:cubicBezTo>
-                  <a:pt x="359" y="617"/>
-                  <a:pt x="334" y="641"/>
-                  <a:pt x="318" y="658"/>
-                </a:cubicBezTo>
-                <a:lnTo>
-                  <a:pt x="302" y="690"/>
-                </a:lnTo>
-                <a:cubicBezTo>
-                  <a:pt x="236" y="796"/>
-                  <a:pt x="220" y="910"/>
-                  <a:pt x="277" y="951"/>
-                </a:cubicBezTo>
-                <a:cubicBezTo>
-                  <a:pt x="292" y="959"/>
-                  <a:pt x="307" y="963"/>
-                  <a:pt x="323" y="963"/>
-                </a:cubicBezTo>
-                <a:cubicBezTo>
-                  <a:pt x="368" y="963"/>
-                  <a:pt x="416" y="930"/>
-                  <a:pt x="464" y="869"/>
-                </a:cubicBezTo>
-                <a:lnTo>
-                  <a:pt x="782" y="1073"/>
-                </a:lnTo>
-                <a:cubicBezTo>
-                  <a:pt x="530" y="1358"/>
-                  <a:pt x="448" y="1749"/>
-                  <a:pt x="554" y="2115"/>
-                </a:cubicBezTo>
-                <a:cubicBezTo>
-                  <a:pt x="554" y="2115"/>
-                  <a:pt x="554" y="2123"/>
-                  <a:pt x="554" y="2123"/>
-                </a:cubicBezTo>
-                <a:cubicBezTo>
-                  <a:pt x="562" y="2147"/>
-                  <a:pt x="570" y="2172"/>
-                  <a:pt x="578" y="2188"/>
-                </a:cubicBezTo>
-                <a:lnTo>
-                  <a:pt x="220" y="2351"/>
-                </a:lnTo>
-                <a:cubicBezTo>
-                  <a:pt x="181" y="2285"/>
-                  <a:pt x="131" y="2246"/>
-                  <a:pt x="87" y="2246"/>
-                </a:cubicBezTo>
-                <a:cubicBezTo>
-                  <a:pt x="77" y="2246"/>
-                  <a:pt x="67" y="2249"/>
-                  <a:pt x="57" y="2253"/>
-                </a:cubicBezTo>
-                <a:cubicBezTo>
-                  <a:pt x="17" y="2270"/>
-                  <a:pt x="0" y="2384"/>
-                  <a:pt x="49" y="2497"/>
-                </a:cubicBezTo>
-                <a:cubicBezTo>
-                  <a:pt x="49" y="2506"/>
-                  <a:pt x="57" y="2514"/>
-                  <a:pt x="57" y="2530"/>
-                </a:cubicBezTo>
-                <a:cubicBezTo>
-                  <a:pt x="74" y="2546"/>
-                  <a:pt x="90" y="2571"/>
-                  <a:pt x="106" y="2587"/>
-                </a:cubicBezTo>
-                <a:cubicBezTo>
-                  <a:pt x="114" y="2603"/>
-                  <a:pt x="122" y="2611"/>
-                  <a:pt x="131" y="2620"/>
-                </a:cubicBezTo>
-                <a:cubicBezTo>
-                  <a:pt x="149" y="2644"/>
-                  <a:pt x="177" y="2655"/>
-                  <a:pt x="208" y="2655"/>
-                </a:cubicBezTo>
-                <a:cubicBezTo>
-                  <a:pt x="217" y="2655"/>
-                  <a:pt x="227" y="2654"/>
-                  <a:pt x="236" y="2652"/>
-                </a:cubicBezTo>
-                <a:cubicBezTo>
-                  <a:pt x="285" y="2636"/>
-                  <a:pt x="302" y="2554"/>
-                  <a:pt x="277" y="2465"/>
-                </a:cubicBezTo>
-                <a:lnTo>
-                  <a:pt x="627" y="2310"/>
-                </a:lnTo>
-                <a:lnTo>
-                  <a:pt x="627" y="2318"/>
-                </a:lnTo>
-                <a:cubicBezTo>
-                  <a:pt x="643" y="2343"/>
-                  <a:pt x="660" y="2367"/>
-                  <a:pt x="676" y="2392"/>
-                </a:cubicBezTo>
-                <a:lnTo>
-                  <a:pt x="692" y="2416"/>
-                </a:lnTo>
-                <a:cubicBezTo>
-                  <a:pt x="700" y="2441"/>
-                  <a:pt x="717" y="2457"/>
-                  <a:pt x="733" y="2481"/>
-                </a:cubicBezTo>
-                <a:lnTo>
-                  <a:pt x="749" y="2497"/>
-                </a:lnTo>
-                <a:cubicBezTo>
-                  <a:pt x="766" y="2522"/>
-                  <a:pt x="782" y="2538"/>
-                  <a:pt x="806" y="2563"/>
-                </a:cubicBezTo>
-                <a:cubicBezTo>
-                  <a:pt x="806" y="2571"/>
-                  <a:pt x="823" y="2579"/>
-                  <a:pt x="823" y="2579"/>
-                </a:cubicBezTo>
-                <a:lnTo>
-                  <a:pt x="880" y="2636"/>
-                </a:lnTo>
-                <a:lnTo>
-                  <a:pt x="896" y="2652"/>
-                </a:lnTo>
-                <a:cubicBezTo>
-                  <a:pt x="920" y="2668"/>
-                  <a:pt x="945" y="2685"/>
-                  <a:pt x="969" y="2709"/>
-                </a:cubicBezTo>
-                <a:lnTo>
-                  <a:pt x="985" y="2717"/>
-                </a:lnTo>
-                <a:lnTo>
-                  <a:pt x="1059" y="2758"/>
-                </a:lnTo>
-                <a:lnTo>
-                  <a:pt x="1075" y="2774"/>
-                </a:lnTo>
-                <a:lnTo>
-                  <a:pt x="1124" y="2799"/>
-                </a:lnTo>
-                <a:lnTo>
-                  <a:pt x="1018" y="3149"/>
-                </a:lnTo>
-                <a:cubicBezTo>
-                  <a:pt x="998" y="3146"/>
-                  <a:pt x="978" y="3145"/>
-                  <a:pt x="959" y="3145"/>
-                </a:cubicBezTo>
-                <a:cubicBezTo>
-                  <a:pt x="848" y="3145"/>
-                  <a:pt x="762" y="3185"/>
-                  <a:pt x="741" y="3255"/>
-                </a:cubicBezTo>
-                <a:cubicBezTo>
-                  <a:pt x="733" y="3320"/>
-                  <a:pt x="766" y="3377"/>
-                  <a:pt x="823" y="3417"/>
-                </a:cubicBezTo>
-                <a:cubicBezTo>
-                  <a:pt x="839" y="3426"/>
-                  <a:pt x="855" y="3434"/>
-                  <a:pt x="871" y="3450"/>
-                </a:cubicBezTo>
-                <a:cubicBezTo>
-                  <a:pt x="904" y="3466"/>
-                  <a:pt x="945" y="3482"/>
-                  <a:pt x="977" y="3499"/>
-                </a:cubicBezTo>
-                <a:lnTo>
-                  <a:pt x="1026" y="3515"/>
-                </a:lnTo>
-                <a:cubicBezTo>
-                  <a:pt x="1082" y="3530"/>
-                  <a:pt x="1136" y="3537"/>
-                  <a:pt x="1186" y="3537"/>
-                </a:cubicBezTo>
-                <a:cubicBezTo>
-                  <a:pt x="1297" y="3537"/>
-                  <a:pt x="1384" y="3501"/>
-                  <a:pt x="1401" y="3434"/>
-                </a:cubicBezTo>
-                <a:cubicBezTo>
-                  <a:pt x="1425" y="3360"/>
-                  <a:pt x="1344" y="3263"/>
-                  <a:pt x="1221" y="3206"/>
-                </a:cubicBezTo>
-                <a:lnTo>
-                  <a:pt x="1311" y="2872"/>
-                </a:lnTo>
-                <a:lnTo>
-                  <a:pt x="1376" y="2888"/>
-                </a:lnTo>
-                <a:cubicBezTo>
-                  <a:pt x="1449" y="2900"/>
-                  <a:pt x="1523" y="2907"/>
-                  <a:pt x="1596" y="2907"/>
-                </a:cubicBezTo>
-                <a:cubicBezTo>
-                  <a:pt x="1669" y="2907"/>
-                  <a:pt x="1742" y="2900"/>
-                  <a:pt x="1816" y="2888"/>
-                </a:cubicBezTo>
-                <a:cubicBezTo>
-                  <a:pt x="1881" y="2872"/>
-                  <a:pt x="1938" y="2856"/>
-                  <a:pt x="1995" y="2839"/>
-                </a:cubicBezTo>
-                <a:lnTo>
-                  <a:pt x="2052" y="2815"/>
-                </a:lnTo>
-                <a:cubicBezTo>
-                  <a:pt x="2092" y="2799"/>
-                  <a:pt x="2133" y="2774"/>
-                  <a:pt x="2166" y="2758"/>
-                </a:cubicBezTo>
-                <a:lnTo>
-                  <a:pt x="2443" y="3067"/>
-                </a:lnTo>
-                <a:cubicBezTo>
-                  <a:pt x="2369" y="3157"/>
-                  <a:pt x="2337" y="3246"/>
-                  <a:pt x="2386" y="3295"/>
-                </a:cubicBezTo>
-                <a:cubicBezTo>
-                  <a:pt x="2403" y="3312"/>
-                  <a:pt x="2431" y="3322"/>
-                  <a:pt x="2466" y="3322"/>
-                </a:cubicBezTo>
-                <a:cubicBezTo>
-                  <a:pt x="2530" y="3322"/>
-                  <a:pt x="2616" y="3291"/>
-                  <a:pt x="2695" y="3222"/>
-                </a:cubicBezTo>
-                <a:cubicBezTo>
-                  <a:pt x="2703" y="3214"/>
-                  <a:pt x="2711" y="3206"/>
-                  <a:pt x="2719" y="3198"/>
-                </a:cubicBezTo>
-                <a:cubicBezTo>
-                  <a:pt x="2744" y="3173"/>
-                  <a:pt x="2760" y="3149"/>
-                  <a:pt x="2784" y="3116"/>
-                </a:cubicBezTo>
-                <a:cubicBezTo>
-                  <a:pt x="2793" y="3108"/>
-                  <a:pt x="2801" y="3092"/>
-                  <a:pt x="2801" y="3075"/>
-                </a:cubicBezTo>
-                <a:cubicBezTo>
-                  <a:pt x="2833" y="3035"/>
-                  <a:pt x="2833" y="2978"/>
-                  <a:pt x="2801" y="2929"/>
-                </a:cubicBezTo>
-                <a:cubicBezTo>
-                  <a:pt x="2784" y="2909"/>
-                  <a:pt x="2758" y="2900"/>
-                  <a:pt x="2727" y="2900"/>
-                </a:cubicBezTo>
-                <a:cubicBezTo>
-                  <a:pt x="2681" y="2900"/>
-                  <a:pt x="2623" y="2920"/>
-                  <a:pt x="2565" y="2953"/>
-                </a:cubicBezTo>
-                <a:lnTo>
-                  <a:pt x="2304" y="2660"/>
-                </a:lnTo>
-                <a:lnTo>
-                  <a:pt x="2337" y="2636"/>
-                </a:lnTo>
-                <a:cubicBezTo>
-                  <a:pt x="2377" y="2603"/>
-                  <a:pt x="2410" y="2563"/>
-                  <a:pt x="2451" y="2522"/>
-                </a:cubicBezTo>
-                <a:cubicBezTo>
-                  <a:pt x="2500" y="2465"/>
-                  <a:pt x="2540" y="2408"/>
-                  <a:pt x="2573" y="2343"/>
-                </a:cubicBezTo>
-                <a:cubicBezTo>
-                  <a:pt x="2589" y="2310"/>
-                  <a:pt x="2605" y="2278"/>
-                  <a:pt x="2622" y="2245"/>
-                </a:cubicBezTo>
-                <a:lnTo>
-                  <a:pt x="2874" y="2302"/>
-                </a:lnTo>
-                <a:cubicBezTo>
-                  <a:pt x="2874" y="2375"/>
-                  <a:pt x="2890" y="2432"/>
-                  <a:pt x="2931" y="2441"/>
-                </a:cubicBezTo>
-                <a:cubicBezTo>
-                  <a:pt x="2933" y="2441"/>
-                  <a:pt x="2936" y="2441"/>
-                  <a:pt x="2938" y="2441"/>
-                </a:cubicBezTo>
-                <a:cubicBezTo>
-                  <a:pt x="2978" y="2441"/>
-                  <a:pt x="3030" y="2378"/>
-                  <a:pt x="3053" y="2286"/>
-                </a:cubicBezTo>
-                <a:lnTo>
-                  <a:pt x="3053" y="2261"/>
-                </a:lnTo>
-                <a:cubicBezTo>
-                  <a:pt x="3053" y="2245"/>
-                  <a:pt x="3053" y="2221"/>
-                  <a:pt x="3053" y="2204"/>
-                </a:cubicBezTo>
-                <a:cubicBezTo>
-                  <a:pt x="3053" y="2188"/>
-                  <a:pt x="3053" y="2180"/>
-                  <a:pt x="3053" y="2172"/>
-                </a:cubicBezTo>
-                <a:cubicBezTo>
-                  <a:pt x="3045" y="2131"/>
-                  <a:pt x="3029" y="2107"/>
-                  <a:pt x="2996" y="2099"/>
-                </a:cubicBezTo>
-                <a:cubicBezTo>
-                  <a:pt x="2994" y="2098"/>
-                  <a:pt x="2992" y="2098"/>
-                  <a:pt x="2989" y="2098"/>
-                </a:cubicBezTo>
-                <a:cubicBezTo>
-                  <a:pt x="2962" y="2098"/>
-                  <a:pt x="2913" y="2137"/>
-                  <a:pt x="2890" y="2196"/>
-                </a:cubicBezTo>
-                <a:lnTo>
-                  <a:pt x="2654" y="2147"/>
-                </a:lnTo>
-                <a:cubicBezTo>
-                  <a:pt x="2670" y="2107"/>
-                  <a:pt x="2679" y="2074"/>
-                  <a:pt x="2687" y="2033"/>
-                </a:cubicBezTo>
-                <a:cubicBezTo>
-                  <a:pt x="2695" y="1993"/>
-                  <a:pt x="2703" y="1952"/>
-                  <a:pt x="2711" y="1911"/>
-                </a:cubicBezTo>
-                <a:lnTo>
-                  <a:pt x="2711" y="1879"/>
-                </a:lnTo>
-                <a:lnTo>
-                  <a:pt x="2711" y="1797"/>
-                </a:lnTo>
-                <a:lnTo>
-                  <a:pt x="2711" y="1757"/>
-                </a:lnTo>
-                <a:lnTo>
-                  <a:pt x="2711" y="1683"/>
-                </a:lnTo>
-                <a:cubicBezTo>
-                  <a:pt x="2711" y="1659"/>
-                  <a:pt x="2711" y="1651"/>
-                  <a:pt x="2703" y="1635"/>
-                </a:cubicBezTo>
-                <a:cubicBezTo>
-                  <a:pt x="2695" y="1626"/>
-                  <a:pt x="2703" y="1610"/>
-                  <a:pt x="2695" y="1602"/>
-                </a:cubicBezTo>
-                <a:lnTo>
-                  <a:pt x="3086" y="1456"/>
-                </a:lnTo>
-                <a:cubicBezTo>
-                  <a:pt x="3140" y="1565"/>
-                  <a:pt x="3218" y="1634"/>
-                  <a:pt x="3285" y="1634"/>
-                </a:cubicBezTo>
-                <a:cubicBezTo>
-                  <a:pt x="3298" y="1634"/>
-                  <a:pt x="3310" y="1632"/>
-                  <a:pt x="3322" y="1626"/>
-                </a:cubicBezTo>
-                <a:cubicBezTo>
-                  <a:pt x="3436" y="1594"/>
-                  <a:pt x="3452" y="1423"/>
-                  <a:pt x="3387" y="1244"/>
-                </a:cubicBezTo>
-                <a:cubicBezTo>
-                  <a:pt x="3387" y="1228"/>
-                  <a:pt x="3379" y="1211"/>
-                  <a:pt x="3371" y="1203"/>
-                </a:cubicBezTo>
-                <a:cubicBezTo>
-                  <a:pt x="3354" y="1162"/>
-                  <a:pt x="3338" y="1130"/>
-                  <a:pt x="3314" y="1097"/>
-                </a:cubicBezTo>
-                <a:cubicBezTo>
-                  <a:pt x="3297" y="1081"/>
-                  <a:pt x="3289" y="1073"/>
-                  <a:pt x="3273" y="1057"/>
-                </a:cubicBezTo>
-                <a:cubicBezTo>
-                  <a:pt x="3244" y="1007"/>
-                  <a:pt x="3191" y="982"/>
-                  <a:pt x="3134" y="982"/>
-                </a:cubicBezTo>
-                <a:cubicBezTo>
-                  <a:pt x="3126" y="982"/>
-                  <a:pt x="3118" y="982"/>
-                  <a:pt x="3110" y="983"/>
-                </a:cubicBezTo>
-                <a:cubicBezTo>
-                  <a:pt x="3037" y="1016"/>
-                  <a:pt x="3004" y="1130"/>
-                  <a:pt x="3029" y="1268"/>
-                </a:cubicBezTo>
-                <a:lnTo>
-                  <a:pt x="2654" y="1407"/>
-                </a:lnTo>
-                <a:cubicBezTo>
-                  <a:pt x="2646" y="1390"/>
-                  <a:pt x="2638" y="1374"/>
-                  <a:pt x="2630" y="1350"/>
-                </a:cubicBezTo>
-                <a:cubicBezTo>
-                  <a:pt x="2622" y="1342"/>
-                  <a:pt x="2622" y="1333"/>
-                  <a:pt x="2613" y="1317"/>
-                </a:cubicBezTo>
-                <a:cubicBezTo>
-                  <a:pt x="2605" y="1293"/>
-                  <a:pt x="2589" y="1276"/>
-                  <a:pt x="2581" y="1252"/>
-                </a:cubicBezTo>
-                <a:lnTo>
-                  <a:pt x="2557" y="1219"/>
-                </a:lnTo>
-                <a:cubicBezTo>
-                  <a:pt x="2548" y="1195"/>
-                  <a:pt x="2532" y="1179"/>
-                  <a:pt x="2516" y="1154"/>
-                </a:cubicBezTo>
-                <a:cubicBezTo>
-                  <a:pt x="2516" y="1146"/>
-                  <a:pt x="2508" y="1138"/>
-                  <a:pt x="2500" y="1138"/>
-                </a:cubicBezTo>
-                <a:cubicBezTo>
-                  <a:pt x="2475" y="1105"/>
-                  <a:pt x="2451" y="1073"/>
-                  <a:pt x="2426" y="1040"/>
-                </a:cubicBezTo>
-                <a:lnTo>
-                  <a:pt x="2605" y="894"/>
-                </a:lnTo>
-                <a:cubicBezTo>
-                  <a:pt x="2639" y="928"/>
-                  <a:pt x="2681" y="946"/>
-                  <a:pt x="2714" y="946"/>
-                </a:cubicBezTo>
-                <a:cubicBezTo>
-                  <a:pt x="2729" y="946"/>
-                  <a:pt x="2742" y="942"/>
-                  <a:pt x="2752" y="935"/>
-                </a:cubicBezTo>
-                <a:cubicBezTo>
-                  <a:pt x="2776" y="910"/>
-                  <a:pt x="2768" y="821"/>
-                  <a:pt x="2711" y="747"/>
-                </a:cubicBezTo>
-                <a:lnTo>
-                  <a:pt x="2695" y="723"/>
-                </a:lnTo>
-                <a:cubicBezTo>
-                  <a:pt x="2679" y="715"/>
-                  <a:pt x="2662" y="698"/>
-                  <a:pt x="2646" y="682"/>
-                </a:cubicBezTo>
-                <a:lnTo>
-                  <a:pt x="2622" y="674"/>
-                </a:lnTo>
-                <a:cubicBezTo>
-                  <a:pt x="2605" y="662"/>
-                  <a:pt x="2589" y="656"/>
-                  <a:pt x="2573" y="656"/>
-                </a:cubicBezTo>
-                <a:cubicBezTo>
-                  <a:pt x="2557" y="656"/>
-                  <a:pt x="2540" y="662"/>
-                  <a:pt x="2524" y="674"/>
-                </a:cubicBezTo>
-                <a:cubicBezTo>
-                  <a:pt x="2491" y="698"/>
-                  <a:pt x="2500" y="755"/>
-                  <a:pt x="2540" y="821"/>
-                </a:cubicBezTo>
-                <a:lnTo>
-                  <a:pt x="2353" y="975"/>
-                </a:lnTo>
-                <a:cubicBezTo>
-                  <a:pt x="2231" y="869"/>
-                  <a:pt x="2084" y="788"/>
-                  <a:pt x="1930" y="747"/>
-                </a:cubicBezTo>
-                <a:lnTo>
-                  <a:pt x="1930" y="348"/>
-                </a:lnTo>
-                <a:cubicBezTo>
-                  <a:pt x="2068" y="324"/>
-                  <a:pt x="2166" y="251"/>
-                  <a:pt x="2166" y="177"/>
-                </a:cubicBezTo>
-                <a:cubicBezTo>
-                  <a:pt x="2166" y="77"/>
-                  <a:pt x="2019" y="6"/>
-                  <a:pt x="1844" y="6"/>
-                </a:cubicBezTo>
-                <a:cubicBezTo>
-                  <a:pt x="1835" y="6"/>
-                  <a:pt x="1825" y="6"/>
-                  <a:pt x="1816" y="6"/>
-                </a:cubicBezTo>
-                <a:cubicBezTo>
-                  <a:pt x="1808" y="2"/>
-                  <a:pt x="1799" y="0"/>
-                  <a:pt x="1791" y="0"/>
-                </a:cubicBezTo>
-                <a:close/>
-              </a:path>
-            </a:pathLst>
-          </a:custGeom>
-          <a:solidFill>
-            <a:schemeClr val="accent1"/>
-          </a:solidFill>
-          <a:ln>
-            <a:noFill/>
-          </a:ln>
-        </p:spPr>
-        <p:txBody>
-          <a:bodyPr spcFirstLastPara="1" wrap="square" lIns="91425" tIns="91425" rIns="91425" bIns="91425" anchor="ctr" anchorCtr="0">
-            <a:noAutofit/>
-          </a:bodyPr>
-          <a:lstStyle/>
-          <a:p>
-            <a:pPr marL="0" lvl="0" indent="0" algn="l" rtl="0">
-              <a:spcBef>
-                <a:spcPts val="0"/>
-              </a:spcBef>
-              <a:spcAft>
-                <a:spcPts val="0"/>
-              </a:spcAft>
-              <a:buNone/>
-            </a:pPr>
-            <a:endParaRPr/>
-          </a:p>
-        </p:txBody>
-      </p:sp>
-      <p:sp>
-        <p:nvSpPr>
-          <p:cNvPr id="193" name="Google Shape;193;p17"/>
-          <p:cNvSpPr/>
-          <p:nvPr/>
-        </p:nvSpPr>
-        <p:spPr>
-          <a:xfrm>
-            <a:off x="8511773" y="2032679"/>
-            <a:ext cx="960476" cy="984378"/>
-          </a:xfrm>
-          <a:custGeom>
-            <a:avLst/>
-            <a:gdLst/>
-            <a:ahLst/>
-            <a:cxnLst/>
-            <a:rect l="l" t="t" r="r" b="b"/>
-            <a:pathLst>
-              <a:path w="3452" h="3538" extrusionOk="0">
-                <a:moveTo>
-                  <a:pt x="1791" y="0"/>
-                </a:moveTo>
-                <a:cubicBezTo>
-                  <a:pt x="1783" y="0"/>
-                  <a:pt x="1775" y="2"/>
-                  <a:pt x="1767" y="6"/>
-                </a:cubicBezTo>
-                <a:cubicBezTo>
-                  <a:pt x="1726" y="6"/>
-                  <a:pt x="1685" y="15"/>
-                  <a:pt x="1653" y="23"/>
-                </a:cubicBezTo>
-                <a:cubicBezTo>
-                  <a:pt x="1628" y="31"/>
-                  <a:pt x="1612" y="39"/>
-                  <a:pt x="1596" y="47"/>
-                </a:cubicBezTo>
-                <a:cubicBezTo>
-                  <a:pt x="1523" y="80"/>
-                  <a:pt x="1474" y="129"/>
-                  <a:pt x="1482" y="186"/>
-                </a:cubicBezTo>
-                <a:cubicBezTo>
-                  <a:pt x="1482" y="259"/>
-                  <a:pt x="1580" y="332"/>
-                  <a:pt x="1718" y="348"/>
-                </a:cubicBezTo>
-                <a:lnTo>
-                  <a:pt x="1726" y="698"/>
-                </a:lnTo>
-                <a:cubicBezTo>
-                  <a:pt x="1689" y="695"/>
-                  <a:pt x="1652" y="693"/>
-                  <a:pt x="1615" y="693"/>
-                </a:cubicBezTo>
-                <a:cubicBezTo>
-                  <a:pt x="1344" y="693"/>
-                  <a:pt x="1080" y="796"/>
-                  <a:pt x="880" y="975"/>
-                </a:cubicBezTo>
-                <a:lnTo>
-                  <a:pt x="538" y="755"/>
-                </a:lnTo>
-                <a:cubicBezTo>
-                  <a:pt x="578" y="666"/>
-                  <a:pt x="570" y="584"/>
-                  <a:pt x="530" y="560"/>
-                </a:cubicBezTo>
-                <a:cubicBezTo>
-                  <a:pt x="513" y="553"/>
-                  <a:pt x="494" y="549"/>
-                  <a:pt x="476" y="549"/>
-                </a:cubicBezTo>
-                <a:cubicBezTo>
-                  <a:pt x="451" y="549"/>
-                  <a:pt x="426" y="557"/>
-                  <a:pt x="407" y="576"/>
-                </a:cubicBezTo>
-                <a:lnTo>
-                  <a:pt x="375" y="601"/>
-                </a:lnTo>
-                <a:cubicBezTo>
-                  <a:pt x="359" y="617"/>
-                  <a:pt x="334" y="641"/>
-                  <a:pt x="318" y="658"/>
-                </a:cubicBezTo>
-                <a:lnTo>
-                  <a:pt x="302" y="690"/>
-                </a:lnTo>
-                <a:cubicBezTo>
-                  <a:pt x="236" y="796"/>
-                  <a:pt x="220" y="910"/>
-                  <a:pt x="277" y="951"/>
-                </a:cubicBezTo>
-                <a:cubicBezTo>
-                  <a:pt x="292" y="959"/>
-                  <a:pt x="307" y="963"/>
-                  <a:pt x="323" y="963"/>
-                </a:cubicBezTo>
-                <a:cubicBezTo>
-                  <a:pt x="368" y="963"/>
-                  <a:pt x="416" y="930"/>
-                  <a:pt x="464" y="869"/>
-                </a:cubicBezTo>
-                <a:lnTo>
-                  <a:pt x="782" y="1073"/>
-                </a:lnTo>
-                <a:cubicBezTo>
-                  <a:pt x="530" y="1358"/>
-                  <a:pt x="448" y="1749"/>
-                  <a:pt x="554" y="2115"/>
-                </a:cubicBezTo>
-                <a:cubicBezTo>
-                  <a:pt x="554" y="2115"/>
-                  <a:pt x="554" y="2123"/>
-                  <a:pt x="554" y="2123"/>
-                </a:cubicBezTo>
-                <a:cubicBezTo>
-                  <a:pt x="562" y="2147"/>
-                  <a:pt x="570" y="2172"/>
-                  <a:pt x="578" y="2188"/>
-                </a:cubicBezTo>
-                <a:lnTo>
-                  <a:pt x="220" y="2351"/>
-                </a:lnTo>
-                <a:cubicBezTo>
-                  <a:pt x="181" y="2285"/>
-                  <a:pt x="131" y="2246"/>
-                  <a:pt x="87" y="2246"/>
-                </a:cubicBezTo>
-                <a:cubicBezTo>
-                  <a:pt x="77" y="2246"/>
-                  <a:pt x="67" y="2249"/>
-                  <a:pt x="57" y="2253"/>
-                </a:cubicBezTo>
-                <a:cubicBezTo>
-                  <a:pt x="17" y="2270"/>
-                  <a:pt x="0" y="2384"/>
-                  <a:pt x="49" y="2497"/>
-                </a:cubicBezTo>
-                <a:cubicBezTo>
-                  <a:pt x="49" y="2506"/>
-                  <a:pt x="57" y="2514"/>
-                  <a:pt x="57" y="2530"/>
-                </a:cubicBezTo>
-                <a:cubicBezTo>
-                  <a:pt x="74" y="2546"/>
-                  <a:pt x="90" y="2571"/>
-                  <a:pt x="106" y="2587"/>
-                </a:cubicBezTo>
-                <a:cubicBezTo>
-                  <a:pt x="114" y="2603"/>
-                  <a:pt x="122" y="2611"/>
-                  <a:pt x="131" y="2620"/>
-                </a:cubicBezTo>
-                <a:cubicBezTo>
-                  <a:pt x="149" y="2644"/>
-                  <a:pt x="177" y="2655"/>
-                  <a:pt x="208" y="2655"/>
-                </a:cubicBezTo>
-                <a:cubicBezTo>
-                  <a:pt x="217" y="2655"/>
-                  <a:pt x="227" y="2654"/>
-                  <a:pt x="236" y="2652"/>
-                </a:cubicBezTo>
-                <a:cubicBezTo>
-                  <a:pt x="285" y="2636"/>
-                  <a:pt x="302" y="2554"/>
-                  <a:pt x="277" y="2465"/>
-                </a:cubicBezTo>
-                <a:lnTo>
-                  <a:pt x="627" y="2310"/>
-                </a:lnTo>
-                <a:lnTo>
-                  <a:pt x="627" y="2318"/>
-                </a:lnTo>
-                <a:cubicBezTo>
-                  <a:pt x="643" y="2343"/>
-                  <a:pt x="660" y="2367"/>
-                  <a:pt x="676" y="2392"/>
-                </a:cubicBezTo>
-                <a:lnTo>
-                  <a:pt x="692" y="2416"/>
-                </a:lnTo>
-                <a:cubicBezTo>
-                  <a:pt x="700" y="2441"/>
-                  <a:pt x="717" y="2457"/>
-                  <a:pt x="733" y="2481"/>
-                </a:cubicBezTo>
-                <a:lnTo>
-                  <a:pt x="749" y="2497"/>
-                </a:lnTo>
-                <a:cubicBezTo>
-                  <a:pt x="766" y="2522"/>
-                  <a:pt x="782" y="2538"/>
-                  <a:pt x="806" y="2563"/>
-                </a:cubicBezTo>
-                <a:cubicBezTo>
-                  <a:pt x="806" y="2571"/>
-                  <a:pt x="823" y="2579"/>
-                  <a:pt x="823" y="2579"/>
-                </a:cubicBezTo>
-                <a:lnTo>
-                  <a:pt x="880" y="2636"/>
-                </a:lnTo>
-                <a:lnTo>
-                  <a:pt x="896" y="2652"/>
-                </a:lnTo>
-                <a:cubicBezTo>
-                  <a:pt x="920" y="2668"/>
-                  <a:pt x="945" y="2685"/>
-                  <a:pt x="969" y="2709"/>
-                </a:cubicBezTo>
-                <a:lnTo>
-                  <a:pt x="985" y="2717"/>
-                </a:lnTo>
-                <a:lnTo>
-                  <a:pt x="1059" y="2758"/>
-                </a:lnTo>
-                <a:lnTo>
-                  <a:pt x="1075" y="2774"/>
-                </a:lnTo>
-                <a:lnTo>
-                  <a:pt x="1124" y="2799"/>
-                </a:lnTo>
-                <a:lnTo>
-                  <a:pt x="1018" y="3149"/>
-                </a:lnTo>
-                <a:cubicBezTo>
-                  <a:pt x="998" y="3146"/>
-                  <a:pt x="978" y="3145"/>
-                  <a:pt x="959" y="3145"/>
-                </a:cubicBezTo>
-                <a:cubicBezTo>
-                  <a:pt x="848" y="3145"/>
-                  <a:pt x="762" y="3185"/>
-                  <a:pt x="741" y="3255"/>
-                </a:cubicBezTo>
-                <a:cubicBezTo>
-                  <a:pt x="733" y="3320"/>
-                  <a:pt x="766" y="3377"/>
-                  <a:pt x="823" y="3417"/>
-                </a:cubicBezTo>
-                <a:cubicBezTo>
-                  <a:pt x="839" y="3426"/>
-                  <a:pt x="855" y="3434"/>
-                  <a:pt x="871" y="3450"/>
-                </a:cubicBezTo>
-                <a:cubicBezTo>
-                  <a:pt x="904" y="3466"/>
-                  <a:pt x="945" y="3482"/>
-                  <a:pt x="977" y="3499"/>
-                </a:cubicBezTo>
-                <a:lnTo>
-                  <a:pt x="1026" y="3515"/>
-                </a:lnTo>
-                <a:cubicBezTo>
-                  <a:pt x="1082" y="3530"/>
-                  <a:pt x="1136" y="3537"/>
-                  <a:pt x="1186" y="3537"/>
-                </a:cubicBezTo>
-                <a:cubicBezTo>
-                  <a:pt x="1297" y="3537"/>
-                  <a:pt x="1384" y="3501"/>
-                  <a:pt x="1401" y="3434"/>
-                </a:cubicBezTo>
-                <a:cubicBezTo>
-                  <a:pt x="1425" y="3360"/>
-                  <a:pt x="1344" y="3263"/>
-                  <a:pt x="1221" y="3206"/>
-                </a:cubicBezTo>
-                <a:lnTo>
-                  <a:pt x="1311" y="2872"/>
-                </a:lnTo>
-                <a:lnTo>
-                  <a:pt x="1376" y="2888"/>
-                </a:lnTo>
-                <a:cubicBezTo>
-                  <a:pt x="1449" y="2900"/>
-                  <a:pt x="1523" y="2907"/>
-                  <a:pt x="1596" y="2907"/>
-                </a:cubicBezTo>
-                <a:cubicBezTo>
-                  <a:pt x="1669" y="2907"/>
-                  <a:pt x="1742" y="2900"/>
-                  <a:pt x="1816" y="2888"/>
-                </a:cubicBezTo>
-                <a:cubicBezTo>
-                  <a:pt x="1881" y="2872"/>
-                  <a:pt x="1938" y="2856"/>
-                  <a:pt x="1995" y="2839"/>
-                </a:cubicBezTo>
-                <a:lnTo>
-                  <a:pt x="2052" y="2815"/>
-                </a:lnTo>
-                <a:cubicBezTo>
-                  <a:pt x="2092" y="2799"/>
-                  <a:pt x="2133" y="2774"/>
-                  <a:pt x="2166" y="2758"/>
-                </a:cubicBezTo>
-                <a:lnTo>
-                  <a:pt x="2443" y="3067"/>
-                </a:lnTo>
-                <a:cubicBezTo>
-                  <a:pt x="2369" y="3157"/>
-                  <a:pt x="2337" y="3246"/>
-                  <a:pt x="2386" y="3295"/>
-                </a:cubicBezTo>
-                <a:cubicBezTo>
-                  <a:pt x="2403" y="3312"/>
-                  <a:pt x="2431" y="3322"/>
-                  <a:pt x="2466" y="3322"/>
-                </a:cubicBezTo>
-                <a:cubicBezTo>
-                  <a:pt x="2530" y="3322"/>
-                  <a:pt x="2616" y="3291"/>
-                  <a:pt x="2695" y="3222"/>
-                </a:cubicBezTo>
-                <a:cubicBezTo>
-                  <a:pt x="2703" y="3214"/>
-                  <a:pt x="2711" y="3206"/>
-                  <a:pt x="2719" y="3198"/>
-                </a:cubicBezTo>
-                <a:cubicBezTo>
-                  <a:pt x="2744" y="3173"/>
-                  <a:pt x="2760" y="3149"/>
-                  <a:pt x="2784" y="3116"/>
-                </a:cubicBezTo>
-                <a:cubicBezTo>
-                  <a:pt x="2793" y="3108"/>
-                  <a:pt x="2801" y="3092"/>
-                  <a:pt x="2801" y="3075"/>
-                </a:cubicBezTo>
-                <a:cubicBezTo>
-                  <a:pt x="2833" y="3035"/>
-                  <a:pt x="2833" y="2978"/>
-                  <a:pt x="2801" y="2929"/>
-                </a:cubicBezTo>
-                <a:cubicBezTo>
-                  <a:pt x="2784" y="2909"/>
-                  <a:pt x="2758" y="2900"/>
-                  <a:pt x="2727" y="2900"/>
-                </a:cubicBezTo>
-                <a:cubicBezTo>
-                  <a:pt x="2681" y="2900"/>
-                  <a:pt x="2623" y="2920"/>
-                  <a:pt x="2565" y="2953"/>
-                </a:cubicBezTo>
-                <a:lnTo>
-                  <a:pt x="2304" y="2660"/>
-                </a:lnTo>
-                <a:lnTo>
-                  <a:pt x="2337" y="2636"/>
-                </a:lnTo>
-                <a:cubicBezTo>
-                  <a:pt x="2377" y="2603"/>
-                  <a:pt x="2410" y="2563"/>
-                  <a:pt x="2451" y="2522"/>
-                </a:cubicBezTo>
-                <a:cubicBezTo>
-                  <a:pt x="2500" y="2465"/>
-                  <a:pt x="2540" y="2408"/>
-                  <a:pt x="2573" y="2343"/>
-                </a:cubicBezTo>
-                <a:cubicBezTo>
-                  <a:pt x="2589" y="2310"/>
-                  <a:pt x="2605" y="2278"/>
-                  <a:pt x="2622" y="2245"/>
-                </a:cubicBezTo>
-                <a:lnTo>
-                  <a:pt x="2874" y="2302"/>
-                </a:lnTo>
-                <a:cubicBezTo>
-                  <a:pt x="2874" y="2375"/>
-                  <a:pt x="2890" y="2432"/>
-                  <a:pt x="2931" y="2441"/>
-                </a:cubicBezTo>
-                <a:cubicBezTo>
-                  <a:pt x="2933" y="2441"/>
-                  <a:pt x="2936" y="2441"/>
-                  <a:pt x="2938" y="2441"/>
-                </a:cubicBezTo>
-                <a:cubicBezTo>
-                  <a:pt x="2978" y="2441"/>
-                  <a:pt x="3030" y="2378"/>
-                  <a:pt x="3053" y="2286"/>
-                </a:cubicBezTo>
-                <a:lnTo>
-                  <a:pt x="3053" y="2261"/>
-                </a:lnTo>
-                <a:cubicBezTo>
-                  <a:pt x="3053" y="2245"/>
-                  <a:pt x="3053" y="2221"/>
-                  <a:pt x="3053" y="2204"/>
-                </a:cubicBezTo>
-                <a:cubicBezTo>
-                  <a:pt x="3053" y="2188"/>
-                  <a:pt x="3053" y="2180"/>
-                  <a:pt x="3053" y="2172"/>
-                </a:cubicBezTo>
-                <a:cubicBezTo>
-                  <a:pt x="3045" y="2131"/>
-                  <a:pt x="3029" y="2107"/>
-                  <a:pt x="2996" y="2099"/>
-                </a:cubicBezTo>
-                <a:cubicBezTo>
-                  <a:pt x="2994" y="2098"/>
-                  <a:pt x="2992" y="2098"/>
-                  <a:pt x="2989" y="2098"/>
-                </a:cubicBezTo>
-                <a:cubicBezTo>
-                  <a:pt x="2962" y="2098"/>
-                  <a:pt x="2913" y="2137"/>
-                  <a:pt x="2890" y="2196"/>
-                </a:cubicBezTo>
-                <a:lnTo>
-                  <a:pt x="2654" y="2147"/>
-                </a:lnTo>
-                <a:cubicBezTo>
-                  <a:pt x="2670" y="2107"/>
-                  <a:pt x="2679" y="2074"/>
-                  <a:pt x="2687" y="2033"/>
-                </a:cubicBezTo>
-                <a:cubicBezTo>
-                  <a:pt x="2695" y="1993"/>
-                  <a:pt x="2703" y="1952"/>
-                  <a:pt x="2711" y="1911"/>
-                </a:cubicBezTo>
-                <a:lnTo>
-                  <a:pt x="2711" y="1879"/>
-                </a:lnTo>
-                <a:lnTo>
-                  <a:pt x="2711" y="1797"/>
-                </a:lnTo>
-                <a:lnTo>
-                  <a:pt x="2711" y="1757"/>
-                </a:lnTo>
-                <a:lnTo>
-                  <a:pt x="2711" y="1683"/>
-                </a:lnTo>
-                <a:cubicBezTo>
-                  <a:pt x="2711" y="1659"/>
-                  <a:pt x="2711" y="1651"/>
-                  <a:pt x="2703" y="1635"/>
-                </a:cubicBezTo>
-                <a:cubicBezTo>
-                  <a:pt x="2695" y="1626"/>
-                  <a:pt x="2703" y="1610"/>
-                  <a:pt x="2695" y="1602"/>
-                </a:cubicBezTo>
-                <a:lnTo>
-                  <a:pt x="3086" y="1456"/>
-                </a:lnTo>
-                <a:cubicBezTo>
-                  <a:pt x="3140" y="1565"/>
-                  <a:pt x="3218" y="1634"/>
-                  <a:pt x="3285" y="1634"/>
-                </a:cubicBezTo>
-                <a:cubicBezTo>
-                  <a:pt x="3298" y="1634"/>
-                  <a:pt x="3310" y="1632"/>
-                  <a:pt x="3322" y="1626"/>
-                </a:cubicBezTo>
-                <a:cubicBezTo>
-                  <a:pt x="3436" y="1594"/>
-                  <a:pt x="3452" y="1423"/>
-                  <a:pt x="3387" y="1244"/>
-                </a:cubicBezTo>
-                <a:cubicBezTo>
-                  <a:pt x="3387" y="1228"/>
-                  <a:pt x="3379" y="1211"/>
-                  <a:pt x="3371" y="1203"/>
-                </a:cubicBezTo>
-                <a:cubicBezTo>
-                  <a:pt x="3354" y="1162"/>
-                  <a:pt x="3338" y="1130"/>
-                  <a:pt x="3314" y="1097"/>
-                </a:cubicBezTo>
-                <a:cubicBezTo>
-                  <a:pt x="3297" y="1081"/>
-                  <a:pt x="3289" y="1073"/>
-                  <a:pt x="3273" y="1057"/>
-                </a:cubicBezTo>
-                <a:cubicBezTo>
-                  <a:pt x="3244" y="1007"/>
-                  <a:pt x="3191" y="982"/>
-                  <a:pt x="3134" y="982"/>
-                </a:cubicBezTo>
-                <a:cubicBezTo>
-                  <a:pt x="3126" y="982"/>
-                  <a:pt x="3118" y="982"/>
-                  <a:pt x="3110" y="983"/>
-                </a:cubicBezTo>
-                <a:cubicBezTo>
-                  <a:pt x="3037" y="1016"/>
-                  <a:pt x="3004" y="1130"/>
-                  <a:pt x="3029" y="1268"/>
-                </a:cubicBezTo>
-                <a:lnTo>
-                  <a:pt x="2654" y="1407"/>
-                </a:lnTo>
-                <a:cubicBezTo>
-                  <a:pt x="2646" y="1390"/>
-                  <a:pt x="2638" y="1374"/>
-                  <a:pt x="2630" y="1350"/>
-                </a:cubicBezTo>
-                <a:cubicBezTo>
-                  <a:pt x="2622" y="1342"/>
-                  <a:pt x="2622" y="1333"/>
-                  <a:pt x="2613" y="1317"/>
-                </a:cubicBezTo>
-                <a:cubicBezTo>
-                  <a:pt x="2605" y="1293"/>
-                  <a:pt x="2589" y="1276"/>
-                  <a:pt x="2581" y="1252"/>
-                </a:cubicBezTo>
-                <a:lnTo>
-                  <a:pt x="2557" y="1219"/>
-                </a:lnTo>
-                <a:cubicBezTo>
-                  <a:pt x="2548" y="1195"/>
-                  <a:pt x="2532" y="1179"/>
-                  <a:pt x="2516" y="1154"/>
-                </a:cubicBezTo>
-                <a:cubicBezTo>
-                  <a:pt x="2516" y="1146"/>
-                  <a:pt x="2508" y="1138"/>
-                  <a:pt x="2500" y="1138"/>
-                </a:cubicBezTo>
-                <a:cubicBezTo>
-                  <a:pt x="2475" y="1105"/>
-                  <a:pt x="2451" y="1073"/>
-                  <a:pt x="2426" y="1040"/>
-                </a:cubicBezTo>
-                <a:lnTo>
-                  <a:pt x="2605" y="894"/>
-                </a:lnTo>
-                <a:cubicBezTo>
-                  <a:pt x="2639" y="928"/>
-                  <a:pt x="2681" y="946"/>
-                  <a:pt x="2714" y="946"/>
-                </a:cubicBezTo>
-                <a:cubicBezTo>
-                  <a:pt x="2729" y="946"/>
-                  <a:pt x="2742" y="942"/>
-                  <a:pt x="2752" y="935"/>
-                </a:cubicBezTo>
-                <a:cubicBezTo>
-                  <a:pt x="2776" y="910"/>
-                  <a:pt x="2768" y="821"/>
-                  <a:pt x="2711" y="747"/>
-                </a:cubicBezTo>
-                <a:lnTo>
-                  <a:pt x="2695" y="723"/>
-                </a:lnTo>
-                <a:cubicBezTo>
-                  <a:pt x="2679" y="715"/>
-                  <a:pt x="2662" y="698"/>
-                  <a:pt x="2646" y="682"/>
-                </a:cubicBezTo>
-                <a:lnTo>
-                  <a:pt x="2622" y="674"/>
-                </a:lnTo>
-                <a:cubicBezTo>
-                  <a:pt x="2605" y="662"/>
-                  <a:pt x="2589" y="656"/>
-                  <a:pt x="2573" y="656"/>
-                </a:cubicBezTo>
-                <a:cubicBezTo>
-                  <a:pt x="2557" y="656"/>
-                  <a:pt x="2540" y="662"/>
-                  <a:pt x="2524" y="674"/>
-                </a:cubicBezTo>
-                <a:cubicBezTo>
-                  <a:pt x="2491" y="698"/>
-                  <a:pt x="2500" y="755"/>
-                  <a:pt x="2540" y="821"/>
-                </a:cubicBezTo>
-                <a:lnTo>
-                  <a:pt x="2353" y="975"/>
-                </a:lnTo>
-                <a:cubicBezTo>
-                  <a:pt x="2231" y="869"/>
-                  <a:pt x="2084" y="788"/>
-                  <a:pt x="1930" y="747"/>
-                </a:cubicBezTo>
-                <a:lnTo>
-                  <a:pt x="1930" y="348"/>
-                </a:lnTo>
-                <a:cubicBezTo>
-                  <a:pt x="2068" y="324"/>
-                  <a:pt x="2166" y="251"/>
-                  <a:pt x="2166" y="177"/>
-                </a:cubicBezTo>
-                <a:cubicBezTo>
-                  <a:pt x="2166" y="77"/>
-                  <a:pt x="2019" y="6"/>
-                  <a:pt x="1844" y="6"/>
-                </a:cubicBezTo>
-                <a:cubicBezTo>
-                  <a:pt x="1835" y="6"/>
-                  <a:pt x="1825" y="6"/>
-                  <a:pt x="1816" y="6"/>
-                </a:cubicBezTo>
-                <a:cubicBezTo>
-                  <a:pt x="1808" y="2"/>
-                  <a:pt x="1799" y="0"/>
-                  <a:pt x="1791" y="0"/>
-                </a:cubicBezTo>
-                <a:close/>
-              </a:path>
-            </a:pathLst>
-          </a:custGeom>
-          <a:solidFill>
-            <a:schemeClr val="lt1"/>
-          </a:solidFill>
-          <a:ln>
-            <a:noFill/>
-          </a:ln>
-        </p:spPr>
-        <p:txBody>
-          <a:bodyPr spcFirstLastPara="1" wrap="square" lIns="91425" tIns="91425" rIns="91425" bIns="91425" anchor="ctr" anchorCtr="0">
-            <a:noAutofit/>
-          </a:bodyPr>
-          <a:lstStyle/>
-          <a:p>
-            <a:pPr marL="0" lvl="0" indent="0" algn="l" rtl="0">
-              <a:spcBef>
-                <a:spcPts val="0"/>
-              </a:spcBef>
-              <a:spcAft>
-                <a:spcPts val="0"/>
-              </a:spcAft>
-              <a:buNone/>
-            </a:pPr>
-            <a:endParaRPr/>
-          </a:p>
-        </p:txBody>
-      </p:sp>
-      <p:sp>
-        <p:nvSpPr>
-          <p:cNvPr id="194" name="Google Shape;194;p17"/>
-          <p:cNvSpPr/>
-          <p:nvPr/>
-        </p:nvSpPr>
-        <p:spPr>
-          <a:xfrm>
-            <a:off x="1357125" y="929401"/>
-            <a:ext cx="411953" cy="422198"/>
-          </a:xfrm>
-          <a:custGeom>
-            <a:avLst/>
-            <a:gdLst/>
-            <a:ahLst/>
-            <a:cxnLst/>
-            <a:rect l="l" t="t" r="r" b="b"/>
-            <a:pathLst>
-              <a:path w="3452" h="3538" extrusionOk="0">
-                <a:moveTo>
-                  <a:pt x="1791" y="0"/>
-                </a:moveTo>
-                <a:cubicBezTo>
-                  <a:pt x="1783" y="0"/>
-                  <a:pt x="1775" y="2"/>
-                  <a:pt x="1767" y="6"/>
-                </a:cubicBezTo>
-                <a:cubicBezTo>
-                  <a:pt x="1726" y="6"/>
-                  <a:pt x="1685" y="15"/>
-                  <a:pt x="1653" y="23"/>
-                </a:cubicBezTo>
-                <a:cubicBezTo>
-                  <a:pt x="1628" y="31"/>
-                  <a:pt x="1612" y="39"/>
-                  <a:pt x="1596" y="47"/>
-                </a:cubicBezTo>
-                <a:cubicBezTo>
-                  <a:pt x="1523" y="80"/>
-                  <a:pt x="1474" y="129"/>
-                  <a:pt x="1482" y="186"/>
-                </a:cubicBezTo>
-                <a:cubicBezTo>
-                  <a:pt x="1482" y="259"/>
-                  <a:pt x="1580" y="332"/>
-                  <a:pt x="1718" y="348"/>
-                </a:cubicBezTo>
-                <a:lnTo>
-                  <a:pt x="1726" y="698"/>
-                </a:lnTo>
-                <a:cubicBezTo>
-                  <a:pt x="1689" y="695"/>
-                  <a:pt x="1652" y="693"/>
-                  <a:pt x="1615" y="693"/>
-                </a:cubicBezTo>
-                <a:cubicBezTo>
-                  <a:pt x="1344" y="693"/>
-                  <a:pt x="1080" y="796"/>
-                  <a:pt x="880" y="975"/>
-                </a:cubicBezTo>
-                <a:lnTo>
-                  <a:pt x="538" y="755"/>
-                </a:lnTo>
-                <a:cubicBezTo>
-                  <a:pt x="578" y="666"/>
-                  <a:pt x="570" y="584"/>
-                  <a:pt x="530" y="560"/>
-                </a:cubicBezTo>
-                <a:cubicBezTo>
-                  <a:pt x="513" y="553"/>
-                  <a:pt x="494" y="549"/>
-                  <a:pt x="476" y="549"/>
-                </a:cubicBezTo>
-                <a:cubicBezTo>
-                  <a:pt x="451" y="549"/>
-                  <a:pt x="426" y="557"/>
-                  <a:pt x="407" y="576"/>
-                </a:cubicBezTo>
-                <a:lnTo>
-                  <a:pt x="375" y="601"/>
-                </a:lnTo>
-                <a:cubicBezTo>
-                  <a:pt x="359" y="617"/>
-                  <a:pt x="334" y="641"/>
-                  <a:pt x="318" y="658"/>
-                </a:cubicBezTo>
-                <a:lnTo>
-                  <a:pt x="302" y="690"/>
-                </a:lnTo>
-                <a:cubicBezTo>
-                  <a:pt x="236" y="796"/>
-                  <a:pt x="220" y="910"/>
-                  <a:pt x="277" y="951"/>
-                </a:cubicBezTo>
-                <a:cubicBezTo>
-                  <a:pt x="292" y="959"/>
-                  <a:pt x="307" y="963"/>
-                  <a:pt x="323" y="963"/>
-                </a:cubicBezTo>
-                <a:cubicBezTo>
-                  <a:pt x="368" y="963"/>
-                  <a:pt x="416" y="930"/>
-                  <a:pt x="464" y="869"/>
-                </a:cubicBezTo>
-                <a:lnTo>
-                  <a:pt x="782" y="1073"/>
-                </a:lnTo>
-                <a:cubicBezTo>
-                  <a:pt x="530" y="1358"/>
-                  <a:pt x="448" y="1749"/>
-                  <a:pt x="554" y="2115"/>
-                </a:cubicBezTo>
-                <a:cubicBezTo>
-                  <a:pt x="554" y="2115"/>
-                  <a:pt x="554" y="2123"/>
-                  <a:pt x="554" y="2123"/>
-                </a:cubicBezTo>
-                <a:cubicBezTo>
-                  <a:pt x="562" y="2147"/>
-                  <a:pt x="570" y="2172"/>
-                  <a:pt x="578" y="2188"/>
-                </a:cubicBezTo>
-                <a:lnTo>
-                  <a:pt x="220" y="2351"/>
-                </a:lnTo>
-                <a:cubicBezTo>
-                  <a:pt x="181" y="2285"/>
-                  <a:pt x="131" y="2246"/>
-                  <a:pt x="87" y="2246"/>
-                </a:cubicBezTo>
-                <a:cubicBezTo>
-                  <a:pt x="77" y="2246"/>
-                  <a:pt x="67" y="2249"/>
-                  <a:pt x="57" y="2253"/>
-                </a:cubicBezTo>
-                <a:cubicBezTo>
-                  <a:pt x="17" y="2270"/>
-                  <a:pt x="0" y="2384"/>
-                  <a:pt x="49" y="2497"/>
-                </a:cubicBezTo>
-                <a:cubicBezTo>
-                  <a:pt x="49" y="2506"/>
-                  <a:pt x="57" y="2514"/>
-                  <a:pt x="57" y="2530"/>
-                </a:cubicBezTo>
-                <a:cubicBezTo>
-                  <a:pt x="74" y="2546"/>
-                  <a:pt x="90" y="2571"/>
-                  <a:pt x="106" y="2587"/>
-                </a:cubicBezTo>
-                <a:cubicBezTo>
-                  <a:pt x="114" y="2603"/>
-                  <a:pt x="122" y="2611"/>
-                  <a:pt x="131" y="2620"/>
-                </a:cubicBezTo>
-                <a:cubicBezTo>
-                  <a:pt x="149" y="2644"/>
-                  <a:pt x="177" y="2655"/>
-                  <a:pt x="208" y="2655"/>
-                </a:cubicBezTo>
-                <a:cubicBezTo>
-                  <a:pt x="217" y="2655"/>
-                  <a:pt x="227" y="2654"/>
-                  <a:pt x="236" y="2652"/>
-                </a:cubicBezTo>
-                <a:cubicBezTo>
-                  <a:pt x="285" y="2636"/>
-                  <a:pt x="302" y="2554"/>
-                  <a:pt x="277" y="2465"/>
-                </a:cubicBezTo>
-                <a:lnTo>
-                  <a:pt x="627" y="2310"/>
-                </a:lnTo>
-                <a:lnTo>
-                  <a:pt x="627" y="2318"/>
-                </a:lnTo>
-                <a:cubicBezTo>
-                  <a:pt x="643" y="2343"/>
-                  <a:pt x="660" y="2367"/>
-                  <a:pt x="676" y="2392"/>
-                </a:cubicBezTo>
-                <a:lnTo>
-                  <a:pt x="692" y="2416"/>
-                </a:lnTo>
-                <a:cubicBezTo>
-                  <a:pt x="700" y="2441"/>
-                  <a:pt x="717" y="2457"/>
-                  <a:pt x="733" y="2481"/>
-                </a:cubicBezTo>
-                <a:lnTo>
-                  <a:pt x="749" y="2497"/>
-                </a:lnTo>
-                <a:cubicBezTo>
-                  <a:pt x="766" y="2522"/>
-                  <a:pt x="782" y="2538"/>
-                  <a:pt x="806" y="2563"/>
-                </a:cubicBezTo>
-                <a:cubicBezTo>
-                  <a:pt x="806" y="2571"/>
-                  <a:pt x="823" y="2579"/>
-                  <a:pt x="823" y="2579"/>
-                </a:cubicBezTo>
-                <a:lnTo>
-                  <a:pt x="880" y="2636"/>
-                </a:lnTo>
-                <a:lnTo>
-                  <a:pt x="896" y="2652"/>
-                </a:lnTo>
-                <a:cubicBezTo>
-                  <a:pt x="920" y="2668"/>
-                  <a:pt x="945" y="2685"/>
-                  <a:pt x="969" y="2709"/>
-                </a:cubicBezTo>
-                <a:lnTo>
-                  <a:pt x="985" y="2717"/>
-                </a:lnTo>
-                <a:lnTo>
-                  <a:pt x="1059" y="2758"/>
-                </a:lnTo>
-                <a:lnTo>
-                  <a:pt x="1075" y="2774"/>
-                </a:lnTo>
-                <a:lnTo>
-                  <a:pt x="1124" y="2799"/>
-                </a:lnTo>
-                <a:lnTo>
-                  <a:pt x="1018" y="3149"/>
-                </a:lnTo>
-                <a:cubicBezTo>
-                  <a:pt x="998" y="3146"/>
-                  <a:pt x="978" y="3145"/>
-                  <a:pt x="959" y="3145"/>
-                </a:cubicBezTo>
-                <a:cubicBezTo>
-                  <a:pt x="848" y="3145"/>
-                  <a:pt x="762" y="3185"/>
-                  <a:pt x="741" y="3255"/>
-                </a:cubicBezTo>
-                <a:cubicBezTo>
-                  <a:pt x="733" y="3320"/>
-                  <a:pt x="766" y="3377"/>
-                  <a:pt x="823" y="3417"/>
-                </a:cubicBezTo>
-                <a:cubicBezTo>
-                  <a:pt x="839" y="3426"/>
-                  <a:pt x="855" y="3434"/>
-                  <a:pt x="871" y="3450"/>
-                </a:cubicBezTo>
-                <a:cubicBezTo>
-                  <a:pt x="904" y="3466"/>
-                  <a:pt x="945" y="3482"/>
-                  <a:pt x="977" y="3499"/>
-                </a:cubicBezTo>
-                <a:lnTo>
-                  <a:pt x="1026" y="3515"/>
-                </a:lnTo>
-                <a:cubicBezTo>
-                  <a:pt x="1082" y="3530"/>
-                  <a:pt x="1136" y="3537"/>
-                  <a:pt x="1186" y="3537"/>
-                </a:cubicBezTo>
-                <a:cubicBezTo>
-                  <a:pt x="1297" y="3537"/>
-                  <a:pt x="1384" y="3501"/>
-                  <a:pt x="1401" y="3434"/>
-                </a:cubicBezTo>
-                <a:cubicBezTo>
-                  <a:pt x="1425" y="3360"/>
-                  <a:pt x="1344" y="3263"/>
-                  <a:pt x="1221" y="3206"/>
-                </a:cubicBezTo>
-                <a:lnTo>
-                  <a:pt x="1311" y="2872"/>
-                </a:lnTo>
-                <a:lnTo>
-                  <a:pt x="1376" y="2888"/>
-                </a:lnTo>
-                <a:cubicBezTo>
-                  <a:pt x="1449" y="2900"/>
-                  <a:pt x="1523" y="2907"/>
-                  <a:pt x="1596" y="2907"/>
-                </a:cubicBezTo>
-                <a:cubicBezTo>
-                  <a:pt x="1669" y="2907"/>
-                  <a:pt x="1742" y="2900"/>
-                  <a:pt x="1816" y="2888"/>
-                </a:cubicBezTo>
-                <a:cubicBezTo>
-                  <a:pt x="1881" y="2872"/>
-                  <a:pt x="1938" y="2856"/>
-                  <a:pt x="1995" y="2839"/>
-                </a:cubicBezTo>
-                <a:lnTo>
-                  <a:pt x="2052" y="2815"/>
-                </a:lnTo>
-                <a:cubicBezTo>
-                  <a:pt x="2092" y="2799"/>
-                  <a:pt x="2133" y="2774"/>
-                  <a:pt x="2166" y="2758"/>
-                </a:cubicBezTo>
-                <a:lnTo>
-                  <a:pt x="2443" y="3067"/>
-                </a:lnTo>
-                <a:cubicBezTo>
-                  <a:pt x="2369" y="3157"/>
-                  <a:pt x="2337" y="3246"/>
-                  <a:pt x="2386" y="3295"/>
-                </a:cubicBezTo>
-                <a:cubicBezTo>
-                  <a:pt x="2403" y="3312"/>
-                  <a:pt x="2431" y="3322"/>
-                  <a:pt x="2466" y="3322"/>
-                </a:cubicBezTo>
-                <a:cubicBezTo>
-                  <a:pt x="2530" y="3322"/>
-                  <a:pt x="2616" y="3291"/>
-                  <a:pt x="2695" y="3222"/>
-                </a:cubicBezTo>
-                <a:cubicBezTo>
-                  <a:pt x="2703" y="3214"/>
-                  <a:pt x="2711" y="3206"/>
-                  <a:pt x="2719" y="3198"/>
-                </a:cubicBezTo>
-                <a:cubicBezTo>
-                  <a:pt x="2744" y="3173"/>
-                  <a:pt x="2760" y="3149"/>
-                  <a:pt x="2784" y="3116"/>
-                </a:cubicBezTo>
-                <a:cubicBezTo>
-                  <a:pt x="2793" y="3108"/>
-                  <a:pt x="2801" y="3092"/>
-                  <a:pt x="2801" y="3075"/>
-                </a:cubicBezTo>
-                <a:cubicBezTo>
-                  <a:pt x="2833" y="3035"/>
-                  <a:pt x="2833" y="2978"/>
-                  <a:pt x="2801" y="2929"/>
-                </a:cubicBezTo>
-                <a:cubicBezTo>
-                  <a:pt x="2784" y="2909"/>
-                  <a:pt x="2758" y="2900"/>
-                  <a:pt x="2727" y="2900"/>
-                </a:cubicBezTo>
-                <a:cubicBezTo>
-                  <a:pt x="2681" y="2900"/>
-                  <a:pt x="2623" y="2920"/>
-                  <a:pt x="2565" y="2953"/>
-                </a:cubicBezTo>
-                <a:lnTo>
-                  <a:pt x="2304" y="2660"/>
-                </a:lnTo>
-                <a:lnTo>
-                  <a:pt x="2337" y="2636"/>
-                </a:lnTo>
-                <a:cubicBezTo>
-                  <a:pt x="2377" y="2603"/>
-                  <a:pt x="2410" y="2563"/>
-                  <a:pt x="2451" y="2522"/>
-                </a:cubicBezTo>
-                <a:cubicBezTo>
-                  <a:pt x="2500" y="2465"/>
-                  <a:pt x="2540" y="2408"/>
-                  <a:pt x="2573" y="2343"/>
-                </a:cubicBezTo>
-                <a:cubicBezTo>
-                  <a:pt x="2589" y="2310"/>
-                  <a:pt x="2605" y="2278"/>
-                  <a:pt x="2622" y="2245"/>
-                </a:cubicBezTo>
-                <a:lnTo>
-                  <a:pt x="2874" y="2302"/>
-                </a:lnTo>
-                <a:cubicBezTo>
-                  <a:pt x="2874" y="2375"/>
-                  <a:pt x="2890" y="2432"/>
-                  <a:pt x="2931" y="2441"/>
-                </a:cubicBezTo>
-                <a:cubicBezTo>
-                  <a:pt x="2933" y="2441"/>
-                  <a:pt x="2936" y="2441"/>
-                  <a:pt x="2938" y="2441"/>
-                </a:cubicBezTo>
-                <a:cubicBezTo>
-                  <a:pt x="2978" y="2441"/>
-                  <a:pt x="3030" y="2378"/>
-                  <a:pt x="3053" y="2286"/>
-                </a:cubicBezTo>
-                <a:lnTo>
-                  <a:pt x="3053" y="2261"/>
-                </a:lnTo>
-                <a:cubicBezTo>
-                  <a:pt x="3053" y="2245"/>
-                  <a:pt x="3053" y="2221"/>
-                  <a:pt x="3053" y="2204"/>
-                </a:cubicBezTo>
-                <a:cubicBezTo>
-                  <a:pt x="3053" y="2188"/>
-                  <a:pt x="3053" y="2180"/>
-                  <a:pt x="3053" y="2172"/>
-                </a:cubicBezTo>
-                <a:cubicBezTo>
-                  <a:pt x="3045" y="2131"/>
-                  <a:pt x="3029" y="2107"/>
-                  <a:pt x="2996" y="2099"/>
-                </a:cubicBezTo>
-                <a:cubicBezTo>
-                  <a:pt x="2994" y="2098"/>
-                  <a:pt x="2992" y="2098"/>
-                  <a:pt x="2989" y="2098"/>
-                </a:cubicBezTo>
-                <a:cubicBezTo>
-                  <a:pt x="2962" y="2098"/>
-                  <a:pt x="2913" y="2137"/>
-                  <a:pt x="2890" y="2196"/>
-                </a:cubicBezTo>
-                <a:lnTo>
-                  <a:pt x="2654" y="2147"/>
-                </a:lnTo>
-                <a:cubicBezTo>
-                  <a:pt x="2670" y="2107"/>
-                  <a:pt x="2679" y="2074"/>
-                  <a:pt x="2687" y="2033"/>
-                </a:cubicBezTo>
-                <a:cubicBezTo>
-                  <a:pt x="2695" y="1993"/>
-                  <a:pt x="2703" y="1952"/>
-                  <a:pt x="2711" y="1911"/>
-                </a:cubicBezTo>
-                <a:lnTo>
-                  <a:pt x="2711" y="1879"/>
-                </a:lnTo>
-                <a:lnTo>
-                  <a:pt x="2711" y="1797"/>
-                </a:lnTo>
-                <a:lnTo>
-                  <a:pt x="2711" y="1757"/>
-                </a:lnTo>
-                <a:lnTo>
-                  <a:pt x="2711" y="1683"/>
-                </a:lnTo>
-                <a:cubicBezTo>
-                  <a:pt x="2711" y="1659"/>
-                  <a:pt x="2711" y="1651"/>
-                  <a:pt x="2703" y="1635"/>
-                </a:cubicBezTo>
-                <a:cubicBezTo>
-                  <a:pt x="2695" y="1626"/>
-                  <a:pt x="2703" y="1610"/>
-                  <a:pt x="2695" y="1602"/>
-                </a:cubicBezTo>
-                <a:lnTo>
-                  <a:pt x="3086" y="1456"/>
-                </a:lnTo>
-                <a:cubicBezTo>
-                  <a:pt x="3140" y="1565"/>
-                  <a:pt x="3218" y="1634"/>
-                  <a:pt x="3285" y="1634"/>
-                </a:cubicBezTo>
-                <a:cubicBezTo>
-                  <a:pt x="3298" y="1634"/>
-                  <a:pt x="3310" y="1632"/>
-                  <a:pt x="3322" y="1626"/>
-                </a:cubicBezTo>
-                <a:cubicBezTo>
-                  <a:pt x="3436" y="1594"/>
-                  <a:pt x="3452" y="1423"/>
-                  <a:pt x="3387" y="1244"/>
-                </a:cubicBezTo>
-                <a:cubicBezTo>
-                  <a:pt x="3387" y="1228"/>
-                  <a:pt x="3379" y="1211"/>
-                  <a:pt x="3371" y="1203"/>
-                </a:cubicBezTo>
-                <a:cubicBezTo>
-                  <a:pt x="3354" y="1162"/>
-                  <a:pt x="3338" y="1130"/>
-                  <a:pt x="3314" y="1097"/>
-                </a:cubicBezTo>
-                <a:cubicBezTo>
-                  <a:pt x="3297" y="1081"/>
-                  <a:pt x="3289" y="1073"/>
-                  <a:pt x="3273" y="1057"/>
-                </a:cubicBezTo>
-                <a:cubicBezTo>
-                  <a:pt x="3244" y="1007"/>
-                  <a:pt x="3191" y="982"/>
-                  <a:pt x="3134" y="982"/>
-                </a:cubicBezTo>
-                <a:cubicBezTo>
-                  <a:pt x="3126" y="982"/>
-                  <a:pt x="3118" y="982"/>
-                  <a:pt x="3110" y="983"/>
-                </a:cubicBezTo>
-                <a:cubicBezTo>
-                  <a:pt x="3037" y="1016"/>
-                  <a:pt x="3004" y="1130"/>
-                  <a:pt x="3029" y="1268"/>
-                </a:cubicBezTo>
-                <a:lnTo>
-                  <a:pt x="2654" y="1407"/>
-                </a:lnTo>
-                <a:cubicBezTo>
-                  <a:pt x="2646" y="1390"/>
-                  <a:pt x="2638" y="1374"/>
-                  <a:pt x="2630" y="1350"/>
-                </a:cubicBezTo>
-                <a:cubicBezTo>
-                  <a:pt x="2622" y="1342"/>
-                  <a:pt x="2622" y="1333"/>
-                  <a:pt x="2613" y="1317"/>
-                </a:cubicBezTo>
-                <a:cubicBezTo>
-                  <a:pt x="2605" y="1293"/>
-                  <a:pt x="2589" y="1276"/>
-                  <a:pt x="2581" y="1252"/>
-                </a:cubicBezTo>
-                <a:lnTo>
-                  <a:pt x="2557" y="1219"/>
-                </a:lnTo>
-                <a:cubicBezTo>
-                  <a:pt x="2548" y="1195"/>
-                  <a:pt x="2532" y="1179"/>
-                  <a:pt x="2516" y="1154"/>
-                </a:cubicBezTo>
-                <a:cubicBezTo>
-                  <a:pt x="2516" y="1146"/>
-                  <a:pt x="2508" y="1138"/>
-                  <a:pt x="2500" y="1138"/>
-                </a:cubicBezTo>
-                <a:cubicBezTo>
-                  <a:pt x="2475" y="1105"/>
-                  <a:pt x="2451" y="1073"/>
-                  <a:pt x="2426" y="1040"/>
-                </a:cubicBezTo>
-                <a:lnTo>
-                  <a:pt x="2605" y="894"/>
-                </a:lnTo>
-                <a:cubicBezTo>
-                  <a:pt x="2639" y="928"/>
-                  <a:pt x="2681" y="946"/>
-                  <a:pt x="2714" y="946"/>
-                </a:cubicBezTo>
-                <a:cubicBezTo>
-                  <a:pt x="2729" y="946"/>
-                  <a:pt x="2742" y="942"/>
-                  <a:pt x="2752" y="935"/>
-                </a:cubicBezTo>
-                <a:cubicBezTo>
-                  <a:pt x="2776" y="910"/>
-                  <a:pt x="2768" y="821"/>
-                  <a:pt x="2711" y="747"/>
-                </a:cubicBezTo>
-                <a:lnTo>
-                  <a:pt x="2695" y="723"/>
-                </a:lnTo>
-                <a:cubicBezTo>
-                  <a:pt x="2679" y="715"/>
-                  <a:pt x="2662" y="698"/>
-                  <a:pt x="2646" y="682"/>
-                </a:cubicBezTo>
-                <a:lnTo>
-                  <a:pt x="2622" y="674"/>
-                </a:lnTo>
-                <a:cubicBezTo>
-                  <a:pt x="2605" y="662"/>
-                  <a:pt x="2589" y="656"/>
-                  <a:pt x="2573" y="656"/>
-                </a:cubicBezTo>
-                <a:cubicBezTo>
-                  <a:pt x="2557" y="656"/>
-                  <a:pt x="2540" y="662"/>
-                  <a:pt x="2524" y="674"/>
-                </a:cubicBezTo>
-                <a:cubicBezTo>
-                  <a:pt x="2491" y="698"/>
-                  <a:pt x="2500" y="755"/>
-                  <a:pt x="2540" y="821"/>
-                </a:cubicBezTo>
-                <a:lnTo>
-                  <a:pt x="2353" y="975"/>
-                </a:lnTo>
-                <a:cubicBezTo>
-                  <a:pt x="2231" y="869"/>
-                  <a:pt x="2084" y="788"/>
-                  <a:pt x="1930" y="747"/>
-                </a:cubicBezTo>
-                <a:lnTo>
-                  <a:pt x="1930" y="348"/>
-                </a:lnTo>
-                <a:cubicBezTo>
-                  <a:pt x="2068" y="324"/>
-                  <a:pt x="2166" y="251"/>
-                  <a:pt x="2166" y="177"/>
-                </a:cubicBezTo>
-                <a:cubicBezTo>
-                  <a:pt x="2166" y="77"/>
-                  <a:pt x="2019" y="6"/>
-                  <a:pt x="1844" y="6"/>
-                </a:cubicBezTo>
-                <a:cubicBezTo>
-                  <a:pt x="1835" y="6"/>
-                  <a:pt x="1825" y="6"/>
-                  <a:pt x="1816" y="6"/>
-                </a:cubicBezTo>
-                <a:cubicBezTo>
-                  <a:pt x="1808" y="2"/>
-                  <a:pt x="1799" y="0"/>
-                  <a:pt x="1791" y="0"/>
-                </a:cubicBezTo>
-                <a:close/>
-              </a:path>
-            </a:pathLst>
-          </a:custGeom>
-          <a:solidFill>
-            <a:schemeClr val="lt1"/>
-          </a:solidFill>
-          <a:ln>
-            <a:noFill/>
-          </a:ln>
-        </p:spPr>
-        <p:txBody>
-          <a:bodyPr spcFirstLastPara="1" wrap="square" lIns="91425" tIns="91425" rIns="91425" bIns="91425" anchor="ctr" anchorCtr="0">
-            <a:noAutofit/>
-          </a:bodyPr>
-          <a:lstStyle/>
-          <a:p>
-            <a:pPr marL="0" lvl="0" indent="0" algn="l" rtl="0">
-              <a:spcBef>
-                <a:spcPts val="0"/>
-              </a:spcBef>
-              <a:spcAft>
-                <a:spcPts val="0"/>
-              </a:spcAft>
-              <a:buNone/>
-            </a:pPr>
-            <a:endParaRPr/>
-          </a:p>
-        </p:txBody>
-      </p:sp>
-    </p:spTree>
-  </p:cSld>
-  <p:clrMapOvr>
-    <a:masterClrMapping/>
-  </p:clrMapOvr>
-</p:sldLayout>
-</file>
-
-<file path=ppt/slideLayouts/slideLayout8.xml><?xml version="1.0" encoding="utf-8"?>
-<p:sldLayout xmlns:a="http://schemas.openxmlformats.org/drawingml/2006/main" xmlns:r="http://schemas.openxmlformats.org/officeDocument/2006/relationships" xmlns:p="http://schemas.openxmlformats.org/presentationml/2006/main" matchingName="Title only 4">
-  <p:cSld name="TITLE_ONLY_4">
-    <p:spTree>
-      <p:nvGrpSpPr>
-        <p:cNvPr id="1" name="Shape 242"/>
-        <p:cNvGrpSpPr/>
-        <p:nvPr/>
-      </p:nvGrpSpPr>
-      <p:grpSpPr>
-        <a:xfrm>
-          <a:off x="0" y="0"/>
-          <a:ext cx="0" cy="0"/>
-          <a:chOff x="0" y="0"/>
-          <a:chExt cx="0" cy="0"/>
-        </a:xfrm>
-      </p:grpSpPr>
-      <p:sp>
-        <p:nvSpPr>
-          <p:cNvPr id="243" name="Google Shape;243;p23"/>
-          <p:cNvSpPr txBox="1">
-            <a:spLocks noGrp="1"/>
-          </p:cNvSpPr>
-          <p:nvPr>
-            <p:ph type="title"/>
-          </p:nvPr>
-        </p:nvSpPr>
-        <p:spPr>
-          <a:xfrm>
-            <a:off x="470250" y="346050"/>
-            <a:ext cx="8203500" cy="755700"/>
-          </a:xfrm>
-          <a:prstGeom prst="rect">
-            <a:avLst/>
-          </a:prstGeom>
-        </p:spPr>
-        <p:txBody>
-          <a:bodyPr spcFirstLastPara="1" wrap="square" lIns="91425" tIns="91425" rIns="91425" bIns="91425" anchor="t" anchorCtr="0">
-            <a:noAutofit/>
-          </a:bodyPr>
-          <a:lstStyle>
-            <a:lvl1pPr lvl="0" algn="ctr" rtl="0">
-              <a:spcBef>
-                <a:spcPts val="0"/>
-              </a:spcBef>
-              <a:spcAft>
-                <a:spcPts val="0"/>
-              </a:spcAft>
-              <a:buSzPts val="2400"/>
-              <a:buNone/>
-              <a:defRPr sz="3000"/>
-            </a:lvl1pPr>
-            <a:lvl2pPr lvl="1" rtl="0">
-              <a:spcBef>
-                <a:spcPts val="0"/>
-              </a:spcBef>
-              <a:spcAft>
-                <a:spcPts val="0"/>
-              </a:spcAft>
-              <a:buSzPts val="2400"/>
-              <a:buNone/>
-              <a:defRPr sz="2400"/>
-            </a:lvl2pPr>
-            <a:lvl3pPr lvl="2" rtl="0">
-              <a:spcBef>
-                <a:spcPts val="0"/>
-              </a:spcBef>
-              <a:spcAft>
-                <a:spcPts val="0"/>
-              </a:spcAft>
-              <a:buSzPts val="2400"/>
-              <a:buNone/>
-              <a:defRPr sz="2400"/>
-            </a:lvl3pPr>
-            <a:lvl4pPr lvl="3" rtl="0">
-              <a:spcBef>
-                <a:spcPts val="0"/>
-              </a:spcBef>
-              <a:spcAft>
-                <a:spcPts val="0"/>
-              </a:spcAft>
-              <a:buSzPts val="2400"/>
-              <a:buNone/>
-              <a:defRPr sz="2400"/>
-            </a:lvl4pPr>
-            <a:lvl5pPr lvl="4" rtl="0">
-              <a:spcBef>
-                <a:spcPts val="0"/>
-              </a:spcBef>
-              <a:spcAft>
-                <a:spcPts val="0"/>
-              </a:spcAft>
-              <a:buSzPts val="2400"/>
-              <a:buNone/>
-              <a:defRPr sz="2400"/>
-            </a:lvl5pPr>
-            <a:lvl6pPr lvl="5" rtl="0">
-              <a:spcBef>
-                <a:spcPts val="0"/>
-              </a:spcBef>
-              <a:spcAft>
-                <a:spcPts val="0"/>
-              </a:spcAft>
-              <a:buSzPts val="2400"/>
-              <a:buNone/>
-              <a:defRPr sz="2400"/>
-            </a:lvl6pPr>
-            <a:lvl7pPr lvl="6" rtl="0">
-              <a:spcBef>
-                <a:spcPts val="0"/>
-              </a:spcBef>
-              <a:spcAft>
-                <a:spcPts val="0"/>
-              </a:spcAft>
-              <a:buSzPts val="2400"/>
-              <a:buNone/>
-              <a:defRPr sz="2400"/>
-            </a:lvl7pPr>
-            <a:lvl8pPr lvl="7" rtl="0">
-              <a:spcBef>
-                <a:spcPts val="0"/>
-              </a:spcBef>
-              <a:spcAft>
-                <a:spcPts val="0"/>
-              </a:spcAft>
-              <a:buSzPts val="2400"/>
-              <a:buNone/>
-              <a:defRPr sz="2400"/>
-            </a:lvl8pPr>
-            <a:lvl9pPr lvl="8" rtl="0">
-              <a:spcBef>
-                <a:spcPts val="0"/>
-              </a:spcBef>
-              <a:spcAft>
-                <a:spcPts val="0"/>
-              </a:spcAft>
-              <a:buSzPts val="2400"/>
-              <a:buNone/>
-              <a:defRPr sz="2400"/>
-            </a:lvl9pPr>
-          </a:lstStyle>
-          <a:p>
-            <a:endParaRPr/>
-          </a:p>
-        </p:txBody>
-      </p:sp>
-      <p:sp>
-        <p:nvSpPr>
-          <p:cNvPr id="244" name="Google Shape;244;p23"/>
-          <p:cNvSpPr/>
-          <p:nvPr/>
-        </p:nvSpPr>
-        <p:spPr>
-          <a:xfrm rot="5400000">
-            <a:off x="5272412" y="1271825"/>
-            <a:ext cx="3923738" cy="3819438"/>
-          </a:xfrm>
-          <a:custGeom>
-            <a:avLst/>
-            <a:gdLst/>
-            <a:ahLst/>
-            <a:cxnLst/>
-            <a:rect l="l" t="t" r="r" b="b"/>
-            <a:pathLst>
-              <a:path w="76970" h="74924" extrusionOk="0">
-                <a:moveTo>
-                  <a:pt x="554" y="1"/>
-                </a:moveTo>
-                <a:cubicBezTo>
-                  <a:pt x="131" y="1328"/>
-                  <a:pt x="1" y="2817"/>
-                  <a:pt x="41" y="4462"/>
-                </a:cubicBezTo>
-                <a:cubicBezTo>
-                  <a:pt x="180" y="10526"/>
-                  <a:pt x="2630" y="17658"/>
-                  <a:pt x="8939" y="19782"/>
-                </a:cubicBezTo>
-                <a:cubicBezTo>
-                  <a:pt x="13042" y="21166"/>
-                  <a:pt x="17788" y="19872"/>
-                  <a:pt x="21679" y="21752"/>
-                </a:cubicBezTo>
-                <a:cubicBezTo>
-                  <a:pt x="28875" y="25236"/>
-                  <a:pt x="28924" y="37227"/>
-                  <a:pt x="36454" y="39906"/>
-                </a:cubicBezTo>
-                <a:cubicBezTo>
-                  <a:pt x="37891" y="40416"/>
-                  <a:pt x="39472" y="40522"/>
-                  <a:pt x="41073" y="40522"/>
-                </a:cubicBezTo>
-                <a:cubicBezTo>
-                  <a:pt x="42200" y="40522"/>
-                  <a:pt x="43337" y="40470"/>
-                  <a:pt x="44442" y="40470"/>
-                </a:cubicBezTo>
-                <a:cubicBezTo>
-                  <a:pt x="46969" y="40470"/>
-                  <a:pt x="49324" y="40743"/>
-                  <a:pt x="50993" y="42543"/>
-                </a:cubicBezTo>
-                <a:cubicBezTo>
-                  <a:pt x="52686" y="44367"/>
-                  <a:pt x="52866" y="47134"/>
-                  <a:pt x="52573" y="49609"/>
-                </a:cubicBezTo>
-                <a:cubicBezTo>
-                  <a:pt x="52279" y="52084"/>
-                  <a:pt x="51604" y="54567"/>
-                  <a:pt x="51938" y="57041"/>
-                </a:cubicBezTo>
-                <a:cubicBezTo>
-                  <a:pt x="52450" y="60843"/>
-                  <a:pt x="55234" y="63896"/>
-                  <a:pt x="57880" y="66672"/>
-                </a:cubicBezTo>
-                <a:cubicBezTo>
-                  <a:pt x="61665" y="70644"/>
-                  <a:pt x="66185" y="74924"/>
-                  <a:pt x="71586" y="74924"/>
-                </a:cubicBezTo>
-                <a:cubicBezTo>
-                  <a:pt x="71808" y="74924"/>
-                  <a:pt x="72031" y="74917"/>
-                  <a:pt x="72256" y="74902"/>
-                </a:cubicBezTo>
-                <a:cubicBezTo>
-                  <a:pt x="73925" y="74788"/>
-                  <a:pt x="75513" y="74242"/>
-                  <a:pt x="76970" y="73420"/>
-                </a:cubicBezTo>
-                <a:lnTo>
-                  <a:pt x="76970" y="1"/>
-                </a:lnTo>
-                <a:close/>
-              </a:path>
-            </a:pathLst>
-          </a:custGeom>
-          <a:solidFill>
-            <a:schemeClr val="dk2"/>
-          </a:solidFill>
-          <a:ln>
-            <a:noFill/>
-          </a:ln>
-        </p:spPr>
-        <p:txBody>
-          <a:bodyPr spcFirstLastPara="1" wrap="square" lIns="91425" tIns="91425" rIns="91425" bIns="91425" anchor="ctr" anchorCtr="0">
-            <a:noAutofit/>
-          </a:bodyPr>
-          <a:lstStyle/>
-          <a:p>
-            <a:pPr marL="0" lvl="0" indent="0" algn="l" rtl="0">
-              <a:spcBef>
-                <a:spcPts val="0"/>
-              </a:spcBef>
-              <a:spcAft>
-                <a:spcPts val="0"/>
-              </a:spcAft>
-              <a:buNone/>
-            </a:pPr>
-            <a:endParaRPr/>
-          </a:p>
-        </p:txBody>
-      </p:sp>
-      <p:sp>
-        <p:nvSpPr>
-          <p:cNvPr id="245" name="Google Shape;245;p23"/>
-          <p:cNvSpPr/>
-          <p:nvPr/>
-        </p:nvSpPr>
-        <p:spPr>
-          <a:xfrm>
-            <a:off x="7594301" y="4071975"/>
-            <a:ext cx="310326" cy="318049"/>
-          </a:xfrm>
-          <a:custGeom>
-            <a:avLst/>
-            <a:gdLst/>
-            <a:ahLst/>
-            <a:cxnLst/>
-            <a:rect l="l" t="t" r="r" b="b"/>
-            <a:pathLst>
-              <a:path w="3452" h="3538" extrusionOk="0">
-                <a:moveTo>
-                  <a:pt x="1791" y="0"/>
-                </a:moveTo>
-                <a:cubicBezTo>
-                  <a:pt x="1783" y="0"/>
-                  <a:pt x="1775" y="2"/>
-                  <a:pt x="1767" y="6"/>
-                </a:cubicBezTo>
-                <a:cubicBezTo>
-                  <a:pt x="1726" y="6"/>
-                  <a:pt x="1685" y="15"/>
-                  <a:pt x="1653" y="23"/>
-                </a:cubicBezTo>
-                <a:cubicBezTo>
-                  <a:pt x="1628" y="31"/>
-                  <a:pt x="1612" y="39"/>
-                  <a:pt x="1596" y="47"/>
-                </a:cubicBezTo>
-                <a:cubicBezTo>
-                  <a:pt x="1523" y="80"/>
-                  <a:pt x="1474" y="129"/>
-                  <a:pt x="1482" y="186"/>
-                </a:cubicBezTo>
-                <a:cubicBezTo>
-                  <a:pt x="1482" y="259"/>
-                  <a:pt x="1580" y="332"/>
-                  <a:pt x="1718" y="348"/>
-                </a:cubicBezTo>
-                <a:lnTo>
-                  <a:pt x="1726" y="698"/>
-                </a:lnTo>
-                <a:cubicBezTo>
-                  <a:pt x="1689" y="695"/>
-                  <a:pt x="1652" y="693"/>
-                  <a:pt x="1615" y="693"/>
-                </a:cubicBezTo>
-                <a:cubicBezTo>
-                  <a:pt x="1344" y="693"/>
-                  <a:pt x="1080" y="796"/>
-                  <a:pt x="880" y="975"/>
-                </a:cubicBezTo>
-                <a:lnTo>
-                  <a:pt x="538" y="755"/>
-                </a:lnTo>
-                <a:cubicBezTo>
-                  <a:pt x="578" y="666"/>
-                  <a:pt x="570" y="584"/>
-                  <a:pt x="530" y="560"/>
-                </a:cubicBezTo>
-                <a:cubicBezTo>
-                  <a:pt x="513" y="553"/>
-                  <a:pt x="494" y="549"/>
-                  <a:pt x="476" y="549"/>
-                </a:cubicBezTo>
-                <a:cubicBezTo>
-                  <a:pt x="451" y="549"/>
-                  <a:pt x="426" y="557"/>
-                  <a:pt x="407" y="576"/>
-                </a:cubicBezTo>
-                <a:lnTo>
-                  <a:pt x="375" y="601"/>
-                </a:lnTo>
-                <a:cubicBezTo>
-                  <a:pt x="359" y="617"/>
-                  <a:pt x="334" y="641"/>
-                  <a:pt x="318" y="658"/>
-                </a:cubicBezTo>
-                <a:lnTo>
-                  <a:pt x="302" y="690"/>
-                </a:lnTo>
-                <a:cubicBezTo>
-                  <a:pt x="236" y="796"/>
-                  <a:pt x="220" y="910"/>
-                  <a:pt x="277" y="951"/>
-                </a:cubicBezTo>
-                <a:cubicBezTo>
-                  <a:pt x="292" y="959"/>
-                  <a:pt x="307" y="963"/>
-                  <a:pt x="323" y="963"/>
-                </a:cubicBezTo>
-                <a:cubicBezTo>
-                  <a:pt x="368" y="963"/>
-                  <a:pt x="416" y="930"/>
-                  <a:pt x="464" y="869"/>
-                </a:cubicBezTo>
-                <a:lnTo>
-                  <a:pt x="782" y="1073"/>
-                </a:lnTo>
-                <a:cubicBezTo>
-                  <a:pt x="530" y="1358"/>
-                  <a:pt x="448" y="1749"/>
-                  <a:pt x="554" y="2115"/>
-                </a:cubicBezTo>
-                <a:cubicBezTo>
-                  <a:pt x="554" y="2115"/>
-                  <a:pt x="554" y="2123"/>
-                  <a:pt x="554" y="2123"/>
-                </a:cubicBezTo>
-                <a:cubicBezTo>
-                  <a:pt x="562" y="2147"/>
-                  <a:pt x="570" y="2172"/>
-                  <a:pt x="578" y="2188"/>
-                </a:cubicBezTo>
-                <a:lnTo>
-                  <a:pt x="220" y="2351"/>
-                </a:lnTo>
-                <a:cubicBezTo>
-                  <a:pt x="181" y="2285"/>
-                  <a:pt x="131" y="2246"/>
-                  <a:pt x="87" y="2246"/>
-                </a:cubicBezTo>
-                <a:cubicBezTo>
-                  <a:pt x="77" y="2246"/>
-                  <a:pt x="67" y="2249"/>
-                  <a:pt x="57" y="2253"/>
-                </a:cubicBezTo>
-                <a:cubicBezTo>
-                  <a:pt x="17" y="2270"/>
-                  <a:pt x="0" y="2384"/>
-                  <a:pt x="49" y="2497"/>
-                </a:cubicBezTo>
-                <a:cubicBezTo>
-                  <a:pt x="49" y="2506"/>
-                  <a:pt x="57" y="2514"/>
-                  <a:pt x="57" y="2530"/>
-                </a:cubicBezTo>
-                <a:cubicBezTo>
-                  <a:pt x="74" y="2546"/>
-                  <a:pt x="90" y="2571"/>
-                  <a:pt x="106" y="2587"/>
-                </a:cubicBezTo>
-                <a:cubicBezTo>
-                  <a:pt x="114" y="2603"/>
-                  <a:pt x="122" y="2611"/>
-                  <a:pt x="131" y="2620"/>
-                </a:cubicBezTo>
-                <a:cubicBezTo>
-                  <a:pt x="149" y="2644"/>
-                  <a:pt x="177" y="2655"/>
-                  <a:pt x="208" y="2655"/>
-                </a:cubicBezTo>
-                <a:cubicBezTo>
-                  <a:pt x="217" y="2655"/>
-                  <a:pt x="227" y="2654"/>
-                  <a:pt x="236" y="2652"/>
-                </a:cubicBezTo>
-                <a:cubicBezTo>
-                  <a:pt x="285" y="2636"/>
-                  <a:pt x="302" y="2554"/>
-                  <a:pt x="277" y="2465"/>
-                </a:cubicBezTo>
-                <a:lnTo>
-                  <a:pt x="627" y="2310"/>
-                </a:lnTo>
-                <a:lnTo>
-                  <a:pt x="627" y="2318"/>
-                </a:lnTo>
-                <a:cubicBezTo>
-                  <a:pt x="643" y="2343"/>
-                  <a:pt x="660" y="2367"/>
-                  <a:pt x="676" y="2392"/>
-                </a:cubicBezTo>
-                <a:lnTo>
-                  <a:pt x="692" y="2416"/>
-                </a:lnTo>
-                <a:cubicBezTo>
-                  <a:pt x="700" y="2441"/>
-                  <a:pt x="717" y="2457"/>
-                  <a:pt x="733" y="2481"/>
-                </a:cubicBezTo>
-                <a:lnTo>
-                  <a:pt x="749" y="2497"/>
-                </a:lnTo>
-                <a:cubicBezTo>
-                  <a:pt x="766" y="2522"/>
-                  <a:pt x="782" y="2538"/>
-                  <a:pt x="806" y="2563"/>
-                </a:cubicBezTo>
-                <a:cubicBezTo>
-                  <a:pt x="806" y="2571"/>
-                  <a:pt x="823" y="2579"/>
-                  <a:pt x="823" y="2579"/>
-                </a:cubicBezTo>
-                <a:lnTo>
-                  <a:pt x="880" y="2636"/>
-                </a:lnTo>
-                <a:lnTo>
-                  <a:pt x="896" y="2652"/>
-                </a:lnTo>
-                <a:cubicBezTo>
-                  <a:pt x="920" y="2668"/>
-                  <a:pt x="945" y="2685"/>
-                  <a:pt x="969" y="2709"/>
-                </a:cubicBezTo>
-                <a:lnTo>
-                  <a:pt x="985" y="2717"/>
-                </a:lnTo>
-                <a:lnTo>
-                  <a:pt x="1059" y="2758"/>
-                </a:lnTo>
-                <a:lnTo>
-                  <a:pt x="1075" y="2774"/>
-                </a:lnTo>
-                <a:lnTo>
-                  <a:pt x="1124" y="2799"/>
-                </a:lnTo>
-                <a:lnTo>
-                  <a:pt x="1018" y="3149"/>
-                </a:lnTo>
-                <a:cubicBezTo>
-                  <a:pt x="998" y="3146"/>
-                  <a:pt x="978" y="3145"/>
-                  <a:pt x="959" y="3145"/>
-                </a:cubicBezTo>
-                <a:cubicBezTo>
-                  <a:pt x="848" y="3145"/>
-                  <a:pt x="762" y="3185"/>
-                  <a:pt x="741" y="3255"/>
-                </a:cubicBezTo>
-                <a:cubicBezTo>
-                  <a:pt x="733" y="3320"/>
-                  <a:pt x="766" y="3377"/>
-                  <a:pt x="823" y="3417"/>
-                </a:cubicBezTo>
-                <a:cubicBezTo>
-                  <a:pt x="839" y="3426"/>
-                  <a:pt x="855" y="3434"/>
-                  <a:pt x="871" y="3450"/>
-                </a:cubicBezTo>
-                <a:cubicBezTo>
-                  <a:pt x="904" y="3466"/>
-                  <a:pt x="945" y="3482"/>
-                  <a:pt x="977" y="3499"/>
-                </a:cubicBezTo>
-                <a:lnTo>
-                  <a:pt x="1026" y="3515"/>
-                </a:lnTo>
-                <a:cubicBezTo>
-                  <a:pt x="1082" y="3530"/>
-                  <a:pt x="1136" y="3537"/>
-                  <a:pt x="1186" y="3537"/>
-                </a:cubicBezTo>
-                <a:cubicBezTo>
-                  <a:pt x="1297" y="3537"/>
-                  <a:pt x="1384" y="3501"/>
-                  <a:pt x="1401" y="3434"/>
-                </a:cubicBezTo>
-                <a:cubicBezTo>
-                  <a:pt x="1425" y="3360"/>
-                  <a:pt x="1344" y="3263"/>
-                  <a:pt x="1221" y="3206"/>
-                </a:cubicBezTo>
-                <a:lnTo>
-                  <a:pt x="1311" y="2872"/>
-                </a:lnTo>
-                <a:lnTo>
-                  <a:pt x="1376" y="2888"/>
-                </a:lnTo>
-                <a:cubicBezTo>
-                  <a:pt x="1449" y="2900"/>
-                  <a:pt x="1523" y="2907"/>
-                  <a:pt x="1596" y="2907"/>
-                </a:cubicBezTo>
-                <a:cubicBezTo>
-                  <a:pt x="1669" y="2907"/>
-                  <a:pt x="1742" y="2900"/>
-                  <a:pt x="1816" y="2888"/>
-                </a:cubicBezTo>
-                <a:cubicBezTo>
-                  <a:pt x="1881" y="2872"/>
-                  <a:pt x="1938" y="2856"/>
-                  <a:pt x="1995" y="2839"/>
-                </a:cubicBezTo>
-                <a:lnTo>
-                  <a:pt x="2052" y="2815"/>
-                </a:lnTo>
-                <a:cubicBezTo>
-                  <a:pt x="2092" y="2799"/>
-                  <a:pt x="2133" y="2774"/>
-                  <a:pt x="2166" y="2758"/>
-                </a:cubicBezTo>
-                <a:lnTo>
-                  <a:pt x="2443" y="3067"/>
-                </a:lnTo>
-                <a:cubicBezTo>
-                  <a:pt x="2369" y="3157"/>
-                  <a:pt x="2337" y="3246"/>
-                  <a:pt x="2386" y="3295"/>
-                </a:cubicBezTo>
-                <a:cubicBezTo>
-                  <a:pt x="2403" y="3312"/>
-                  <a:pt x="2431" y="3322"/>
-                  <a:pt x="2466" y="3322"/>
-                </a:cubicBezTo>
-                <a:cubicBezTo>
-                  <a:pt x="2530" y="3322"/>
-                  <a:pt x="2616" y="3291"/>
-                  <a:pt x="2695" y="3222"/>
-                </a:cubicBezTo>
-                <a:cubicBezTo>
-                  <a:pt x="2703" y="3214"/>
-                  <a:pt x="2711" y="3206"/>
-                  <a:pt x="2719" y="3198"/>
-                </a:cubicBezTo>
-                <a:cubicBezTo>
-                  <a:pt x="2744" y="3173"/>
-                  <a:pt x="2760" y="3149"/>
-                  <a:pt x="2784" y="3116"/>
-                </a:cubicBezTo>
-                <a:cubicBezTo>
-                  <a:pt x="2793" y="3108"/>
-                  <a:pt x="2801" y="3092"/>
-                  <a:pt x="2801" y="3075"/>
-                </a:cubicBezTo>
-                <a:cubicBezTo>
-                  <a:pt x="2833" y="3035"/>
-                  <a:pt x="2833" y="2978"/>
-                  <a:pt x="2801" y="2929"/>
-                </a:cubicBezTo>
-                <a:cubicBezTo>
-                  <a:pt x="2784" y="2909"/>
-                  <a:pt x="2758" y="2900"/>
-                  <a:pt x="2727" y="2900"/>
-                </a:cubicBezTo>
-                <a:cubicBezTo>
-                  <a:pt x="2681" y="2900"/>
-                  <a:pt x="2623" y="2920"/>
-                  <a:pt x="2565" y="2953"/>
-                </a:cubicBezTo>
-                <a:lnTo>
-                  <a:pt x="2304" y="2660"/>
-                </a:lnTo>
-                <a:lnTo>
-                  <a:pt x="2337" y="2636"/>
-                </a:lnTo>
-                <a:cubicBezTo>
-                  <a:pt x="2377" y="2603"/>
-                  <a:pt x="2410" y="2563"/>
-                  <a:pt x="2451" y="2522"/>
-                </a:cubicBezTo>
-                <a:cubicBezTo>
-                  <a:pt x="2500" y="2465"/>
-                  <a:pt x="2540" y="2408"/>
-                  <a:pt x="2573" y="2343"/>
-                </a:cubicBezTo>
-                <a:cubicBezTo>
-                  <a:pt x="2589" y="2310"/>
-                  <a:pt x="2605" y="2278"/>
-                  <a:pt x="2622" y="2245"/>
-                </a:cubicBezTo>
-                <a:lnTo>
-                  <a:pt x="2874" y="2302"/>
-                </a:lnTo>
-                <a:cubicBezTo>
-                  <a:pt x="2874" y="2375"/>
-                  <a:pt x="2890" y="2432"/>
-                  <a:pt x="2931" y="2441"/>
-                </a:cubicBezTo>
-                <a:cubicBezTo>
-                  <a:pt x="2933" y="2441"/>
-                  <a:pt x="2936" y="2441"/>
-                  <a:pt x="2938" y="2441"/>
-                </a:cubicBezTo>
-                <a:cubicBezTo>
-                  <a:pt x="2978" y="2441"/>
-                  <a:pt x="3030" y="2378"/>
-                  <a:pt x="3053" y="2286"/>
-                </a:cubicBezTo>
-                <a:lnTo>
-                  <a:pt x="3053" y="2261"/>
-                </a:lnTo>
-                <a:cubicBezTo>
-                  <a:pt x="3053" y="2245"/>
-                  <a:pt x="3053" y="2221"/>
-                  <a:pt x="3053" y="2204"/>
-                </a:cubicBezTo>
-                <a:cubicBezTo>
-                  <a:pt x="3053" y="2188"/>
-                  <a:pt x="3053" y="2180"/>
-                  <a:pt x="3053" y="2172"/>
-                </a:cubicBezTo>
-                <a:cubicBezTo>
-                  <a:pt x="3045" y="2131"/>
-                  <a:pt x="3029" y="2107"/>
-                  <a:pt x="2996" y="2099"/>
-                </a:cubicBezTo>
-                <a:cubicBezTo>
-                  <a:pt x="2994" y="2098"/>
-                  <a:pt x="2992" y="2098"/>
-                  <a:pt x="2989" y="2098"/>
-                </a:cubicBezTo>
-                <a:cubicBezTo>
-                  <a:pt x="2962" y="2098"/>
-                  <a:pt x="2913" y="2137"/>
-                  <a:pt x="2890" y="2196"/>
-                </a:cubicBezTo>
-                <a:lnTo>
-                  <a:pt x="2654" y="2147"/>
-                </a:lnTo>
-                <a:cubicBezTo>
-                  <a:pt x="2670" y="2107"/>
-                  <a:pt x="2679" y="2074"/>
-                  <a:pt x="2687" y="2033"/>
-                </a:cubicBezTo>
-                <a:cubicBezTo>
-                  <a:pt x="2695" y="1993"/>
-                  <a:pt x="2703" y="1952"/>
-                  <a:pt x="2711" y="1911"/>
-                </a:cubicBezTo>
-                <a:lnTo>
-                  <a:pt x="2711" y="1879"/>
-                </a:lnTo>
-                <a:lnTo>
-                  <a:pt x="2711" y="1797"/>
-                </a:lnTo>
-                <a:lnTo>
-                  <a:pt x="2711" y="1757"/>
-                </a:lnTo>
-                <a:lnTo>
-                  <a:pt x="2711" y="1683"/>
-                </a:lnTo>
-                <a:cubicBezTo>
-                  <a:pt x="2711" y="1659"/>
-                  <a:pt x="2711" y="1651"/>
-                  <a:pt x="2703" y="1635"/>
-                </a:cubicBezTo>
-                <a:cubicBezTo>
-                  <a:pt x="2695" y="1626"/>
-                  <a:pt x="2703" y="1610"/>
-                  <a:pt x="2695" y="1602"/>
-                </a:cubicBezTo>
-                <a:lnTo>
-                  <a:pt x="3086" y="1456"/>
-                </a:lnTo>
-                <a:cubicBezTo>
-                  <a:pt x="3140" y="1565"/>
-                  <a:pt x="3218" y="1634"/>
-                  <a:pt x="3285" y="1634"/>
-                </a:cubicBezTo>
-                <a:cubicBezTo>
-                  <a:pt x="3298" y="1634"/>
-                  <a:pt x="3310" y="1632"/>
-                  <a:pt x="3322" y="1626"/>
-                </a:cubicBezTo>
-                <a:cubicBezTo>
-                  <a:pt x="3436" y="1594"/>
-                  <a:pt x="3452" y="1423"/>
-                  <a:pt x="3387" y="1244"/>
-                </a:cubicBezTo>
-                <a:cubicBezTo>
-                  <a:pt x="3387" y="1228"/>
-                  <a:pt x="3379" y="1211"/>
-                  <a:pt x="3371" y="1203"/>
-                </a:cubicBezTo>
-                <a:cubicBezTo>
-                  <a:pt x="3354" y="1162"/>
-                  <a:pt x="3338" y="1130"/>
-                  <a:pt x="3314" y="1097"/>
-                </a:cubicBezTo>
-                <a:cubicBezTo>
-                  <a:pt x="3297" y="1081"/>
-                  <a:pt x="3289" y="1073"/>
-                  <a:pt x="3273" y="1057"/>
-                </a:cubicBezTo>
-                <a:cubicBezTo>
-                  <a:pt x="3244" y="1007"/>
-                  <a:pt x="3191" y="982"/>
-                  <a:pt x="3134" y="982"/>
-                </a:cubicBezTo>
-                <a:cubicBezTo>
-                  <a:pt x="3126" y="982"/>
-                  <a:pt x="3118" y="982"/>
-                  <a:pt x="3110" y="983"/>
-                </a:cubicBezTo>
-                <a:cubicBezTo>
-                  <a:pt x="3037" y="1016"/>
-                  <a:pt x="3004" y="1130"/>
-                  <a:pt x="3029" y="1268"/>
-                </a:cubicBezTo>
-                <a:lnTo>
-                  <a:pt x="2654" y="1407"/>
-                </a:lnTo>
-                <a:cubicBezTo>
-                  <a:pt x="2646" y="1390"/>
-                  <a:pt x="2638" y="1374"/>
-                  <a:pt x="2630" y="1350"/>
-                </a:cubicBezTo>
-                <a:cubicBezTo>
-                  <a:pt x="2622" y="1342"/>
-                  <a:pt x="2622" y="1333"/>
-                  <a:pt x="2613" y="1317"/>
-                </a:cubicBezTo>
-                <a:cubicBezTo>
-                  <a:pt x="2605" y="1293"/>
-                  <a:pt x="2589" y="1276"/>
-                  <a:pt x="2581" y="1252"/>
-                </a:cubicBezTo>
-                <a:lnTo>
-                  <a:pt x="2557" y="1219"/>
-                </a:lnTo>
-                <a:cubicBezTo>
-                  <a:pt x="2548" y="1195"/>
-                  <a:pt x="2532" y="1179"/>
-                  <a:pt x="2516" y="1154"/>
-                </a:cubicBezTo>
-                <a:cubicBezTo>
-                  <a:pt x="2516" y="1146"/>
-                  <a:pt x="2508" y="1138"/>
-                  <a:pt x="2500" y="1138"/>
-                </a:cubicBezTo>
-                <a:cubicBezTo>
-                  <a:pt x="2475" y="1105"/>
-                  <a:pt x="2451" y="1073"/>
-                  <a:pt x="2426" y="1040"/>
-                </a:cubicBezTo>
-                <a:lnTo>
-                  <a:pt x="2605" y="894"/>
-                </a:lnTo>
-                <a:cubicBezTo>
-                  <a:pt x="2639" y="928"/>
-                  <a:pt x="2681" y="946"/>
-                  <a:pt x="2714" y="946"/>
-                </a:cubicBezTo>
-                <a:cubicBezTo>
-                  <a:pt x="2729" y="946"/>
-                  <a:pt x="2742" y="942"/>
-                  <a:pt x="2752" y="935"/>
-                </a:cubicBezTo>
-                <a:cubicBezTo>
-                  <a:pt x="2776" y="910"/>
-                  <a:pt x="2768" y="821"/>
-                  <a:pt x="2711" y="747"/>
-                </a:cubicBezTo>
-                <a:lnTo>
-                  <a:pt x="2695" y="723"/>
-                </a:lnTo>
-                <a:cubicBezTo>
-                  <a:pt x="2679" y="715"/>
-                  <a:pt x="2662" y="698"/>
-                  <a:pt x="2646" y="682"/>
-                </a:cubicBezTo>
-                <a:lnTo>
-                  <a:pt x="2622" y="674"/>
-                </a:lnTo>
-                <a:cubicBezTo>
-                  <a:pt x="2605" y="662"/>
-                  <a:pt x="2589" y="656"/>
-                  <a:pt x="2573" y="656"/>
-                </a:cubicBezTo>
-                <a:cubicBezTo>
-                  <a:pt x="2557" y="656"/>
-                  <a:pt x="2540" y="662"/>
-                  <a:pt x="2524" y="674"/>
-                </a:cubicBezTo>
-                <a:cubicBezTo>
-                  <a:pt x="2491" y="698"/>
-                  <a:pt x="2500" y="755"/>
-                  <a:pt x="2540" y="821"/>
-                </a:cubicBezTo>
-                <a:lnTo>
-                  <a:pt x="2353" y="975"/>
-                </a:lnTo>
-                <a:cubicBezTo>
-                  <a:pt x="2231" y="869"/>
-                  <a:pt x="2084" y="788"/>
-                  <a:pt x="1930" y="747"/>
-                </a:cubicBezTo>
-                <a:lnTo>
-                  <a:pt x="1930" y="348"/>
-                </a:lnTo>
-                <a:cubicBezTo>
-                  <a:pt x="2068" y="324"/>
-                  <a:pt x="2166" y="251"/>
-                  <a:pt x="2166" y="177"/>
-                </a:cubicBezTo>
-                <a:cubicBezTo>
-                  <a:pt x="2166" y="77"/>
-                  <a:pt x="2019" y="6"/>
-                  <a:pt x="1844" y="6"/>
-                </a:cubicBezTo>
-                <a:cubicBezTo>
-                  <a:pt x="1835" y="6"/>
-                  <a:pt x="1825" y="6"/>
-                  <a:pt x="1816" y="6"/>
-                </a:cubicBezTo>
-                <a:cubicBezTo>
-                  <a:pt x="1808" y="2"/>
-                  <a:pt x="1799" y="0"/>
-                  <a:pt x="1791" y="0"/>
-                </a:cubicBezTo>
-                <a:close/>
-              </a:path>
-            </a:pathLst>
-          </a:custGeom>
-          <a:solidFill>
-            <a:schemeClr val="accent1"/>
-          </a:solidFill>
-          <a:ln>
-            <a:noFill/>
-          </a:ln>
-        </p:spPr>
-        <p:txBody>
-          <a:bodyPr spcFirstLastPara="1" wrap="square" lIns="91425" tIns="91425" rIns="91425" bIns="91425" anchor="ctr" anchorCtr="0">
-            <a:noAutofit/>
-          </a:bodyPr>
-          <a:lstStyle/>
-          <a:p>
-            <a:pPr marL="0" lvl="0" indent="0" algn="l" rtl="0">
-              <a:spcBef>
-                <a:spcPts val="0"/>
-              </a:spcBef>
-              <a:spcAft>
-                <a:spcPts val="0"/>
-              </a:spcAft>
-              <a:buNone/>
-            </a:pPr>
-            <a:endParaRPr/>
-          </a:p>
-        </p:txBody>
-      </p:sp>
-      <p:sp>
-        <p:nvSpPr>
-          <p:cNvPr id="246" name="Google Shape;246;p23"/>
-          <p:cNvSpPr/>
-          <p:nvPr/>
-        </p:nvSpPr>
-        <p:spPr>
-          <a:xfrm>
-            <a:off x="8024829" y="3907018"/>
-            <a:ext cx="632225" cy="647949"/>
-          </a:xfrm>
-          <a:custGeom>
-            <a:avLst/>
-            <a:gdLst/>
-            <a:ahLst/>
-            <a:cxnLst/>
-            <a:rect l="l" t="t" r="r" b="b"/>
-            <a:pathLst>
-              <a:path w="3452" h="3538" extrusionOk="0">
-                <a:moveTo>
-                  <a:pt x="1791" y="0"/>
-                </a:moveTo>
-                <a:cubicBezTo>
-                  <a:pt x="1783" y="0"/>
-                  <a:pt x="1775" y="2"/>
-                  <a:pt x="1767" y="6"/>
-                </a:cubicBezTo>
-                <a:cubicBezTo>
-                  <a:pt x="1726" y="6"/>
-                  <a:pt x="1685" y="15"/>
-                  <a:pt x="1653" y="23"/>
-                </a:cubicBezTo>
-                <a:cubicBezTo>
-                  <a:pt x="1628" y="31"/>
-                  <a:pt x="1612" y="39"/>
-                  <a:pt x="1596" y="47"/>
-                </a:cubicBezTo>
-                <a:cubicBezTo>
-                  <a:pt x="1523" y="80"/>
-                  <a:pt x="1474" y="129"/>
-                  <a:pt x="1482" y="186"/>
-                </a:cubicBezTo>
-                <a:cubicBezTo>
-                  <a:pt x="1482" y="259"/>
-                  <a:pt x="1580" y="332"/>
-                  <a:pt x="1718" y="348"/>
-                </a:cubicBezTo>
-                <a:lnTo>
-                  <a:pt x="1726" y="698"/>
-                </a:lnTo>
-                <a:cubicBezTo>
-                  <a:pt x="1689" y="695"/>
-                  <a:pt x="1652" y="693"/>
-                  <a:pt x="1615" y="693"/>
-                </a:cubicBezTo>
-                <a:cubicBezTo>
-                  <a:pt x="1344" y="693"/>
-                  <a:pt x="1080" y="796"/>
-                  <a:pt x="880" y="975"/>
-                </a:cubicBezTo>
-                <a:lnTo>
-                  <a:pt x="538" y="755"/>
-                </a:lnTo>
-                <a:cubicBezTo>
-                  <a:pt x="578" y="666"/>
-                  <a:pt x="570" y="584"/>
-                  <a:pt x="530" y="560"/>
-                </a:cubicBezTo>
-                <a:cubicBezTo>
-                  <a:pt x="513" y="553"/>
-                  <a:pt x="494" y="549"/>
-                  <a:pt x="476" y="549"/>
-                </a:cubicBezTo>
-                <a:cubicBezTo>
-                  <a:pt x="451" y="549"/>
-                  <a:pt x="426" y="557"/>
-                  <a:pt x="407" y="576"/>
-                </a:cubicBezTo>
-                <a:lnTo>
-                  <a:pt x="375" y="601"/>
-                </a:lnTo>
-                <a:cubicBezTo>
-                  <a:pt x="359" y="617"/>
-                  <a:pt x="334" y="641"/>
-                  <a:pt x="318" y="658"/>
-                </a:cubicBezTo>
-                <a:lnTo>
-                  <a:pt x="302" y="690"/>
-                </a:lnTo>
-                <a:cubicBezTo>
-                  <a:pt x="236" y="796"/>
-                  <a:pt x="220" y="910"/>
-                  <a:pt x="277" y="951"/>
-                </a:cubicBezTo>
-                <a:cubicBezTo>
-                  <a:pt x="292" y="959"/>
-                  <a:pt x="307" y="963"/>
-                  <a:pt x="323" y="963"/>
-                </a:cubicBezTo>
-                <a:cubicBezTo>
-                  <a:pt x="368" y="963"/>
-                  <a:pt x="416" y="930"/>
-                  <a:pt x="464" y="869"/>
-                </a:cubicBezTo>
-                <a:lnTo>
-                  <a:pt x="782" y="1073"/>
-                </a:lnTo>
-                <a:cubicBezTo>
-                  <a:pt x="530" y="1358"/>
-                  <a:pt x="448" y="1749"/>
-                  <a:pt x="554" y="2115"/>
-                </a:cubicBezTo>
-                <a:cubicBezTo>
-                  <a:pt x="554" y="2115"/>
-                  <a:pt x="554" y="2123"/>
-                  <a:pt x="554" y="2123"/>
-                </a:cubicBezTo>
-                <a:cubicBezTo>
-                  <a:pt x="562" y="2147"/>
-                  <a:pt x="570" y="2172"/>
-                  <a:pt x="578" y="2188"/>
-                </a:cubicBezTo>
-                <a:lnTo>
-                  <a:pt x="220" y="2351"/>
-                </a:lnTo>
-                <a:cubicBezTo>
-                  <a:pt x="181" y="2285"/>
-                  <a:pt x="131" y="2246"/>
-                  <a:pt x="87" y="2246"/>
-                </a:cubicBezTo>
-                <a:cubicBezTo>
-                  <a:pt x="77" y="2246"/>
-                  <a:pt x="67" y="2249"/>
-                  <a:pt x="57" y="2253"/>
-                </a:cubicBezTo>
-                <a:cubicBezTo>
-                  <a:pt x="17" y="2270"/>
-                  <a:pt x="0" y="2384"/>
-                  <a:pt x="49" y="2497"/>
-                </a:cubicBezTo>
-                <a:cubicBezTo>
-                  <a:pt x="49" y="2506"/>
-                  <a:pt x="57" y="2514"/>
-                  <a:pt x="57" y="2530"/>
-                </a:cubicBezTo>
-                <a:cubicBezTo>
-                  <a:pt x="74" y="2546"/>
-                  <a:pt x="90" y="2571"/>
-                  <a:pt x="106" y="2587"/>
-                </a:cubicBezTo>
-                <a:cubicBezTo>
-                  <a:pt x="114" y="2603"/>
-                  <a:pt x="122" y="2611"/>
-                  <a:pt x="131" y="2620"/>
-                </a:cubicBezTo>
-                <a:cubicBezTo>
-                  <a:pt x="149" y="2644"/>
-                  <a:pt x="177" y="2655"/>
-                  <a:pt x="208" y="2655"/>
-                </a:cubicBezTo>
-                <a:cubicBezTo>
-                  <a:pt x="217" y="2655"/>
-                  <a:pt x="227" y="2654"/>
-                  <a:pt x="236" y="2652"/>
-                </a:cubicBezTo>
-                <a:cubicBezTo>
-                  <a:pt x="285" y="2636"/>
-                  <a:pt x="302" y="2554"/>
-                  <a:pt x="277" y="2465"/>
-                </a:cubicBezTo>
-                <a:lnTo>
-                  <a:pt x="627" y="2310"/>
-                </a:lnTo>
-                <a:lnTo>
-                  <a:pt x="627" y="2318"/>
-                </a:lnTo>
-                <a:cubicBezTo>
-                  <a:pt x="643" y="2343"/>
-                  <a:pt x="660" y="2367"/>
-                  <a:pt x="676" y="2392"/>
-                </a:cubicBezTo>
-                <a:lnTo>
-                  <a:pt x="692" y="2416"/>
-                </a:lnTo>
-                <a:cubicBezTo>
-                  <a:pt x="700" y="2441"/>
-                  <a:pt x="717" y="2457"/>
-                  <a:pt x="733" y="2481"/>
-                </a:cubicBezTo>
-                <a:lnTo>
-                  <a:pt x="749" y="2497"/>
-                </a:lnTo>
-                <a:cubicBezTo>
-                  <a:pt x="766" y="2522"/>
-                  <a:pt x="782" y="2538"/>
-                  <a:pt x="806" y="2563"/>
-                </a:cubicBezTo>
-                <a:cubicBezTo>
-                  <a:pt x="806" y="2571"/>
-                  <a:pt x="823" y="2579"/>
-                  <a:pt x="823" y="2579"/>
-                </a:cubicBezTo>
-                <a:lnTo>
-                  <a:pt x="880" y="2636"/>
-                </a:lnTo>
-                <a:lnTo>
-                  <a:pt x="896" y="2652"/>
-                </a:lnTo>
-                <a:cubicBezTo>
-                  <a:pt x="920" y="2668"/>
-                  <a:pt x="945" y="2685"/>
-                  <a:pt x="969" y="2709"/>
-                </a:cubicBezTo>
-                <a:lnTo>
-                  <a:pt x="985" y="2717"/>
-                </a:lnTo>
-                <a:lnTo>
-                  <a:pt x="1059" y="2758"/>
-                </a:lnTo>
-                <a:lnTo>
-                  <a:pt x="1075" y="2774"/>
-                </a:lnTo>
-                <a:lnTo>
-                  <a:pt x="1124" y="2799"/>
-                </a:lnTo>
-                <a:lnTo>
-                  <a:pt x="1018" y="3149"/>
-                </a:lnTo>
-                <a:cubicBezTo>
-                  <a:pt x="998" y="3146"/>
-                  <a:pt x="978" y="3145"/>
-                  <a:pt x="959" y="3145"/>
-                </a:cubicBezTo>
-                <a:cubicBezTo>
-                  <a:pt x="848" y="3145"/>
-                  <a:pt x="762" y="3185"/>
-                  <a:pt x="741" y="3255"/>
-                </a:cubicBezTo>
-                <a:cubicBezTo>
-                  <a:pt x="733" y="3320"/>
-                  <a:pt x="766" y="3377"/>
-                  <a:pt x="823" y="3417"/>
-                </a:cubicBezTo>
-                <a:cubicBezTo>
-                  <a:pt x="839" y="3426"/>
-                  <a:pt x="855" y="3434"/>
-                  <a:pt x="871" y="3450"/>
-                </a:cubicBezTo>
-                <a:cubicBezTo>
-                  <a:pt x="904" y="3466"/>
-                  <a:pt x="945" y="3482"/>
-                  <a:pt x="977" y="3499"/>
-                </a:cubicBezTo>
-                <a:lnTo>
-                  <a:pt x="1026" y="3515"/>
-                </a:lnTo>
-                <a:cubicBezTo>
-                  <a:pt x="1082" y="3530"/>
-                  <a:pt x="1136" y="3537"/>
-                  <a:pt x="1186" y="3537"/>
-                </a:cubicBezTo>
-                <a:cubicBezTo>
-                  <a:pt x="1297" y="3537"/>
-                  <a:pt x="1384" y="3501"/>
-                  <a:pt x="1401" y="3434"/>
-                </a:cubicBezTo>
-                <a:cubicBezTo>
-                  <a:pt x="1425" y="3360"/>
-                  <a:pt x="1344" y="3263"/>
-                  <a:pt x="1221" y="3206"/>
-                </a:cubicBezTo>
-                <a:lnTo>
-                  <a:pt x="1311" y="2872"/>
-                </a:lnTo>
-                <a:lnTo>
-                  <a:pt x="1376" y="2888"/>
-                </a:lnTo>
-                <a:cubicBezTo>
-                  <a:pt x="1449" y="2900"/>
-                  <a:pt x="1523" y="2907"/>
-                  <a:pt x="1596" y="2907"/>
-                </a:cubicBezTo>
-                <a:cubicBezTo>
-                  <a:pt x="1669" y="2907"/>
-                  <a:pt x="1742" y="2900"/>
-                  <a:pt x="1816" y="2888"/>
-                </a:cubicBezTo>
-                <a:cubicBezTo>
-                  <a:pt x="1881" y="2872"/>
-                  <a:pt x="1938" y="2856"/>
-                  <a:pt x="1995" y="2839"/>
-                </a:cubicBezTo>
-                <a:lnTo>
-                  <a:pt x="2052" y="2815"/>
-                </a:lnTo>
-                <a:cubicBezTo>
-                  <a:pt x="2092" y="2799"/>
-                  <a:pt x="2133" y="2774"/>
-                  <a:pt x="2166" y="2758"/>
-                </a:cubicBezTo>
-                <a:lnTo>
-                  <a:pt x="2443" y="3067"/>
-                </a:lnTo>
-                <a:cubicBezTo>
-                  <a:pt x="2369" y="3157"/>
-                  <a:pt x="2337" y="3246"/>
-                  <a:pt x="2386" y="3295"/>
-                </a:cubicBezTo>
-                <a:cubicBezTo>
-                  <a:pt x="2403" y="3312"/>
-                  <a:pt x="2431" y="3322"/>
-                  <a:pt x="2466" y="3322"/>
-                </a:cubicBezTo>
-                <a:cubicBezTo>
-                  <a:pt x="2530" y="3322"/>
-                  <a:pt x="2616" y="3291"/>
-                  <a:pt x="2695" y="3222"/>
-                </a:cubicBezTo>
-                <a:cubicBezTo>
-                  <a:pt x="2703" y="3214"/>
-                  <a:pt x="2711" y="3206"/>
-                  <a:pt x="2719" y="3198"/>
-                </a:cubicBezTo>
-                <a:cubicBezTo>
-                  <a:pt x="2744" y="3173"/>
-                  <a:pt x="2760" y="3149"/>
-                  <a:pt x="2784" y="3116"/>
-                </a:cubicBezTo>
-                <a:cubicBezTo>
-                  <a:pt x="2793" y="3108"/>
-                  <a:pt x="2801" y="3092"/>
-                  <a:pt x="2801" y="3075"/>
-                </a:cubicBezTo>
-                <a:cubicBezTo>
-                  <a:pt x="2833" y="3035"/>
-                  <a:pt x="2833" y="2978"/>
-                  <a:pt x="2801" y="2929"/>
-                </a:cubicBezTo>
-                <a:cubicBezTo>
-                  <a:pt x="2784" y="2909"/>
-                  <a:pt x="2758" y="2900"/>
-                  <a:pt x="2727" y="2900"/>
-                </a:cubicBezTo>
-                <a:cubicBezTo>
-                  <a:pt x="2681" y="2900"/>
-                  <a:pt x="2623" y="2920"/>
-                  <a:pt x="2565" y="2953"/>
-                </a:cubicBezTo>
-                <a:lnTo>
-                  <a:pt x="2304" y="2660"/>
-                </a:lnTo>
-                <a:lnTo>
-                  <a:pt x="2337" y="2636"/>
-                </a:lnTo>
-                <a:cubicBezTo>
-                  <a:pt x="2377" y="2603"/>
-                  <a:pt x="2410" y="2563"/>
-                  <a:pt x="2451" y="2522"/>
-                </a:cubicBezTo>
-                <a:cubicBezTo>
-                  <a:pt x="2500" y="2465"/>
-                  <a:pt x="2540" y="2408"/>
-                  <a:pt x="2573" y="2343"/>
-                </a:cubicBezTo>
-                <a:cubicBezTo>
-                  <a:pt x="2589" y="2310"/>
-                  <a:pt x="2605" y="2278"/>
-                  <a:pt x="2622" y="2245"/>
-                </a:cubicBezTo>
-                <a:lnTo>
-                  <a:pt x="2874" y="2302"/>
-                </a:lnTo>
-                <a:cubicBezTo>
-                  <a:pt x="2874" y="2375"/>
-                  <a:pt x="2890" y="2432"/>
-                  <a:pt x="2931" y="2441"/>
-                </a:cubicBezTo>
-                <a:cubicBezTo>
-                  <a:pt x="2933" y="2441"/>
-                  <a:pt x="2936" y="2441"/>
-                  <a:pt x="2938" y="2441"/>
-                </a:cubicBezTo>
-                <a:cubicBezTo>
-                  <a:pt x="2978" y="2441"/>
-                  <a:pt x="3030" y="2378"/>
-                  <a:pt x="3053" y="2286"/>
-                </a:cubicBezTo>
-                <a:lnTo>
-                  <a:pt x="3053" y="2261"/>
-                </a:lnTo>
-                <a:cubicBezTo>
-                  <a:pt x="3053" y="2245"/>
-                  <a:pt x="3053" y="2221"/>
-                  <a:pt x="3053" y="2204"/>
-                </a:cubicBezTo>
-                <a:cubicBezTo>
-                  <a:pt x="3053" y="2188"/>
-                  <a:pt x="3053" y="2180"/>
-                  <a:pt x="3053" y="2172"/>
-                </a:cubicBezTo>
-                <a:cubicBezTo>
-                  <a:pt x="3045" y="2131"/>
-                  <a:pt x="3029" y="2107"/>
-                  <a:pt x="2996" y="2099"/>
-                </a:cubicBezTo>
-                <a:cubicBezTo>
-                  <a:pt x="2994" y="2098"/>
-                  <a:pt x="2992" y="2098"/>
-                  <a:pt x="2989" y="2098"/>
-                </a:cubicBezTo>
-                <a:cubicBezTo>
-                  <a:pt x="2962" y="2098"/>
-                  <a:pt x="2913" y="2137"/>
-                  <a:pt x="2890" y="2196"/>
-                </a:cubicBezTo>
-                <a:lnTo>
-                  <a:pt x="2654" y="2147"/>
-                </a:lnTo>
-                <a:cubicBezTo>
-                  <a:pt x="2670" y="2107"/>
-                  <a:pt x="2679" y="2074"/>
-                  <a:pt x="2687" y="2033"/>
-                </a:cubicBezTo>
-                <a:cubicBezTo>
-                  <a:pt x="2695" y="1993"/>
-                  <a:pt x="2703" y="1952"/>
-                  <a:pt x="2711" y="1911"/>
-                </a:cubicBezTo>
-                <a:lnTo>
-                  <a:pt x="2711" y="1879"/>
-                </a:lnTo>
-                <a:lnTo>
-                  <a:pt x="2711" y="1797"/>
-                </a:lnTo>
-                <a:lnTo>
-                  <a:pt x="2711" y="1757"/>
-                </a:lnTo>
-                <a:lnTo>
-                  <a:pt x="2711" y="1683"/>
-                </a:lnTo>
-                <a:cubicBezTo>
-                  <a:pt x="2711" y="1659"/>
-                  <a:pt x="2711" y="1651"/>
-                  <a:pt x="2703" y="1635"/>
-                </a:cubicBezTo>
-                <a:cubicBezTo>
-                  <a:pt x="2695" y="1626"/>
-                  <a:pt x="2703" y="1610"/>
-                  <a:pt x="2695" y="1602"/>
-                </a:cubicBezTo>
-                <a:lnTo>
-                  <a:pt x="3086" y="1456"/>
-                </a:lnTo>
-                <a:cubicBezTo>
-                  <a:pt x="3140" y="1565"/>
-                  <a:pt x="3218" y="1634"/>
-                  <a:pt x="3285" y="1634"/>
-                </a:cubicBezTo>
-                <a:cubicBezTo>
-                  <a:pt x="3298" y="1634"/>
-                  <a:pt x="3310" y="1632"/>
-                  <a:pt x="3322" y="1626"/>
-                </a:cubicBezTo>
-                <a:cubicBezTo>
-                  <a:pt x="3436" y="1594"/>
-                  <a:pt x="3452" y="1423"/>
-                  <a:pt x="3387" y="1244"/>
-                </a:cubicBezTo>
-                <a:cubicBezTo>
-                  <a:pt x="3387" y="1228"/>
-                  <a:pt x="3379" y="1211"/>
-                  <a:pt x="3371" y="1203"/>
-                </a:cubicBezTo>
-                <a:cubicBezTo>
-                  <a:pt x="3354" y="1162"/>
-                  <a:pt x="3338" y="1130"/>
-                  <a:pt x="3314" y="1097"/>
-                </a:cubicBezTo>
-                <a:cubicBezTo>
-                  <a:pt x="3297" y="1081"/>
-                  <a:pt x="3289" y="1073"/>
-                  <a:pt x="3273" y="1057"/>
-                </a:cubicBezTo>
-                <a:cubicBezTo>
-                  <a:pt x="3244" y="1007"/>
-                  <a:pt x="3191" y="982"/>
-                  <a:pt x="3134" y="982"/>
-                </a:cubicBezTo>
-                <a:cubicBezTo>
-                  <a:pt x="3126" y="982"/>
-                  <a:pt x="3118" y="982"/>
-                  <a:pt x="3110" y="983"/>
-                </a:cubicBezTo>
-                <a:cubicBezTo>
-                  <a:pt x="3037" y="1016"/>
-                  <a:pt x="3004" y="1130"/>
-                  <a:pt x="3029" y="1268"/>
-                </a:cubicBezTo>
-                <a:lnTo>
-                  <a:pt x="2654" y="1407"/>
-                </a:lnTo>
-                <a:cubicBezTo>
-                  <a:pt x="2646" y="1390"/>
-                  <a:pt x="2638" y="1374"/>
-                  <a:pt x="2630" y="1350"/>
-                </a:cubicBezTo>
-                <a:cubicBezTo>
-                  <a:pt x="2622" y="1342"/>
-                  <a:pt x="2622" y="1333"/>
-                  <a:pt x="2613" y="1317"/>
-                </a:cubicBezTo>
-                <a:cubicBezTo>
-                  <a:pt x="2605" y="1293"/>
-                  <a:pt x="2589" y="1276"/>
-                  <a:pt x="2581" y="1252"/>
-                </a:cubicBezTo>
-                <a:lnTo>
-                  <a:pt x="2557" y="1219"/>
-                </a:lnTo>
-                <a:cubicBezTo>
-                  <a:pt x="2548" y="1195"/>
-                  <a:pt x="2532" y="1179"/>
-                  <a:pt x="2516" y="1154"/>
-                </a:cubicBezTo>
-                <a:cubicBezTo>
-                  <a:pt x="2516" y="1146"/>
-                  <a:pt x="2508" y="1138"/>
-                  <a:pt x="2500" y="1138"/>
-                </a:cubicBezTo>
-                <a:cubicBezTo>
-                  <a:pt x="2475" y="1105"/>
-                  <a:pt x="2451" y="1073"/>
-                  <a:pt x="2426" y="1040"/>
-                </a:cubicBezTo>
-                <a:lnTo>
-                  <a:pt x="2605" y="894"/>
-                </a:lnTo>
-                <a:cubicBezTo>
-                  <a:pt x="2639" y="928"/>
-                  <a:pt x="2681" y="946"/>
-                  <a:pt x="2714" y="946"/>
-                </a:cubicBezTo>
-                <a:cubicBezTo>
-                  <a:pt x="2729" y="946"/>
-                  <a:pt x="2742" y="942"/>
-                  <a:pt x="2752" y="935"/>
-                </a:cubicBezTo>
-                <a:cubicBezTo>
-                  <a:pt x="2776" y="910"/>
-                  <a:pt x="2768" y="821"/>
-                  <a:pt x="2711" y="747"/>
-                </a:cubicBezTo>
-                <a:lnTo>
-                  <a:pt x="2695" y="723"/>
-                </a:lnTo>
-                <a:cubicBezTo>
-                  <a:pt x="2679" y="715"/>
-                  <a:pt x="2662" y="698"/>
-                  <a:pt x="2646" y="682"/>
-                </a:cubicBezTo>
-                <a:lnTo>
-                  <a:pt x="2622" y="674"/>
-                </a:lnTo>
-                <a:cubicBezTo>
-                  <a:pt x="2605" y="662"/>
-                  <a:pt x="2589" y="656"/>
-                  <a:pt x="2573" y="656"/>
-                </a:cubicBezTo>
-                <a:cubicBezTo>
-                  <a:pt x="2557" y="656"/>
-                  <a:pt x="2540" y="662"/>
-                  <a:pt x="2524" y="674"/>
-                </a:cubicBezTo>
-                <a:cubicBezTo>
-                  <a:pt x="2491" y="698"/>
-                  <a:pt x="2500" y="755"/>
-                  <a:pt x="2540" y="821"/>
-                </a:cubicBezTo>
-                <a:lnTo>
-                  <a:pt x="2353" y="975"/>
-                </a:lnTo>
-                <a:cubicBezTo>
-                  <a:pt x="2231" y="869"/>
-                  <a:pt x="2084" y="788"/>
-                  <a:pt x="1930" y="747"/>
-                </a:cubicBezTo>
-                <a:lnTo>
-                  <a:pt x="1930" y="348"/>
-                </a:lnTo>
-                <a:cubicBezTo>
-                  <a:pt x="2068" y="324"/>
-                  <a:pt x="2166" y="251"/>
-                  <a:pt x="2166" y="177"/>
-                </a:cubicBezTo>
-                <a:cubicBezTo>
-                  <a:pt x="2166" y="77"/>
-                  <a:pt x="2019" y="6"/>
-                  <a:pt x="1844" y="6"/>
-                </a:cubicBezTo>
-                <a:cubicBezTo>
-                  <a:pt x="1835" y="6"/>
-                  <a:pt x="1825" y="6"/>
-                  <a:pt x="1816" y="6"/>
-                </a:cubicBezTo>
-                <a:cubicBezTo>
-                  <a:pt x="1808" y="2"/>
-                  <a:pt x="1799" y="0"/>
-                  <a:pt x="1791" y="0"/>
-                </a:cubicBezTo>
-                <a:close/>
-              </a:path>
-            </a:pathLst>
-          </a:custGeom>
-          <a:solidFill>
-            <a:schemeClr val="lt1"/>
-          </a:solidFill>
-          <a:ln>
-            <a:noFill/>
-          </a:ln>
-        </p:spPr>
-        <p:txBody>
-          <a:bodyPr spcFirstLastPara="1" wrap="square" lIns="91425" tIns="91425" rIns="91425" bIns="91425" anchor="ctr" anchorCtr="0">
-            <a:noAutofit/>
-          </a:bodyPr>
-          <a:lstStyle/>
-          <a:p>
-            <a:pPr marL="0" lvl="0" indent="0" algn="l" rtl="0">
-              <a:spcBef>
-                <a:spcPts val="0"/>
-              </a:spcBef>
-              <a:spcAft>
-                <a:spcPts val="0"/>
-              </a:spcAft>
-              <a:buNone/>
-            </a:pPr>
-            <a:endParaRPr/>
-          </a:p>
-        </p:txBody>
-      </p:sp>
-      <p:sp>
-        <p:nvSpPr>
-          <p:cNvPr id="247" name="Google Shape;247;p23"/>
-          <p:cNvSpPr/>
-          <p:nvPr/>
-        </p:nvSpPr>
-        <p:spPr>
-          <a:xfrm>
-            <a:off x="1699825" y="1339001"/>
-            <a:ext cx="411953" cy="422198"/>
-          </a:xfrm>
-          <a:custGeom>
-            <a:avLst/>
-            <a:gdLst/>
-            <a:ahLst/>
-            <a:cxnLst/>
-            <a:rect l="l" t="t" r="r" b="b"/>
-            <a:pathLst>
-              <a:path w="3452" h="3538" extrusionOk="0">
-                <a:moveTo>
-                  <a:pt x="1791" y="0"/>
-                </a:moveTo>
-                <a:cubicBezTo>
-                  <a:pt x="1783" y="0"/>
-                  <a:pt x="1775" y="2"/>
-                  <a:pt x="1767" y="6"/>
-                </a:cubicBezTo>
-                <a:cubicBezTo>
-                  <a:pt x="1726" y="6"/>
-                  <a:pt x="1685" y="15"/>
-                  <a:pt x="1653" y="23"/>
-                </a:cubicBezTo>
-                <a:cubicBezTo>
-                  <a:pt x="1628" y="31"/>
-                  <a:pt x="1612" y="39"/>
-                  <a:pt x="1596" y="47"/>
-                </a:cubicBezTo>
-                <a:cubicBezTo>
-                  <a:pt x="1523" y="80"/>
-                  <a:pt x="1474" y="129"/>
-                  <a:pt x="1482" y="186"/>
-                </a:cubicBezTo>
-                <a:cubicBezTo>
-                  <a:pt x="1482" y="259"/>
-                  <a:pt x="1580" y="332"/>
-                  <a:pt x="1718" y="348"/>
-                </a:cubicBezTo>
-                <a:lnTo>
-                  <a:pt x="1726" y="698"/>
-                </a:lnTo>
-                <a:cubicBezTo>
-                  <a:pt x="1689" y="695"/>
-                  <a:pt x="1652" y="693"/>
-                  <a:pt x="1615" y="693"/>
-                </a:cubicBezTo>
-                <a:cubicBezTo>
-                  <a:pt x="1344" y="693"/>
-                  <a:pt x="1080" y="796"/>
-                  <a:pt x="880" y="975"/>
-                </a:cubicBezTo>
-                <a:lnTo>
-                  <a:pt x="538" y="755"/>
-                </a:lnTo>
-                <a:cubicBezTo>
-                  <a:pt x="578" y="666"/>
-                  <a:pt x="570" y="584"/>
-                  <a:pt x="530" y="560"/>
-                </a:cubicBezTo>
-                <a:cubicBezTo>
-                  <a:pt x="513" y="553"/>
-                  <a:pt x="494" y="549"/>
-                  <a:pt x="476" y="549"/>
-                </a:cubicBezTo>
-                <a:cubicBezTo>
-                  <a:pt x="451" y="549"/>
-                  <a:pt x="426" y="557"/>
-                  <a:pt x="407" y="576"/>
-                </a:cubicBezTo>
-                <a:lnTo>
-                  <a:pt x="375" y="601"/>
-                </a:lnTo>
-                <a:cubicBezTo>
-                  <a:pt x="359" y="617"/>
-                  <a:pt x="334" y="641"/>
-                  <a:pt x="318" y="658"/>
-                </a:cubicBezTo>
-                <a:lnTo>
-                  <a:pt x="302" y="690"/>
-                </a:lnTo>
-                <a:cubicBezTo>
-                  <a:pt x="236" y="796"/>
-                  <a:pt x="220" y="910"/>
-                  <a:pt x="277" y="951"/>
-                </a:cubicBezTo>
-                <a:cubicBezTo>
-                  <a:pt x="292" y="959"/>
-                  <a:pt x="307" y="963"/>
-                  <a:pt x="323" y="963"/>
-                </a:cubicBezTo>
-                <a:cubicBezTo>
-                  <a:pt x="368" y="963"/>
-                  <a:pt x="416" y="930"/>
-                  <a:pt x="464" y="869"/>
-                </a:cubicBezTo>
-                <a:lnTo>
-                  <a:pt x="782" y="1073"/>
-                </a:lnTo>
-                <a:cubicBezTo>
-                  <a:pt x="530" y="1358"/>
-                  <a:pt x="448" y="1749"/>
-                  <a:pt x="554" y="2115"/>
-                </a:cubicBezTo>
-                <a:cubicBezTo>
-                  <a:pt x="554" y="2115"/>
-                  <a:pt x="554" y="2123"/>
-                  <a:pt x="554" y="2123"/>
-                </a:cubicBezTo>
-                <a:cubicBezTo>
-                  <a:pt x="562" y="2147"/>
-                  <a:pt x="570" y="2172"/>
-                  <a:pt x="578" y="2188"/>
-                </a:cubicBezTo>
-                <a:lnTo>
-                  <a:pt x="220" y="2351"/>
-                </a:lnTo>
-                <a:cubicBezTo>
-                  <a:pt x="181" y="2285"/>
-                  <a:pt x="131" y="2246"/>
-                  <a:pt x="87" y="2246"/>
-                </a:cubicBezTo>
-                <a:cubicBezTo>
-                  <a:pt x="77" y="2246"/>
-                  <a:pt x="67" y="2249"/>
-                  <a:pt x="57" y="2253"/>
-                </a:cubicBezTo>
-                <a:cubicBezTo>
-                  <a:pt x="17" y="2270"/>
-                  <a:pt x="0" y="2384"/>
-                  <a:pt x="49" y="2497"/>
-                </a:cubicBezTo>
-                <a:cubicBezTo>
-                  <a:pt x="49" y="2506"/>
-                  <a:pt x="57" y="2514"/>
-                  <a:pt x="57" y="2530"/>
-                </a:cubicBezTo>
-                <a:cubicBezTo>
-                  <a:pt x="74" y="2546"/>
-                  <a:pt x="90" y="2571"/>
-                  <a:pt x="106" y="2587"/>
-                </a:cubicBezTo>
-                <a:cubicBezTo>
-                  <a:pt x="114" y="2603"/>
-                  <a:pt x="122" y="2611"/>
-                  <a:pt x="131" y="2620"/>
-                </a:cubicBezTo>
-                <a:cubicBezTo>
-                  <a:pt x="149" y="2644"/>
-                  <a:pt x="177" y="2655"/>
-                  <a:pt x="208" y="2655"/>
-                </a:cubicBezTo>
-                <a:cubicBezTo>
-                  <a:pt x="217" y="2655"/>
-                  <a:pt x="227" y="2654"/>
-                  <a:pt x="236" y="2652"/>
-                </a:cubicBezTo>
-                <a:cubicBezTo>
-                  <a:pt x="285" y="2636"/>
-                  <a:pt x="302" y="2554"/>
-                  <a:pt x="277" y="2465"/>
-                </a:cubicBezTo>
-                <a:lnTo>
-                  <a:pt x="627" y="2310"/>
-                </a:lnTo>
-                <a:lnTo>
-                  <a:pt x="627" y="2318"/>
-                </a:lnTo>
-                <a:cubicBezTo>
-                  <a:pt x="643" y="2343"/>
-                  <a:pt x="660" y="2367"/>
-                  <a:pt x="676" y="2392"/>
-                </a:cubicBezTo>
-                <a:lnTo>
-                  <a:pt x="692" y="2416"/>
-                </a:lnTo>
-                <a:cubicBezTo>
-                  <a:pt x="700" y="2441"/>
-                  <a:pt x="717" y="2457"/>
-                  <a:pt x="733" y="2481"/>
-                </a:cubicBezTo>
-                <a:lnTo>
-                  <a:pt x="749" y="2497"/>
-                </a:lnTo>
-                <a:cubicBezTo>
-                  <a:pt x="766" y="2522"/>
-                  <a:pt x="782" y="2538"/>
-                  <a:pt x="806" y="2563"/>
-                </a:cubicBezTo>
-                <a:cubicBezTo>
-                  <a:pt x="806" y="2571"/>
-                  <a:pt x="823" y="2579"/>
-                  <a:pt x="823" y="2579"/>
-                </a:cubicBezTo>
-                <a:lnTo>
-                  <a:pt x="880" y="2636"/>
-                </a:lnTo>
-                <a:lnTo>
-                  <a:pt x="896" y="2652"/>
-                </a:lnTo>
-                <a:cubicBezTo>
-                  <a:pt x="920" y="2668"/>
-                  <a:pt x="945" y="2685"/>
-                  <a:pt x="969" y="2709"/>
-                </a:cubicBezTo>
-                <a:lnTo>
-                  <a:pt x="985" y="2717"/>
-                </a:lnTo>
-                <a:lnTo>
-                  <a:pt x="1059" y="2758"/>
-                </a:lnTo>
-                <a:lnTo>
-                  <a:pt x="1075" y="2774"/>
-                </a:lnTo>
-                <a:lnTo>
-                  <a:pt x="1124" y="2799"/>
-                </a:lnTo>
-                <a:lnTo>
-                  <a:pt x="1018" y="3149"/>
-                </a:lnTo>
-                <a:cubicBezTo>
-                  <a:pt x="998" y="3146"/>
-                  <a:pt x="978" y="3145"/>
-                  <a:pt x="959" y="3145"/>
-                </a:cubicBezTo>
-                <a:cubicBezTo>
-                  <a:pt x="848" y="3145"/>
-                  <a:pt x="762" y="3185"/>
-                  <a:pt x="741" y="3255"/>
-                </a:cubicBezTo>
-                <a:cubicBezTo>
-                  <a:pt x="733" y="3320"/>
-                  <a:pt x="766" y="3377"/>
-                  <a:pt x="823" y="3417"/>
-                </a:cubicBezTo>
-                <a:cubicBezTo>
-                  <a:pt x="839" y="3426"/>
-                  <a:pt x="855" y="3434"/>
-                  <a:pt x="871" y="3450"/>
-                </a:cubicBezTo>
-                <a:cubicBezTo>
-                  <a:pt x="904" y="3466"/>
-                  <a:pt x="945" y="3482"/>
-                  <a:pt x="977" y="3499"/>
-                </a:cubicBezTo>
-                <a:lnTo>
-                  <a:pt x="1026" y="3515"/>
-                </a:lnTo>
-                <a:cubicBezTo>
-                  <a:pt x="1082" y="3530"/>
-                  <a:pt x="1136" y="3537"/>
-                  <a:pt x="1186" y="3537"/>
-                </a:cubicBezTo>
-                <a:cubicBezTo>
-                  <a:pt x="1297" y="3537"/>
-                  <a:pt x="1384" y="3501"/>
-                  <a:pt x="1401" y="3434"/>
-                </a:cubicBezTo>
-                <a:cubicBezTo>
-                  <a:pt x="1425" y="3360"/>
-                  <a:pt x="1344" y="3263"/>
-                  <a:pt x="1221" y="3206"/>
-                </a:cubicBezTo>
-                <a:lnTo>
-                  <a:pt x="1311" y="2872"/>
-                </a:lnTo>
-                <a:lnTo>
-                  <a:pt x="1376" y="2888"/>
-                </a:lnTo>
-                <a:cubicBezTo>
-                  <a:pt x="1449" y="2900"/>
-                  <a:pt x="1523" y="2907"/>
-                  <a:pt x="1596" y="2907"/>
-                </a:cubicBezTo>
-                <a:cubicBezTo>
-                  <a:pt x="1669" y="2907"/>
-                  <a:pt x="1742" y="2900"/>
-                  <a:pt x="1816" y="2888"/>
-                </a:cubicBezTo>
-                <a:cubicBezTo>
-                  <a:pt x="1881" y="2872"/>
-                  <a:pt x="1938" y="2856"/>
-                  <a:pt x="1995" y="2839"/>
-                </a:cubicBezTo>
-                <a:lnTo>
-                  <a:pt x="2052" y="2815"/>
-                </a:lnTo>
-                <a:cubicBezTo>
-                  <a:pt x="2092" y="2799"/>
-                  <a:pt x="2133" y="2774"/>
-                  <a:pt x="2166" y="2758"/>
-                </a:cubicBezTo>
-                <a:lnTo>
-                  <a:pt x="2443" y="3067"/>
-                </a:lnTo>
-                <a:cubicBezTo>
-                  <a:pt x="2369" y="3157"/>
-                  <a:pt x="2337" y="3246"/>
-                  <a:pt x="2386" y="3295"/>
-                </a:cubicBezTo>
-                <a:cubicBezTo>
-                  <a:pt x="2403" y="3312"/>
-                  <a:pt x="2431" y="3322"/>
-                  <a:pt x="2466" y="3322"/>
-                </a:cubicBezTo>
-                <a:cubicBezTo>
-                  <a:pt x="2530" y="3322"/>
-                  <a:pt x="2616" y="3291"/>
-                  <a:pt x="2695" y="3222"/>
-                </a:cubicBezTo>
-                <a:cubicBezTo>
-                  <a:pt x="2703" y="3214"/>
-                  <a:pt x="2711" y="3206"/>
-                  <a:pt x="2719" y="3198"/>
-                </a:cubicBezTo>
-                <a:cubicBezTo>
-                  <a:pt x="2744" y="3173"/>
-                  <a:pt x="2760" y="3149"/>
-                  <a:pt x="2784" y="3116"/>
-                </a:cubicBezTo>
-                <a:cubicBezTo>
-                  <a:pt x="2793" y="3108"/>
-                  <a:pt x="2801" y="3092"/>
-                  <a:pt x="2801" y="3075"/>
-                </a:cubicBezTo>
-                <a:cubicBezTo>
-                  <a:pt x="2833" y="3035"/>
-                  <a:pt x="2833" y="2978"/>
-                  <a:pt x="2801" y="2929"/>
-                </a:cubicBezTo>
-                <a:cubicBezTo>
-                  <a:pt x="2784" y="2909"/>
-                  <a:pt x="2758" y="2900"/>
-                  <a:pt x="2727" y="2900"/>
-                </a:cubicBezTo>
-                <a:cubicBezTo>
-                  <a:pt x="2681" y="2900"/>
-                  <a:pt x="2623" y="2920"/>
-                  <a:pt x="2565" y="2953"/>
-                </a:cubicBezTo>
-                <a:lnTo>
-                  <a:pt x="2304" y="2660"/>
-                </a:lnTo>
-                <a:lnTo>
-                  <a:pt x="2337" y="2636"/>
-                </a:lnTo>
-                <a:cubicBezTo>
-                  <a:pt x="2377" y="2603"/>
-                  <a:pt x="2410" y="2563"/>
-                  <a:pt x="2451" y="2522"/>
-                </a:cubicBezTo>
-                <a:cubicBezTo>
-                  <a:pt x="2500" y="2465"/>
-                  <a:pt x="2540" y="2408"/>
-                  <a:pt x="2573" y="2343"/>
-                </a:cubicBezTo>
-                <a:cubicBezTo>
-                  <a:pt x="2589" y="2310"/>
-                  <a:pt x="2605" y="2278"/>
-                  <a:pt x="2622" y="2245"/>
-                </a:cubicBezTo>
-                <a:lnTo>
-                  <a:pt x="2874" y="2302"/>
-                </a:lnTo>
-                <a:cubicBezTo>
-                  <a:pt x="2874" y="2375"/>
-                  <a:pt x="2890" y="2432"/>
-                  <a:pt x="2931" y="2441"/>
-                </a:cubicBezTo>
-                <a:cubicBezTo>
-                  <a:pt x="2933" y="2441"/>
-                  <a:pt x="2936" y="2441"/>
-                  <a:pt x="2938" y="2441"/>
-                </a:cubicBezTo>
-                <a:cubicBezTo>
-                  <a:pt x="2978" y="2441"/>
-                  <a:pt x="3030" y="2378"/>
-                  <a:pt x="3053" y="2286"/>
-                </a:cubicBezTo>
-                <a:lnTo>
-                  <a:pt x="3053" y="2261"/>
-                </a:lnTo>
-                <a:cubicBezTo>
-                  <a:pt x="3053" y="2245"/>
-                  <a:pt x="3053" y="2221"/>
-                  <a:pt x="3053" y="2204"/>
-                </a:cubicBezTo>
-                <a:cubicBezTo>
-                  <a:pt x="3053" y="2188"/>
-                  <a:pt x="3053" y="2180"/>
-                  <a:pt x="3053" y="2172"/>
-                </a:cubicBezTo>
-                <a:cubicBezTo>
-                  <a:pt x="3045" y="2131"/>
-                  <a:pt x="3029" y="2107"/>
-                  <a:pt x="2996" y="2099"/>
-                </a:cubicBezTo>
-                <a:cubicBezTo>
-                  <a:pt x="2994" y="2098"/>
-                  <a:pt x="2992" y="2098"/>
-                  <a:pt x="2989" y="2098"/>
-                </a:cubicBezTo>
-                <a:cubicBezTo>
-                  <a:pt x="2962" y="2098"/>
-                  <a:pt x="2913" y="2137"/>
-                  <a:pt x="2890" y="2196"/>
-                </a:cubicBezTo>
-                <a:lnTo>
-                  <a:pt x="2654" y="2147"/>
-                </a:lnTo>
-                <a:cubicBezTo>
-                  <a:pt x="2670" y="2107"/>
-                  <a:pt x="2679" y="2074"/>
-                  <a:pt x="2687" y="2033"/>
-                </a:cubicBezTo>
-                <a:cubicBezTo>
-                  <a:pt x="2695" y="1993"/>
-                  <a:pt x="2703" y="1952"/>
-                  <a:pt x="2711" y="1911"/>
-                </a:cubicBezTo>
-                <a:lnTo>
-                  <a:pt x="2711" y="1879"/>
-                </a:lnTo>
-                <a:lnTo>
-                  <a:pt x="2711" y="1797"/>
-                </a:lnTo>
-                <a:lnTo>
-                  <a:pt x="2711" y="1757"/>
-                </a:lnTo>
-                <a:lnTo>
-                  <a:pt x="2711" y="1683"/>
-                </a:lnTo>
-                <a:cubicBezTo>
-                  <a:pt x="2711" y="1659"/>
-                  <a:pt x="2711" y="1651"/>
-                  <a:pt x="2703" y="1635"/>
-                </a:cubicBezTo>
-                <a:cubicBezTo>
-                  <a:pt x="2695" y="1626"/>
-                  <a:pt x="2703" y="1610"/>
-                  <a:pt x="2695" y="1602"/>
-                </a:cubicBezTo>
-                <a:lnTo>
-                  <a:pt x="3086" y="1456"/>
-                </a:lnTo>
-                <a:cubicBezTo>
-                  <a:pt x="3140" y="1565"/>
-                  <a:pt x="3218" y="1634"/>
-                  <a:pt x="3285" y="1634"/>
-                </a:cubicBezTo>
-                <a:cubicBezTo>
-                  <a:pt x="3298" y="1634"/>
-                  <a:pt x="3310" y="1632"/>
-                  <a:pt x="3322" y="1626"/>
-                </a:cubicBezTo>
-                <a:cubicBezTo>
-                  <a:pt x="3436" y="1594"/>
-                  <a:pt x="3452" y="1423"/>
-                  <a:pt x="3387" y="1244"/>
-                </a:cubicBezTo>
-                <a:cubicBezTo>
-                  <a:pt x="3387" y="1228"/>
-                  <a:pt x="3379" y="1211"/>
-                  <a:pt x="3371" y="1203"/>
-                </a:cubicBezTo>
-                <a:cubicBezTo>
-                  <a:pt x="3354" y="1162"/>
-                  <a:pt x="3338" y="1130"/>
-                  <a:pt x="3314" y="1097"/>
-                </a:cubicBezTo>
-                <a:cubicBezTo>
-                  <a:pt x="3297" y="1081"/>
-                  <a:pt x="3289" y="1073"/>
-                  <a:pt x="3273" y="1057"/>
-                </a:cubicBezTo>
-                <a:cubicBezTo>
-                  <a:pt x="3244" y="1007"/>
-                  <a:pt x="3191" y="982"/>
-                  <a:pt x="3134" y="982"/>
-                </a:cubicBezTo>
-                <a:cubicBezTo>
-                  <a:pt x="3126" y="982"/>
-                  <a:pt x="3118" y="982"/>
-                  <a:pt x="3110" y="983"/>
-                </a:cubicBezTo>
-                <a:cubicBezTo>
-                  <a:pt x="3037" y="1016"/>
-                  <a:pt x="3004" y="1130"/>
-                  <a:pt x="3029" y="1268"/>
-                </a:cubicBezTo>
-                <a:lnTo>
-                  <a:pt x="2654" y="1407"/>
-                </a:lnTo>
-                <a:cubicBezTo>
-                  <a:pt x="2646" y="1390"/>
-                  <a:pt x="2638" y="1374"/>
-                  <a:pt x="2630" y="1350"/>
-                </a:cubicBezTo>
-                <a:cubicBezTo>
-                  <a:pt x="2622" y="1342"/>
-                  <a:pt x="2622" y="1333"/>
-                  <a:pt x="2613" y="1317"/>
-                </a:cubicBezTo>
-                <a:cubicBezTo>
-                  <a:pt x="2605" y="1293"/>
-                  <a:pt x="2589" y="1276"/>
-                  <a:pt x="2581" y="1252"/>
-                </a:cubicBezTo>
-                <a:lnTo>
-                  <a:pt x="2557" y="1219"/>
-                </a:lnTo>
-                <a:cubicBezTo>
-                  <a:pt x="2548" y="1195"/>
-                  <a:pt x="2532" y="1179"/>
-                  <a:pt x="2516" y="1154"/>
-                </a:cubicBezTo>
-                <a:cubicBezTo>
-                  <a:pt x="2516" y="1146"/>
-                  <a:pt x="2508" y="1138"/>
-                  <a:pt x="2500" y="1138"/>
-                </a:cubicBezTo>
-                <a:cubicBezTo>
-                  <a:pt x="2475" y="1105"/>
-                  <a:pt x="2451" y="1073"/>
-                  <a:pt x="2426" y="1040"/>
-                </a:cubicBezTo>
-                <a:lnTo>
-                  <a:pt x="2605" y="894"/>
-                </a:lnTo>
-                <a:cubicBezTo>
-                  <a:pt x="2639" y="928"/>
-                  <a:pt x="2681" y="946"/>
-                  <a:pt x="2714" y="946"/>
-                </a:cubicBezTo>
-                <a:cubicBezTo>
-                  <a:pt x="2729" y="946"/>
-                  <a:pt x="2742" y="942"/>
-                  <a:pt x="2752" y="935"/>
-                </a:cubicBezTo>
-                <a:cubicBezTo>
-                  <a:pt x="2776" y="910"/>
-                  <a:pt x="2768" y="821"/>
-                  <a:pt x="2711" y="747"/>
-                </a:cubicBezTo>
-                <a:lnTo>
-                  <a:pt x="2695" y="723"/>
-                </a:lnTo>
-                <a:cubicBezTo>
-                  <a:pt x="2679" y="715"/>
-                  <a:pt x="2662" y="698"/>
-                  <a:pt x="2646" y="682"/>
-                </a:cubicBezTo>
-                <a:lnTo>
-                  <a:pt x="2622" y="674"/>
-                </a:lnTo>
-                <a:cubicBezTo>
-                  <a:pt x="2605" y="662"/>
-                  <a:pt x="2589" y="656"/>
-                  <a:pt x="2573" y="656"/>
-                </a:cubicBezTo>
-                <a:cubicBezTo>
-                  <a:pt x="2557" y="656"/>
-                  <a:pt x="2540" y="662"/>
-                  <a:pt x="2524" y="674"/>
-                </a:cubicBezTo>
-                <a:cubicBezTo>
-                  <a:pt x="2491" y="698"/>
-                  <a:pt x="2500" y="755"/>
-                  <a:pt x="2540" y="821"/>
-                </a:cubicBezTo>
-                <a:lnTo>
-                  <a:pt x="2353" y="975"/>
-                </a:lnTo>
-                <a:cubicBezTo>
-                  <a:pt x="2231" y="869"/>
-                  <a:pt x="2084" y="788"/>
-                  <a:pt x="1930" y="747"/>
-                </a:cubicBezTo>
-                <a:lnTo>
-                  <a:pt x="1930" y="348"/>
-                </a:lnTo>
-                <a:cubicBezTo>
-                  <a:pt x="2068" y="324"/>
-                  <a:pt x="2166" y="251"/>
-                  <a:pt x="2166" y="177"/>
-                </a:cubicBezTo>
-                <a:cubicBezTo>
-                  <a:pt x="2166" y="77"/>
-                  <a:pt x="2019" y="6"/>
-                  <a:pt x="1844" y="6"/>
-                </a:cubicBezTo>
-                <a:cubicBezTo>
-                  <a:pt x="1835" y="6"/>
-                  <a:pt x="1825" y="6"/>
-                  <a:pt x="1816" y="6"/>
-                </a:cubicBezTo>
-                <a:cubicBezTo>
-                  <a:pt x="1808" y="2"/>
-                  <a:pt x="1799" y="0"/>
-                  <a:pt x="1791" y="0"/>
-                </a:cubicBezTo>
-                <a:close/>
-              </a:path>
-            </a:pathLst>
-          </a:custGeom>
-          <a:solidFill>
-            <a:schemeClr val="dk2"/>
-          </a:solidFill>
-          <a:ln>
-            <a:noFill/>
-          </a:ln>
-        </p:spPr>
-        <p:txBody>
-          <a:bodyPr spcFirstLastPara="1" wrap="square" lIns="91425" tIns="91425" rIns="91425" bIns="91425" anchor="ctr" anchorCtr="0">
-            <a:noAutofit/>
-          </a:bodyPr>
-          <a:lstStyle/>
-          <a:p>
-            <a:pPr marL="0" lvl="0" indent="0" algn="l" rtl="0">
-              <a:spcBef>
-                <a:spcPts val="0"/>
-              </a:spcBef>
-              <a:spcAft>
-                <a:spcPts val="0"/>
-              </a:spcAft>
-              <a:buNone/>
-            </a:pPr>
-            <a:endParaRPr/>
-          </a:p>
-        </p:txBody>
-      </p:sp>
-    </p:spTree>
-  </p:cSld>
-  <p:clrMapOvr>
-    <a:masterClrMapping/>
-  </p:clrMapOvr>
-</p:sldLayout>
-</file>
-
-<file path=ppt/slideLayouts/slideLayout9.xml><?xml version="1.0" encoding="utf-8"?>
 <p:sldLayout xmlns:a="http://schemas.openxmlformats.org/drawingml/2006/main" xmlns:r="http://schemas.openxmlformats.org/officeDocument/2006/relationships" xmlns:p="http://schemas.openxmlformats.org/presentationml/2006/main" matchingName="Background">
   <p:cSld name="BLANK_1">
     <p:bg>
@@ -24460,6 +19659,37 @@
     <p:spTree>
       <p:nvGrpSpPr>
         <p:cNvPr id="1" name="Shape 262"/>
+        <p:cNvGrpSpPr/>
+        <p:nvPr/>
+      </p:nvGrpSpPr>
+      <p:grpSpPr>
+        <a:xfrm>
+          <a:off x="0" y="0"/>
+          <a:ext cx="0" cy="0"/>
+          <a:chOff x="0" y="0"/>
+          <a:chExt cx="0" cy="0"/>
+        </a:xfrm>
+      </p:grpSpPr>
+    </p:spTree>
+  </p:cSld>
+  <p:clrMapOvr>
+    <a:masterClrMapping/>
+  </p:clrMapOvr>
+</p:sldLayout>
+</file>
+
+<file path=ppt/slideLayouts/slideLayout8.xml><?xml version="1.0" encoding="utf-8"?>
+<p:sldLayout xmlns:a="http://schemas.openxmlformats.org/drawingml/2006/main" xmlns:r="http://schemas.openxmlformats.org/officeDocument/2006/relationships" xmlns:p="http://schemas.openxmlformats.org/presentationml/2006/main" matchingName="Blank" type="blank">
+  <p:cSld name="BLANK">
+    <p:bg>
+      <p:bgPr>
+        <a:noFill/>
+        <a:effectLst/>
+      </p:bgPr>
+    </p:bg>
+    <p:spTree>
+      <p:nvGrpSpPr>
+        <p:cNvPr id="1" name="Shape 263"/>
         <p:cNvGrpSpPr/>
         <p:nvPr/>
       </p:nvGrpSpPr>
@@ -25023,10 +20253,8 @@
     <p:sldLayoutId id="2147483653" r:id="rId4"/>
     <p:sldLayoutId id="2147483654" r:id="rId5"/>
     <p:sldLayoutId id="2147483658" r:id="rId6"/>
-    <p:sldLayoutId id="2147483663" r:id="rId7"/>
-    <p:sldLayoutId id="2147483669" r:id="rId8"/>
-    <p:sldLayoutId id="2147483673" r:id="rId9"/>
-    <p:sldLayoutId id="2147483674" r:id="rId10"/>
+    <p:sldLayoutId id="2147483673" r:id="rId7"/>
+    <p:sldLayoutId id="2147483674" r:id="rId8"/>
   </p:sldLayoutIdLst>
   <p:hf hdr="0"/>
   <p:txStyles>
@@ -34631,64 +29859,929 @@
       </p:sp>
       <p:sp>
         <p:nvSpPr>
-          <p:cNvPr id="3" name="Textplatzhalter 2">
+          <p:cNvPr id="5" name="Rectangle 1">
             <a:extLst>
               <a:ext uri="{FF2B5EF4-FFF2-40B4-BE49-F238E27FC236}">
-                <a16:creationId xmlns:a16="http://schemas.microsoft.com/office/drawing/2014/main" id="{A49103DC-0F49-49C7-BC38-143F8CD21650}"/>
+                <a16:creationId xmlns:a16="http://schemas.microsoft.com/office/drawing/2014/main" id="{13BDAB23-26F1-4D36-892D-703A5CF69C91}"/>
               </a:ext>
             </a:extLst>
           </p:cNvPr>
           <p:cNvSpPr>
-            <a:spLocks noGrp="1"/>
+            <a:spLocks noGrp="1" noChangeArrowheads="1"/>
           </p:cNvSpPr>
           <p:nvPr>
             <p:ph type="body" idx="1"/>
           </p:nvPr>
         </p:nvSpPr>
-        <p:spPr/>
+        <p:spPr bwMode="auto">
+          <a:xfrm>
+            <a:off x="1390039" y="1542631"/>
+            <a:ext cx="6363922" cy="1885119"/>
+          </a:xfrm>
+          <a:prstGeom prst="rect">
+            <a:avLst/>
+          </a:prstGeom>
+          <a:noFill/>
+          <a:ln>
+            <a:noFill/>
+          </a:ln>
+          <a:effectLst/>
+          <a:extLst>
+            <a:ext uri="{909E8E84-426E-40DD-AFC4-6F175D3DCCD1}">
+              <a14:hiddenFill xmlns:a14="http://schemas.microsoft.com/office/drawing/2010/main">
+                <a:solidFill>
+                  <a:schemeClr val="accent1"/>
+                </a:solidFill>
+              </a14:hiddenFill>
+            </a:ext>
+            <a:ext uri="{91240B29-F687-4F45-9708-019B960494DF}">
+              <a14:hiddenLine xmlns:a14="http://schemas.microsoft.com/office/drawing/2010/main" w="9525">
+                <a:solidFill>
+                  <a:schemeClr val="tx1"/>
+                </a:solidFill>
+                <a:miter lim="800000"/>
+                <a:headEnd/>
+                <a:tailEnd/>
+              </a14:hiddenLine>
+            </a:ext>
+            <a:ext uri="{AF507438-7753-43E0-B8FC-AC1667EBCBE1}">
+              <a14:hiddenEffects xmlns:a14="http://schemas.microsoft.com/office/drawing/2010/main">
+                <a:effectLst>
+                  <a:outerShdw dist="35921" dir="2700000" algn="ctr" rotWithShape="0">
+                    <a:schemeClr val="bg2"/>
+                  </a:outerShdw>
+                </a:effectLst>
+              </a14:hiddenEffects>
+            </a:ext>
+          </a:extLst>
+        </p:spPr>
         <p:txBody>
-          <a:bodyPr/>
+          <a:bodyPr vert="horz" wrap="none" lIns="0" tIns="19044" rIns="0" bIns="19044" numCol="1" anchor="ctr" anchorCtr="0" compatLnSpc="1">
+            <a:prstTxWarp prst="textNoShape">
+              <a:avLst/>
+            </a:prstTxWarp>
+            <a:spAutoFit/>
+          </a:bodyPr>
           <a:lstStyle/>
           <a:p>
-            <a:endParaRPr lang="en-US" dirty="0"/>
+            <a:pPr marL="0" lvl="0" indent="0" eaLnBrk="0" fontAlgn="base" hangingPunct="0">
+              <a:lnSpc>
+                <a:spcPct val="100000"/>
+              </a:lnSpc>
+              <a:spcBef>
+                <a:spcPct val="0"/>
+              </a:spcBef>
+              <a:spcAft>
+                <a:spcPct val="0"/>
+              </a:spcAft>
+              <a:buClrTx/>
+              <a:buSzTx/>
+              <a:buNone/>
+            </a:pPr>
+            <a:r>
+              <a:rPr kumimoji="0" lang="en-US" altLang="en-US" sz="2000" b="0" i="0" u="none" strike="noStrike" cap="none" normalizeH="0" baseline="0" dirty="0">
+                <a:ln>
+                  <a:noFill/>
+                </a:ln>
+                <a:solidFill>
+                  <a:srgbClr val="F8F8F8"/>
+                </a:solidFill>
+                <a:effectLst/>
+                <a:latin typeface="Hind" panose="020B0604020202020204" charset="0"/>
+                <a:cs typeface="Hind" panose="020B0604020202020204" charset="0"/>
+              </a:rPr>
+              <a:t>log(</a:t>
+            </a:r>
+            <a:r>
+              <a:rPr kumimoji="0" lang="en-US" altLang="en-US" sz="2000" b="0" i="0" u="none" strike="noStrike" cap="none" normalizeH="0" baseline="0" dirty="0" err="1">
+                <a:ln>
+                  <a:noFill/>
+                </a:ln>
+                <a:solidFill>
+                  <a:srgbClr val="F8F8F8"/>
+                </a:solidFill>
+                <a:effectLst/>
+                <a:latin typeface="Hind" panose="020B0604020202020204" charset="0"/>
+                <a:cs typeface="Hind" panose="020B0604020202020204" charset="0"/>
+              </a:rPr>
+              <a:t>Hospitalisiert</a:t>
+            </a:r>
+            <a:r>
+              <a:rPr kumimoji="0" lang="en-US" altLang="en-US" sz="2000" b="0" i="0" u="none" strike="noStrike" cap="none" normalizeH="0" baseline="0" dirty="0">
+                <a:ln>
+                  <a:noFill/>
+                </a:ln>
+                <a:solidFill>
+                  <a:srgbClr val="F8F8F8"/>
+                </a:solidFill>
+                <a:effectLst/>
+                <a:latin typeface="Hind" panose="020B0604020202020204" charset="0"/>
+                <a:cs typeface="Hind" panose="020B0604020202020204" charset="0"/>
+              </a:rPr>
+              <a:t>)</a:t>
+            </a:r>
+            <a:r>
+              <a:rPr kumimoji="0" lang="en-US" altLang="en-US" sz="2000" b="0" i="0" u="none" strike="noStrike" cap="none" normalizeH="0" baseline="-25000" dirty="0" err="1">
+                <a:ln>
+                  <a:noFill/>
+                </a:ln>
+                <a:solidFill>
+                  <a:srgbClr val="F8F8F8"/>
+                </a:solidFill>
+                <a:effectLst/>
+                <a:latin typeface="Hind" panose="020B0604020202020204" charset="0"/>
+                <a:cs typeface="Hind" panose="020B0604020202020204" charset="0"/>
+              </a:rPr>
+              <a:t>i</a:t>
+            </a:r>
+            <a:r>
+              <a:rPr kumimoji="0" lang="en-US" altLang="en-US" sz="2000" b="0" i="0" u="none" strike="noStrike" cap="none" normalizeH="0" baseline="0" dirty="0">
+                <a:ln>
+                  <a:noFill/>
+                </a:ln>
+                <a:solidFill>
+                  <a:srgbClr val="F8F8F8"/>
+                </a:solidFill>
+                <a:effectLst/>
+                <a:latin typeface="Hind" panose="020B0604020202020204" charset="0"/>
+                <a:cs typeface="Hind" panose="020B0604020202020204" charset="0"/>
+              </a:rPr>
+              <a:t> = </a:t>
+            </a:r>
+            <a:r>
+              <a:rPr kumimoji="0" lang="el-GR" altLang="en-US" sz="2000" b="0" i="0" u="none" strike="noStrike" cap="none" normalizeH="0" baseline="0" dirty="0">
+                <a:ln>
+                  <a:noFill/>
+                </a:ln>
+                <a:solidFill>
+                  <a:srgbClr val="F8F8F8"/>
+                </a:solidFill>
+                <a:effectLst/>
+                <a:latin typeface="Monaco"/>
+                <a:cs typeface="Hind" panose="020B0604020202020204" charset="0"/>
+              </a:rPr>
+              <a:t>β</a:t>
+            </a:r>
+            <a:r>
+              <a:rPr lang="en-US" altLang="en-US" sz="2000" baseline="-25000" dirty="0">
+                <a:solidFill>
+                  <a:srgbClr val="F8F8F8"/>
+                </a:solidFill>
+                <a:latin typeface="Hind" panose="020B0604020202020204" charset="0"/>
+                <a:cs typeface="Hind" panose="020B0604020202020204" charset="0"/>
+              </a:rPr>
+              <a:t>0</a:t>
+            </a:r>
+            <a:r>
+              <a:rPr kumimoji="0" lang="en-US" altLang="en-US" sz="2000" b="0" i="0" u="none" strike="noStrike" cap="none" normalizeH="0" baseline="0" dirty="0">
+                <a:ln>
+                  <a:noFill/>
+                </a:ln>
+                <a:solidFill>
+                  <a:srgbClr val="F8F8F8"/>
+                </a:solidFill>
+                <a:effectLst/>
+                <a:latin typeface="Hind" panose="020B0604020202020204" charset="0"/>
+                <a:cs typeface="Hind" panose="020B0604020202020204" charset="0"/>
+              </a:rPr>
+              <a:t> + </a:t>
+            </a:r>
+            <a:r>
+              <a:rPr lang="el-GR" altLang="en-US" sz="2000" dirty="0">
+                <a:solidFill>
+                  <a:srgbClr val="F8F8F8"/>
+                </a:solidFill>
+                <a:latin typeface="Monaco"/>
+                <a:cs typeface="Hind" panose="020B0604020202020204" charset="0"/>
+              </a:rPr>
+              <a:t>β</a:t>
+            </a:r>
+            <a:r>
+              <a:rPr lang="en-US" altLang="en-US" sz="2000" baseline="-25000" dirty="0">
+                <a:solidFill>
+                  <a:srgbClr val="F8F8F8"/>
+                </a:solidFill>
+                <a:latin typeface="Hind" panose="020B0604020202020204" charset="0"/>
+                <a:cs typeface="Hind" panose="020B0604020202020204" charset="0"/>
+              </a:rPr>
+              <a:t>1</a:t>
+            </a:r>
+            <a:r>
+              <a:rPr kumimoji="0" lang="en-US" altLang="en-US" sz="2000" b="0" i="0" u="none" strike="noStrike" cap="none" normalizeH="0" baseline="0" dirty="0">
+                <a:ln>
+                  <a:noFill/>
+                </a:ln>
+                <a:solidFill>
+                  <a:srgbClr val="F8F8F8"/>
+                </a:solidFill>
+                <a:effectLst/>
+                <a:latin typeface="Hind" panose="020B0604020202020204" charset="0"/>
+                <a:cs typeface="Hind" panose="020B0604020202020204" charset="0"/>
+              </a:rPr>
+              <a:t> * (</a:t>
+            </a:r>
+            <a:r>
+              <a:rPr kumimoji="0" lang="en-US" altLang="en-US" sz="2000" b="0" i="0" u="none" strike="noStrike" cap="none" normalizeH="0" baseline="0" dirty="0" err="1">
+                <a:ln>
+                  <a:noFill/>
+                </a:ln>
+                <a:solidFill>
+                  <a:srgbClr val="F8F8F8"/>
+                </a:solidFill>
+                <a:effectLst/>
+                <a:latin typeface="Hind" panose="020B0604020202020204" charset="0"/>
+                <a:cs typeface="Hind" panose="020B0604020202020204" charset="0"/>
+              </a:rPr>
+              <a:t>Altersgruppe</a:t>
+            </a:r>
+            <a:r>
+              <a:rPr lang="en-US" altLang="en-US" sz="2000" baseline="-25000" dirty="0" err="1">
+                <a:solidFill>
+                  <a:srgbClr val="F8F8F8"/>
+                </a:solidFill>
+                <a:latin typeface="Hind" panose="020B0604020202020204" charset="0"/>
+                <a:cs typeface="Hind" panose="020B0604020202020204" charset="0"/>
+              </a:rPr>
+              <a:t>i</a:t>
+            </a:r>
+            <a:r>
+              <a:rPr kumimoji="0" lang="en-US" altLang="en-US" sz="2000" b="0" i="0" u="none" strike="noStrike" cap="none" normalizeH="0" baseline="0" dirty="0">
+                <a:ln>
+                  <a:noFill/>
+                </a:ln>
+                <a:solidFill>
+                  <a:srgbClr val="F8F8F8"/>
+                </a:solidFill>
+                <a:effectLst/>
+                <a:latin typeface="Hind" panose="020B0604020202020204" charset="0"/>
+                <a:cs typeface="Hind" panose="020B0604020202020204" charset="0"/>
+              </a:rPr>
+              <a:t> = "60+") + </a:t>
+            </a:r>
+          </a:p>
+          <a:p>
+            <a:pPr marL="0" lvl="0" indent="0" eaLnBrk="0" fontAlgn="base" hangingPunct="0">
+              <a:lnSpc>
+                <a:spcPct val="100000"/>
+              </a:lnSpc>
+              <a:spcBef>
+                <a:spcPct val="0"/>
+              </a:spcBef>
+              <a:spcAft>
+                <a:spcPct val="0"/>
+              </a:spcAft>
+              <a:buClrTx/>
+              <a:buSzTx/>
+              <a:buNone/>
+            </a:pPr>
+            <a:r>
+              <a:rPr kumimoji="0" lang="en-US" altLang="en-US" sz="2000" b="0" i="0" u="none" strike="noStrike" cap="none" normalizeH="0" baseline="0" dirty="0">
+                <a:ln>
+                  <a:noFill/>
+                </a:ln>
+                <a:solidFill>
+                  <a:srgbClr val="F8F8F8"/>
+                </a:solidFill>
+                <a:effectLst/>
+                <a:latin typeface="Hind" panose="020B0604020202020204" charset="0"/>
+                <a:cs typeface="Hind" panose="020B0604020202020204" charset="0"/>
+              </a:rPr>
+              <a:t>			</a:t>
+            </a:r>
+            <a:r>
+              <a:rPr lang="el-GR" altLang="en-US" sz="2000" dirty="0">
+                <a:solidFill>
+                  <a:srgbClr val="F8F8F8"/>
+                </a:solidFill>
+                <a:latin typeface="Monaco"/>
+                <a:cs typeface="Hind" panose="020B0604020202020204" charset="0"/>
+              </a:rPr>
+              <a:t>β</a:t>
+            </a:r>
+            <a:r>
+              <a:rPr lang="en-US" altLang="en-US" sz="2000" baseline="-25000" dirty="0">
+                <a:solidFill>
+                  <a:srgbClr val="F8F8F8"/>
+                </a:solidFill>
+                <a:latin typeface="Hind" panose="020B0604020202020204" charset="0"/>
+                <a:cs typeface="Hind" panose="020B0604020202020204" charset="0"/>
+              </a:rPr>
+              <a:t>2</a:t>
+            </a:r>
+            <a:r>
+              <a:rPr kumimoji="0" lang="en-US" altLang="en-US" sz="2000" b="0" i="0" u="none" strike="noStrike" cap="none" normalizeH="0" baseline="0" dirty="0">
+                <a:ln>
+                  <a:noFill/>
+                </a:ln>
+                <a:solidFill>
+                  <a:srgbClr val="F8F8F8"/>
+                </a:solidFill>
+                <a:effectLst/>
+                <a:latin typeface="Hind" panose="020B0604020202020204" charset="0"/>
+                <a:cs typeface="Hind" panose="020B0604020202020204" charset="0"/>
+              </a:rPr>
+              <a:t> * </a:t>
+            </a:r>
+            <a:r>
+              <a:rPr lang="en-US" altLang="en-US" sz="2000" dirty="0">
+                <a:solidFill>
+                  <a:srgbClr val="F8F8F8"/>
+                </a:solidFill>
+                <a:latin typeface="Hind" panose="020B0604020202020204" charset="0"/>
+                <a:cs typeface="Hind" panose="020B0604020202020204" charset="0"/>
+              </a:rPr>
+              <a:t>Ⅰ</a:t>
+            </a:r>
+            <a:r>
+              <a:rPr kumimoji="0" lang="en-US" altLang="en-US" sz="2000" b="0" i="0" u="none" strike="noStrike" cap="none" normalizeH="0" baseline="0" dirty="0">
+                <a:ln>
+                  <a:noFill/>
+                </a:ln>
+                <a:solidFill>
+                  <a:srgbClr val="F8F8F8"/>
+                </a:solidFill>
+                <a:effectLst/>
+                <a:latin typeface="Hind" panose="020B0604020202020204" charset="0"/>
+                <a:cs typeface="Hind" panose="020B0604020202020204" charset="0"/>
+              </a:rPr>
+              <a:t>(</a:t>
+            </a:r>
+            <a:r>
+              <a:rPr kumimoji="0" lang="en-US" altLang="en-US" sz="2000" b="0" i="0" u="none" strike="noStrike" cap="none" normalizeH="0" baseline="0" dirty="0" err="1">
+                <a:ln>
+                  <a:noFill/>
+                </a:ln>
+                <a:solidFill>
+                  <a:srgbClr val="F8F8F8"/>
+                </a:solidFill>
+                <a:effectLst/>
+                <a:latin typeface="Hind" panose="020B0604020202020204" charset="0"/>
+                <a:cs typeface="Hind" panose="020B0604020202020204" charset="0"/>
+              </a:rPr>
+              <a:t>season</a:t>
+            </a:r>
+            <a:r>
+              <a:rPr lang="en-US" altLang="en-US" sz="2000" baseline="-25000" dirty="0" err="1">
+                <a:solidFill>
+                  <a:srgbClr val="F8F8F8"/>
+                </a:solidFill>
+                <a:latin typeface="Hind" panose="020B0604020202020204" charset="0"/>
+                <a:cs typeface="Hind" panose="020B0604020202020204" charset="0"/>
+              </a:rPr>
+              <a:t>i</a:t>
+            </a:r>
+            <a:r>
+              <a:rPr kumimoji="0" lang="en-US" altLang="en-US" sz="2000" b="0" i="0" u="none" strike="noStrike" cap="none" normalizeH="0" baseline="0" dirty="0">
+                <a:ln>
+                  <a:noFill/>
+                </a:ln>
+                <a:solidFill>
+                  <a:srgbClr val="F8F8F8"/>
+                </a:solidFill>
+                <a:effectLst/>
+                <a:latin typeface="Hind" panose="020B0604020202020204" charset="0"/>
+                <a:cs typeface="Hind" panose="020B0604020202020204" charset="0"/>
+              </a:rPr>
+              <a:t> = "Autumn") + </a:t>
+            </a:r>
+          </a:p>
+          <a:p>
+            <a:pPr marL="0" lvl="0" indent="0" eaLnBrk="0" fontAlgn="base" hangingPunct="0">
+              <a:lnSpc>
+                <a:spcPct val="100000"/>
+              </a:lnSpc>
+              <a:spcBef>
+                <a:spcPct val="0"/>
+              </a:spcBef>
+              <a:spcAft>
+                <a:spcPct val="0"/>
+              </a:spcAft>
+              <a:buClrTx/>
+              <a:buSzTx/>
+              <a:buNone/>
+            </a:pPr>
+            <a:r>
+              <a:rPr lang="en-US" altLang="en-US" sz="2000" dirty="0">
+                <a:solidFill>
+                  <a:srgbClr val="F8F8F8"/>
+                </a:solidFill>
+                <a:latin typeface="Hind" panose="020B0604020202020204" charset="0"/>
+                <a:cs typeface="Hind" panose="020B0604020202020204" charset="0"/>
+              </a:rPr>
+              <a:t>			</a:t>
+            </a:r>
+            <a:r>
+              <a:rPr lang="el-GR" altLang="en-US" sz="2000" dirty="0">
+                <a:solidFill>
+                  <a:srgbClr val="F8F8F8"/>
+                </a:solidFill>
+                <a:latin typeface="Monaco"/>
+                <a:cs typeface="Hind" panose="020B0604020202020204" charset="0"/>
+              </a:rPr>
+              <a:t>β</a:t>
+            </a:r>
+            <a:r>
+              <a:rPr lang="en-US" altLang="en-US" sz="2000" baseline="-25000" dirty="0">
+                <a:solidFill>
+                  <a:srgbClr val="F8F8F8"/>
+                </a:solidFill>
+                <a:latin typeface="Hind" panose="020B0604020202020204" charset="0"/>
+                <a:cs typeface="Hind" panose="020B0604020202020204" charset="0"/>
+              </a:rPr>
+              <a:t>3</a:t>
+            </a:r>
+            <a:r>
+              <a:rPr kumimoji="0" lang="en-US" altLang="en-US" sz="2000" b="0" i="0" u="none" strike="noStrike" cap="none" normalizeH="0" baseline="0" dirty="0">
+                <a:ln>
+                  <a:noFill/>
+                </a:ln>
+                <a:solidFill>
+                  <a:srgbClr val="F8F8F8"/>
+                </a:solidFill>
+                <a:effectLst/>
+                <a:latin typeface="Hind" panose="020B0604020202020204" charset="0"/>
+                <a:cs typeface="Hind" panose="020B0604020202020204" charset="0"/>
+              </a:rPr>
+              <a:t> * Ⅰ(</a:t>
+            </a:r>
+            <a:r>
+              <a:rPr kumimoji="0" lang="en-US" altLang="en-US" sz="2000" b="0" i="0" u="none" strike="noStrike" cap="none" normalizeH="0" baseline="0" dirty="0" err="1">
+                <a:ln>
+                  <a:noFill/>
+                </a:ln>
+                <a:solidFill>
+                  <a:srgbClr val="F8F8F8"/>
+                </a:solidFill>
+                <a:effectLst/>
+                <a:latin typeface="Hind" panose="020B0604020202020204" charset="0"/>
+                <a:cs typeface="Hind" panose="020B0604020202020204" charset="0"/>
+              </a:rPr>
+              <a:t>season</a:t>
+            </a:r>
+            <a:r>
+              <a:rPr lang="en-US" altLang="en-US" sz="2000" baseline="-25000" dirty="0" err="1">
+                <a:solidFill>
+                  <a:srgbClr val="F8F8F8"/>
+                </a:solidFill>
+                <a:latin typeface="Hind" panose="020B0604020202020204" charset="0"/>
+                <a:cs typeface="Hind" panose="020B0604020202020204" charset="0"/>
+              </a:rPr>
+              <a:t>i</a:t>
+            </a:r>
+            <a:r>
+              <a:rPr kumimoji="0" lang="en-US" altLang="en-US" sz="2000" b="0" i="0" u="none" strike="noStrike" cap="none" normalizeH="0" baseline="0" dirty="0">
+                <a:ln>
+                  <a:noFill/>
+                </a:ln>
+                <a:solidFill>
+                  <a:srgbClr val="F8F8F8"/>
+                </a:solidFill>
+                <a:effectLst/>
+                <a:latin typeface="Hind" panose="020B0604020202020204" charset="0"/>
+                <a:cs typeface="Hind" panose="020B0604020202020204" charset="0"/>
+              </a:rPr>
+              <a:t> = "Spring") + </a:t>
+            </a:r>
+          </a:p>
+          <a:p>
+            <a:pPr marL="0" lvl="0" indent="0" eaLnBrk="0" fontAlgn="base" hangingPunct="0">
+              <a:lnSpc>
+                <a:spcPct val="100000"/>
+              </a:lnSpc>
+              <a:spcBef>
+                <a:spcPct val="0"/>
+              </a:spcBef>
+              <a:spcAft>
+                <a:spcPct val="0"/>
+              </a:spcAft>
+              <a:buClrTx/>
+              <a:buSzTx/>
+              <a:buNone/>
+            </a:pPr>
+            <a:r>
+              <a:rPr kumimoji="0" lang="en-US" altLang="en-US" sz="2000" b="0" i="0" u="none" strike="noStrike" cap="none" normalizeH="0" baseline="0" dirty="0">
+                <a:ln>
+                  <a:noFill/>
+                </a:ln>
+                <a:solidFill>
+                  <a:srgbClr val="F8F8F8"/>
+                </a:solidFill>
+                <a:effectLst/>
+                <a:latin typeface="Hind" panose="020B0604020202020204" charset="0"/>
+                <a:cs typeface="Hind" panose="020B0604020202020204" charset="0"/>
+              </a:rPr>
+              <a:t>			</a:t>
+            </a:r>
+            <a:r>
+              <a:rPr lang="el-GR" altLang="en-US" sz="2000" dirty="0">
+                <a:solidFill>
+                  <a:srgbClr val="F8F8F8"/>
+                </a:solidFill>
+                <a:latin typeface="Monaco"/>
+                <a:cs typeface="Hind" panose="020B0604020202020204" charset="0"/>
+              </a:rPr>
+              <a:t>β</a:t>
+            </a:r>
+            <a:r>
+              <a:rPr lang="en-US" altLang="en-US" sz="2000" baseline="-25000" dirty="0">
+                <a:solidFill>
+                  <a:srgbClr val="F8F8F8"/>
+                </a:solidFill>
+                <a:latin typeface="Hind" panose="020B0604020202020204" charset="0"/>
+                <a:cs typeface="Hind" panose="020B0604020202020204" charset="0"/>
+              </a:rPr>
+              <a:t>4</a:t>
+            </a:r>
+            <a:r>
+              <a:rPr kumimoji="0" lang="en-US" altLang="en-US" sz="2000" b="0" i="0" u="none" strike="noStrike" cap="none" normalizeH="0" baseline="0" dirty="0">
+                <a:ln>
+                  <a:noFill/>
+                </a:ln>
+                <a:solidFill>
+                  <a:srgbClr val="F8F8F8"/>
+                </a:solidFill>
+                <a:effectLst/>
+                <a:latin typeface="Hind" panose="020B0604020202020204" charset="0"/>
+                <a:cs typeface="Hind" panose="020B0604020202020204" charset="0"/>
+              </a:rPr>
+              <a:t> * </a:t>
+            </a:r>
+            <a:r>
+              <a:rPr lang="en-US" altLang="en-US" sz="2000" dirty="0">
+                <a:solidFill>
+                  <a:srgbClr val="F8F8F8"/>
+                </a:solidFill>
+                <a:latin typeface="Hind" panose="020B0604020202020204" charset="0"/>
+                <a:cs typeface="Hind" panose="020B0604020202020204" charset="0"/>
+              </a:rPr>
+              <a:t>Ⅰ</a:t>
+            </a:r>
+            <a:r>
+              <a:rPr kumimoji="0" lang="en-US" altLang="en-US" sz="2000" b="0" i="0" u="none" strike="noStrike" cap="none" normalizeH="0" baseline="0" dirty="0">
+                <a:ln>
+                  <a:noFill/>
+                </a:ln>
+                <a:solidFill>
+                  <a:srgbClr val="F8F8F8"/>
+                </a:solidFill>
+                <a:effectLst/>
+                <a:latin typeface="Hind" panose="020B0604020202020204" charset="0"/>
+                <a:cs typeface="Hind" panose="020B0604020202020204" charset="0"/>
+              </a:rPr>
+              <a:t>(</a:t>
+            </a:r>
+            <a:r>
+              <a:rPr kumimoji="0" lang="en-US" altLang="en-US" sz="2000" b="0" i="0" u="none" strike="noStrike" cap="none" normalizeH="0" baseline="0" dirty="0" err="1">
+                <a:ln>
+                  <a:noFill/>
+                </a:ln>
+                <a:solidFill>
+                  <a:srgbClr val="F8F8F8"/>
+                </a:solidFill>
+                <a:effectLst/>
+                <a:latin typeface="Hind" panose="020B0604020202020204" charset="0"/>
+                <a:cs typeface="Hind" panose="020B0604020202020204" charset="0"/>
+              </a:rPr>
+              <a:t>season</a:t>
+            </a:r>
+            <a:r>
+              <a:rPr lang="en-US" altLang="en-US" sz="2000" baseline="-25000" dirty="0" err="1">
+                <a:solidFill>
+                  <a:srgbClr val="F8F8F8"/>
+                </a:solidFill>
+                <a:latin typeface="Hind" panose="020B0604020202020204" charset="0"/>
+                <a:cs typeface="Hind" panose="020B0604020202020204" charset="0"/>
+              </a:rPr>
+              <a:t>i</a:t>
+            </a:r>
+            <a:r>
+              <a:rPr kumimoji="0" lang="en-US" altLang="en-US" sz="2000" b="0" i="0" u="none" strike="noStrike" cap="none" normalizeH="0" baseline="0" dirty="0">
+                <a:ln>
+                  <a:noFill/>
+                </a:ln>
+                <a:solidFill>
+                  <a:srgbClr val="F8F8F8"/>
+                </a:solidFill>
+                <a:effectLst/>
+                <a:latin typeface="Hind" panose="020B0604020202020204" charset="0"/>
+                <a:cs typeface="Hind" panose="020B0604020202020204" charset="0"/>
+              </a:rPr>
+              <a:t> = "Winter") + </a:t>
+            </a:r>
+          </a:p>
+          <a:p>
+            <a:pPr marL="0" lvl="0" indent="0" eaLnBrk="0" fontAlgn="base" hangingPunct="0">
+              <a:lnSpc>
+                <a:spcPct val="100000"/>
+              </a:lnSpc>
+              <a:spcBef>
+                <a:spcPct val="0"/>
+              </a:spcBef>
+              <a:spcAft>
+                <a:spcPct val="0"/>
+              </a:spcAft>
+              <a:buClrTx/>
+              <a:buSzTx/>
+              <a:buNone/>
+            </a:pPr>
+            <a:r>
+              <a:rPr lang="en-US" altLang="en-US" sz="2000" dirty="0">
+                <a:solidFill>
+                  <a:srgbClr val="F8F8F8"/>
+                </a:solidFill>
+                <a:latin typeface="Hind" panose="020B0604020202020204" charset="0"/>
+                <a:cs typeface="Hind" panose="020B0604020202020204" charset="0"/>
+              </a:rPr>
+              <a:t>			</a:t>
+            </a:r>
+            <a:r>
+              <a:rPr lang="el-GR" altLang="en-US" sz="2000" dirty="0">
+                <a:solidFill>
+                  <a:srgbClr val="F8F8F8"/>
+                </a:solidFill>
+                <a:latin typeface="Monaco"/>
+                <a:cs typeface="Hind" panose="020B0604020202020204" charset="0"/>
+              </a:rPr>
+              <a:t>β</a:t>
+            </a:r>
+            <a:r>
+              <a:rPr lang="en-US" altLang="en-US" sz="2000" baseline="-25000" dirty="0">
+                <a:solidFill>
+                  <a:srgbClr val="F8F8F8"/>
+                </a:solidFill>
+                <a:latin typeface="Hind" panose="020B0604020202020204" charset="0"/>
+                <a:cs typeface="Hind" panose="020B0604020202020204" charset="0"/>
+              </a:rPr>
+              <a:t>5</a:t>
+            </a:r>
+            <a:r>
+              <a:rPr kumimoji="0" lang="en-US" altLang="en-US" sz="2000" b="0" i="0" u="none" strike="noStrike" cap="none" normalizeH="0" baseline="0" dirty="0">
+                <a:ln>
+                  <a:noFill/>
+                </a:ln>
+                <a:solidFill>
+                  <a:srgbClr val="F8F8F8"/>
+                </a:solidFill>
+                <a:effectLst/>
+                <a:latin typeface="Hind" panose="020B0604020202020204" charset="0"/>
+                <a:cs typeface="Hind" panose="020B0604020202020204" charset="0"/>
+              </a:rPr>
+              <a:t> * log(Neuerkrankte_lag1)</a:t>
+            </a:r>
+            <a:r>
+              <a:rPr kumimoji="0" lang="en-US" altLang="en-US" sz="2000" b="0" i="0" u="none" strike="noStrike" cap="none" normalizeH="0" baseline="-25000" dirty="0" err="1">
+                <a:ln>
+                  <a:noFill/>
+                </a:ln>
+                <a:solidFill>
+                  <a:srgbClr val="F8F8F8"/>
+                </a:solidFill>
+                <a:effectLst/>
+                <a:latin typeface="Hind" panose="020B0604020202020204" charset="0"/>
+                <a:cs typeface="Hind" panose="020B0604020202020204" charset="0"/>
+              </a:rPr>
+              <a:t>i</a:t>
+            </a:r>
+            <a:r>
+              <a:rPr kumimoji="0" lang="en-US" altLang="en-US" sz="2000" b="0" i="0" u="none" strike="noStrike" cap="none" normalizeH="0" baseline="0" dirty="0">
+                <a:ln>
+                  <a:noFill/>
+                </a:ln>
+                <a:solidFill>
+                  <a:srgbClr val="F8F8F8"/>
+                </a:solidFill>
+                <a:effectLst/>
+                <a:latin typeface="Hind" panose="020B0604020202020204" charset="0"/>
+                <a:cs typeface="Hind" panose="020B0604020202020204" charset="0"/>
+              </a:rPr>
+              <a:t> + </a:t>
+            </a:r>
+          </a:p>
+          <a:p>
+            <a:pPr marL="0" lvl="0" indent="0" eaLnBrk="0" fontAlgn="base" hangingPunct="0">
+              <a:lnSpc>
+                <a:spcPct val="100000"/>
+              </a:lnSpc>
+              <a:spcBef>
+                <a:spcPct val="0"/>
+              </a:spcBef>
+              <a:spcAft>
+                <a:spcPct val="0"/>
+              </a:spcAft>
+              <a:buClrTx/>
+              <a:buSzTx/>
+              <a:buNone/>
+            </a:pPr>
+            <a:r>
+              <a:rPr kumimoji="0" lang="en-US" altLang="en-US" sz="2000" b="0" i="0" u="none" strike="noStrike" cap="none" normalizeH="0" baseline="0" dirty="0">
+                <a:ln>
+                  <a:noFill/>
+                </a:ln>
+                <a:solidFill>
+                  <a:srgbClr val="F8F8F8"/>
+                </a:solidFill>
+                <a:effectLst/>
+                <a:latin typeface="Hind" panose="020B0604020202020204" charset="0"/>
+                <a:cs typeface="Hind" panose="020B0604020202020204" charset="0"/>
+              </a:rPr>
+              <a:t>			</a:t>
+            </a:r>
+            <a:r>
+              <a:rPr lang="el-GR" altLang="en-US" sz="2000" dirty="0">
+                <a:solidFill>
+                  <a:srgbClr val="F8F8F8"/>
+                </a:solidFill>
+                <a:latin typeface="Monaco"/>
+                <a:cs typeface="Hind" panose="020B0604020202020204" charset="0"/>
+              </a:rPr>
+              <a:t>β</a:t>
+            </a:r>
+            <a:r>
+              <a:rPr lang="en-US" altLang="en-US" sz="2000" baseline="-25000" dirty="0">
+                <a:solidFill>
+                  <a:srgbClr val="F8F8F8"/>
+                </a:solidFill>
+                <a:latin typeface="Hind" panose="020B0604020202020204" charset="0"/>
+                <a:cs typeface="Hind" panose="020B0604020202020204" charset="0"/>
+              </a:rPr>
+              <a:t>6</a:t>
+            </a:r>
+            <a:r>
+              <a:rPr kumimoji="0" lang="en-US" altLang="en-US" sz="2000" b="0" i="0" u="none" strike="noStrike" cap="none" normalizeH="0" baseline="0" dirty="0">
+                <a:ln>
+                  <a:noFill/>
+                </a:ln>
+                <a:solidFill>
+                  <a:srgbClr val="F8F8F8"/>
+                </a:solidFill>
+                <a:effectLst/>
+                <a:latin typeface="Hind" panose="020B0604020202020204" charset="0"/>
+                <a:cs typeface="Hind" panose="020B0604020202020204" charset="0"/>
+              </a:rPr>
+              <a:t> * log(Neuerkrankte_lag2)</a:t>
+            </a:r>
+            <a:r>
+              <a:rPr kumimoji="0" lang="en-US" altLang="en-US" sz="2000" b="0" i="0" u="none" strike="noStrike" cap="none" normalizeH="0" baseline="-25000" dirty="0" err="1">
+                <a:ln>
+                  <a:noFill/>
+                </a:ln>
+                <a:solidFill>
+                  <a:srgbClr val="F8F8F8"/>
+                </a:solidFill>
+                <a:effectLst/>
+                <a:latin typeface="Hind" panose="020B0604020202020204" charset="0"/>
+                <a:cs typeface="Hind" panose="020B0604020202020204" charset="0"/>
+              </a:rPr>
+              <a:t>i</a:t>
+            </a:r>
+            <a:r>
+              <a:rPr kumimoji="0" lang="en-US" altLang="en-US" sz="2000" b="0" i="0" u="none" strike="noStrike" cap="none" normalizeH="0" baseline="0" dirty="0">
+                <a:ln>
+                  <a:noFill/>
+                </a:ln>
+                <a:solidFill>
+                  <a:srgbClr val="F8F8F8"/>
+                </a:solidFill>
+                <a:effectLst/>
+                <a:latin typeface="Hind" panose="020B0604020202020204" charset="0"/>
+                <a:cs typeface="Hind" panose="020B0604020202020204" charset="0"/>
+              </a:rPr>
+              <a:t> + </a:t>
+            </a:r>
+            <a:r>
+              <a:rPr lang="el-GR" sz="2000" dirty="0">
+                <a:solidFill>
+                  <a:srgbClr val="FFFFFF"/>
+                </a:solidFill>
+                <a:cs typeface="Hind" panose="020B0604020202020204" charset="0"/>
+              </a:rPr>
+              <a:t>ε</a:t>
+            </a:r>
+            <a:r>
+              <a:rPr lang="de-DE" sz="2000" baseline="-25000" dirty="0">
+                <a:solidFill>
+                  <a:srgbClr val="FFFFFF"/>
+                </a:solidFill>
+                <a:latin typeface="Hind" panose="020B0604020202020204" charset="0"/>
+                <a:cs typeface="Hind" panose="020B0604020202020204" charset="0"/>
+              </a:rPr>
+              <a:t>i</a:t>
+            </a:r>
+            <a:r>
+              <a:rPr kumimoji="0" lang="en-US" altLang="en-US" sz="2000" b="0" i="0" u="none" strike="noStrike" cap="none" normalizeH="0" baseline="0" dirty="0">
+                <a:ln>
+                  <a:noFill/>
+                </a:ln>
+                <a:solidFill>
+                  <a:srgbClr val="F8F8F8"/>
+                </a:solidFill>
+                <a:effectLst/>
+                <a:latin typeface="Hind" panose="020B0604020202020204" charset="0"/>
+                <a:cs typeface="Hind" panose="020B0604020202020204" charset="0"/>
+              </a:rPr>
+              <a:t> </a:t>
+            </a:r>
           </a:p>
         </p:txBody>
       </p:sp>
-      <p:pic>
-        <p:nvPicPr>
-          <p:cNvPr id="4" name="Inhaltsplatzhalter 7">
+      <p:sp>
+        <p:nvSpPr>
+          <p:cNvPr id="11" name="Rectangle 3">
             <a:extLst>
               <a:ext uri="{FF2B5EF4-FFF2-40B4-BE49-F238E27FC236}">
-                <a16:creationId xmlns:a16="http://schemas.microsoft.com/office/drawing/2014/main" id="{717C56E8-9B8B-488C-8333-5CDF7D2C045E}"/>
+                <a16:creationId xmlns:a16="http://schemas.microsoft.com/office/drawing/2014/main" id="{8D88D526-FBDF-42C2-9232-E0983008D5E4}"/>
               </a:ext>
             </a:extLst>
           </p:cNvPr>
-          <p:cNvPicPr>
-            <a:picLocks noGrp="1" noChangeAspect="1"/>
-          </p:cNvPicPr>
-          <p:nvPr>
-            <p:ph idx="1"/>
-          </p:nvPr>
-        </p:nvPicPr>
-        <p:blipFill>
-          <a:blip r:embed="rId2">
-            <a:extLst>
-              <a:ext uri="{28A0092B-C50C-407E-A947-70E740481C1C}">
-                <a14:useLocalDpi xmlns:a14="http://schemas.microsoft.com/office/drawing/2010/main" val="0"/>
-              </a:ext>
-            </a:extLst>
-          </a:blip>
-          <a:stretch>
-            <a:fillRect/>
-          </a:stretch>
-        </p:blipFill>
-        <p:spPr>
+          <p:cNvSpPr>
+            <a:spLocks noChangeArrowheads="1"/>
+          </p:cNvSpPr>
+          <p:nvPr/>
+        </p:nvSpPr>
+        <p:spPr bwMode="auto">
           <a:xfrm>
-            <a:off x="720000" y="2376409"/>
-            <a:ext cx="7649687" cy="562018"/>
+            <a:off x="1390039" y="3868631"/>
+            <a:ext cx="6751848" cy="346237"/>
           </a:xfrm>
+          <a:prstGeom prst="rect">
+            <a:avLst/>
+          </a:prstGeom>
+          <a:noFill/>
+          <a:ln>
+            <a:noFill/>
+          </a:ln>
+          <a:effectLst/>
+          <a:extLst>
+            <a:ext uri="{909E8E84-426E-40DD-AFC4-6F175D3DCCD1}">
+              <a14:hiddenFill xmlns:a14="http://schemas.microsoft.com/office/drawing/2010/main">
+                <a:solidFill>
+                  <a:schemeClr val="accent1"/>
+                </a:solidFill>
+              </a14:hiddenFill>
+            </a:ext>
+            <a:ext uri="{91240B29-F687-4F45-9708-019B960494DF}">
+              <a14:hiddenLine xmlns:a14="http://schemas.microsoft.com/office/drawing/2010/main" w="9525">
+                <a:solidFill>
+                  <a:schemeClr val="tx1"/>
+                </a:solidFill>
+                <a:miter lim="800000"/>
+                <a:headEnd/>
+                <a:tailEnd/>
+              </a14:hiddenLine>
+            </a:ext>
+            <a:ext uri="{AF507438-7753-43E0-B8FC-AC1667EBCBE1}">
+              <a14:hiddenEffects xmlns:a14="http://schemas.microsoft.com/office/drawing/2010/main">
+                <a:effectLst>
+                  <a:outerShdw dist="35921" dir="2700000" algn="ctr" rotWithShape="0">
+                    <a:schemeClr val="bg2"/>
+                  </a:outerShdw>
+                </a:effectLst>
+              </a14:hiddenEffects>
+            </a:ext>
+          </a:extLst>
         </p:spPr>
-      </p:pic>
+        <p:txBody>
+          <a:bodyPr vert="horz" wrap="none" lIns="0" tIns="19044" rIns="0" bIns="19044" numCol="1" anchor="ctr" anchorCtr="0" compatLnSpc="1">
+            <a:prstTxWarp prst="textNoShape">
+              <a:avLst/>
+            </a:prstTxWarp>
+            <a:spAutoFit/>
+          </a:bodyPr>
+          <a:lstStyle/>
+          <a:p>
+            <a:pPr marL="0" marR="0" lvl="0" indent="0" algn="l" defTabSz="914400" rtl="0" eaLnBrk="0" fontAlgn="base" latinLnBrk="0" hangingPunct="0">
+              <a:lnSpc>
+                <a:spcPct val="100000"/>
+              </a:lnSpc>
+              <a:spcBef>
+                <a:spcPct val="0"/>
+              </a:spcBef>
+              <a:spcAft>
+                <a:spcPct val="0"/>
+              </a:spcAft>
+              <a:buClrTx/>
+              <a:buSzTx/>
+              <a:buFontTx/>
+              <a:buNone/>
+              <a:tabLst/>
+            </a:pPr>
+            <a:r>
+              <a:rPr kumimoji="0" lang="en-US" altLang="en-US" sz="2000" b="0" i="0" u="none" strike="noStrike" cap="none" normalizeH="0" baseline="0" dirty="0">
+                <a:ln>
+                  <a:noFill/>
+                </a:ln>
+                <a:solidFill>
+                  <a:srgbClr val="FFFFFF"/>
+                </a:solidFill>
+                <a:effectLst/>
+                <a:latin typeface="Hind" panose="020B0604020202020204" charset="0"/>
+                <a:cs typeface="Hind" panose="020B0604020202020204" charset="0"/>
+              </a:rPr>
+              <a:t>Multiple R-squared: 0.9512	Adjusted R-squared: 0.9495 </a:t>
+            </a:r>
+          </a:p>
+        </p:txBody>
+      </p:sp>
     </p:spTree>
     <p:extLst>
       <p:ext uri="{BB962C8B-B14F-4D97-AF65-F5344CB8AC3E}">
@@ -39164,7 +35257,7 @@
           <p:cNvPr id="2" name="Titel 1">
             <a:extLst>
               <a:ext uri="{FF2B5EF4-FFF2-40B4-BE49-F238E27FC236}">
-                <a16:creationId xmlns:a16="http://schemas.microsoft.com/office/drawing/2014/main" id="{123303A8-0720-4D86-B1C5-4F434F718DC9}"/>
+                <a16:creationId xmlns:a16="http://schemas.microsoft.com/office/drawing/2014/main" id="{3DC151AC-CFB4-494A-8610-9C7371AF3897}"/>
               </a:ext>
             </a:extLst>
           </p:cNvPr>
@@ -39182,7 +35275,7 @@
           <a:p>
             <a:r>
               <a:rPr lang="de-DE" dirty="0"/>
-              <a:t>VERTEILUNG HOSPITALISIERUNG INNERHALB EINER WOCHE</a:t>
+              <a:t>Beta Koeffizienten</a:t>
             </a:r>
             <a:endParaRPr lang="en-US" dirty="0"/>
           </a:p>
@@ -39190,73 +35283,204 @@
       </p:sp>
       <p:sp>
         <p:nvSpPr>
-          <p:cNvPr id="3" name="Textplatzhalter 2">
+          <p:cNvPr id="4" name="Rechteck 3">
             <a:extLst>
               <a:ext uri="{FF2B5EF4-FFF2-40B4-BE49-F238E27FC236}">
-                <a16:creationId xmlns:a16="http://schemas.microsoft.com/office/drawing/2014/main" id="{786DBB9D-B759-4ED2-8F34-56A290506953}"/>
+                <a16:creationId xmlns:a16="http://schemas.microsoft.com/office/drawing/2014/main" id="{E4558167-63CF-456C-AE99-F8264B6F4D80}"/>
               </a:ext>
             </a:extLst>
           </p:cNvPr>
-          <p:cNvSpPr>
-            <a:spLocks noGrp="1"/>
-          </p:cNvSpPr>
-          <p:nvPr>
-            <p:ph type="body" idx="1"/>
-          </p:nvPr>
+          <p:cNvSpPr/>
+          <p:nvPr/>
         </p:nvSpPr>
-        <p:spPr/>
-        <p:txBody>
-          <a:bodyPr/>
-          <a:lstStyle/>
-          <a:p>
-            <a:endParaRPr lang="en-US"/>
-          </a:p>
-        </p:txBody>
-      </p:sp>
-      <p:pic>
-        <p:nvPicPr>
-          <p:cNvPr id="4" name="Inhaltsplatzhalter 9">
-            <a:extLst>
-              <a:ext uri="{FF2B5EF4-FFF2-40B4-BE49-F238E27FC236}">
-                <a16:creationId xmlns:a16="http://schemas.microsoft.com/office/drawing/2014/main" id="{6E6BB886-4434-461F-8020-7919396482F9}"/>
-              </a:ext>
-            </a:extLst>
-          </p:cNvPr>
-          <p:cNvPicPr>
-            <a:picLocks noChangeAspect="1"/>
-          </p:cNvPicPr>
-          <p:nvPr/>
-        </p:nvPicPr>
-        <p:blipFill>
-          <a:blip r:embed="rId2">
-            <a:extLst>
-              <a:ext uri="{28A0092B-C50C-407E-A947-70E740481C1C}">
-                <a14:useLocalDpi xmlns:a14="http://schemas.microsoft.com/office/drawing/2010/main" val="0"/>
-              </a:ext>
-            </a:extLst>
-          </a:blip>
-          <a:stretch>
-            <a:fillRect/>
-          </a:stretch>
-        </p:blipFill>
         <p:spPr>
           <a:xfrm>
-            <a:off x="788440" y="1129300"/>
-            <a:ext cx="7635560" cy="3436002"/>
+            <a:off x="1372947" y="2007201"/>
+            <a:ext cx="6398105" cy="2031325"/>
           </a:xfrm>
           <a:prstGeom prst="rect">
             <a:avLst/>
           </a:prstGeom>
-          <a:noFill/>
-          <a:ln>
-            <a:noFill/>
-          </a:ln>
         </p:spPr>
-      </p:pic>
+        <p:txBody>
+          <a:bodyPr wrap="square">
+            <a:spAutoFit/>
+          </a:bodyPr>
+          <a:lstStyle/>
+          <a:p>
+            <a:r>
+              <a:rPr lang="en-US" dirty="0">
+                <a:solidFill>
+                  <a:schemeClr val="tx2"/>
+                </a:solidFill>
+                <a:latin typeface="Hind" panose="020B0604020202020204" charset="0"/>
+                <a:cs typeface="Hind" panose="020B0604020202020204" charset="0"/>
+              </a:rPr>
+              <a:t>Coefficients: </a:t>
+            </a:r>
+          </a:p>
+          <a:p>
+            <a:r>
+              <a:rPr lang="en-US" dirty="0">
+                <a:solidFill>
+                  <a:schemeClr val="tx2"/>
+                </a:solidFill>
+                <a:latin typeface="Hind" panose="020B0604020202020204" charset="0"/>
+                <a:cs typeface="Hind" panose="020B0604020202020204" charset="0"/>
+              </a:rPr>
+              <a:t>			Estimate		 </a:t>
+            </a:r>
+            <a:r>
+              <a:rPr lang="en-US" dirty="0" err="1">
+                <a:solidFill>
+                  <a:schemeClr val="tx2"/>
+                </a:solidFill>
+                <a:latin typeface="Hind" panose="020B0604020202020204" charset="0"/>
+                <a:cs typeface="Hind" panose="020B0604020202020204" charset="0"/>
+              </a:rPr>
+              <a:t>Pr</a:t>
+            </a:r>
+            <a:r>
+              <a:rPr lang="en-US" dirty="0">
+                <a:solidFill>
+                  <a:schemeClr val="tx2"/>
+                </a:solidFill>
+                <a:latin typeface="Hind" panose="020B0604020202020204" charset="0"/>
+                <a:cs typeface="Hind" panose="020B0604020202020204" charset="0"/>
+              </a:rPr>
+              <a:t>(&gt;|t|) </a:t>
+            </a:r>
+          </a:p>
+          <a:p>
+            <a:r>
+              <a:rPr lang="en-US" dirty="0">
+                <a:solidFill>
+                  <a:schemeClr val="tx2"/>
+                </a:solidFill>
+                <a:latin typeface="Hind" panose="020B0604020202020204" charset="0"/>
+                <a:cs typeface="Hind" panose="020B0604020202020204" charset="0"/>
+              </a:rPr>
+              <a:t>(Intercept)			 -1.83770 		 &lt; 2e-16 *** </a:t>
+            </a:r>
+          </a:p>
+          <a:p>
+            <a:r>
+              <a:rPr lang="en-US" dirty="0" err="1">
+                <a:solidFill>
+                  <a:schemeClr val="tx2"/>
+                </a:solidFill>
+                <a:latin typeface="Hind" panose="020B0604020202020204" charset="0"/>
+                <a:cs typeface="Hind" panose="020B0604020202020204" charset="0"/>
+              </a:rPr>
+              <a:t>Altersgruppe</a:t>
+            </a:r>
+            <a:r>
+              <a:rPr lang="en-US" dirty="0">
+                <a:solidFill>
+                  <a:schemeClr val="tx2"/>
+                </a:solidFill>
+                <a:latin typeface="Hind" panose="020B0604020202020204" charset="0"/>
+                <a:cs typeface="Hind" panose="020B0604020202020204" charset="0"/>
+              </a:rPr>
+              <a:t>(60+)		  1.66400		 &lt; 2e-16 *** </a:t>
+            </a:r>
+          </a:p>
+          <a:p>
+            <a:r>
+              <a:rPr lang="en-US" dirty="0" err="1">
+                <a:solidFill>
+                  <a:schemeClr val="tx2"/>
+                </a:solidFill>
+                <a:latin typeface="Hind" panose="020B0604020202020204" charset="0"/>
+                <a:cs typeface="Hind" panose="020B0604020202020204" charset="0"/>
+              </a:rPr>
+              <a:t>seasonAutumn</a:t>
+            </a:r>
+            <a:r>
+              <a:rPr lang="en-US" dirty="0">
+                <a:solidFill>
+                  <a:schemeClr val="tx2"/>
+                </a:solidFill>
+                <a:latin typeface="Hind" panose="020B0604020202020204" charset="0"/>
+                <a:cs typeface="Hind" panose="020B0604020202020204" charset="0"/>
+              </a:rPr>
+              <a:t> 		 -0.11828 		 0.14855 </a:t>
+            </a:r>
+          </a:p>
+          <a:p>
+            <a:r>
+              <a:rPr lang="en-US" dirty="0" err="1">
+                <a:solidFill>
+                  <a:schemeClr val="tx2"/>
+                </a:solidFill>
+                <a:latin typeface="Hind" panose="020B0604020202020204" charset="0"/>
+                <a:cs typeface="Hind" panose="020B0604020202020204" charset="0"/>
+              </a:rPr>
+              <a:t>seasonSpring</a:t>
+            </a:r>
+            <a:r>
+              <a:rPr lang="en-US" dirty="0">
+                <a:solidFill>
+                  <a:schemeClr val="tx2"/>
+                </a:solidFill>
+                <a:latin typeface="Hind" panose="020B0604020202020204" charset="0"/>
+                <a:cs typeface="Hind" panose="020B0604020202020204" charset="0"/>
+              </a:rPr>
+              <a:t> 		  0.23664	 	0.00387 ** </a:t>
+            </a:r>
+          </a:p>
+          <a:p>
+            <a:r>
+              <a:rPr lang="en-US" dirty="0" err="1">
+                <a:solidFill>
+                  <a:schemeClr val="tx2"/>
+                </a:solidFill>
+                <a:latin typeface="Hind" panose="020B0604020202020204" charset="0"/>
+                <a:cs typeface="Hind" panose="020B0604020202020204" charset="0"/>
+              </a:rPr>
+              <a:t>seasonWinter</a:t>
+            </a:r>
+            <a:r>
+              <a:rPr lang="en-US" dirty="0">
+                <a:solidFill>
+                  <a:schemeClr val="tx2"/>
+                </a:solidFill>
+                <a:latin typeface="Hind" panose="020B0604020202020204" charset="0"/>
+                <a:cs typeface="Hind" panose="020B0604020202020204" charset="0"/>
+              </a:rPr>
+              <a:t> 		  0.09325	 	0.36223 </a:t>
+            </a:r>
+          </a:p>
+          <a:p>
+            <a:r>
+              <a:rPr lang="en-US" dirty="0">
+                <a:solidFill>
+                  <a:schemeClr val="tx2"/>
+                </a:solidFill>
+                <a:latin typeface="Hind" panose="020B0604020202020204" charset="0"/>
+                <a:cs typeface="Hind" panose="020B0604020202020204" charset="0"/>
+              </a:rPr>
+              <a:t>log(Neuerkrankte_lag_1) 	  1.37197		 &lt; 2e-16 *** </a:t>
+            </a:r>
+          </a:p>
+          <a:p>
+            <a:r>
+              <a:rPr lang="en-US" dirty="0">
+                <a:solidFill>
+                  <a:schemeClr val="tx2"/>
+                </a:solidFill>
+                <a:latin typeface="Hind" panose="020B0604020202020204" charset="0"/>
+                <a:cs typeface="Hind" panose="020B0604020202020204" charset="0"/>
+              </a:rPr>
+              <a:t>log(Neuerkrankte_lag_2) 	 -0.57622 	 	 &lt; 2e-16 ***</a:t>
+            </a:r>
+          </a:p>
+        </p:txBody>
+      </p:sp>
     </p:spTree>
     <p:extLst>
       <p:ext uri="{BB962C8B-B14F-4D97-AF65-F5344CB8AC3E}">
-        <p14:creationId xmlns:p14="http://schemas.microsoft.com/office/powerpoint/2010/main" val="2614502855"/>
+        <p14:creationId xmlns:p14="http://schemas.microsoft.com/office/powerpoint/2010/main" val="166199303"/>
       </p:ext>
     </p:extLst>
   </p:cSld>
@@ -41628,6 +37852,130 @@
           <p:cNvPr id="2" name="Titel 1">
             <a:extLst>
               <a:ext uri="{FF2B5EF4-FFF2-40B4-BE49-F238E27FC236}">
+                <a16:creationId xmlns:a16="http://schemas.microsoft.com/office/drawing/2014/main" id="{123303A8-0720-4D86-B1C5-4F434F718DC9}"/>
+              </a:ext>
+            </a:extLst>
+          </p:cNvPr>
+          <p:cNvSpPr>
+            <a:spLocks noGrp="1"/>
+          </p:cNvSpPr>
+          <p:nvPr>
+            <p:ph type="title"/>
+          </p:nvPr>
+        </p:nvSpPr>
+        <p:spPr/>
+        <p:txBody>
+          <a:bodyPr/>
+          <a:lstStyle/>
+          <a:p>
+            <a:r>
+              <a:rPr lang="de-DE" dirty="0"/>
+              <a:t>VERTEILUNG HOSPITALISIERUNG INNERHALB EINER WOCHE</a:t>
+            </a:r>
+            <a:endParaRPr lang="en-US" dirty="0"/>
+          </a:p>
+        </p:txBody>
+      </p:sp>
+      <p:sp>
+        <p:nvSpPr>
+          <p:cNvPr id="3" name="Textplatzhalter 2">
+            <a:extLst>
+              <a:ext uri="{FF2B5EF4-FFF2-40B4-BE49-F238E27FC236}">
+                <a16:creationId xmlns:a16="http://schemas.microsoft.com/office/drawing/2014/main" id="{786DBB9D-B759-4ED2-8F34-56A290506953}"/>
+              </a:ext>
+            </a:extLst>
+          </p:cNvPr>
+          <p:cNvSpPr>
+            <a:spLocks noGrp="1"/>
+          </p:cNvSpPr>
+          <p:nvPr>
+            <p:ph type="body" idx="1"/>
+          </p:nvPr>
+        </p:nvSpPr>
+        <p:spPr/>
+        <p:txBody>
+          <a:bodyPr/>
+          <a:lstStyle/>
+          <a:p>
+            <a:endParaRPr lang="en-US"/>
+          </a:p>
+        </p:txBody>
+      </p:sp>
+      <p:pic>
+        <p:nvPicPr>
+          <p:cNvPr id="4" name="Inhaltsplatzhalter 9">
+            <a:extLst>
+              <a:ext uri="{FF2B5EF4-FFF2-40B4-BE49-F238E27FC236}">
+                <a16:creationId xmlns:a16="http://schemas.microsoft.com/office/drawing/2014/main" id="{6E6BB886-4434-461F-8020-7919396482F9}"/>
+              </a:ext>
+            </a:extLst>
+          </p:cNvPr>
+          <p:cNvPicPr>
+            <a:picLocks noChangeAspect="1"/>
+          </p:cNvPicPr>
+          <p:nvPr/>
+        </p:nvPicPr>
+        <p:blipFill>
+          <a:blip r:embed="rId2">
+            <a:extLst>
+              <a:ext uri="{28A0092B-C50C-407E-A947-70E740481C1C}">
+                <a14:useLocalDpi xmlns:a14="http://schemas.microsoft.com/office/drawing/2010/main" val="0"/>
+              </a:ext>
+            </a:extLst>
+          </a:blip>
+          <a:stretch>
+            <a:fillRect/>
+          </a:stretch>
+        </p:blipFill>
+        <p:spPr>
+          <a:xfrm>
+            <a:off x="788440" y="1129300"/>
+            <a:ext cx="7635560" cy="3436002"/>
+          </a:xfrm>
+          <a:prstGeom prst="rect">
+            <a:avLst/>
+          </a:prstGeom>
+          <a:noFill/>
+          <a:ln>
+            <a:noFill/>
+          </a:ln>
+        </p:spPr>
+      </p:pic>
+    </p:spTree>
+    <p:extLst>
+      <p:ext uri="{BB962C8B-B14F-4D97-AF65-F5344CB8AC3E}">
+        <p14:creationId xmlns:p14="http://schemas.microsoft.com/office/powerpoint/2010/main" val="2614502855"/>
+      </p:ext>
+    </p:extLst>
+  </p:cSld>
+  <p:clrMapOvr>
+    <a:masterClrMapping/>
+  </p:clrMapOvr>
+</p:sld>
+</file>
+
+<file path=ppt/slides/slide21.xml><?xml version="1.0" encoding="utf-8"?>
+<p:sld xmlns:a="http://schemas.openxmlformats.org/drawingml/2006/main" xmlns:r="http://schemas.openxmlformats.org/officeDocument/2006/relationships" xmlns:p="http://schemas.openxmlformats.org/presentationml/2006/main">
+  <p:cSld>
+    <p:spTree>
+      <p:nvGrpSpPr>
+        <p:cNvPr id="1" name=""/>
+        <p:cNvGrpSpPr/>
+        <p:nvPr/>
+      </p:nvGrpSpPr>
+      <p:grpSpPr>
+        <a:xfrm>
+          <a:off x="0" y="0"/>
+          <a:ext cx="0" cy="0"/>
+          <a:chOff x="0" y="0"/>
+          <a:chExt cx="0" cy="0"/>
+        </a:xfrm>
+      </p:grpSpPr>
+      <p:sp>
+        <p:nvSpPr>
+          <p:cNvPr id="2" name="Titel 1">
+            <a:extLst>
+              <a:ext uri="{FF2B5EF4-FFF2-40B4-BE49-F238E27FC236}">
                 <a16:creationId xmlns:a16="http://schemas.microsoft.com/office/drawing/2014/main" id="{4FFE7E4D-00D0-44C8-A56C-F04F2E848D80}"/>
               </a:ext>
             </a:extLst>
@@ -41730,7 +38078,7 @@
 </p:sld>
 </file>
 
-<file path=ppt/slides/slide21.xml><?xml version="1.0" encoding="utf-8"?>
+<file path=ppt/slides/slide22.xml><?xml version="1.0" encoding="utf-8"?>
 <p:sld xmlns:a="http://schemas.openxmlformats.org/drawingml/2006/main" xmlns:r="http://schemas.openxmlformats.org/officeDocument/2006/relationships" xmlns:p="http://schemas.openxmlformats.org/presentationml/2006/main">
   <p:cSld>
     <p:spTree>
@@ -41880,7 +38228,7 @@
 </p:sld>
 </file>
 
-<file path=ppt/slides/slide22.xml><?xml version="1.0" encoding="utf-8"?>
+<file path=ppt/slides/slide23.xml><?xml version="1.0" encoding="utf-8"?>
 <p:sld xmlns:a="http://schemas.openxmlformats.org/drawingml/2006/main" xmlns:r="http://schemas.openxmlformats.org/officeDocument/2006/relationships" xmlns:p="http://schemas.openxmlformats.org/presentationml/2006/main">
   <p:cSld>
     <p:spTree>
@@ -41997,267 +38345,6 @@
         <p14:creationId xmlns:p14="http://schemas.microsoft.com/office/powerpoint/2010/main" val="4240223582"/>
       </p:ext>
     </p:extLst>
-  </p:cSld>
-  <p:clrMapOvr>
-    <a:masterClrMapping/>
-  </p:clrMapOvr>
-</p:sld>
-</file>
-
-<file path=ppt/slides/slide23.xml><?xml version="1.0" encoding="utf-8"?>
-<p:sld xmlns:a="http://schemas.openxmlformats.org/drawingml/2006/main" xmlns:r="http://schemas.openxmlformats.org/officeDocument/2006/relationships" xmlns:p="http://schemas.openxmlformats.org/presentationml/2006/main">
-  <p:cSld>
-    <p:spTree>
-      <p:nvGrpSpPr>
-        <p:cNvPr id="1" name="Shape 932"/>
-        <p:cNvGrpSpPr/>
-        <p:nvPr/>
-      </p:nvGrpSpPr>
-      <p:grpSpPr>
-        <a:xfrm>
-          <a:off x="0" y="0"/>
-          <a:ext cx="0" cy="0"/>
-          <a:chOff x="0" y="0"/>
-          <a:chExt cx="0" cy="0"/>
-        </a:xfrm>
-      </p:grpSpPr>
-      <p:sp>
-        <p:nvSpPr>
-          <p:cNvPr id="933" name="Google Shape;933;p47"/>
-          <p:cNvSpPr/>
-          <p:nvPr/>
-        </p:nvSpPr>
-        <p:spPr>
-          <a:xfrm>
-            <a:off x="470250" y="2196041"/>
-            <a:ext cx="3742552" cy="2601407"/>
-          </a:xfrm>
-          <a:prstGeom prst="roundRect">
-            <a:avLst>
-              <a:gd name="adj" fmla="val 50000"/>
-            </a:avLst>
-          </a:prstGeom>
-          <a:solidFill>
-            <a:schemeClr val="dk1"/>
-          </a:solidFill>
-          <a:ln>
-            <a:noFill/>
-          </a:ln>
-        </p:spPr>
-        <p:txBody>
-          <a:bodyPr spcFirstLastPara="1" wrap="square" lIns="91425" tIns="91425" rIns="91425" bIns="91425" anchor="ctr" anchorCtr="0">
-            <a:noAutofit/>
-          </a:bodyPr>
-          <a:lstStyle/>
-          <a:p>
-            <a:pPr marL="0" lvl="0" indent="0" algn="l" rtl="0">
-              <a:spcBef>
-                <a:spcPts val="0"/>
-              </a:spcBef>
-              <a:spcAft>
-                <a:spcPts val="0"/>
-              </a:spcAft>
-              <a:buNone/>
-            </a:pPr>
-            <a:endParaRPr/>
-          </a:p>
-        </p:txBody>
-      </p:sp>
-      <p:sp>
-        <p:nvSpPr>
-          <p:cNvPr id="934" name="Google Shape;934;p47"/>
-          <p:cNvSpPr/>
-          <p:nvPr/>
-        </p:nvSpPr>
-        <p:spPr>
-          <a:xfrm rot="5400000">
-            <a:off x="3967491" y="174920"/>
-            <a:ext cx="3435860" cy="5809197"/>
-          </a:xfrm>
-          <a:prstGeom prst="round2SameRect">
-            <a:avLst>
-              <a:gd name="adj1" fmla="val 50000"/>
-              <a:gd name="adj2" fmla="val 0"/>
-            </a:avLst>
-          </a:prstGeom>
-          <a:solidFill>
-            <a:schemeClr val="accent1"/>
-          </a:solidFill>
-          <a:ln>
-            <a:noFill/>
-          </a:ln>
-        </p:spPr>
-        <p:txBody>
-          <a:bodyPr spcFirstLastPara="1" wrap="square" lIns="91425" tIns="91425" rIns="91425" bIns="91425" anchor="ctr" anchorCtr="0">
-            <a:noAutofit/>
-          </a:bodyPr>
-          <a:lstStyle/>
-          <a:p>
-            <a:pPr marL="0" lvl="0" indent="0" algn="l" rtl="0">
-              <a:spcBef>
-                <a:spcPts val="0"/>
-              </a:spcBef>
-              <a:spcAft>
-                <a:spcPts val="0"/>
-              </a:spcAft>
-              <a:buNone/>
-            </a:pPr>
-            <a:endParaRPr/>
-          </a:p>
-        </p:txBody>
-      </p:sp>
-      <p:sp>
-        <p:nvSpPr>
-          <p:cNvPr id="935" name="Google Shape;935;p47"/>
-          <p:cNvSpPr txBox="1">
-            <a:spLocks noGrp="1"/>
-          </p:cNvSpPr>
-          <p:nvPr>
-            <p:ph type="title"/>
-          </p:nvPr>
-        </p:nvSpPr>
-        <p:spPr>
-          <a:xfrm>
-            <a:off x="470250" y="346050"/>
-            <a:ext cx="8203500" cy="755700"/>
-          </a:xfrm>
-          <a:prstGeom prst="rect">
-            <a:avLst/>
-          </a:prstGeom>
-        </p:spPr>
-        <p:txBody>
-          <a:bodyPr spcFirstLastPara="1" wrap="square" lIns="91425" tIns="91425" rIns="91425" bIns="91425" anchor="t" anchorCtr="0">
-            <a:noAutofit/>
-          </a:bodyPr>
-          <a:lstStyle/>
-          <a:p>
-            <a:pPr marL="0" lvl="0" indent="0" algn="ctr" rtl="0">
-              <a:spcBef>
-                <a:spcPts val="0"/>
-              </a:spcBef>
-              <a:spcAft>
-                <a:spcPts val="0"/>
-              </a:spcAft>
-              <a:buNone/>
-            </a:pPr>
-            <a:r>
-              <a:rPr lang="en"/>
-              <a:t>DIAGNOSIS</a:t>
-            </a:r>
-            <a:endParaRPr/>
-          </a:p>
-        </p:txBody>
-      </p:sp>
-    </p:spTree>
-  </p:cSld>
-  <p:clrMapOvr>
-    <a:masterClrMapping/>
-  </p:clrMapOvr>
-</p:sld>
-</file>
-
-<file path=ppt/slides/slide24.xml><?xml version="1.0" encoding="utf-8"?>
-<p:sld xmlns:a="http://schemas.openxmlformats.org/drawingml/2006/main" xmlns:r="http://schemas.openxmlformats.org/officeDocument/2006/relationships" xmlns:p="http://schemas.openxmlformats.org/presentationml/2006/main">
-  <p:cSld>
-    <p:spTree>
-      <p:nvGrpSpPr>
-        <p:cNvPr id="1" name="Shape 1461"/>
-        <p:cNvGrpSpPr/>
-        <p:nvPr/>
-      </p:nvGrpSpPr>
-      <p:grpSpPr>
-        <a:xfrm>
-          <a:off x="0" y="0"/>
-          <a:ext cx="0" cy="0"/>
-          <a:chOff x="0" y="0"/>
-          <a:chExt cx="0" cy="0"/>
-        </a:xfrm>
-      </p:grpSpPr>
-      <p:sp>
-        <p:nvSpPr>
-          <p:cNvPr id="1462" name="Google Shape;1462;p54"/>
-          <p:cNvSpPr/>
-          <p:nvPr/>
-        </p:nvSpPr>
-        <p:spPr>
-          <a:xfrm>
-            <a:off x="1106400" y="1355075"/>
-            <a:ext cx="6931200" cy="2676000"/>
-          </a:xfrm>
-          <a:prstGeom prst="roundRect">
-            <a:avLst>
-              <a:gd name="adj" fmla="val 50000"/>
-            </a:avLst>
-          </a:prstGeom>
-          <a:solidFill>
-            <a:schemeClr val="accent1"/>
-          </a:solidFill>
-          <a:ln>
-            <a:noFill/>
-          </a:ln>
-        </p:spPr>
-        <p:txBody>
-          <a:bodyPr spcFirstLastPara="1" wrap="square" lIns="91425" tIns="91425" rIns="91425" bIns="91425" anchor="ctr" anchorCtr="0">
-            <a:noAutofit/>
-          </a:bodyPr>
-          <a:lstStyle/>
-          <a:p>
-            <a:pPr marL="0" lvl="0" indent="0" algn="l" rtl="0">
-              <a:spcBef>
-                <a:spcPts val="0"/>
-              </a:spcBef>
-              <a:spcAft>
-                <a:spcPts val="0"/>
-              </a:spcAft>
-              <a:buNone/>
-            </a:pPr>
-            <a:endParaRPr/>
-          </a:p>
-        </p:txBody>
-      </p:sp>
-      <p:sp>
-        <p:nvSpPr>
-          <p:cNvPr id="1463" name="Google Shape;1463;p54"/>
-          <p:cNvSpPr txBox="1">
-            <a:spLocks noGrp="1"/>
-          </p:cNvSpPr>
-          <p:nvPr>
-            <p:ph type="title"/>
-          </p:nvPr>
-        </p:nvSpPr>
-        <p:spPr>
-          <a:xfrm>
-            <a:off x="470250" y="346050"/>
-            <a:ext cx="8203500" cy="755700"/>
-          </a:xfrm>
-          <a:prstGeom prst="rect">
-            <a:avLst/>
-          </a:prstGeom>
-        </p:spPr>
-        <p:txBody>
-          <a:bodyPr spcFirstLastPara="1" wrap="square" lIns="91425" tIns="91425" rIns="91425" bIns="91425" anchor="t" anchorCtr="0">
-            <a:noAutofit/>
-          </a:bodyPr>
-          <a:lstStyle/>
-          <a:p>
-            <a:pPr marL="0" lvl="0" indent="0" algn="ctr" rtl="0">
-              <a:spcBef>
-                <a:spcPts val="0"/>
-              </a:spcBef>
-              <a:spcAft>
-                <a:spcPts val="0"/>
-              </a:spcAft>
-              <a:buNone/>
-            </a:pPr>
-            <a:r>
-              <a:rPr lang="en"/>
-              <a:t>REFERENCES</a:t>
-            </a:r>
-            <a:endParaRPr/>
-          </a:p>
-        </p:txBody>
-      </p:sp>
-    </p:spTree>
   </p:cSld>
   <p:clrMapOvr>
     <a:masterClrMapping/>
@@ -44979,8 +41066,8 @@
         </p:blipFill>
         <p:spPr bwMode="auto">
           <a:xfrm>
-            <a:off x="992544" y="2220585"/>
-            <a:ext cx="7158912" cy="1605359"/>
+            <a:off x="78816" y="2015685"/>
+            <a:ext cx="8912150" cy="1998516"/>
           </a:xfrm>
           <a:prstGeom prst="rect">
             <a:avLst/>

--- a/Praesentation/COVID-19 Hospitalisierungsrate .ppt.pptx
+++ b/Praesentation/COVID-19 Hospitalisierungsrate .ppt.pptx
@@ -14,7 +14,7 @@
     <p:sldId id="257" r:id="rId5"/>
     <p:sldId id="274" r:id="rId6"/>
     <p:sldId id="301" r:id="rId7"/>
-    <p:sldId id="302" r:id="rId8"/>
+    <p:sldId id="318" r:id="rId8"/>
     <p:sldId id="303" r:id="rId9"/>
     <p:sldId id="304" r:id="rId10"/>
     <p:sldId id="306" r:id="rId11"/>
@@ -1800,7 +1800,7 @@
   <p:cSld>
     <p:spTree>
       <p:nvGrpSpPr>
-        <p:cNvPr id="1" name="Shape 353"/>
+        <p:cNvPr id="1" name="Shape 929"/>
         <p:cNvGrpSpPr/>
         <p:nvPr/>
       </p:nvGrpSpPr>
@@ -1814,7 +1814,7 @@
       </p:grpSpPr>
       <p:sp>
         <p:nvSpPr>
-          <p:cNvPr id="354" name="Google Shape;354;g6fe0c27f63_0_0:notes"/>
+          <p:cNvPr id="930" name="Google Shape;930;g6fe0c27f63_0_55:notes"/>
           <p:cNvSpPr>
             <a:spLocks noGrp="1" noRot="1" noChangeAspect="1"/>
           </p:cNvSpPr>
@@ -1855,7 +1855,7 @@
       </p:sp>
       <p:sp>
         <p:nvSpPr>
-          <p:cNvPr id="355" name="Google Shape;355;g6fe0c27f63_0_0:notes"/>
+          <p:cNvPr id="931" name="Google Shape;931;g6fe0c27f63_0_55:notes"/>
           <p:cNvSpPr txBox="1">
             <a:spLocks noGrp="1"/>
           </p:cNvSpPr>
@@ -1887,16 +1887,11 @@
               </a:spcAft>
               <a:buNone/>
             </a:pPr>
-            <a:endParaRPr dirty="0"/>
+            <a:endParaRPr/>
           </a:p>
         </p:txBody>
       </p:sp>
     </p:spTree>
-    <p:extLst>
-      <p:ext uri="{BB962C8B-B14F-4D97-AF65-F5344CB8AC3E}">
-        <p14:creationId xmlns:p14="http://schemas.microsoft.com/office/powerpoint/2010/main" val="1468748265"/>
-      </p:ext>
-    </p:extLst>
   </p:cSld>
   <p:clrMapOvr>
     <a:masterClrMapping/>
@@ -19709,6 +19704,2202 @@
 </p:sldLayout>
 </file>
 
+<file path=ppt/slideLayouts/slideLayout9.xml><?xml version="1.0" encoding="utf-8"?>
+<p:sldLayout xmlns:a="http://schemas.openxmlformats.org/drawingml/2006/main" xmlns:r="http://schemas.openxmlformats.org/officeDocument/2006/relationships" xmlns:p="http://schemas.openxmlformats.org/presentationml/2006/main" matchingName="Title only 4">
+  <p:cSld name="Title only 4">
+    <p:spTree>
+      <p:nvGrpSpPr>
+        <p:cNvPr id="1" name="Shape 242"/>
+        <p:cNvGrpSpPr/>
+        <p:nvPr/>
+      </p:nvGrpSpPr>
+      <p:grpSpPr>
+        <a:xfrm>
+          <a:off x="0" y="0"/>
+          <a:ext cx="0" cy="0"/>
+          <a:chOff x="0" y="0"/>
+          <a:chExt cx="0" cy="0"/>
+        </a:xfrm>
+      </p:grpSpPr>
+      <p:sp>
+        <p:nvSpPr>
+          <p:cNvPr id="243" name="Google Shape;243;p23"/>
+          <p:cNvSpPr txBox="1">
+            <a:spLocks noGrp="1"/>
+          </p:cNvSpPr>
+          <p:nvPr>
+            <p:ph type="title"/>
+          </p:nvPr>
+        </p:nvSpPr>
+        <p:spPr>
+          <a:xfrm>
+            <a:off x="470250" y="346050"/>
+            <a:ext cx="8203500" cy="755700"/>
+          </a:xfrm>
+          <a:prstGeom prst="rect">
+            <a:avLst/>
+          </a:prstGeom>
+        </p:spPr>
+        <p:txBody>
+          <a:bodyPr spcFirstLastPara="1" wrap="square" lIns="91425" tIns="91425" rIns="91425" bIns="91425" anchor="t" anchorCtr="0">
+            <a:noAutofit/>
+          </a:bodyPr>
+          <a:lstStyle>
+            <a:lvl1pPr lvl="0" algn="ctr" rtl="0">
+              <a:spcBef>
+                <a:spcPts val="0"/>
+              </a:spcBef>
+              <a:spcAft>
+                <a:spcPts val="0"/>
+              </a:spcAft>
+              <a:buSzPts val="2400"/>
+              <a:buNone/>
+              <a:defRPr sz="3000"/>
+            </a:lvl1pPr>
+            <a:lvl2pPr lvl="1" rtl="0">
+              <a:spcBef>
+                <a:spcPts val="0"/>
+              </a:spcBef>
+              <a:spcAft>
+                <a:spcPts val="0"/>
+              </a:spcAft>
+              <a:buSzPts val="2400"/>
+              <a:buNone/>
+              <a:defRPr sz="2400"/>
+            </a:lvl2pPr>
+            <a:lvl3pPr lvl="2" rtl="0">
+              <a:spcBef>
+                <a:spcPts val="0"/>
+              </a:spcBef>
+              <a:spcAft>
+                <a:spcPts val="0"/>
+              </a:spcAft>
+              <a:buSzPts val="2400"/>
+              <a:buNone/>
+              <a:defRPr sz="2400"/>
+            </a:lvl3pPr>
+            <a:lvl4pPr lvl="3" rtl="0">
+              <a:spcBef>
+                <a:spcPts val="0"/>
+              </a:spcBef>
+              <a:spcAft>
+                <a:spcPts val="0"/>
+              </a:spcAft>
+              <a:buSzPts val="2400"/>
+              <a:buNone/>
+              <a:defRPr sz="2400"/>
+            </a:lvl4pPr>
+            <a:lvl5pPr lvl="4" rtl="0">
+              <a:spcBef>
+                <a:spcPts val="0"/>
+              </a:spcBef>
+              <a:spcAft>
+                <a:spcPts val="0"/>
+              </a:spcAft>
+              <a:buSzPts val="2400"/>
+              <a:buNone/>
+              <a:defRPr sz="2400"/>
+            </a:lvl5pPr>
+            <a:lvl6pPr lvl="5" rtl="0">
+              <a:spcBef>
+                <a:spcPts val="0"/>
+              </a:spcBef>
+              <a:spcAft>
+                <a:spcPts val="0"/>
+              </a:spcAft>
+              <a:buSzPts val="2400"/>
+              <a:buNone/>
+              <a:defRPr sz="2400"/>
+            </a:lvl6pPr>
+            <a:lvl7pPr lvl="6" rtl="0">
+              <a:spcBef>
+                <a:spcPts val="0"/>
+              </a:spcBef>
+              <a:spcAft>
+                <a:spcPts val="0"/>
+              </a:spcAft>
+              <a:buSzPts val="2400"/>
+              <a:buNone/>
+              <a:defRPr sz="2400"/>
+            </a:lvl7pPr>
+            <a:lvl8pPr lvl="7" rtl="0">
+              <a:spcBef>
+                <a:spcPts val="0"/>
+              </a:spcBef>
+              <a:spcAft>
+                <a:spcPts val="0"/>
+              </a:spcAft>
+              <a:buSzPts val="2400"/>
+              <a:buNone/>
+              <a:defRPr sz="2400"/>
+            </a:lvl8pPr>
+            <a:lvl9pPr lvl="8" rtl="0">
+              <a:spcBef>
+                <a:spcPts val="0"/>
+              </a:spcBef>
+              <a:spcAft>
+                <a:spcPts val="0"/>
+              </a:spcAft>
+              <a:buSzPts val="2400"/>
+              <a:buNone/>
+              <a:defRPr sz="2400"/>
+            </a:lvl9pPr>
+          </a:lstStyle>
+          <a:p>
+            <a:endParaRPr/>
+          </a:p>
+        </p:txBody>
+      </p:sp>
+      <p:sp>
+        <p:nvSpPr>
+          <p:cNvPr id="244" name="Google Shape;244;p23"/>
+          <p:cNvSpPr/>
+          <p:nvPr/>
+        </p:nvSpPr>
+        <p:spPr>
+          <a:xfrm rot="5400000">
+            <a:off x="5272412" y="1271825"/>
+            <a:ext cx="3923738" cy="3819438"/>
+          </a:xfrm>
+          <a:custGeom>
+            <a:avLst/>
+            <a:gdLst/>
+            <a:ahLst/>
+            <a:cxnLst/>
+            <a:rect l="l" t="t" r="r" b="b"/>
+            <a:pathLst>
+              <a:path w="76970" h="74924" extrusionOk="0">
+                <a:moveTo>
+                  <a:pt x="554" y="1"/>
+                </a:moveTo>
+                <a:cubicBezTo>
+                  <a:pt x="131" y="1328"/>
+                  <a:pt x="1" y="2817"/>
+                  <a:pt x="41" y="4462"/>
+                </a:cubicBezTo>
+                <a:cubicBezTo>
+                  <a:pt x="180" y="10526"/>
+                  <a:pt x="2630" y="17658"/>
+                  <a:pt x="8939" y="19782"/>
+                </a:cubicBezTo>
+                <a:cubicBezTo>
+                  <a:pt x="13042" y="21166"/>
+                  <a:pt x="17788" y="19872"/>
+                  <a:pt x="21679" y="21752"/>
+                </a:cubicBezTo>
+                <a:cubicBezTo>
+                  <a:pt x="28875" y="25236"/>
+                  <a:pt x="28924" y="37227"/>
+                  <a:pt x="36454" y="39906"/>
+                </a:cubicBezTo>
+                <a:cubicBezTo>
+                  <a:pt x="37891" y="40416"/>
+                  <a:pt x="39472" y="40522"/>
+                  <a:pt x="41073" y="40522"/>
+                </a:cubicBezTo>
+                <a:cubicBezTo>
+                  <a:pt x="42200" y="40522"/>
+                  <a:pt x="43337" y="40470"/>
+                  <a:pt x="44442" y="40470"/>
+                </a:cubicBezTo>
+                <a:cubicBezTo>
+                  <a:pt x="46969" y="40470"/>
+                  <a:pt x="49324" y="40743"/>
+                  <a:pt x="50993" y="42543"/>
+                </a:cubicBezTo>
+                <a:cubicBezTo>
+                  <a:pt x="52686" y="44367"/>
+                  <a:pt x="52866" y="47134"/>
+                  <a:pt x="52573" y="49609"/>
+                </a:cubicBezTo>
+                <a:cubicBezTo>
+                  <a:pt x="52279" y="52084"/>
+                  <a:pt x="51604" y="54567"/>
+                  <a:pt x="51938" y="57041"/>
+                </a:cubicBezTo>
+                <a:cubicBezTo>
+                  <a:pt x="52450" y="60843"/>
+                  <a:pt x="55234" y="63896"/>
+                  <a:pt x="57880" y="66672"/>
+                </a:cubicBezTo>
+                <a:cubicBezTo>
+                  <a:pt x="61665" y="70644"/>
+                  <a:pt x="66185" y="74924"/>
+                  <a:pt x="71586" y="74924"/>
+                </a:cubicBezTo>
+                <a:cubicBezTo>
+                  <a:pt x="71808" y="74924"/>
+                  <a:pt x="72031" y="74917"/>
+                  <a:pt x="72256" y="74902"/>
+                </a:cubicBezTo>
+                <a:cubicBezTo>
+                  <a:pt x="73925" y="74788"/>
+                  <a:pt x="75513" y="74242"/>
+                  <a:pt x="76970" y="73420"/>
+                </a:cubicBezTo>
+                <a:lnTo>
+                  <a:pt x="76970" y="1"/>
+                </a:lnTo>
+                <a:close/>
+              </a:path>
+            </a:pathLst>
+          </a:custGeom>
+          <a:solidFill>
+            <a:schemeClr val="dk2"/>
+          </a:solidFill>
+          <a:ln>
+            <a:noFill/>
+          </a:ln>
+        </p:spPr>
+        <p:txBody>
+          <a:bodyPr spcFirstLastPara="1" wrap="square" lIns="91425" tIns="91425" rIns="91425" bIns="91425" anchor="ctr" anchorCtr="0">
+            <a:noAutofit/>
+          </a:bodyPr>
+          <a:lstStyle/>
+          <a:p>
+            <a:pPr marL="0" lvl="0" indent="0" algn="l" rtl="0">
+              <a:spcBef>
+                <a:spcPts val="0"/>
+              </a:spcBef>
+              <a:spcAft>
+                <a:spcPts val="0"/>
+              </a:spcAft>
+              <a:buNone/>
+            </a:pPr>
+            <a:endParaRPr/>
+          </a:p>
+        </p:txBody>
+      </p:sp>
+      <p:sp>
+        <p:nvSpPr>
+          <p:cNvPr id="245" name="Google Shape;245;p23"/>
+          <p:cNvSpPr/>
+          <p:nvPr/>
+        </p:nvSpPr>
+        <p:spPr>
+          <a:xfrm>
+            <a:off x="7594301" y="4071975"/>
+            <a:ext cx="310326" cy="318049"/>
+          </a:xfrm>
+          <a:custGeom>
+            <a:avLst/>
+            <a:gdLst/>
+            <a:ahLst/>
+            <a:cxnLst/>
+            <a:rect l="l" t="t" r="r" b="b"/>
+            <a:pathLst>
+              <a:path w="3452" h="3538" extrusionOk="0">
+                <a:moveTo>
+                  <a:pt x="1791" y="0"/>
+                </a:moveTo>
+                <a:cubicBezTo>
+                  <a:pt x="1783" y="0"/>
+                  <a:pt x="1775" y="2"/>
+                  <a:pt x="1767" y="6"/>
+                </a:cubicBezTo>
+                <a:cubicBezTo>
+                  <a:pt x="1726" y="6"/>
+                  <a:pt x="1685" y="15"/>
+                  <a:pt x="1653" y="23"/>
+                </a:cubicBezTo>
+                <a:cubicBezTo>
+                  <a:pt x="1628" y="31"/>
+                  <a:pt x="1612" y="39"/>
+                  <a:pt x="1596" y="47"/>
+                </a:cubicBezTo>
+                <a:cubicBezTo>
+                  <a:pt x="1523" y="80"/>
+                  <a:pt x="1474" y="129"/>
+                  <a:pt x="1482" y="186"/>
+                </a:cubicBezTo>
+                <a:cubicBezTo>
+                  <a:pt x="1482" y="259"/>
+                  <a:pt x="1580" y="332"/>
+                  <a:pt x="1718" y="348"/>
+                </a:cubicBezTo>
+                <a:lnTo>
+                  <a:pt x="1726" y="698"/>
+                </a:lnTo>
+                <a:cubicBezTo>
+                  <a:pt x="1689" y="695"/>
+                  <a:pt x="1652" y="693"/>
+                  <a:pt x="1615" y="693"/>
+                </a:cubicBezTo>
+                <a:cubicBezTo>
+                  <a:pt x="1344" y="693"/>
+                  <a:pt x="1080" y="796"/>
+                  <a:pt x="880" y="975"/>
+                </a:cubicBezTo>
+                <a:lnTo>
+                  <a:pt x="538" y="755"/>
+                </a:lnTo>
+                <a:cubicBezTo>
+                  <a:pt x="578" y="666"/>
+                  <a:pt x="570" y="584"/>
+                  <a:pt x="530" y="560"/>
+                </a:cubicBezTo>
+                <a:cubicBezTo>
+                  <a:pt x="513" y="553"/>
+                  <a:pt x="494" y="549"/>
+                  <a:pt x="476" y="549"/>
+                </a:cubicBezTo>
+                <a:cubicBezTo>
+                  <a:pt x="451" y="549"/>
+                  <a:pt x="426" y="557"/>
+                  <a:pt x="407" y="576"/>
+                </a:cubicBezTo>
+                <a:lnTo>
+                  <a:pt x="375" y="601"/>
+                </a:lnTo>
+                <a:cubicBezTo>
+                  <a:pt x="359" y="617"/>
+                  <a:pt x="334" y="641"/>
+                  <a:pt x="318" y="658"/>
+                </a:cubicBezTo>
+                <a:lnTo>
+                  <a:pt x="302" y="690"/>
+                </a:lnTo>
+                <a:cubicBezTo>
+                  <a:pt x="236" y="796"/>
+                  <a:pt x="220" y="910"/>
+                  <a:pt x="277" y="951"/>
+                </a:cubicBezTo>
+                <a:cubicBezTo>
+                  <a:pt x="292" y="959"/>
+                  <a:pt x="307" y="963"/>
+                  <a:pt x="323" y="963"/>
+                </a:cubicBezTo>
+                <a:cubicBezTo>
+                  <a:pt x="368" y="963"/>
+                  <a:pt x="416" y="930"/>
+                  <a:pt x="464" y="869"/>
+                </a:cubicBezTo>
+                <a:lnTo>
+                  <a:pt x="782" y="1073"/>
+                </a:lnTo>
+                <a:cubicBezTo>
+                  <a:pt x="530" y="1358"/>
+                  <a:pt x="448" y="1749"/>
+                  <a:pt x="554" y="2115"/>
+                </a:cubicBezTo>
+                <a:cubicBezTo>
+                  <a:pt x="554" y="2115"/>
+                  <a:pt x="554" y="2123"/>
+                  <a:pt x="554" y="2123"/>
+                </a:cubicBezTo>
+                <a:cubicBezTo>
+                  <a:pt x="562" y="2147"/>
+                  <a:pt x="570" y="2172"/>
+                  <a:pt x="578" y="2188"/>
+                </a:cubicBezTo>
+                <a:lnTo>
+                  <a:pt x="220" y="2351"/>
+                </a:lnTo>
+                <a:cubicBezTo>
+                  <a:pt x="181" y="2285"/>
+                  <a:pt x="131" y="2246"/>
+                  <a:pt x="87" y="2246"/>
+                </a:cubicBezTo>
+                <a:cubicBezTo>
+                  <a:pt x="77" y="2246"/>
+                  <a:pt x="67" y="2249"/>
+                  <a:pt x="57" y="2253"/>
+                </a:cubicBezTo>
+                <a:cubicBezTo>
+                  <a:pt x="17" y="2270"/>
+                  <a:pt x="0" y="2384"/>
+                  <a:pt x="49" y="2497"/>
+                </a:cubicBezTo>
+                <a:cubicBezTo>
+                  <a:pt x="49" y="2506"/>
+                  <a:pt x="57" y="2514"/>
+                  <a:pt x="57" y="2530"/>
+                </a:cubicBezTo>
+                <a:cubicBezTo>
+                  <a:pt x="74" y="2546"/>
+                  <a:pt x="90" y="2571"/>
+                  <a:pt x="106" y="2587"/>
+                </a:cubicBezTo>
+                <a:cubicBezTo>
+                  <a:pt x="114" y="2603"/>
+                  <a:pt x="122" y="2611"/>
+                  <a:pt x="131" y="2620"/>
+                </a:cubicBezTo>
+                <a:cubicBezTo>
+                  <a:pt x="149" y="2644"/>
+                  <a:pt x="177" y="2655"/>
+                  <a:pt x="208" y="2655"/>
+                </a:cubicBezTo>
+                <a:cubicBezTo>
+                  <a:pt x="217" y="2655"/>
+                  <a:pt x="227" y="2654"/>
+                  <a:pt x="236" y="2652"/>
+                </a:cubicBezTo>
+                <a:cubicBezTo>
+                  <a:pt x="285" y="2636"/>
+                  <a:pt x="302" y="2554"/>
+                  <a:pt x="277" y="2465"/>
+                </a:cubicBezTo>
+                <a:lnTo>
+                  <a:pt x="627" y="2310"/>
+                </a:lnTo>
+                <a:lnTo>
+                  <a:pt x="627" y="2318"/>
+                </a:lnTo>
+                <a:cubicBezTo>
+                  <a:pt x="643" y="2343"/>
+                  <a:pt x="660" y="2367"/>
+                  <a:pt x="676" y="2392"/>
+                </a:cubicBezTo>
+                <a:lnTo>
+                  <a:pt x="692" y="2416"/>
+                </a:lnTo>
+                <a:cubicBezTo>
+                  <a:pt x="700" y="2441"/>
+                  <a:pt x="717" y="2457"/>
+                  <a:pt x="733" y="2481"/>
+                </a:cubicBezTo>
+                <a:lnTo>
+                  <a:pt x="749" y="2497"/>
+                </a:lnTo>
+                <a:cubicBezTo>
+                  <a:pt x="766" y="2522"/>
+                  <a:pt x="782" y="2538"/>
+                  <a:pt x="806" y="2563"/>
+                </a:cubicBezTo>
+                <a:cubicBezTo>
+                  <a:pt x="806" y="2571"/>
+                  <a:pt x="823" y="2579"/>
+                  <a:pt x="823" y="2579"/>
+                </a:cubicBezTo>
+                <a:lnTo>
+                  <a:pt x="880" y="2636"/>
+                </a:lnTo>
+                <a:lnTo>
+                  <a:pt x="896" y="2652"/>
+                </a:lnTo>
+                <a:cubicBezTo>
+                  <a:pt x="920" y="2668"/>
+                  <a:pt x="945" y="2685"/>
+                  <a:pt x="969" y="2709"/>
+                </a:cubicBezTo>
+                <a:lnTo>
+                  <a:pt x="985" y="2717"/>
+                </a:lnTo>
+                <a:lnTo>
+                  <a:pt x="1059" y="2758"/>
+                </a:lnTo>
+                <a:lnTo>
+                  <a:pt x="1075" y="2774"/>
+                </a:lnTo>
+                <a:lnTo>
+                  <a:pt x="1124" y="2799"/>
+                </a:lnTo>
+                <a:lnTo>
+                  <a:pt x="1018" y="3149"/>
+                </a:lnTo>
+                <a:cubicBezTo>
+                  <a:pt x="998" y="3146"/>
+                  <a:pt x="978" y="3145"/>
+                  <a:pt x="959" y="3145"/>
+                </a:cubicBezTo>
+                <a:cubicBezTo>
+                  <a:pt x="848" y="3145"/>
+                  <a:pt x="762" y="3185"/>
+                  <a:pt x="741" y="3255"/>
+                </a:cubicBezTo>
+                <a:cubicBezTo>
+                  <a:pt x="733" y="3320"/>
+                  <a:pt x="766" y="3377"/>
+                  <a:pt x="823" y="3417"/>
+                </a:cubicBezTo>
+                <a:cubicBezTo>
+                  <a:pt x="839" y="3426"/>
+                  <a:pt x="855" y="3434"/>
+                  <a:pt x="871" y="3450"/>
+                </a:cubicBezTo>
+                <a:cubicBezTo>
+                  <a:pt x="904" y="3466"/>
+                  <a:pt x="945" y="3482"/>
+                  <a:pt x="977" y="3499"/>
+                </a:cubicBezTo>
+                <a:lnTo>
+                  <a:pt x="1026" y="3515"/>
+                </a:lnTo>
+                <a:cubicBezTo>
+                  <a:pt x="1082" y="3530"/>
+                  <a:pt x="1136" y="3537"/>
+                  <a:pt x="1186" y="3537"/>
+                </a:cubicBezTo>
+                <a:cubicBezTo>
+                  <a:pt x="1297" y="3537"/>
+                  <a:pt x="1384" y="3501"/>
+                  <a:pt x="1401" y="3434"/>
+                </a:cubicBezTo>
+                <a:cubicBezTo>
+                  <a:pt x="1425" y="3360"/>
+                  <a:pt x="1344" y="3263"/>
+                  <a:pt x="1221" y="3206"/>
+                </a:cubicBezTo>
+                <a:lnTo>
+                  <a:pt x="1311" y="2872"/>
+                </a:lnTo>
+                <a:lnTo>
+                  <a:pt x="1376" y="2888"/>
+                </a:lnTo>
+                <a:cubicBezTo>
+                  <a:pt x="1449" y="2900"/>
+                  <a:pt x="1523" y="2907"/>
+                  <a:pt x="1596" y="2907"/>
+                </a:cubicBezTo>
+                <a:cubicBezTo>
+                  <a:pt x="1669" y="2907"/>
+                  <a:pt x="1742" y="2900"/>
+                  <a:pt x="1816" y="2888"/>
+                </a:cubicBezTo>
+                <a:cubicBezTo>
+                  <a:pt x="1881" y="2872"/>
+                  <a:pt x="1938" y="2856"/>
+                  <a:pt x="1995" y="2839"/>
+                </a:cubicBezTo>
+                <a:lnTo>
+                  <a:pt x="2052" y="2815"/>
+                </a:lnTo>
+                <a:cubicBezTo>
+                  <a:pt x="2092" y="2799"/>
+                  <a:pt x="2133" y="2774"/>
+                  <a:pt x="2166" y="2758"/>
+                </a:cubicBezTo>
+                <a:lnTo>
+                  <a:pt x="2443" y="3067"/>
+                </a:lnTo>
+                <a:cubicBezTo>
+                  <a:pt x="2369" y="3157"/>
+                  <a:pt x="2337" y="3246"/>
+                  <a:pt x="2386" y="3295"/>
+                </a:cubicBezTo>
+                <a:cubicBezTo>
+                  <a:pt x="2403" y="3312"/>
+                  <a:pt x="2431" y="3322"/>
+                  <a:pt x="2466" y="3322"/>
+                </a:cubicBezTo>
+                <a:cubicBezTo>
+                  <a:pt x="2530" y="3322"/>
+                  <a:pt x="2616" y="3291"/>
+                  <a:pt x="2695" y="3222"/>
+                </a:cubicBezTo>
+                <a:cubicBezTo>
+                  <a:pt x="2703" y="3214"/>
+                  <a:pt x="2711" y="3206"/>
+                  <a:pt x="2719" y="3198"/>
+                </a:cubicBezTo>
+                <a:cubicBezTo>
+                  <a:pt x="2744" y="3173"/>
+                  <a:pt x="2760" y="3149"/>
+                  <a:pt x="2784" y="3116"/>
+                </a:cubicBezTo>
+                <a:cubicBezTo>
+                  <a:pt x="2793" y="3108"/>
+                  <a:pt x="2801" y="3092"/>
+                  <a:pt x="2801" y="3075"/>
+                </a:cubicBezTo>
+                <a:cubicBezTo>
+                  <a:pt x="2833" y="3035"/>
+                  <a:pt x="2833" y="2978"/>
+                  <a:pt x="2801" y="2929"/>
+                </a:cubicBezTo>
+                <a:cubicBezTo>
+                  <a:pt x="2784" y="2909"/>
+                  <a:pt x="2758" y="2900"/>
+                  <a:pt x="2727" y="2900"/>
+                </a:cubicBezTo>
+                <a:cubicBezTo>
+                  <a:pt x="2681" y="2900"/>
+                  <a:pt x="2623" y="2920"/>
+                  <a:pt x="2565" y="2953"/>
+                </a:cubicBezTo>
+                <a:lnTo>
+                  <a:pt x="2304" y="2660"/>
+                </a:lnTo>
+                <a:lnTo>
+                  <a:pt x="2337" y="2636"/>
+                </a:lnTo>
+                <a:cubicBezTo>
+                  <a:pt x="2377" y="2603"/>
+                  <a:pt x="2410" y="2563"/>
+                  <a:pt x="2451" y="2522"/>
+                </a:cubicBezTo>
+                <a:cubicBezTo>
+                  <a:pt x="2500" y="2465"/>
+                  <a:pt x="2540" y="2408"/>
+                  <a:pt x="2573" y="2343"/>
+                </a:cubicBezTo>
+                <a:cubicBezTo>
+                  <a:pt x="2589" y="2310"/>
+                  <a:pt x="2605" y="2278"/>
+                  <a:pt x="2622" y="2245"/>
+                </a:cubicBezTo>
+                <a:lnTo>
+                  <a:pt x="2874" y="2302"/>
+                </a:lnTo>
+                <a:cubicBezTo>
+                  <a:pt x="2874" y="2375"/>
+                  <a:pt x="2890" y="2432"/>
+                  <a:pt x="2931" y="2441"/>
+                </a:cubicBezTo>
+                <a:cubicBezTo>
+                  <a:pt x="2933" y="2441"/>
+                  <a:pt x="2936" y="2441"/>
+                  <a:pt x="2938" y="2441"/>
+                </a:cubicBezTo>
+                <a:cubicBezTo>
+                  <a:pt x="2978" y="2441"/>
+                  <a:pt x="3030" y="2378"/>
+                  <a:pt x="3053" y="2286"/>
+                </a:cubicBezTo>
+                <a:lnTo>
+                  <a:pt x="3053" y="2261"/>
+                </a:lnTo>
+                <a:cubicBezTo>
+                  <a:pt x="3053" y="2245"/>
+                  <a:pt x="3053" y="2221"/>
+                  <a:pt x="3053" y="2204"/>
+                </a:cubicBezTo>
+                <a:cubicBezTo>
+                  <a:pt x="3053" y="2188"/>
+                  <a:pt x="3053" y="2180"/>
+                  <a:pt x="3053" y="2172"/>
+                </a:cubicBezTo>
+                <a:cubicBezTo>
+                  <a:pt x="3045" y="2131"/>
+                  <a:pt x="3029" y="2107"/>
+                  <a:pt x="2996" y="2099"/>
+                </a:cubicBezTo>
+                <a:cubicBezTo>
+                  <a:pt x="2994" y="2098"/>
+                  <a:pt x="2992" y="2098"/>
+                  <a:pt x="2989" y="2098"/>
+                </a:cubicBezTo>
+                <a:cubicBezTo>
+                  <a:pt x="2962" y="2098"/>
+                  <a:pt x="2913" y="2137"/>
+                  <a:pt x="2890" y="2196"/>
+                </a:cubicBezTo>
+                <a:lnTo>
+                  <a:pt x="2654" y="2147"/>
+                </a:lnTo>
+                <a:cubicBezTo>
+                  <a:pt x="2670" y="2107"/>
+                  <a:pt x="2679" y="2074"/>
+                  <a:pt x="2687" y="2033"/>
+                </a:cubicBezTo>
+                <a:cubicBezTo>
+                  <a:pt x="2695" y="1993"/>
+                  <a:pt x="2703" y="1952"/>
+                  <a:pt x="2711" y="1911"/>
+                </a:cubicBezTo>
+                <a:lnTo>
+                  <a:pt x="2711" y="1879"/>
+                </a:lnTo>
+                <a:lnTo>
+                  <a:pt x="2711" y="1797"/>
+                </a:lnTo>
+                <a:lnTo>
+                  <a:pt x="2711" y="1757"/>
+                </a:lnTo>
+                <a:lnTo>
+                  <a:pt x="2711" y="1683"/>
+                </a:lnTo>
+                <a:cubicBezTo>
+                  <a:pt x="2711" y="1659"/>
+                  <a:pt x="2711" y="1651"/>
+                  <a:pt x="2703" y="1635"/>
+                </a:cubicBezTo>
+                <a:cubicBezTo>
+                  <a:pt x="2695" y="1626"/>
+                  <a:pt x="2703" y="1610"/>
+                  <a:pt x="2695" y="1602"/>
+                </a:cubicBezTo>
+                <a:lnTo>
+                  <a:pt x="3086" y="1456"/>
+                </a:lnTo>
+                <a:cubicBezTo>
+                  <a:pt x="3140" y="1565"/>
+                  <a:pt x="3218" y="1634"/>
+                  <a:pt x="3285" y="1634"/>
+                </a:cubicBezTo>
+                <a:cubicBezTo>
+                  <a:pt x="3298" y="1634"/>
+                  <a:pt x="3310" y="1632"/>
+                  <a:pt x="3322" y="1626"/>
+                </a:cubicBezTo>
+                <a:cubicBezTo>
+                  <a:pt x="3436" y="1594"/>
+                  <a:pt x="3452" y="1423"/>
+                  <a:pt x="3387" y="1244"/>
+                </a:cubicBezTo>
+                <a:cubicBezTo>
+                  <a:pt x="3387" y="1228"/>
+                  <a:pt x="3379" y="1211"/>
+                  <a:pt x="3371" y="1203"/>
+                </a:cubicBezTo>
+                <a:cubicBezTo>
+                  <a:pt x="3354" y="1162"/>
+                  <a:pt x="3338" y="1130"/>
+                  <a:pt x="3314" y="1097"/>
+                </a:cubicBezTo>
+                <a:cubicBezTo>
+                  <a:pt x="3297" y="1081"/>
+                  <a:pt x="3289" y="1073"/>
+                  <a:pt x="3273" y="1057"/>
+                </a:cubicBezTo>
+                <a:cubicBezTo>
+                  <a:pt x="3244" y="1007"/>
+                  <a:pt x="3191" y="982"/>
+                  <a:pt x="3134" y="982"/>
+                </a:cubicBezTo>
+                <a:cubicBezTo>
+                  <a:pt x="3126" y="982"/>
+                  <a:pt x="3118" y="982"/>
+                  <a:pt x="3110" y="983"/>
+                </a:cubicBezTo>
+                <a:cubicBezTo>
+                  <a:pt x="3037" y="1016"/>
+                  <a:pt x="3004" y="1130"/>
+                  <a:pt x="3029" y="1268"/>
+                </a:cubicBezTo>
+                <a:lnTo>
+                  <a:pt x="2654" y="1407"/>
+                </a:lnTo>
+                <a:cubicBezTo>
+                  <a:pt x="2646" y="1390"/>
+                  <a:pt x="2638" y="1374"/>
+                  <a:pt x="2630" y="1350"/>
+                </a:cubicBezTo>
+                <a:cubicBezTo>
+                  <a:pt x="2622" y="1342"/>
+                  <a:pt x="2622" y="1333"/>
+                  <a:pt x="2613" y="1317"/>
+                </a:cubicBezTo>
+                <a:cubicBezTo>
+                  <a:pt x="2605" y="1293"/>
+                  <a:pt x="2589" y="1276"/>
+                  <a:pt x="2581" y="1252"/>
+                </a:cubicBezTo>
+                <a:lnTo>
+                  <a:pt x="2557" y="1219"/>
+                </a:lnTo>
+                <a:cubicBezTo>
+                  <a:pt x="2548" y="1195"/>
+                  <a:pt x="2532" y="1179"/>
+                  <a:pt x="2516" y="1154"/>
+                </a:cubicBezTo>
+                <a:cubicBezTo>
+                  <a:pt x="2516" y="1146"/>
+                  <a:pt x="2508" y="1138"/>
+                  <a:pt x="2500" y="1138"/>
+                </a:cubicBezTo>
+                <a:cubicBezTo>
+                  <a:pt x="2475" y="1105"/>
+                  <a:pt x="2451" y="1073"/>
+                  <a:pt x="2426" y="1040"/>
+                </a:cubicBezTo>
+                <a:lnTo>
+                  <a:pt x="2605" y="894"/>
+                </a:lnTo>
+                <a:cubicBezTo>
+                  <a:pt x="2639" y="928"/>
+                  <a:pt x="2681" y="946"/>
+                  <a:pt x="2714" y="946"/>
+                </a:cubicBezTo>
+                <a:cubicBezTo>
+                  <a:pt x="2729" y="946"/>
+                  <a:pt x="2742" y="942"/>
+                  <a:pt x="2752" y="935"/>
+                </a:cubicBezTo>
+                <a:cubicBezTo>
+                  <a:pt x="2776" y="910"/>
+                  <a:pt x="2768" y="821"/>
+                  <a:pt x="2711" y="747"/>
+                </a:cubicBezTo>
+                <a:lnTo>
+                  <a:pt x="2695" y="723"/>
+                </a:lnTo>
+                <a:cubicBezTo>
+                  <a:pt x="2679" y="715"/>
+                  <a:pt x="2662" y="698"/>
+                  <a:pt x="2646" y="682"/>
+                </a:cubicBezTo>
+                <a:lnTo>
+                  <a:pt x="2622" y="674"/>
+                </a:lnTo>
+                <a:cubicBezTo>
+                  <a:pt x="2605" y="662"/>
+                  <a:pt x="2589" y="656"/>
+                  <a:pt x="2573" y="656"/>
+                </a:cubicBezTo>
+                <a:cubicBezTo>
+                  <a:pt x="2557" y="656"/>
+                  <a:pt x="2540" y="662"/>
+                  <a:pt x="2524" y="674"/>
+                </a:cubicBezTo>
+                <a:cubicBezTo>
+                  <a:pt x="2491" y="698"/>
+                  <a:pt x="2500" y="755"/>
+                  <a:pt x="2540" y="821"/>
+                </a:cubicBezTo>
+                <a:lnTo>
+                  <a:pt x="2353" y="975"/>
+                </a:lnTo>
+                <a:cubicBezTo>
+                  <a:pt x="2231" y="869"/>
+                  <a:pt x="2084" y="788"/>
+                  <a:pt x="1930" y="747"/>
+                </a:cubicBezTo>
+                <a:lnTo>
+                  <a:pt x="1930" y="348"/>
+                </a:lnTo>
+                <a:cubicBezTo>
+                  <a:pt x="2068" y="324"/>
+                  <a:pt x="2166" y="251"/>
+                  <a:pt x="2166" y="177"/>
+                </a:cubicBezTo>
+                <a:cubicBezTo>
+                  <a:pt x="2166" y="77"/>
+                  <a:pt x="2019" y="6"/>
+                  <a:pt x="1844" y="6"/>
+                </a:cubicBezTo>
+                <a:cubicBezTo>
+                  <a:pt x="1835" y="6"/>
+                  <a:pt x="1825" y="6"/>
+                  <a:pt x="1816" y="6"/>
+                </a:cubicBezTo>
+                <a:cubicBezTo>
+                  <a:pt x="1808" y="2"/>
+                  <a:pt x="1799" y="0"/>
+                  <a:pt x="1791" y="0"/>
+                </a:cubicBezTo>
+                <a:close/>
+              </a:path>
+            </a:pathLst>
+          </a:custGeom>
+          <a:solidFill>
+            <a:schemeClr val="accent1"/>
+          </a:solidFill>
+          <a:ln>
+            <a:noFill/>
+          </a:ln>
+        </p:spPr>
+        <p:txBody>
+          <a:bodyPr spcFirstLastPara="1" wrap="square" lIns="91425" tIns="91425" rIns="91425" bIns="91425" anchor="ctr" anchorCtr="0">
+            <a:noAutofit/>
+          </a:bodyPr>
+          <a:lstStyle/>
+          <a:p>
+            <a:pPr marL="0" lvl="0" indent="0" algn="l" rtl="0">
+              <a:spcBef>
+                <a:spcPts val="0"/>
+              </a:spcBef>
+              <a:spcAft>
+                <a:spcPts val="0"/>
+              </a:spcAft>
+              <a:buNone/>
+            </a:pPr>
+            <a:endParaRPr/>
+          </a:p>
+        </p:txBody>
+      </p:sp>
+      <p:sp>
+        <p:nvSpPr>
+          <p:cNvPr id="246" name="Google Shape;246;p23"/>
+          <p:cNvSpPr/>
+          <p:nvPr/>
+        </p:nvSpPr>
+        <p:spPr>
+          <a:xfrm>
+            <a:off x="8024829" y="3907018"/>
+            <a:ext cx="632225" cy="647949"/>
+          </a:xfrm>
+          <a:custGeom>
+            <a:avLst/>
+            <a:gdLst/>
+            <a:ahLst/>
+            <a:cxnLst/>
+            <a:rect l="l" t="t" r="r" b="b"/>
+            <a:pathLst>
+              <a:path w="3452" h="3538" extrusionOk="0">
+                <a:moveTo>
+                  <a:pt x="1791" y="0"/>
+                </a:moveTo>
+                <a:cubicBezTo>
+                  <a:pt x="1783" y="0"/>
+                  <a:pt x="1775" y="2"/>
+                  <a:pt x="1767" y="6"/>
+                </a:cubicBezTo>
+                <a:cubicBezTo>
+                  <a:pt x="1726" y="6"/>
+                  <a:pt x="1685" y="15"/>
+                  <a:pt x="1653" y="23"/>
+                </a:cubicBezTo>
+                <a:cubicBezTo>
+                  <a:pt x="1628" y="31"/>
+                  <a:pt x="1612" y="39"/>
+                  <a:pt x="1596" y="47"/>
+                </a:cubicBezTo>
+                <a:cubicBezTo>
+                  <a:pt x="1523" y="80"/>
+                  <a:pt x="1474" y="129"/>
+                  <a:pt x="1482" y="186"/>
+                </a:cubicBezTo>
+                <a:cubicBezTo>
+                  <a:pt x="1482" y="259"/>
+                  <a:pt x="1580" y="332"/>
+                  <a:pt x="1718" y="348"/>
+                </a:cubicBezTo>
+                <a:lnTo>
+                  <a:pt x="1726" y="698"/>
+                </a:lnTo>
+                <a:cubicBezTo>
+                  <a:pt x="1689" y="695"/>
+                  <a:pt x="1652" y="693"/>
+                  <a:pt x="1615" y="693"/>
+                </a:cubicBezTo>
+                <a:cubicBezTo>
+                  <a:pt x="1344" y="693"/>
+                  <a:pt x="1080" y="796"/>
+                  <a:pt x="880" y="975"/>
+                </a:cubicBezTo>
+                <a:lnTo>
+                  <a:pt x="538" y="755"/>
+                </a:lnTo>
+                <a:cubicBezTo>
+                  <a:pt x="578" y="666"/>
+                  <a:pt x="570" y="584"/>
+                  <a:pt x="530" y="560"/>
+                </a:cubicBezTo>
+                <a:cubicBezTo>
+                  <a:pt x="513" y="553"/>
+                  <a:pt x="494" y="549"/>
+                  <a:pt x="476" y="549"/>
+                </a:cubicBezTo>
+                <a:cubicBezTo>
+                  <a:pt x="451" y="549"/>
+                  <a:pt x="426" y="557"/>
+                  <a:pt x="407" y="576"/>
+                </a:cubicBezTo>
+                <a:lnTo>
+                  <a:pt x="375" y="601"/>
+                </a:lnTo>
+                <a:cubicBezTo>
+                  <a:pt x="359" y="617"/>
+                  <a:pt x="334" y="641"/>
+                  <a:pt x="318" y="658"/>
+                </a:cubicBezTo>
+                <a:lnTo>
+                  <a:pt x="302" y="690"/>
+                </a:lnTo>
+                <a:cubicBezTo>
+                  <a:pt x="236" y="796"/>
+                  <a:pt x="220" y="910"/>
+                  <a:pt x="277" y="951"/>
+                </a:cubicBezTo>
+                <a:cubicBezTo>
+                  <a:pt x="292" y="959"/>
+                  <a:pt x="307" y="963"/>
+                  <a:pt x="323" y="963"/>
+                </a:cubicBezTo>
+                <a:cubicBezTo>
+                  <a:pt x="368" y="963"/>
+                  <a:pt x="416" y="930"/>
+                  <a:pt x="464" y="869"/>
+                </a:cubicBezTo>
+                <a:lnTo>
+                  <a:pt x="782" y="1073"/>
+                </a:lnTo>
+                <a:cubicBezTo>
+                  <a:pt x="530" y="1358"/>
+                  <a:pt x="448" y="1749"/>
+                  <a:pt x="554" y="2115"/>
+                </a:cubicBezTo>
+                <a:cubicBezTo>
+                  <a:pt x="554" y="2115"/>
+                  <a:pt x="554" y="2123"/>
+                  <a:pt x="554" y="2123"/>
+                </a:cubicBezTo>
+                <a:cubicBezTo>
+                  <a:pt x="562" y="2147"/>
+                  <a:pt x="570" y="2172"/>
+                  <a:pt x="578" y="2188"/>
+                </a:cubicBezTo>
+                <a:lnTo>
+                  <a:pt x="220" y="2351"/>
+                </a:lnTo>
+                <a:cubicBezTo>
+                  <a:pt x="181" y="2285"/>
+                  <a:pt x="131" y="2246"/>
+                  <a:pt x="87" y="2246"/>
+                </a:cubicBezTo>
+                <a:cubicBezTo>
+                  <a:pt x="77" y="2246"/>
+                  <a:pt x="67" y="2249"/>
+                  <a:pt x="57" y="2253"/>
+                </a:cubicBezTo>
+                <a:cubicBezTo>
+                  <a:pt x="17" y="2270"/>
+                  <a:pt x="0" y="2384"/>
+                  <a:pt x="49" y="2497"/>
+                </a:cubicBezTo>
+                <a:cubicBezTo>
+                  <a:pt x="49" y="2506"/>
+                  <a:pt x="57" y="2514"/>
+                  <a:pt x="57" y="2530"/>
+                </a:cubicBezTo>
+                <a:cubicBezTo>
+                  <a:pt x="74" y="2546"/>
+                  <a:pt x="90" y="2571"/>
+                  <a:pt x="106" y="2587"/>
+                </a:cubicBezTo>
+                <a:cubicBezTo>
+                  <a:pt x="114" y="2603"/>
+                  <a:pt x="122" y="2611"/>
+                  <a:pt x="131" y="2620"/>
+                </a:cubicBezTo>
+                <a:cubicBezTo>
+                  <a:pt x="149" y="2644"/>
+                  <a:pt x="177" y="2655"/>
+                  <a:pt x="208" y="2655"/>
+                </a:cubicBezTo>
+                <a:cubicBezTo>
+                  <a:pt x="217" y="2655"/>
+                  <a:pt x="227" y="2654"/>
+                  <a:pt x="236" y="2652"/>
+                </a:cubicBezTo>
+                <a:cubicBezTo>
+                  <a:pt x="285" y="2636"/>
+                  <a:pt x="302" y="2554"/>
+                  <a:pt x="277" y="2465"/>
+                </a:cubicBezTo>
+                <a:lnTo>
+                  <a:pt x="627" y="2310"/>
+                </a:lnTo>
+                <a:lnTo>
+                  <a:pt x="627" y="2318"/>
+                </a:lnTo>
+                <a:cubicBezTo>
+                  <a:pt x="643" y="2343"/>
+                  <a:pt x="660" y="2367"/>
+                  <a:pt x="676" y="2392"/>
+                </a:cubicBezTo>
+                <a:lnTo>
+                  <a:pt x="692" y="2416"/>
+                </a:lnTo>
+                <a:cubicBezTo>
+                  <a:pt x="700" y="2441"/>
+                  <a:pt x="717" y="2457"/>
+                  <a:pt x="733" y="2481"/>
+                </a:cubicBezTo>
+                <a:lnTo>
+                  <a:pt x="749" y="2497"/>
+                </a:lnTo>
+                <a:cubicBezTo>
+                  <a:pt x="766" y="2522"/>
+                  <a:pt x="782" y="2538"/>
+                  <a:pt x="806" y="2563"/>
+                </a:cubicBezTo>
+                <a:cubicBezTo>
+                  <a:pt x="806" y="2571"/>
+                  <a:pt x="823" y="2579"/>
+                  <a:pt x="823" y="2579"/>
+                </a:cubicBezTo>
+                <a:lnTo>
+                  <a:pt x="880" y="2636"/>
+                </a:lnTo>
+                <a:lnTo>
+                  <a:pt x="896" y="2652"/>
+                </a:lnTo>
+                <a:cubicBezTo>
+                  <a:pt x="920" y="2668"/>
+                  <a:pt x="945" y="2685"/>
+                  <a:pt x="969" y="2709"/>
+                </a:cubicBezTo>
+                <a:lnTo>
+                  <a:pt x="985" y="2717"/>
+                </a:lnTo>
+                <a:lnTo>
+                  <a:pt x="1059" y="2758"/>
+                </a:lnTo>
+                <a:lnTo>
+                  <a:pt x="1075" y="2774"/>
+                </a:lnTo>
+                <a:lnTo>
+                  <a:pt x="1124" y="2799"/>
+                </a:lnTo>
+                <a:lnTo>
+                  <a:pt x="1018" y="3149"/>
+                </a:lnTo>
+                <a:cubicBezTo>
+                  <a:pt x="998" y="3146"/>
+                  <a:pt x="978" y="3145"/>
+                  <a:pt x="959" y="3145"/>
+                </a:cubicBezTo>
+                <a:cubicBezTo>
+                  <a:pt x="848" y="3145"/>
+                  <a:pt x="762" y="3185"/>
+                  <a:pt x="741" y="3255"/>
+                </a:cubicBezTo>
+                <a:cubicBezTo>
+                  <a:pt x="733" y="3320"/>
+                  <a:pt x="766" y="3377"/>
+                  <a:pt x="823" y="3417"/>
+                </a:cubicBezTo>
+                <a:cubicBezTo>
+                  <a:pt x="839" y="3426"/>
+                  <a:pt x="855" y="3434"/>
+                  <a:pt x="871" y="3450"/>
+                </a:cubicBezTo>
+                <a:cubicBezTo>
+                  <a:pt x="904" y="3466"/>
+                  <a:pt x="945" y="3482"/>
+                  <a:pt x="977" y="3499"/>
+                </a:cubicBezTo>
+                <a:lnTo>
+                  <a:pt x="1026" y="3515"/>
+                </a:lnTo>
+                <a:cubicBezTo>
+                  <a:pt x="1082" y="3530"/>
+                  <a:pt x="1136" y="3537"/>
+                  <a:pt x="1186" y="3537"/>
+                </a:cubicBezTo>
+                <a:cubicBezTo>
+                  <a:pt x="1297" y="3537"/>
+                  <a:pt x="1384" y="3501"/>
+                  <a:pt x="1401" y="3434"/>
+                </a:cubicBezTo>
+                <a:cubicBezTo>
+                  <a:pt x="1425" y="3360"/>
+                  <a:pt x="1344" y="3263"/>
+                  <a:pt x="1221" y="3206"/>
+                </a:cubicBezTo>
+                <a:lnTo>
+                  <a:pt x="1311" y="2872"/>
+                </a:lnTo>
+                <a:lnTo>
+                  <a:pt x="1376" y="2888"/>
+                </a:lnTo>
+                <a:cubicBezTo>
+                  <a:pt x="1449" y="2900"/>
+                  <a:pt x="1523" y="2907"/>
+                  <a:pt x="1596" y="2907"/>
+                </a:cubicBezTo>
+                <a:cubicBezTo>
+                  <a:pt x="1669" y="2907"/>
+                  <a:pt x="1742" y="2900"/>
+                  <a:pt x="1816" y="2888"/>
+                </a:cubicBezTo>
+                <a:cubicBezTo>
+                  <a:pt x="1881" y="2872"/>
+                  <a:pt x="1938" y="2856"/>
+                  <a:pt x="1995" y="2839"/>
+                </a:cubicBezTo>
+                <a:lnTo>
+                  <a:pt x="2052" y="2815"/>
+                </a:lnTo>
+                <a:cubicBezTo>
+                  <a:pt x="2092" y="2799"/>
+                  <a:pt x="2133" y="2774"/>
+                  <a:pt x="2166" y="2758"/>
+                </a:cubicBezTo>
+                <a:lnTo>
+                  <a:pt x="2443" y="3067"/>
+                </a:lnTo>
+                <a:cubicBezTo>
+                  <a:pt x="2369" y="3157"/>
+                  <a:pt x="2337" y="3246"/>
+                  <a:pt x="2386" y="3295"/>
+                </a:cubicBezTo>
+                <a:cubicBezTo>
+                  <a:pt x="2403" y="3312"/>
+                  <a:pt x="2431" y="3322"/>
+                  <a:pt x="2466" y="3322"/>
+                </a:cubicBezTo>
+                <a:cubicBezTo>
+                  <a:pt x="2530" y="3322"/>
+                  <a:pt x="2616" y="3291"/>
+                  <a:pt x="2695" y="3222"/>
+                </a:cubicBezTo>
+                <a:cubicBezTo>
+                  <a:pt x="2703" y="3214"/>
+                  <a:pt x="2711" y="3206"/>
+                  <a:pt x="2719" y="3198"/>
+                </a:cubicBezTo>
+                <a:cubicBezTo>
+                  <a:pt x="2744" y="3173"/>
+                  <a:pt x="2760" y="3149"/>
+                  <a:pt x="2784" y="3116"/>
+                </a:cubicBezTo>
+                <a:cubicBezTo>
+                  <a:pt x="2793" y="3108"/>
+                  <a:pt x="2801" y="3092"/>
+                  <a:pt x="2801" y="3075"/>
+                </a:cubicBezTo>
+                <a:cubicBezTo>
+                  <a:pt x="2833" y="3035"/>
+                  <a:pt x="2833" y="2978"/>
+                  <a:pt x="2801" y="2929"/>
+                </a:cubicBezTo>
+                <a:cubicBezTo>
+                  <a:pt x="2784" y="2909"/>
+                  <a:pt x="2758" y="2900"/>
+                  <a:pt x="2727" y="2900"/>
+                </a:cubicBezTo>
+                <a:cubicBezTo>
+                  <a:pt x="2681" y="2900"/>
+                  <a:pt x="2623" y="2920"/>
+                  <a:pt x="2565" y="2953"/>
+                </a:cubicBezTo>
+                <a:lnTo>
+                  <a:pt x="2304" y="2660"/>
+                </a:lnTo>
+                <a:lnTo>
+                  <a:pt x="2337" y="2636"/>
+                </a:lnTo>
+                <a:cubicBezTo>
+                  <a:pt x="2377" y="2603"/>
+                  <a:pt x="2410" y="2563"/>
+                  <a:pt x="2451" y="2522"/>
+                </a:cubicBezTo>
+                <a:cubicBezTo>
+                  <a:pt x="2500" y="2465"/>
+                  <a:pt x="2540" y="2408"/>
+                  <a:pt x="2573" y="2343"/>
+                </a:cubicBezTo>
+                <a:cubicBezTo>
+                  <a:pt x="2589" y="2310"/>
+                  <a:pt x="2605" y="2278"/>
+                  <a:pt x="2622" y="2245"/>
+                </a:cubicBezTo>
+                <a:lnTo>
+                  <a:pt x="2874" y="2302"/>
+                </a:lnTo>
+                <a:cubicBezTo>
+                  <a:pt x="2874" y="2375"/>
+                  <a:pt x="2890" y="2432"/>
+                  <a:pt x="2931" y="2441"/>
+                </a:cubicBezTo>
+                <a:cubicBezTo>
+                  <a:pt x="2933" y="2441"/>
+                  <a:pt x="2936" y="2441"/>
+                  <a:pt x="2938" y="2441"/>
+                </a:cubicBezTo>
+                <a:cubicBezTo>
+                  <a:pt x="2978" y="2441"/>
+                  <a:pt x="3030" y="2378"/>
+                  <a:pt x="3053" y="2286"/>
+                </a:cubicBezTo>
+                <a:lnTo>
+                  <a:pt x="3053" y="2261"/>
+                </a:lnTo>
+                <a:cubicBezTo>
+                  <a:pt x="3053" y="2245"/>
+                  <a:pt x="3053" y="2221"/>
+                  <a:pt x="3053" y="2204"/>
+                </a:cubicBezTo>
+                <a:cubicBezTo>
+                  <a:pt x="3053" y="2188"/>
+                  <a:pt x="3053" y="2180"/>
+                  <a:pt x="3053" y="2172"/>
+                </a:cubicBezTo>
+                <a:cubicBezTo>
+                  <a:pt x="3045" y="2131"/>
+                  <a:pt x="3029" y="2107"/>
+                  <a:pt x="2996" y="2099"/>
+                </a:cubicBezTo>
+                <a:cubicBezTo>
+                  <a:pt x="2994" y="2098"/>
+                  <a:pt x="2992" y="2098"/>
+                  <a:pt x="2989" y="2098"/>
+                </a:cubicBezTo>
+                <a:cubicBezTo>
+                  <a:pt x="2962" y="2098"/>
+                  <a:pt x="2913" y="2137"/>
+                  <a:pt x="2890" y="2196"/>
+                </a:cubicBezTo>
+                <a:lnTo>
+                  <a:pt x="2654" y="2147"/>
+                </a:lnTo>
+                <a:cubicBezTo>
+                  <a:pt x="2670" y="2107"/>
+                  <a:pt x="2679" y="2074"/>
+                  <a:pt x="2687" y="2033"/>
+                </a:cubicBezTo>
+                <a:cubicBezTo>
+                  <a:pt x="2695" y="1993"/>
+                  <a:pt x="2703" y="1952"/>
+                  <a:pt x="2711" y="1911"/>
+                </a:cubicBezTo>
+                <a:lnTo>
+                  <a:pt x="2711" y="1879"/>
+                </a:lnTo>
+                <a:lnTo>
+                  <a:pt x="2711" y="1797"/>
+                </a:lnTo>
+                <a:lnTo>
+                  <a:pt x="2711" y="1757"/>
+                </a:lnTo>
+                <a:lnTo>
+                  <a:pt x="2711" y="1683"/>
+                </a:lnTo>
+                <a:cubicBezTo>
+                  <a:pt x="2711" y="1659"/>
+                  <a:pt x="2711" y="1651"/>
+                  <a:pt x="2703" y="1635"/>
+                </a:cubicBezTo>
+                <a:cubicBezTo>
+                  <a:pt x="2695" y="1626"/>
+                  <a:pt x="2703" y="1610"/>
+                  <a:pt x="2695" y="1602"/>
+                </a:cubicBezTo>
+                <a:lnTo>
+                  <a:pt x="3086" y="1456"/>
+                </a:lnTo>
+                <a:cubicBezTo>
+                  <a:pt x="3140" y="1565"/>
+                  <a:pt x="3218" y="1634"/>
+                  <a:pt x="3285" y="1634"/>
+                </a:cubicBezTo>
+                <a:cubicBezTo>
+                  <a:pt x="3298" y="1634"/>
+                  <a:pt x="3310" y="1632"/>
+                  <a:pt x="3322" y="1626"/>
+                </a:cubicBezTo>
+                <a:cubicBezTo>
+                  <a:pt x="3436" y="1594"/>
+                  <a:pt x="3452" y="1423"/>
+                  <a:pt x="3387" y="1244"/>
+                </a:cubicBezTo>
+                <a:cubicBezTo>
+                  <a:pt x="3387" y="1228"/>
+                  <a:pt x="3379" y="1211"/>
+                  <a:pt x="3371" y="1203"/>
+                </a:cubicBezTo>
+                <a:cubicBezTo>
+                  <a:pt x="3354" y="1162"/>
+                  <a:pt x="3338" y="1130"/>
+                  <a:pt x="3314" y="1097"/>
+                </a:cubicBezTo>
+                <a:cubicBezTo>
+                  <a:pt x="3297" y="1081"/>
+                  <a:pt x="3289" y="1073"/>
+                  <a:pt x="3273" y="1057"/>
+                </a:cubicBezTo>
+                <a:cubicBezTo>
+                  <a:pt x="3244" y="1007"/>
+                  <a:pt x="3191" y="982"/>
+                  <a:pt x="3134" y="982"/>
+                </a:cubicBezTo>
+                <a:cubicBezTo>
+                  <a:pt x="3126" y="982"/>
+                  <a:pt x="3118" y="982"/>
+                  <a:pt x="3110" y="983"/>
+                </a:cubicBezTo>
+                <a:cubicBezTo>
+                  <a:pt x="3037" y="1016"/>
+                  <a:pt x="3004" y="1130"/>
+                  <a:pt x="3029" y="1268"/>
+                </a:cubicBezTo>
+                <a:lnTo>
+                  <a:pt x="2654" y="1407"/>
+                </a:lnTo>
+                <a:cubicBezTo>
+                  <a:pt x="2646" y="1390"/>
+                  <a:pt x="2638" y="1374"/>
+                  <a:pt x="2630" y="1350"/>
+                </a:cubicBezTo>
+                <a:cubicBezTo>
+                  <a:pt x="2622" y="1342"/>
+                  <a:pt x="2622" y="1333"/>
+                  <a:pt x="2613" y="1317"/>
+                </a:cubicBezTo>
+                <a:cubicBezTo>
+                  <a:pt x="2605" y="1293"/>
+                  <a:pt x="2589" y="1276"/>
+                  <a:pt x="2581" y="1252"/>
+                </a:cubicBezTo>
+                <a:lnTo>
+                  <a:pt x="2557" y="1219"/>
+                </a:lnTo>
+                <a:cubicBezTo>
+                  <a:pt x="2548" y="1195"/>
+                  <a:pt x="2532" y="1179"/>
+                  <a:pt x="2516" y="1154"/>
+                </a:cubicBezTo>
+                <a:cubicBezTo>
+                  <a:pt x="2516" y="1146"/>
+                  <a:pt x="2508" y="1138"/>
+                  <a:pt x="2500" y="1138"/>
+                </a:cubicBezTo>
+                <a:cubicBezTo>
+                  <a:pt x="2475" y="1105"/>
+                  <a:pt x="2451" y="1073"/>
+                  <a:pt x="2426" y="1040"/>
+                </a:cubicBezTo>
+                <a:lnTo>
+                  <a:pt x="2605" y="894"/>
+                </a:lnTo>
+                <a:cubicBezTo>
+                  <a:pt x="2639" y="928"/>
+                  <a:pt x="2681" y="946"/>
+                  <a:pt x="2714" y="946"/>
+                </a:cubicBezTo>
+                <a:cubicBezTo>
+                  <a:pt x="2729" y="946"/>
+                  <a:pt x="2742" y="942"/>
+                  <a:pt x="2752" y="935"/>
+                </a:cubicBezTo>
+                <a:cubicBezTo>
+                  <a:pt x="2776" y="910"/>
+                  <a:pt x="2768" y="821"/>
+                  <a:pt x="2711" y="747"/>
+                </a:cubicBezTo>
+                <a:lnTo>
+                  <a:pt x="2695" y="723"/>
+                </a:lnTo>
+                <a:cubicBezTo>
+                  <a:pt x="2679" y="715"/>
+                  <a:pt x="2662" y="698"/>
+                  <a:pt x="2646" y="682"/>
+                </a:cubicBezTo>
+                <a:lnTo>
+                  <a:pt x="2622" y="674"/>
+                </a:lnTo>
+                <a:cubicBezTo>
+                  <a:pt x="2605" y="662"/>
+                  <a:pt x="2589" y="656"/>
+                  <a:pt x="2573" y="656"/>
+                </a:cubicBezTo>
+                <a:cubicBezTo>
+                  <a:pt x="2557" y="656"/>
+                  <a:pt x="2540" y="662"/>
+                  <a:pt x="2524" y="674"/>
+                </a:cubicBezTo>
+                <a:cubicBezTo>
+                  <a:pt x="2491" y="698"/>
+                  <a:pt x="2500" y="755"/>
+                  <a:pt x="2540" y="821"/>
+                </a:cubicBezTo>
+                <a:lnTo>
+                  <a:pt x="2353" y="975"/>
+                </a:lnTo>
+                <a:cubicBezTo>
+                  <a:pt x="2231" y="869"/>
+                  <a:pt x="2084" y="788"/>
+                  <a:pt x="1930" y="747"/>
+                </a:cubicBezTo>
+                <a:lnTo>
+                  <a:pt x="1930" y="348"/>
+                </a:lnTo>
+                <a:cubicBezTo>
+                  <a:pt x="2068" y="324"/>
+                  <a:pt x="2166" y="251"/>
+                  <a:pt x="2166" y="177"/>
+                </a:cubicBezTo>
+                <a:cubicBezTo>
+                  <a:pt x="2166" y="77"/>
+                  <a:pt x="2019" y="6"/>
+                  <a:pt x="1844" y="6"/>
+                </a:cubicBezTo>
+                <a:cubicBezTo>
+                  <a:pt x="1835" y="6"/>
+                  <a:pt x="1825" y="6"/>
+                  <a:pt x="1816" y="6"/>
+                </a:cubicBezTo>
+                <a:cubicBezTo>
+                  <a:pt x="1808" y="2"/>
+                  <a:pt x="1799" y="0"/>
+                  <a:pt x="1791" y="0"/>
+                </a:cubicBezTo>
+                <a:close/>
+              </a:path>
+            </a:pathLst>
+          </a:custGeom>
+          <a:solidFill>
+            <a:schemeClr val="lt1"/>
+          </a:solidFill>
+          <a:ln>
+            <a:noFill/>
+          </a:ln>
+        </p:spPr>
+        <p:txBody>
+          <a:bodyPr spcFirstLastPara="1" wrap="square" lIns="91425" tIns="91425" rIns="91425" bIns="91425" anchor="ctr" anchorCtr="0">
+            <a:noAutofit/>
+          </a:bodyPr>
+          <a:lstStyle/>
+          <a:p>
+            <a:pPr marL="0" lvl="0" indent="0" algn="l" rtl="0">
+              <a:spcBef>
+                <a:spcPts val="0"/>
+              </a:spcBef>
+              <a:spcAft>
+                <a:spcPts val="0"/>
+              </a:spcAft>
+              <a:buNone/>
+            </a:pPr>
+            <a:endParaRPr/>
+          </a:p>
+        </p:txBody>
+      </p:sp>
+      <p:sp>
+        <p:nvSpPr>
+          <p:cNvPr id="247" name="Google Shape;247;p23"/>
+          <p:cNvSpPr/>
+          <p:nvPr/>
+        </p:nvSpPr>
+        <p:spPr>
+          <a:xfrm>
+            <a:off x="1699825" y="1339001"/>
+            <a:ext cx="411953" cy="422198"/>
+          </a:xfrm>
+          <a:custGeom>
+            <a:avLst/>
+            <a:gdLst/>
+            <a:ahLst/>
+            <a:cxnLst/>
+            <a:rect l="l" t="t" r="r" b="b"/>
+            <a:pathLst>
+              <a:path w="3452" h="3538" extrusionOk="0">
+                <a:moveTo>
+                  <a:pt x="1791" y="0"/>
+                </a:moveTo>
+                <a:cubicBezTo>
+                  <a:pt x="1783" y="0"/>
+                  <a:pt x="1775" y="2"/>
+                  <a:pt x="1767" y="6"/>
+                </a:cubicBezTo>
+                <a:cubicBezTo>
+                  <a:pt x="1726" y="6"/>
+                  <a:pt x="1685" y="15"/>
+                  <a:pt x="1653" y="23"/>
+                </a:cubicBezTo>
+                <a:cubicBezTo>
+                  <a:pt x="1628" y="31"/>
+                  <a:pt x="1612" y="39"/>
+                  <a:pt x="1596" y="47"/>
+                </a:cubicBezTo>
+                <a:cubicBezTo>
+                  <a:pt x="1523" y="80"/>
+                  <a:pt x="1474" y="129"/>
+                  <a:pt x="1482" y="186"/>
+                </a:cubicBezTo>
+                <a:cubicBezTo>
+                  <a:pt x="1482" y="259"/>
+                  <a:pt x="1580" y="332"/>
+                  <a:pt x="1718" y="348"/>
+                </a:cubicBezTo>
+                <a:lnTo>
+                  <a:pt x="1726" y="698"/>
+                </a:lnTo>
+                <a:cubicBezTo>
+                  <a:pt x="1689" y="695"/>
+                  <a:pt x="1652" y="693"/>
+                  <a:pt x="1615" y="693"/>
+                </a:cubicBezTo>
+                <a:cubicBezTo>
+                  <a:pt x="1344" y="693"/>
+                  <a:pt x="1080" y="796"/>
+                  <a:pt x="880" y="975"/>
+                </a:cubicBezTo>
+                <a:lnTo>
+                  <a:pt x="538" y="755"/>
+                </a:lnTo>
+                <a:cubicBezTo>
+                  <a:pt x="578" y="666"/>
+                  <a:pt x="570" y="584"/>
+                  <a:pt x="530" y="560"/>
+                </a:cubicBezTo>
+                <a:cubicBezTo>
+                  <a:pt x="513" y="553"/>
+                  <a:pt x="494" y="549"/>
+                  <a:pt x="476" y="549"/>
+                </a:cubicBezTo>
+                <a:cubicBezTo>
+                  <a:pt x="451" y="549"/>
+                  <a:pt x="426" y="557"/>
+                  <a:pt x="407" y="576"/>
+                </a:cubicBezTo>
+                <a:lnTo>
+                  <a:pt x="375" y="601"/>
+                </a:lnTo>
+                <a:cubicBezTo>
+                  <a:pt x="359" y="617"/>
+                  <a:pt x="334" y="641"/>
+                  <a:pt x="318" y="658"/>
+                </a:cubicBezTo>
+                <a:lnTo>
+                  <a:pt x="302" y="690"/>
+                </a:lnTo>
+                <a:cubicBezTo>
+                  <a:pt x="236" y="796"/>
+                  <a:pt x="220" y="910"/>
+                  <a:pt x="277" y="951"/>
+                </a:cubicBezTo>
+                <a:cubicBezTo>
+                  <a:pt x="292" y="959"/>
+                  <a:pt x="307" y="963"/>
+                  <a:pt x="323" y="963"/>
+                </a:cubicBezTo>
+                <a:cubicBezTo>
+                  <a:pt x="368" y="963"/>
+                  <a:pt x="416" y="930"/>
+                  <a:pt x="464" y="869"/>
+                </a:cubicBezTo>
+                <a:lnTo>
+                  <a:pt x="782" y="1073"/>
+                </a:lnTo>
+                <a:cubicBezTo>
+                  <a:pt x="530" y="1358"/>
+                  <a:pt x="448" y="1749"/>
+                  <a:pt x="554" y="2115"/>
+                </a:cubicBezTo>
+                <a:cubicBezTo>
+                  <a:pt x="554" y="2115"/>
+                  <a:pt x="554" y="2123"/>
+                  <a:pt x="554" y="2123"/>
+                </a:cubicBezTo>
+                <a:cubicBezTo>
+                  <a:pt x="562" y="2147"/>
+                  <a:pt x="570" y="2172"/>
+                  <a:pt x="578" y="2188"/>
+                </a:cubicBezTo>
+                <a:lnTo>
+                  <a:pt x="220" y="2351"/>
+                </a:lnTo>
+                <a:cubicBezTo>
+                  <a:pt x="181" y="2285"/>
+                  <a:pt x="131" y="2246"/>
+                  <a:pt x="87" y="2246"/>
+                </a:cubicBezTo>
+                <a:cubicBezTo>
+                  <a:pt x="77" y="2246"/>
+                  <a:pt x="67" y="2249"/>
+                  <a:pt x="57" y="2253"/>
+                </a:cubicBezTo>
+                <a:cubicBezTo>
+                  <a:pt x="17" y="2270"/>
+                  <a:pt x="0" y="2384"/>
+                  <a:pt x="49" y="2497"/>
+                </a:cubicBezTo>
+                <a:cubicBezTo>
+                  <a:pt x="49" y="2506"/>
+                  <a:pt x="57" y="2514"/>
+                  <a:pt x="57" y="2530"/>
+                </a:cubicBezTo>
+                <a:cubicBezTo>
+                  <a:pt x="74" y="2546"/>
+                  <a:pt x="90" y="2571"/>
+                  <a:pt x="106" y="2587"/>
+                </a:cubicBezTo>
+                <a:cubicBezTo>
+                  <a:pt x="114" y="2603"/>
+                  <a:pt x="122" y="2611"/>
+                  <a:pt x="131" y="2620"/>
+                </a:cubicBezTo>
+                <a:cubicBezTo>
+                  <a:pt x="149" y="2644"/>
+                  <a:pt x="177" y="2655"/>
+                  <a:pt x="208" y="2655"/>
+                </a:cubicBezTo>
+                <a:cubicBezTo>
+                  <a:pt x="217" y="2655"/>
+                  <a:pt x="227" y="2654"/>
+                  <a:pt x="236" y="2652"/>
+                </a:cubicBezTo>
+                <a:cubicBezTo>
+                  <a:pt x="285" y="2636"/>
+                  <a:pt x="302" y="2554"/>
+                  <a:pt x="277" y="2465"/>
+                </a:cubicBezTo>
+                <a:lnTo>
+                  <a:pt x="627" y="2310"/>
+                </a:lnTo>
+                <a:lnTo>
+                  <a:pt x="627" y="2318"/>
+                </a:lnTo>
+                <a:cubicBezTo>
+                  <a:pt x="643" y="2343"/>
+                  <a:pt x="660" y="2367"/>
+                  <a:pt x="676" y="2392"/>
+                </a:cubicBezTo>
+                <a:lnTo>
+                  <a:pt x="692" y="2416"/>
+                </a:lnTo>
+                <a:cubicBezTo>
+                  <a:pt x="700" y="2441"/>
+                  <a:pt x="717" y="2457"/>
+                  <a:pt x="733" y="2481"/>
+                </a:cubicBezTo>
+                <a:lnTo>
+                  <a:pt x="749" y="2497"/>
+                </a:lnTo>
+                <a:cubicBezTo>
+                  <a:pt x="766" y="2522"/>
+                  <a:pt x="782" y="2538"/>
+                  <a:pt x="806" y="2563"/>
+                </a:cubicBezTo>
+                <a:cubicBezTo>
+                  <a:pt x="806" y="2571"/>
+                  <a:pt x="823" y="2579"/>
+                  <a:pt x="823" y="2579"/>
+                </a:cubicBezTo>
+                <a:lnTo>
+                  <a:pt x="880" y="2636"/>
+                </a:lnTo>
+                <a:lnTo>
+                  <a:pt x="896" y="2652"/>
+                </a:lnTo>
+                <a:cubicBezTo>
+                  <a:pt x="920" y="2668"/>
+                  <a:pt x="945" y="2685"/>
+                  <a:pt x="969" y="2709"/>
+                </a:cubicBezTo>
+                <a:lnTo>
+                  <a:pt x="985" y="2717"/>
+                </a:lnTo>
+                <a:lnTo>
+                  <a:pt x="1059" y="2758"/>
+                </a:lnTo>
+                <a:lnTo>
+                  <a:pt x="1075" y="2774"/>
+                </a:lnTo>
+                <a:lnTo>
+                  <a:pt x="1124" y="2799"/>
+                </a:lnTo>
+                <a:lnTo>
+                  <a:pt x="1018" y="3149"/>
+                </a:lnTo>
+                <a:cubicBezTo>
+                  <a:pt x="998" y="3146"/>
+                  <a:pt x="978" y="3145"/>
+                  <a:pt x="959" y="3145"/>
+                </a:cubicBezTo>
+                <a:cubicBezTo>
+                  <a:pt x="848" y="3145"/>
+                  <a:pt x="762" y="3185"/>
+                  <a:pt x="741" y="3255"/>
+                </a:cubicBezTo>
+                <a:cubicBezTo>
+                  <a:pt x="733" y="3320"/>
+                  <a:pt x="766" y="3377"/>
+                  <a:pt x="823" y="3417"/>
+                </a:cubicBezTo>
+                <a:cubicBezTo>
+                  <a:pt x="839" y="3426"/>
+                  <a:pt x="855" y="3434"/>
+                  <a:pt x="871" y="3450"/>
+                </a:cubicBezTo>
+                <a:cubicBezTo>
+                  <a:pt x="904" y="3466"/>
+                  <a:pt x="945" y="3482"/>
+                  <a:pt x="977" y="3499"/>
+                </a:cubicBezTo>
+                <a:lnTo>
+                  <a:pt x="1026" y="3515"/>
+                </a:lnTo>
+                <a:cubicBezTo>
+                  <a:pt x="1082" y="3530"/>
+                  <a:pt x="1136" y="3537"/>
+                  <a:pt x="1186" y="3537"/>
+                </a:cubicBezTo>
+                <a:cubicBezTo>
+                  <a:pt x="1297" y="3537"/>
+                  <a:pt x="1384" y="3501"/>
+                  <a:pt x="1401" y="3434"/>
+                </a:cubicBezTo>
+                <a:cubicBezTo>
+                  <a:pt x="1425" y="3360"/>
+                  <a:pt x="1344" y="3263"/>
+                  <a:pt x="1221" y="3206"/>
+                </a:cubicBezTo>
+                <a:lnTo>
+                  <a:pt x="1311" y="2872"/>
+                </a:lnTo>
+                <a:lnTo>
+                  <a:pt x="1376" y="2888"/>
+                </a:lnTo>
+                <a:cubicBezTo>
+                  <a:pt x="1449" y="2900"/>
+                  <a:pt x="1523" y="2907"/>
+                  <a:pt x="1596" y="2907"/>
+                </a:cubicBezTo>
+                <a:cubicBezTo>
+                  <a:pt x="1669" y="2907"/>
+                  <a:pt x="1742" y="2900"/>
+                  <a:pt x="1816" y="2888"/>
+                </a:cubicBezTo>
+                <a:cubicBezTo>
+                  <a:pt x="1881" y="2872"/>
+                  <a:pt x="1938" y="2856"/>
+                  <a:pt x="1995" y="2839"/>
+                </a:cubicBezTo>
+                <a:lnTo>
+                  <a:pt x="2052" y="2815"/>
+                </a:lnTo>
+                <a:cubicBezTo>
+                  <a:pt x="2092" y="2799"/>
+                  <a:pt x="2133" y="2774"/>
+                  <a:pt x="2166" y="2758"/>
+                </a:cubicBezTo>
+                <a:lnTo>
+                  <a:pt x="2443" y="3067"/>
+                </a:lnTo>
+                <a:cubicBezTo>
+                  <a:pt x="2369" y="3157"/>
+                  <a:pt x="2337" y="3246"/>
+                  <a:pt x="2386" y="3295"/>
+                </a:cubicBezTo>
+                <a:cubicBezTo>
+                  <a:pt x="2403" y="3312"/>
+                  <a:pt x="2431" y="3322"/>
+                  <a:pt x="2466" y="3322"/>
+                </a:cubicBezTo>
+                <a:cubicBezTo>
+                  <a:pt x="2530" y="3322"/>
+                  <a:pt x="2616" y="3291"/>
+                  <a:pt x="2695" y="3222"/>
+                </a:cubicBezTo>
+                <a:cubicBezTo>
+                  <a:pt x="2703" y="3214"/>
+                  <a:pt x="2711" y="3206"/>
+                  <a:pt x="2719" y="3198"/>
+                </a:cubicBezTo>
+                <a:cubicBezTo>
+                  <a:pt x="2744" y="3173"/>
+                  <a:pt x="2760" y="3149"/>
+                  <a:pt x="2784" y="3116"/>
+                </a:cubicBezTo>
+                <a:cubicBezTo>
+                  <a:pt x="2793" y="3108"/>
+                  <a:pt x="2801" y="3092"/>
+                  <a:pt x="2801" y="3075"/>
+                </a:cubicBezTo>
+                <a:cubicBezTo>
+                  <a:pt x="2833" y="3035"/>
+                  <a:pt x="2833" y="2978"/>
+                  <a:pt x="2801" y="2929"/>
+                </a:cubicBezTo>
+                <a:cubicBezTo>
+                  <a:pt x="2784" y="2909"/>
+                  <a:pt x="2758" y="2900"/>
+                  <a:pt x="2727" y="2900"/>
+                </a:cubicBezTo>
+                <a:cubicBezTo>
+                  <a:pt x="2681" y="2900"/>
+                  <a:pt x="2623" y="2920"/>
+                  <a:pt x="2565" y="2953"/>
+                </a:cubicBezTo>
+                <a:lnTo>
+                  <a:pt x="2304" y="2660"/>
+                </a:lnTo>
+                <a:lnTo>
+                  <a:pt x="2337" y="2636"/>
+                </a:lnTo>
+                <a:cubicBezTo>
+                  <a:pt x="2377" y="2603"/>
+                  <a:pt x="2410" y="2563"/>
+                  <a:pt x="2451" y="2522"/>
+                </a:cubicBezTo>
+                <a:cubicBezTo>
+                  <a:pt x="2500" y="2465"/>
+                  <a:pt x="2540" y="2408"/>
+                  <a:pt x="2573" y="2343"/>
+                </a:cubicBezTo>
+                <a:cubicBezTo>
+                  <a:pt x="2589" y="2310"/>
+                  <a:pt x="2605" y="2278"/>
+                  <a:pt x="2622" y="2245"/>
+                </a:cubicBezTo>
+                <a:lnTo>
+                  <a:pt x="2874" y="2302"/>
+                </a:lnTo>
+                <a:cubicBezTo>
+                  <a:pt x="2874" y="2375"/>
+                  <a:pt x="2890" y="2432"/>
+                  <a:pt x="2931" y="2441"/>
+                </a:cubicBezTo>
+                <a:cubicBezTo>
+                  <a:pt x="2933" y="2441"/>
+                  <a:pt x="2936" y="2441"/>
+                  <a:pt x="2938" y="2441"/>
+                </a:cubicBezTo>
+                <a:cubicBezTo>
+                  <a:pt x="2978" y="2441"/>
+                  <a:pt x="3030" y="2378"/>
+                  <a:pt x="3053" y="2286"/>
+                </a:cubicBezTo>
+                <a:lnTo>
+                  <a:pt x="3053" y="2261"/>
+                </a:lnTo>
+                <a:cubicBezTo>
+                  <a:pt x="3053" y="2245"/>
+                  <a:pt x="3053" y="2221"/>
+                  <a:pt x="3053" y="2204"/>
+                </a:cubicBezTo>
+                <a:cubicBezTo>
+                  <a:pt x="3053" y="2188"/>
+                  <a:pt x="3053" y="2180"/>
+                  <a:pt x="3053" y="2172"/>
+                </a:cubicBezTo>
+                <a:cubicBezTo>
+                  <a:pt x="3045" y="2131"/>
+                  <a:pt x="3029" y="2107"/>
+                  <a:pt x="2996" y="2099"/>
+                </a:cubicBezTo>
+                <a:cubicBezTo>
+                  <a:pt x="2994" y="2098"/>
+                  <a:pt x="2992" y="2098"/>
+                  <a:pt x="2989" y="2098"/>
+                </a:cubicBezTo>
+                <a:cubicBezTo>
+                  <a:pt x="2962" y="2098"/>
+                  <a:pt x="2913" y="2137"/>
+                  <a:pt x="2890" y="2196"/>
+                </a:cubicBezTo>
+                <a:lnTo>
+                  <a:pt x="2654" y="2147"/>
+                </a:lnTo>
+                <a:cubicBezTo>
+                  <a:pt x="2670" y="2107"/>
+                  <a:pt x="2679" y="2074"/>
+                  <a:pt x="2687" y="2033"/>
+                </a:cubicBezTo>
+                <a:cubicBezTo>
+                  <a:pt x="2695" y="1993"/>
+                  <a:pt x="2703" y="1952"/>
+                  <a:pt x="2711" y="1911"/>
+                </a:cubicBezTo>
+                <a:lnTo>
+                  <a:pt x="2711" y="1879"/>
+                </a:lnTo>
+                <a:lnTo>
+                  <a:pt x="2711" y="1797"/>
+                </a:lnTo>
+                <a:lnTo>
+                  <a:pt x="2711" y="1757"/>
+                </a:lnTo>
+                <a:lnTo>
+                  <a:pt x="2711" y="1683"/>
+                </a:lnTo>
+                <a:cubicBezTo>
+                  <a:pt x="2711" y="1659"/>
+                  <a:pt x="2711" y="1651"/>
+                  <a:pt x="2703" y="1635"/>
+                </a:cubicBezTo>
+                <a:cubicBezTo>
+                  <a:pt x="2695" y="1626"/>
+                  <a:pt x="2703" y="1610"/>
+                  <a:pt x="2695" y="1602"/>
+                </a:cubicBezTo>
+                <a:lnTo>
+                  <a:pt x="3086" y="1456"/>
+                </a:lnTo>
+                <a:cubicBezTo>
+                  <a:pt x="3140" y="1565"/>
+                  <a:pt x="3218" y="1634"/>
+                  <a:pt x="3285" y="1634"/>
+                </a:cubicBezTo>
+                <a:cubicBezTo>
+                  <a:pt x="3298" y="1634"/>
+                  <a:pt x="3310" y="1632"/>
+                  <a:pt x="3322" y="1626"/>
+                </a:cubicBezTo>
+                <a:cubicBezTo>
+                  <a:pt x="3436" y="1594"/>
+                  <a:pt x="3452" y="1423"/>
+                  <a:pt x="3387" y="1244"/>
+                </a:cubicBezTo>
+                <a:cubicBezTo>
+                  <a:pt x="3387" y="1228"/>
+                  <a:pt x="3379" y="1211"/>
+                  <a:pt x="3371" y="1203"/>
+                </a:cubicBezTo>
+                <a:cubicBezTo>
+                  <a:pt x="3354" y="1162"/>
+                  <a:pt x="3338" y="1130"/>
+                  <a:pt x="3314" y="1097"/>
+                </a:cubicBezTo>
+                <a:cubicBezTo>
+                  <a:pt x="3297" y="1081"/>
+                  <a:pt x="3289" y="1073"/>
+                  <a:pt x="3273" y="1057"/>
+                </a:cubicBezTo>
+                <a:cubicBezTo>
+                  <a:pt x="3244" y="1007"/>
+                  <a:pt x="3191" y="982"/>
+                  <a:pt x="3134" y="982"/>
+                </a:cubicBezTo>
+                <a:cubicBezTo>
+                  <a:pt x="3126" y="982"/>
+                  <a:pt x="3118" y="982"/>
+                  <a:pt x="3110" y="983"/>
+                </a:cubicBezTo>
+                <a:cubicBezTo>
+                  <a:pt x="3037" y="1016"/>
+                  <a:pt x="3004" y="1130"/>
+                  <a:pt x="3029" y="1268"/>
+                </a:cubicBezTo>
+                <a:lnTo>
+                  <a:pt x="2654" y="1407"/>
+                </a:lnTo>
+                <a:cubicBezTo>
+                  <a:pt x="2646" y="1390"/>
+                  <a:pt x="2638" y="1374"/>
+                  <a:pt x="2630" y="1350"/>
+                </a:cubicBezTo>
+                <a:cubicBezTo>
+                  <a:pt x="2622" y="1342"/>
+                  <a:pt x="2622" y="1333"/>
+                  <a:pt x="2613" y="1317"/>
+                </a:cubicBezTo>
+                <a:cubicBezTo>
+                  <a:pt x="2605" y="1293"/>
+                  <a:pt x="2589" y="1276"/>
+                  <a:pt x="2581" y="1252"/>
+                </a:cubicBezTo>
+                <a:lnTo>
+                  <a:pt x="2557" y="1219"/>
+                </a:lnTo>
+                <a:cubicBezTo>
+                  <a:pt x="2548" y="1195"/>
+                  <a:pt x="2532" y="1179"/>
+                  <a:pt x="2516" y="1154"/>
+                </a:cubicBezTo>
+                <a:cubicBezTo>
+                  <a:pt x="2516" y="1146"/>
+                  <a:pt x="2508" y="1138"/>
+                  <a:pt x="2500" y="1138"/>
+                </a:cubicBezTo>
+                <a:cubicBezTo>
+                  <a:pt x="2475" y="1105"/>
+                  <a:pt x="2451" y="1073"/>
+                  <a:pt x="2426" y="1040"/>
+                </a:cubicBezTo>
+                <a:lnTo>
+                  <a:pt x="2605" y="894"/>
+                </a:lnTo>
+                <a:cubicBezTo>
+                  <a:pt x="2639" y="928"/>
+                  <a:pt x="2681" y="946"/>
+                  <a:pt x="2714" y="946"/>
+                </a:cubicBezTo>
+                <a:cubicBezTo>
+                  <a:pt x="2729" y="946"/>
+                  <a:pt x="2742" y="942"/>
+                  <a:pt x="2752" y="935"/>
+                </a:cubicBezTo>
+                <a:cubicBezTo>
+                  <a:pt x="2776" y="910"/>
+                  <a:pt x="2768" y="821"/>
+                  <a:pt x="2711" y="747"/>
+                </a:cubicBezTo>
+                <a:lnTo>
+                  <a:pt x="2695" y="723"/>
+                </a:lnTo>
+                <a:cubicBezTo>
+                  <a:pt x="2679" y="715"/>
+                  <a:pt x="2662" y="698"/>
+                  <a:pt x="2646" y="682"/>
+                </a:cubicBezTo>
+                <a:lnTo>
+                  <a:pt x="2622" y="674"/>
+                </a:lnTo>
+                <a:cubicBezTo>
+                  <a:pt x="2605" y="662"/>
+                  <a:pt x="2589" y="656"/>
+                  <a:pt x="2573" y="656"/>
+                </a:cubicBezTo>
+                <a:cubicBezTo>
+                  <a:pt x="2557" y="656"/>
+                  <a:pt x="2540" y="662"/>
+                  <a:pt x="2524" y="674"/>
+                </a:cubicBezTo>
+                <a:cubicBezTo>
+                  <a:pt x="2491" y="698"/>
+                  <a:pt x="2500" y="755"/>
+                  <a:pt x="2540" y="821"/>
+                </a:cubicBezTo>
+                <a:lnTo>
+                  <a:pt x="2353" y="975"/>
+                </a:lnTo>
+                <a:cubicBezTo>
+                  <a:pt x="2231" y="869"/>
+                  <a:pt x="2084" y="788"/>
+                  <a:pt x="1930" y="747"/>
+                </a:cubicBezTo>
+                <a:lnTo>
+                  <a:pt x="1930" y="348"/>
+                </a:lnTo>
+                <a:cubicBezTo>
+                  <a:pt x="2068" y="324"/>
+                  <a:pt x="2166" y="251"/>
+                  <a:pt x="2166" y="177"/>
+                </a:cubicBezTo>
+                <a:cubicBezTo>
+                  <a:pt x="2166" y="77"/>
+                  <a:pt x="2019" y="6"/>
+                  <a:pt x="1844" y="6"/>
+                </a:cubicBezTo>
+                <a:cubicBezTo>
+                  <a:pt x="1835" y="6"/>
+                  <a:pt x="1825" y="6"/>
+                  <a:pt x="1816" y="6"/>
+                </a:cubicBezTo>
+                <a:cubicBezTo>
+                  <a:pt x="1808" y="2"/>
+                  <a:pt x="1799" y="0"/>
+                  <a:pt x="1791" y="0"/>
+                </a:cubicBezTo>
+                <a:close/>
+              </a:path>
+            </a:pathLst>
+          </a:custGeom>
+          <a:solidFill>
+            <a:schemeClr val="dk2"/>
+          </a:solidFill>
+          <a:ln>
+            <a:noFill/>
+          </a:ln>
+        </p:spPr>
+        <p:txBody>
+          <a:bodyPr spcFirstLastPara="1" wrap="square" lIns="91425" tIns="91425" rIns="91425" bIns="91425" anchor="ctr" anchorCtr="0">
+            <a:noAutofit/>
+          </a:bodyPr>
+          <a:lstStyle/>
+          <a:p>
+            <a:pPr marL="0" lvl="0" indent="0" algn="l" rtl="0">
+              <a:spcBef>
+                <a:spcPts val="0"/>
+              </a:spcBef>
+              <a:spcAft>
+                <a:spcPts val="0"/>
+              </a:spcAft>
+              <a:buNone/>
+            </a:pPr>
+            <a:endParaRPr/>
+          </a:p>
+        </p:txBody>
+      </p:sp>
+    </p:spTree>
+    <p:extLst>
+      <p:ext uri="{BB962C8B-B14F-4D97-AF65-F5344CB8AC3E}">
+        <p14:creationId xmlns:p14="http://schemas.microsoft.com/office/powerpoint/2010/main" val="3653285049"/>
+      </p:ext>
+    </p:extLst>
+  </p:cSld>
+  <p:clrMapOvr>
+    <a:masterClrMapping/>
+  </p:clrMapOvr>
+</p:sldLayout>
+</file>
+
 <file path=ppt/slideMasters/slideMaster1.xml><?xml version="1.0" encoding="utf-8"?>
 <p:sldMaster xmlns:a="http://schemas.openxmlformats.org/drawingml/2006/main" xmlns:r="http://schemas.openxmlformats.org/officeDocument/2006/relationships" xmlns:p="http://schemas.openxmlformats.org/presentationml/2006/main">
   <p:cSld name="simple-light-2">
@@ -20255,6 +22446,7 @@
     <p:sldLayoutId id="2147483658" r:id="rId6"/>
     <p:sldLayoutId id="2147483673" r:id="rId7"/>
     <p:sldLayoutId id="2147483674" r:id="rId8"/>
+    <p:sldLayoutId id="2147483677" r:id="rId9"/>
   </p:sldLayoutIdLst>
   <p:hf hdr="0"/>
   <p:txStyles>
@@ -40930,7 +43122,7 @@
   <p:cSld>
     <p:spTree>
       <p:nvGrpSpPr>
-        <p:cNvPr id="1" name="Shape 356"/>
+        <p:cNvPr id="1" name="Shape 932"/>
         <p:cNvGrpSpPr/>
         <p:nvPr/>
       </p:nvGrpSpPr>
@@ -40944,7 +43136,92 @@
       </p:grpSpPr>
       <p:sp>
         <p:nvSpPr>
-          <p:cNvPr id="357" name="Google Shape;357;p32"/>
+          <p:cNvPr id="933" name="Google Shape;933;p47"/>
+          <p:cNvSpPr/>
+          <p:nvPr/>
+        </p:nvSpPr>
+        <p:spPr>
+          <a:xfrm>
+            <a:off x="106790" y="1154683"/>
+            <a:ext cx="2603038" cy="3642766"/>
+          </a:xfrm>
+          <a:prstGeom prst="roundRect">
+            <a:avLst>
+              <a:gd name="adj" fmla="val 18504"/>
+            </a:avLst>
+          </a:prstGeom>
+          <a:solidFill>
+            <a:schemeClr val="dk1"/>
+          </a:solidFill>
+          <a:ln>
+            <a:noFill/>
+          </a:ln>
+        </p:spPr>
+        <p:txBody>
+          <a:bodyPr spcFirstLastPara="1" wrap="square" lIns="91425" tIns="91425" rIns="91425" bIns="91425" anchor="ctr" anchorCtr="0">
+            <a:noAutofit/>
+          </a:bodyPr>
+          <a:lstStyle/>
+          <a:p>
+            <a:pPr marL="0" lvl="0" indent="0" algn="l" rtl="0">
+              <a:spcBef>
+                <a:spcPts val="0"/>
+              </a:spcBef>
+              <a:spcAft>
+                <a:spcPts val="0"/>
+              </a:spcAft>
+              <a:buNone/>
+            </a:pPr>
+            <a:endParaRPr/>
+          </a:p>
+        </p:txBody>
+      </p:sp>
+      <p:sp>
+        <p:nvSpPr>
+          <p:cNvPr id="934" name="Google Shape;934;p47"/>
+          <p:cNvSpPr/>
+          <p:nvPr/>
+        </p:nvSpPr>
+        <p:spPr>
+          <a:xfrm rot="5400000">
+            <a:off x="3120753" y="-1125678"/>
+            <a:ext cx="3642765" cy="8203500"/>
+          </a:xfrm>
+          <a:prstGeom prst="round2SameRect">
+            <a:avLst>
+              <a:gd name="adj1" fmla="val 7858"/>
+              <a:gd name="adj2" fmla="val 0"/>
+            </a:avLst>
+          </a:prstGeom>
+          <a:solidFill>
+            <a:schemeClr val="accent1"/>
+          </a:solidFill>
+          <a:ln>
+            <a:noFill/>
+          </a:ln>
+        </p:spPr>
+        <p:txBody>
+          <a:bodyPr spcFirstLastPara="1" wrap="square" lIns="91425" tIns="91425" rIns="91425" bIns="91425" anchor="ctr" anchorCtr="0">
+            <a:noAutofit/>
+          </a:bodyPr>
+          <a:lstStyle/>
+          <a:p>
+            <a:pPr marL="0" lvl="0" indent="0" algn="l" rtl="0">
+              <a:spcBef>
+                <a:spcPts val="0"/>
+              </a:spcBef>
+              <a:spcAft>
+                <a:spcPts val="0"/>
+              </a:spcAft>
+              <a:buNone/>
+            </a:pPr>
+            <a:endParaRPr/>
+          </a:p>
+        </p:txBody>
+      </p:sp>
+      <p:sp>
+        <p:nvSpPr>
+          <p:cNvPr id="935" name="Google Shape;935;p47"/>
           <p:cNvSpPr txBox="1">
             <a:spLocks noGrp="1"/>
           </p:cNvSpPr>
@@ -40978,141 +43255,2153 @@
             </a:pPr>
             <a:r>
               <a:rPr lang="de-DE" dirty="0"/>
-              <a:t>DATENAUFBEREITUNG</a:t>
+              <a:t>FINALER DATENSATZ</a:t>
             </a:r>
             <a:endParaRPr dirty="0"/>
           </a:p>
         </p:txBody>
       </p:sp>
+      <p:graphicFrame>
+        <p:nvGraphicFramePr>
+          <p:cNvPr id="2" name="Tabelle 1">
+            <a:extLst>
+              <a:ext uri="{FF2B5EF4-FFF2-40B4-BE49-F238E27FC236}">
+                <a16:creationId xmlns:a16="http://schemas.microsoft.com/office/drawing/2014/main" id="{30632AF6-3CBB-463E-B844-E3032553E569}"/>
+              </a:ext>
+            </a:extLst>
+          </p:cNvPr>
+          <p:cNvGraphicFramePr>
+            <a:graphicFrameLocks noGrp="1"/>
+          </p:cNvGraphicFramePr>
+          <p:nvPr/>
+        </p:nvGraphicFramePr>
+        <p:xfrm>
+          <a:off x="100114" y="1457657"/>
+          <a:ext cx="8930419" cy="3339792"/>
+        </p:xfrm>
+        <a:graphic>
+          <a:graphicData uri="http://schemas.openxmlformats.org/drawingml/2006/table">
+            <a:tbl>
+              <a:tblPr firstRow="1" bandRow="1">
+                <a:tableStyleId>{2D5ABB26-0587-4C30-8999-92F81FD0307C}</a:tableStyleId>
+              </a:tblPr>
+              <a:tblGrid>
+                <a:gridCol w="721863">
+                  <a:extLst>
+                    <a:ext uri="{9D8B030D-6E8A-4147-A177-3AD203B41FA5}">
+                      <a16:colId xmlns:a16="http://schemas.microsoft.com/office/drawing/2014/main" val="290913904"/>
+                    </a:ext>
+                  </a:extLst>
+                </a:gridCol>
+                <a:gridCol w="995906">
+                  <a:extLst>
+                    <a:ext uri="{9D8B030D-6E8A-4147-A177-3AD203B41FA5}">
+                      <a16:colId xmlns:a16="http://schemas.microsoft.com/office/drawing/2014/main" val="1718122706"/>
+                    </a:ext>
+                  </a:extLst>
+                </a:gridCol>
+                <a:gridCol w="949118">
+                  <a:extLst>
+                    <a:ext uri="{9D8B030D-6E8A-4147-A177-3AD203B41FA5}">
+                      <a16:colId xmlns:a16="http://schemas.microsoft.com/office/drawing/2014/main" val="2389819460"/>
+                    </a:ext>
+                  </a:extLst>
+                </a:gridCol>
+                <a:gridCol w="1249894">
+                  <a:extLst>
+                    <a:ext uri="{9D8B030D-6E8A-4147-A177-3AD203B41FA5}">
+                      <a16:colId xmlns:a16="http://schemas.microsoft.com/office/drawing/2014/main" val="1135340093"/>
+                    </a:ext>
+                  </a:extLst>
+                </a:gridCol>
+                <a:gridCol w="1243210">
+                  <a:extLst>
+                    <a:ext uri="{9D8B030D-6E8A-4147-A177-3AD203B41FA5}">
+                      <a16:colId xmlns:a16="http://schemas.microsoft.com/office/drawing/2014/main" val="1453748595"/>
+                    </a:ext>
+                  </a:extLst>
+                </a:gridCol>
+                <a:gridCol w="775335">
+                  <a:extLst>
+                    <a:ext uri="{9D8B030D-6E8A-4147-A177-3AD203B41FA5}">
+                      <a16:colId xmlns:a16="http://schemas.microsoft.com/office/drawing/2014/main" val="1287149085"/>
+                    </a:ext>
+                  </a:extLst>
+                </a:gridCol>
+                <a:gridCol w="848858">
+                  <a:extLst>
+                    <a:ext uri="{9D8B030D-6E8A-4147-A177-3AD203B41FA5}">
+                      <a16:colId xmlns:a16="http://schemas.microsoft.com/office/drawing/2014/main" val="3619281480"/>
+                    </a:ext>
+                  </a:extLst>
+                </a:gridCol>
+                <a:gridCol w="701811">
+                  <a:extLst>
+                    <a:ext uri="{9D8B030D-6E8A-4147-A177-3AD203B41FA5}">
+                      <a16:colId xmlns:a16="http://schemas.microsoft.com/office/drawing/2014/main" val="36304984"/>
+                    </a:ext>
+                  </a:extLst>
+                </a:gridCol>
+                <a:gridCol w="715180">
+                  <a:extLst>
+                    <a:ext uri="{9D8B030D-6E8A-4147-A177-3AD203B41FA5}">
+                      <a16:colId xmlns:a16="http://schemas.microsoft.com/office/drawing/2014/main" val="946121219"/>
+                    </a:ext>
+                  </a:extLst>
+                </a:gridCol>
+                <a:gridCol w="729244">
+                  <a:extLst>
+                    <a:ext uri="{9D8B030D-6E8A-4147-A177-3AD203B41FA5}">
+                      <a16:colId xmlns:a16="http://schemas.microsoft.com/office/drawing/2014/main" val="1796058971"/>
+                    </a:ext>
+                  </a:extLst>
+                </a:gridCol>
+              </a:tblGrid>
+              <a:tr h="601752">
+                <a:tc>
+                  <a:txBody>
+                    <a:bodyPr/>
+                    <a:lstStyle/>
+                    <a:p>
+                      <a:pPr algn="r"/>
+                      <a:r>
+                        <a:rPr lang="de-DE" sz="900" dirty="0">
+                          <a:solidFill>
+                            <a:srgbClr val="212E73"/>
+                          </a:solidFill>
+                          <a:latin typeface="Hind" panose="020B0604020202020204" charset="0"/>
+                          <a:cs typeface="Hind" panose="020B0604020202020204" charset="0"/>
+                        </a:rPr>
+                        <a:t>Jahrwoche</a:t>
+                      </a:r>
+                      <a:endParaRPr lang="en-US" sz="900" dirty="0">
+                        <a:solidFill>
+                          <a:srgbClr val="212E73"/>
+                        </a:solidFill>
+                        <a:latin typeface="Hind" panose="020B0604020202020204" charset="0"/>
+                        <a:cs typeface="Hind" panose="020B0604020202020204" charset="0"/>
+                      </a:endParaRPr>
+                    </a:p>
+                  </a:txBody>
+                  <a:tcPr/>
+                </a:tc>
+                <a:tc>
+                  <a:txBody>
+                    <a:bodyPr/>
+                    <a:lstStyle/>
+                    <a:p>
+                      <a:pPr algn="r"/>
+                      <a:r>
+                        <a:rPr lang="de-DE" sz="900" dirty="0">
+                          <a:solidFill>
+                            <a:srgbClr val="212E73"/>
+                          </a:solidFill>
+                          <a:latin typeface="Hind" panose="020B0604020202020204" charset="0"/>
+                          <a:cs typeface="Hind" panose="020B0604020202020204" charset="0"/>
+                        </a:rPr>
+                        <a:t>Hospitalisierung</a:t>
+                      </a:r>
+                      <a:endParaRPr lang="en-US" sz="900" dirty="0">
+                        <a:solidFill>
+                          <a:srgbClr val="212E73"/>
+                        </a:solidFill>
+                        <a:latin typeface="Hind" panose="020B0604020202020204" charset="0"/>
+                        <a:cs typeface="Hind" panose="020B0604020202020204" charset="0"/>
+                      </a:endParaRPr>
+                    </a:p>
+                  </a:txBody>
+                  <a:tcPr/>
+                </a:tc>
+                <a:tc>
+                  <a:txBody>
+                    <a:bodyPr/>
+                    <a:lstStyle/>
+                    <a:p>
+                      <a:pPr algn="r"/>
+                      <a:r>
+                        <a:rPr lang="de-DE" sz="900" dirty="0">
+                          <a:solidFill>
+                            <a:srgbClr val="212E73"/>
+                          </a:solidFill>
+                          <a:latin typeface="Hind" panose="020B0604020202020204" charset="0"/>
+                          <a:cs typeface="Hind" panose="020B0604020202020204" charset="0"/>
+                        </a:rPr>
+                        <a:t>Neuerkrankung</a:t>
+                      </a:r>
+                      <a:endParaRPr lang="en-US" sz="900" dirty="0">
+                        <a:solidFill>
+                          <a:srgbClr val="212E73"/>
+                        </a:solidFill>
+                        <a:latin typeface="Hind" panose="020B0604020202020204" charset="0"/>
+                        <a:cs typeface="Hind" panose="020B0604020202020204" charset="0"/>
+                      </a:endParaRPr>
+                    </a:p>
+                  </a:txBody>
+                  <a:tcPr/>
+                </a:tc>
+                <a:tc>
+                  <a:txBody>
+                    <a:bodyPr/>
+                    <a:lstStyle/>
+                    <a:p>
+                      <a:pPr algn="r"/>
+                      <a:r>
+                        <a:rPr lang="de-DE" sz="900" dirty="0">
+                          <a:solidFill>
+                            <a:srgbClr val="212E73"/>
+                          </a:solidFill>
+                          <a:latin typeface="Hind" panose="020B0604020202020204" charset="0"/>
+                          <a:cs typeface="Hind" panose="020B0604020202020204" charset="0"/>
+                        </a:rPr>
+                        <a:t>Lag1_Neuerkrankung</a:t>
+                      </a:r>
+                      <a:endParaRPr lang="en-US" sz="900" dirty="0">
+                        <a:solidFill>
+                          <a:srgbClr val="212E73"/>
+                        </a:solidFill>
+                        <a:latin typeface="Hind" panose="020B0604020202020204" charset="0"/>
+                        <a:cs typeface="Hind" panose="020B0604020202020204" charset="0"/>
+                      </a:endParaRPr>
+                    </a:p>
+                  </a:txBody>
+                  <a:tcPr/>
+                </a:tc>
+                <a:tc>
+                  <a:txBody>
+                    <a:bodyPr/>
+                    <a:lstStyle/>
+                    <a:p>
+                      <a:pPr algn="r"/>
+                      <a:r>
+                        <a:rPr lang="de-DE" sz="900" dirty="0">
+                          <a:solidFill>
+                            <a:srgbClr val="212E73"/>
+                          </a:solidFill>
+                          <a:latin typeface="Hind" panose="020B0604020202020204" charset="0"/>
+                          <a:cs typeface="Hind" panose="020B0604020202020204" charset="0"/>
+                        </a:rPr>
+                        <a:t>Lag2_Neuerkrankung</a:t>
+                      </a:r>
+                      <a:endParaRPr lang="en-US" sz="900" dirty="0">
+                        <a:solidFill>
+                          <a:srgbClr val="212E73"/>
+                        </a:solidFill>
+                        <a:latin typeface="Hind" panose="020B0604020202020204" charset="0"/>
+                        <a:cs typeface="Hind" panose="020B0604020202020204" charset="0"/>
+                      </a:endParaRPr>
+                    </a:p>
+                  </a:txBody>
+                  <a:tcPr/>
+                </a:tc>
+                <a:tc>
+                  <a:txBody>
+                    <a:bodyPr/>
+                    <a:lstStyle/>
+                    <a:p>
+                      <a:pPr algn="r"/>
+                      <a:r>
+                        <a:rPr lang="de-DE" sz="900" dirty="0">
+                          <a:solidFill>
+                            <a:srgbClr val="212E73"/>
+                          </a:solidFill>
+                          <a:latin typeface="Hind" panose="020B0604020202020204" charset="0"/>
+                          <a:cs typeface="Hind" panose="020B0604020202020204" charset="0"/>
+                        </a:rPr>
+                        <a:t>Bundesland</a:t>
+                      </a:r>
+                      <a:endParaRPr lang="en-US" sz="900" dirty="0">
+                        <a:solidFill>
+                          <a:srgbClr val="212E73"/>
+                        </a:solidFill>
+                        <a:latin typeface="Hind" panose="020B0604020202020204" charset="0"/>
+                        <a:cs typeface="Hind" panose="020B0604020202020204" charset="0"/>
+                      </a:endParaRPr>
+                    </a:p>
+                  </a:txBody>
+                  <a:tcPr/>
+                </a:tc>
+                <a:tc>
+                  <a:txBody>
+                    <a:bodyPr/>
+                    <a:lstStyle/>
+                    <a:p>
+                      <a:pPr algn="r"/>
+                      <a:r>
+                        <a:rPr lang="de-DE" sz="900" dirty="0">
+                          <a:solidFill>
+                            <a:srgbClr val="212E73"/>
+                          </a:solidFill>
+                          <a:latin typeface="Hind" panose="020B0604020202020204" charset="0"/>
+                          <a:cs typeface="Hind" panose="020B0604020202020204" charset="0"/>
+                        </a:rPr>
+                        <a:t>Altersgruppe</a:t>
+                      </a:r>
+                      <a:endParaRPr lang="en-US" sz="900" dirty="0">
+                        <a:solidFill>
+                          <a:srgbClr val="212E73"/>
+                        </a:solidFill>
+                        <a:latin typeface="Hind" panose="020B0604020202020204" charset="0"/>
+                        <a:cs typeface="Hind" panose="020B0604020202020204" charset="0"/>
+                      </a:endParaRPr>
+                    </a:p>
+                  </a:txBody>
+                  <a:tcPr/>
+                </a:tc>
+                <a:tc>
+                  <a:txBody>
+                    <a:bodyPr/>
+                    <a:lstStyle/>
+                    <a:p>
+                      <a:pPr algn="r"/>
+                      <a:r>
+                        <a:rPr lang="de-DE" sz="900" dirty="0">
+                          <a:solidFill>
+                            <a:srgbClr val="212E73"/>
+                          </a:solidFill>
+                          <a:latin typeface="Hind" panose="020B0604020202020204" charset="0"/>
+                          <a:cs typeface="Hind" panose="020B0604020202020204" charset="0"/>
+                        </a:rPr>
+                        <a:t>Jahreszeit</a:t>
+                      </a:r>
+                      <a:endParaRPr lang="en-US" sz="900" dirty="0">
+                        <a:solidFill>
+                          <a:srgbClr val="212E73"/>
+                        </a:solidFill>
+                        <a:latin typeface="Hind" panose="020B0604020202020204" charset="0"/>
+                        <a:cs typeface="Hind" panose="020B0604020202020204" charset="0"/>
+                      </a:endParaRPr>
+                    </a:p>
+                  </a:txBody>
+                  <a:tcPr/>
+                </a:tc>
+                <a:tc>
+                  <a:txBody>
+                    <a:bodyPr/>
+                    <a:lstStyle/>
+                    <a:p>
+                      <a:pPr algn="r"/>
+                      <a:r>
+                        <a:rPr lang="de-DE" sz="900" dirty="0">
+                          <a:solidFill>
+                            <a:srgbClr val="212E73"/>
+                          </a:solidFill>
+                          <a:latin typeface="Hind" panose="020B0604020202020204" charset="0"/>
+                          <a:cs typeface="Hind" panose="020B0604020202020204" charset="0"/>
+                        </a:rPr>
+                        <a:t>Impfquote</a:t>
+                      </a:r>
+                      <a:endParaRPr lang="en-US" sz="900" dirty="0">
+                        <a:solidFill>
+                          <a:srgbClr val="212E73"/>
+                        </a:solidFill>
+                        <a:latin typeface="Hind" panose="020B0604020202020204" charset="0"/>
+                        <a:cs typeface="Hind" panose="020B0604020202020204" charset="0"/>
+                      </a:endParaRPr>
+                    </a:p>
+                  </a:txBody>
+                  <a:tcPr/>
+                </a:tc>
+                <a:tc>
+                  <a:txBody>
+                    <a:bodyPr/>
+                    <a:lstStyle/>
+                    <a:p>
+                      <a:pPr algn="r"/>
+                      <a:r>
+                        <a:rPr lang="de-DE" sz="900" dirty="0">
+                          <a:solidFill>
+                            <a:srgbClr val="212E73"/>
+                          </a:solidFill>
+                          <a:latin typeface="Hind" panose="020B0604020202020204" charset="0"/>
+                          <a:cs typeface="Hind" panose="020B0604020202020204" charset="0"/>
+                        </a:rPr>
+                        <a:t>Lockdown</a:t>
+                      </a:r>
+                      <a:endParaRPr lang="en-US" sz="900" dirty="0">
+                        <a:solidFill>
+                          <a:srgbClr val="212E73"/>
+                        </a:solidFill>
+                        <a:latin typeface="Hind" panose="020B0604020202020204" charset="0"/>
+                        <a:cs typeface="Hind" panose="020B0604020202020204" charset="0"/>
+                      </a:endParaRPr>
+                    </a:p>
+                  </a:txBody>
+                  <a:tcPr/>
+                </a:tc>
+                <a:extLst>
+                  <a:ext uri="{0D108BD9-81ED-4DB2-BD59-A6C34878D82A}">
+                    <a16:rowId xmlns:a16="http://schemas.microsoft.com/office/drawing/2014/main" val="3714656866"/>
+                  </a:ext>
+                </a:extLst>
+              </a:tr>
+              <a:tr h="543480">
+                <a:tc>
+                  <a:txBody>
+                    <a:bodyPr/>
+                    <a:lstStyle/>
+                    <a:p>
+                      <a:pPr algn="r"/>
+                      <a:r>
+                        <a:rPr lang="de-DE" sz="1000" dirty="0">
+                          <a:solidFill>
+                            <a:srgbClr val="212E73"/>
+                          </a:solidFill>
+                          <a:latin typeface="Hind" panose="020B0604020202020204" charset="0"/>
+                          <a:cs typeface="Hind" panose="020B0604020202020204" charset="0"/>
+                        </a:rPr>
+                        <a:t>2021 – 01</a:t>
+                      </a:r>
+                      <a:endParaRPr lang="en-US" sz="1000" dirty="0">
+                        <a:solidFill>
+                          <a:srgbClr val="212E73"/>
+                        </a:solidFill>
+                        <a:latin typeface="Hind" panose="020B0604020202020204" charset="0"/>
+                        <a:cs typeface="Hind" panose="020B0604020202020204" charset="0"/>
+                      </a:endParaRPr>
+                    </a:p>
+                  </a:txBody>
+                  <a:tcPr/>
+                </a:tc>
+                <a:tc>
+                  <a:txBody>
+                    <a:bodyPr/>
+                    <a:lstStyle/>
+                    <a:p>
+                      <a:pPr algn="r"/>
+                      <a:r>
+                        <a:rPr lang="de-DE" sz="1000" dirty="0">
+                          <a:solidFill>
+                            <a:srgbClr val="212E73"/>
+                          </a:solidFill>
+                          <a:latin typeface="Hind" panose="020B0604020202020204" charset="0"/>
+                          <a:cs typeface="Hind" panose="020B0604020202020204" charset="0"/>
+                        </a:rPr>
+                        <a:t>1660</a:t>
+                      </a:r>
+                      <a:endParaRPr lang="en-US" sz="1000" dirty="0">
+                        <a:solidFill>
+                          <a:srgbClr val="212E73"/>
+                        </a:solidFill>
+                        <a:latin typeface="Hind" panose="020B0604020202020204" charset="0"/>
+                        <a:cs typeface="Hind" panose="020B0604020202020204" charset="0"/>
+                      </a:endParaRPr>
+                    </a:p>
+                  </a:txBody>
+                  <a:tcPr/>
+                </a:tc>
+                <a:tc>
+                  <a:txBody>
+                    <a:bodyPr/>
+                    <a:lstStyle/>
+                    <a:p>
+                      <a:pPr algn="r"/>
+                      <a:r>
+                        <a:rPr lang="de-DE" sz="1000" dirty="0">
+                          <a:solidFill>
+                            <a:srgbClr val="212E73"/>
+                          </a:solidFill>
+                          <a:latin typeface="Hind" panose="020B0604020202020204" charset="0"/>
+                          <a:cs typeface="Hind" panose="020B0604020202020204" charset="0"/>
+                        </a:rPr>
+                        <a:t>7378</a:t>
+                      </a:r>
+                      <a:endParaRPr lang="en-US" sz="1000" dirty="0">
+                        <a:solidFill>
+                          <a:srgbClr val="212E73"/>
+                        </a:solidFill>
+                        <a:latin typeface="Hind" panose="020B0604020202020204" charset="0"/>
+                        <a:cs typeface="Hind" panose="020B0604020202020204" charset="0"/>
+                      </a:endParaRPr>
+                    </a:p>
+                  </a:txBody>
+                  <a:tcPr/>
+                </a:tc>
+                <a:tc>
+                  <a:txBody>
+                    <a:bodyPr/>
+                    <a:lstStyle/>
+                    <a:p>
+                      <a:pPr algn="r"/>
+                      <a:r>
+                        <a:rPr lang="de-DE" sz="1000" dirty="0">
+                          <a:solidFill>
+                            <a:srgbClr val="212E73"/>
+                          </a:solidFill>
+                          <a:latin typeface="Hind" panose="020B0604020202020204" charset="0"/>
+                          <a:cs typeface="Hind" panose="020B0604020202020204" charset="0"/>
+                        </a:rPr>
+                        <a:t>6499</a:t>
+                      </a:r>
+                      <a:endParaRPr lang="en-US" sz="1000" dirty="0">
+                        <a:solidFill>
+                          <a:srgbClr val="212E73"/>
+                        </a:solidFill>
+                        <a:latin typeface="Hind" panose="020B0604020202020204" charset="0"/>
+                        <a:cs typeface="Hind" panose="020B0604020202020204" charset="0"/>
+                      </a:endParaRPr>
+                    </a:p>
+                  </a:txBody>
+                  <a:tcPr/>
+                </a:tc>
+                <a:tc>
+                  <a:txBody>
+                    <a:bodyPr/>
+                    <a:lstStyle/>
+                    <a:p>
+                      <a:pPr algn="r"/>
+                      <a:r>
+                        <a:rPr lang="de-DE" sz="1000" dirty="0">
+                          <a:solidFill>
+                            <a:srgbClr val="212E73"/>
+                          </a:solidFill>
+                          <a:latin typeface="Hind" panose="020B0604020202020204" charset="0"/>
+                          <a:cs typeface="Hind" panose="020B0604020202020204" charset="0"/>
+                        </a:rPr>
+                        <a:t>7578</a:t>
+                      </a:r>
+                      <a:endParaRPr lang="en-US" sz="1000" dirty="0">
+                        <a:solidFill>
+                          <a:srgbClr val="212E73"/>
+                        </a:solidFill>
+                        <a:latin typeface="Hind" panose="020B0604020202020204" charset="0"/>
+                        <a:cs typeface="Hind" panose="020B0604020202020204" charset="0"/>
+                      </a:endParaRPr>
+                    </a:p>
+                  </a:txBody>
+                  <a:tcPr/>
+                </a:tc>
+                <a:tc>
+                  <a:txBody>
+                    <a:bodyPr/>
+                    <a:lstStyle/>
+                    <a:p>
+                      <a:pPr algn="r"/>
+                      <a:r>
+                        <a:rPr lang="de-DE" sz="1000" dirty="0">
+                          <a:solidFill>
+                            <a:srgbClr val="212E73"/>
+                          </a:solidFill>
+                          <a:latin typeface="Hind" panose="020B0604020202020204" charset="0"/>
+                          <a:cs typeface="Hind" panose="020B0604020202020204" charset="0"/>
+                        </a:rPr>
+                        <a:t>Nordrhein-Westfalen</a:t>
+                      </a:r>
+                      <a:endParaRPr lang="en-US" sz="1000" dirty="0">
+                        <a:solidFill>
+                          <a:srgbClr val="212E73"/>
+                        </a:solidFill>
+                        <a:latin typeface="Hind" panose="020B0604020202020204" charset="0"/>
+                        <a:cs typeface="Hind" panose="020B0604020202020204" charset="0"/>
+                      </a:endParaRPr>
+                    </a:p>
+                  </a:txBody>
+                  <a:tcPr/>
+                </a:tc>
+                <a:tc>
+                  <a:txBody>
+                    <a:bodyPr/>
+                    <a:lstStyle/>
+                    <a:p>
+                      <a:pPr algn="r"/>
+                      <a:r>
+                        <a:rPr lang="de-DE" sz="1000" dirty="0">
+                          <a:solidFill>
+                            <a:srgbClr val="212E73"/>
+                          </a:solidFill>
+                          <a:latin typeface="Hind" panose="020B0604020202020204" charset="0"/>
+                          <a:cs typeface="Hind" panose="020B0604020202020204" charset="0"/>
+                        </a:rPr>
+                        <a:t>60+</a:t>
+                      </a:r>
+                      <a:endParaRPr lang="en-US" sz="1000" dirty="0">
+                        <a:solidFill>
+                          <a:srgbClr val="212E73"/>
+                        </a:solidFill>
+                        <a:latin typeface="Hind" panose="020B0604020202020204" charset="0"/>
+                        <a:cs typeface="Hind" panose="020B0604020202020204" charset="0"/>
+                      </a:endParaRPr>
+                    </a:p>
+                  </a:txBody>
+                  <a:tcPr/>
+                </a:tc>
+                <a:tc>
+                  <a:txBody>
+                    <a:bodyPr/>
+                    <a:lstStyle/>
+                    <a:p>
+                      <a:pPr algn="r"/>
+                      <a:r>
+                        <a:rPr lang="de-DE" sz="1000" dirty="0">
+                          <a:solidFill>
+                            <a:srgbClr val="212E73"/>
+                          </a:solidFill>
+                          <a:latin typeface="Hind" panose="020B0604020202020204" charset="0"/>
+                          <a:cs typeface="Hind" panose="020B0604020202020204" charset="0"/>
+                        </a:rPr>
+                        <a:t>Winter</a:t>
+                      </a:r>
+                      <a:endParaRPr lang="en-US" sz="1000" dirty="0">
+                        <a:solidFill>
+                          <a:srgbClr val="212E73"/>
+                        </a:solidFill>
+                        <a:latin typeface="Hind" panose="020B0604020202020204" charset="0"/>
+                        <a:cs typeface="Hind" panose="020B0604020202020204" charset="0"/>
+                      </a:endParaRPr>
+                    </a:p>
+                  </a:txBody>
+                  <a:tcPr/>
+                </a:tc>
+                <a:tc>
+                  <a:txBody>
+                    <a:bodyPr/>
+                    <a:lstStyle/>
+                    <a:p>
+                      <a:pPr algn="r"/>
+                      <a:r>
+                        <a:rPr lang="de-DE" sz="1000" dirty="0">
+                          <a:solidFill>
+                            <a:srgbClr val="212E73"/>
+                          </a:solidFill>
+                          <a:latin typeface="Hind" panose="020B0604020202020204" charset="0"/>
+                          <a:cs typeface="Hind" panose="020B0604020202020204" charset="0"/>
+                        </a:rPr>
+                        <a:t>1.57e-06</a:t>
+                      </a:r>
+                      <a:endParaRPr lang="en-US" sz="1000" dirty="0">
+                        <a:solidFill>
+                          <a:srgbClr val="212E73"/>
+                        </a:solidFill>
+                        <a:latin typeface="Hind" panose="020B0604020202020204" charset="0"/>
+                        <a:cs typeface="Hind" panose="020B0604020202020204" charset="0"/>
+                      </a:endParaRPr>
+                    </a:p>
+                  </a:txBody>
+                  <a:tcPr/>
+                </a:tc>
+                <a:tc>
+                  <a:txBody>
+                    <a:bodyPr/>
+                    <a:lstStyle/>
+                    <a:p>
+                      <a:pPr algn="ctr"/>
+                      <a:r>
+                        <a:rPr lang="en" sz="1000" dirty="0">
+                          <a:solidFill>
+                            <a:srgbClr val="212E73"/>
+                          </a:solidFill>
+                          <a:latin typeface="Hind" panose="020B0604020202020204" charset="0"/>
+                          <a:cs typeface="Hind" panose="020B0604020202020204" charset="0"/>
+                          <a:sym typeface="Hind"/>
+                        </a:rPr>
+                        <a:t>1</a:t>
+                      </a:r>
+                      <a:endParaRPr lang="en-US" sz="1000" dirty="0">
+                        <a:solidFill>
+                          <a:srgbClr val="212E73"/>
+                        </a:solidFill>
+                        <a:latin typeface="Hind" panose="020B0604020202020204" charset="0"/>
+                        <a:cs typeface="Hind" panose="020B0604020202020204" charset="0"/>
+                      </a:endParaRPr>
+                    </a:p>
+                  </a:txBody>
+                  <a:tcPr/>
+                </a:tc>
+                <a:extLst>
+                  <a:ext uri="{0D108BD9-81ED-4DB2-BD59-A6C34878D82A}">
+                    <a16:rowId xmlns:a16="http://schemas.microsoft.com/office/drawing/2014/main" val="4292497095"/>
+                  </a:ext>
+                </a:extLst>
+              </a:tr>
+              <a:tr h="543480">
+                <a:tc>
+                  <a:txBody>
+                    <a:bodyPr/>
+                    <a:lstStyle/>
+                    <a:p>
+                      <a:pPr algn="r"/>
+                      <a:r>
+                        <a:rPr lang="de-DE" sz="1000" dirty="0">
+                          <a:solidFill>
+                            <a:srgbClr val="212E73"/>
+                          </a:solidFill>
+                          <a:latin typeface="Hind" panose="020B0604020202020204" charset="0"/>
+                          <a:cs typeface="Hind" panose="020B0604020202020204" charset="0"/>
+                        </a:rPr>
+                        <a:t>2021 – 02 </a:t>
+                      </a:r>
+                      <a:endParaRPr lang="en-US" sz="1000" dirty="0">
+                        <a:solidFill>
+                          <a:srgbClr val="212E73"/>
+                        </a:solidFill>
+                        <a:latin typeface="Hind" panose="020B0604020202020204" charset="0"/>
+                        <a:cs typeface="Hind" panose="020B0604020202020204" charset="0"/>
+                      </a:endParaRPr>
+                    </a:p>
+                  </a:txBody>
+                  <a:tcPr/>
+                </a:tc>
+                <a:tc>
+                  <a:txBody>
+                    <a:bodyPr/>
+                    <a:lstStyle/>
+                    <a:p>
+                      <a:pPr algn="r"/>
+                      <a:r>
+                        <a:rPr lang="de-DE" sz="1000" dirty="0">
+                          <a:solidFill>
+                            <a:srgbClr val="212E73"/>
+                          </a:solidFill>
+                          <a:latin typeface="Hind" panose="020B0604020202020204" charset="0"/>
+                          <a:cs typeface="Hind" panose="020B0604020202020204" charset="0"/>
+                        </a:rPr>
+                        <a:t>508</a:t>
+                      </a:r>
+                      <a:endParaRPr lang="en-US" sz="1000" dirty="0">
+                        <a:solidFill>
+                          <a:srgbClr val="212E73"/>
+                        </a:solidFill>
+                        <a:latin typeface="Hind" panose="020B0604020202020204" charset="0"/>
+                        <a:cs typeface="Hind" panose="020B0604020202020204" charset="0"/>
+                      </a:endParaRPr>
+                    </a:p>
+                  </a:txBody>
+                  <a:tcPr/>
+                </a:tc>
+                <a:tc>
+                  <a:txBody>
+                    <a:bodyPr/>
+                    <a:lstStyle/>
+                    <a:p>
+                      <a:pPr algn="r"/>
+                      <a:r>
+                        <a:rPr lang="de-DE" sz="1000" dirty="0">
+                          <a:solidFill>
+                            <a:srgbClr val="212E73"/>
+                          </a:solidFill>
+                          <a:latin typeface="Hind" panose="020B0604020202020204" charset="0"/>
+                          <a:cs typeface="Hind" panose="020B0604020202020204" charset="0"/>
+                        </a:rPr>
+                        <a:t>15977</a:t>
+                      </a:r>
+                      <a:endParaRPr lang="en-US" sz="1000" dirty="0">
+                        <a:solidFill>
+                          <a:srgbClr val="212E73"/>
+                        </a:solidFill>
+                        <a:latin typeface="Hind" panose="020B0604020202020204" charset="0"/>
+                        <a:cs typeface="Hind" panose="020B0604020202020204" charset="0"/>
+                      </a:endParaRPr>
+                    </a:p>
+                  </a:txBody>
+                  <a:tcPr/>
+                </a:tc>
+                <a:tc>
+                  <a:txBody>
+                    <a:bodyPr/>
+                    <a:lstStyle/>
+                    <a:p>
+                      <a:pPr algn="r"/>
+                      <a:r>
+                        <a:rPr lang="de-DE" sz="1000" dirty="0">
+                          <a:solidFill>
+                            <a:srgbClr val="212E73"/>
+                          </a:solidFill>
+                          <a:latin typeface="Hind" panose="020B0604020202020204" charset="0"/>
+                          <a:cs typeface="Hind" panose="020B0604020202020204" charset="0"/>
+                        </a:rPr>
+                        <a:t>19873</a:t>
+                      </a:r>
+                      <a:endParaRPr lang="en-US" sz="1000" dirty="0">
+                        <a:solidFill>
+                          <a:srgbClr val="212E73"/>
+                        </a:solidFill>
+                        <a:latin typeface="Hind" panose="020B0604020202020204" charset="0"/>
+                        <a:cs typeface="Hind" panose="020B0604020202020204" charset="0"/>
+                      </a:endParaRPr>
+                    </a:p>
+                  </a:txBody>
+                  <a:tcPr/>
+                </a:tc>
+                <a:tc>
+                  <a:txBody>
+                    <a:bodyPr/>
+                    <a:lstStyle/>
+                    <a:p>
+                      <a:pPr algn="r"/>
+                      <a:r>
+                        <a:rPr lang="de-DE" sz="1000" dirty="0">
+                          <a:solidFill>
+                            <a:srgbClr val="212E73"/>
+                          </a:solidFill>
+                          <a:latin typeface="Hind" panose="020B0604020202020204" charset="0"/>
+                          <a:cs typeface="Hind" panose="020B0604020202020204" charset="0"/>
+                        </a:rPr>
+                        <a:t>15309</a:t>
+                      </a:r>
+                      <a:endParaRPr lang="en-US" sz="1000" dirty="0">
+                        <a:solidFill>
+                          <a:srgbClr val="212E73"/>
+                        </a:solidFill>
+                        <a:latin typeface="Hind" panose="020B0604020202020204" charset="0"/>
+                        <a:cs typeface="Hind" panose="020B0604020202020204" charset="0"/>
+                      </a:endParaRPr>
+                    </a:p>
+                  </a:txBody>
+                  <a:tcPr/>
+                </a:tc>
+                <a:tc>
+                  <a:txBody>
+                    <a:bodyPr/>
+                    <a:lstStyle/>
+                    <a:p>
+                      <a:pPr marL="0" marR="0" lvl="0" indent="0" algn="r" defTabSz="914400" rtl="0" eaLnBrk="1" fontAlgn="auto" latinLnBrk="0" hangingPunct="1">
+                        <a:lnSpc>
+                          <a:spcPct val="100000"/>
+                        </a:lnSpc>
+                        <a:spcBef>
+                          <a:spcPts val="0"/>
+                        </a:spcBef>
+                        <a:spcAft>
+                          <a:spcPts val="0"/>
+                        </a:spcAft>
+                        <a:buClr>
+                          <a:srgbClr val="000000"/>
+                        </a:buClr>
+                        <a:buSzTx/>
+                        <a:buFont typeface="Arial"/>
+                        <a:buNone/>
+                        <a:tabLst/>
+                        <a:defRPr/>
+                      </a:pPr>
+                      <a:r>
+                        <a:rPr lang="de-DE" sz="1000" dirty="0">
+                          <a:solidFill>
+                            <a:srgbClr val="212E73"/>
+                          </a:solidFill>
+                          <a:latin typeface="Hind" panose="020B0604020202020204" charset="0"/>
+                          <a:cs typeface="Hind" panose="020B0604020202020204" charset="0"/>
+                        </a:rPr>
+                        <a:t>Nordrhein-Westfalen</a:t>
+                      </a:r>
+                      <a:endParaRPr lang="en-US" sz="1000" dirty="0">
+                        <a:solidFill>
+                          <a:srgbClr val="212E73"/>
+                        </a:solidFill>
+                        <a:latin typeface="Hind" panose="020B0604020202020204" charset="0"/>
+                        <a:cs typeface="Hind" panose="020B0604020202020204" charset="0"/>
+                      </a:endParaRPr>
+                    </a:p>
+                    <a:p>
+                      <a:pPr algn="r"/>
+                      <a:endParaRPr lang="en-US" sz="1000" dirty="0">
+                        <a:solidFill>
+                          <a:srgbClr val="212E73"/>
+                        </a:solidFill>
+                        <a:latin typeface="Hind" panose="020B0604020202020204" charset="0"/>
+                        <a:cs typeface="Hind" panose="020B0604020202020204" charset="0"/>
+                      </a:endParaRPr>
+                    </a:p>
+                  </a:txBody>
+                  <a:tcPr/>
+                </a:tc>
+                <a:tc>
+                  <a:txBody>
+                    <a:bodyPr/>
+                    <a:lstStyle/>
+                    <a:p>
+                      <a:pPr algn="r"/>
+                      <a:r>
+                        <a:rPr lang="de-DE" sz="1000" dirty="0">
+                          <a:solidFill>
+                            <a:srgbClr val="212E73"/>
+                          </a:solidFill>
+                          <a:latin typeface="Hind" panose="020B0604020202020204" charset="0"/>
+                          <a:cs typeface="Hind" panose="020B0604020202020204" charset="0"/>
+                        </a:rPr>
+                        <a:t>00 - 59</a:t>
+                      </a:r>
+                      <a:endParaRPr lang="en-US" sz="1000" dirty="0">
+                        <a:solidFill>
+                          <a:srgbClr val="212E73"/>
+                        </a:solidFill>
+                        <a:latin typeface="Hind" panose="020B0604020202020204" charset="0"/>
+                        <a:cs typeface="Hind" panose="020B0604020202020204" charset="0"/>
+                      </a:endParaRPr>
+                    </a:p>
+                  </a:txBody>
+                  <a:tcPr/>
+                </a:tc>
+                <a:tc>
+                  <a:txBody>
+                    <a:bodyPr/>
+                    <a:lstStyle/>
+                    <a:p>
+                      <a:pPr algn="r"/>
+                      <a:r>
+                        <a:rPr lang="de-DE" sz="1000" dirty="0">
+                          <a:solidFill>
+                            <a:srgbClr val="212E73"/>
+                          </a:solidFill>
+                          <a:latin typeface="Hind" panose="020B0604020202020204" charset="0"/>
+                          <a:cs typeface="Hind" panose="020B0604020202020204" charset="0"/>
+                        </a:rPr>
+                        <a:t>Winter</a:t>
+                      </a:r>
+                      <a:endParaRPr lang="en-US" sz="1000" dirty="0">
+                        <a:solidFill>
+                          <a:srgbClr val="212E73"/>
+                        </a:solidFill>
+                        <a:latin typeface="Hind" panose="020B0604020202020204" charset="0"/>
+                        <a:cs typeface="Hind" panose="020B0604020202020204" charset="0"/>
+                      </a:endParaRPr>
+                    </a:p>
+                  </a:txBody>
+                  <a:tcPr/>
+                </a:tc>
+                <a:tc>
+                  <a:txBody>
+                    <a:bodyPr/>
+                    <a:lstStyle/>
+                    <a:p>
+                      <a:pPr algn="r"/>
+                      <a:r>
+                        <a:rPr lang="de-DE" sz="1000" dirty="0">
+                          <a:solidFill>
+                            <a:srgbClr val="212E73"/>
+                          </a:solidFill>
+                          <a:latin typeface="Hind" panose="020B0604020202020204" charset="0"/>
+                          <a:cs typeface="Hind" panose="020B0604020202020204" charset="0"/>
+                        </a:rPr>
+                        <a:t>8.08e-05</a:t>
+                      </a:r>
+                    </a:p>
+                    <a:p>
+                      <a:pPr algn="r"/>
+                      <a:endParaRPr lang="en-US" sz="1000" dirty="0">
+                        <a:solidFill>
+                          <a:srgbClr val="212E73"/>
+                        </a:solidFill>
+                        <a:latin typeface="Hind" panose="020B0604020202020204" charset="0"/>
+                        <a:cs typeface="Hind" panose="020B0604020202020204" charset="0"/>
+                      </a:endParaRPr>
+                    </a:p>
+                  </a:txBody>
+                  <a:tcPr/>
+                </a:tc>
+                <a:tc>
+                  <a:txBody>
+                    <a:bodyPr/>
+                    <a:lstStyle/>
+                    <a:p>
+                      <a:pPr algn="ctr"/>
+                      <a:r>
+                        <a:rPr lang="en" sz="1000" dirty="0">
+                          <a:solidFill>
+                            <a:srgbClr val="212E73"/>
+                          </a:solidFill>
+                          <a:latin typeface="Hind" panose="020B0604020202020204" charset="0"/>
+                          <a:cs typeface="Hind" panose="020B0604020202020204" charset="0"/>
+                          <a:sym typeface="Hind"/>
+                        </a:rPr>
+                        <a:t>1</a:t>
+                      </a:r>
+                      <a:endParaRPr lang="en-US" sz="1000" dirty="0">
+                        <a:solidFill>
+                          <a:srgbClr val="212E73"/>
+                        </a:solidFill>
+                        <a:latin typeface="Hind" panose="020B0604020202020204" charset="0"/>
+                        <a:cs typeface="Hind" panose="020B0604020202020204" charset="0"/>
+                      </a:endParaRPr>
+                    </a:p>
+                  </a:txBody>
+                  <a:tcPr/>
+                </a:tc>
+                <a:extLst>
+                  <a:ext uri="{0D108BD9-81ED-4DB2-BD59-A6C34878D82A}">
+                    <a16:rowId xmlns:a16="http://schemas.microsoft.com/office/drawing/2014/main" val="2844460315"/>
+                  </a:ext>
+                </a:extLst>
+              </a:tr>
+              <a:tr h="543480">
+                <a:tc>
+                  <a:txBody>
+                    <a:bodyPr/>
+                    <a:lstStyle/>
+                    <a:p>
+                      <a:pPr algn="r"/>
+                      <a:r>
+                        <a:rPr lang="de-DE" sz="1000" dirty="0">
+                          <a:solidFill>
+                            <a:srgbClr val="212E73"/>
+                          </a:solidFill>
+                          <a:latin typeface="Hind" panose="020B0604020202020204" charset="0"/>
+                          <a:cs typeface="Hind" panose="020B0604020202020204" charset="0"/>
+                        </a:rPr>
+                        <a:t>2021 – 02</a:t>
+                      </a:r>
+                      <a:endParaRPr lang="en-US" sz="1000" dirty="0">
+                        <a:solidFill>
+                          <a:srgbClr val="212E73"/>
+                        </a:solidFill>
+                        <a:latin typeface="Hind" panose="020B0604020202020204" charset="0"/>
+                        <a:cs typeface="Hind" panose="020B0604020202020204" charset="0"/>
+                      </a:endParaRPr>
+                    </a:p>
+                  </a:txBody>
+                  <a:tcPr/>
+                </a:tc>
+                <a:tc>
+                  <a:txBody>
+                    <a:bodyPr/>
+                    <a:lstStyle/>
+                    <a:p>
+                      <a:pPr algn="r"/>
+                      <a:r>
+                        <a:rPr lang="de-DE" sz="1000" dirty="0">
+                          <a:solidFill>
+                            <a:srgbClr val="212E73"/>
+                          </a:solidFill>
+                          <a:latin typeface="Hind" panose="020B0604020202020204" charset="0"/>
+                          <a:cs typeface="Hind" panose="020B0604020202020204" charset="0"/>
+                        </a:rPr>
+                        <a:t>1377</a:t>
+                      </a:r>
+                      <a:endParaRPr lang="en-US" sz="1000" dirty="0">
+                        <a:solidFill>
+                          <a:srgbClr val="212E73"/>
+                        </a:solidFill>
+                        <a:latin typeface="Hind" panose="020B0604020202020204" charset="0"/>
+                        <a:cs typeface="Hind" panose="020B0604020202020204" charset="0"/>
+                      </a:endParaRPr>
+                    </a:p>
+                  </a:txBody>
+                  <a:tcPr/>
+                </a:tc>
+                <a:tc>
+                  <a:txBody>
+                    <a:bodyPr/>
+                    <a:lstStyle/>
+                    <a:p>
+                      <a:pPr algn="r"/>
+                      <a:r>
+                        <a:rPr lang="de-DE" sz="1000" dirty="0">
+                          <a:solidFill>
+                            <a:srgbClr val="212E73"/>
+                          </a:solidFill>
+                          <a:latin typeface="Hind" panose="020B0604020202020204" charset="0"/>
+                          <a:cs typeface="Hind" panose="020B0604020202020204" charset="0"/>
+                        </a:rPr>
+                        <a:t>6058</a:t>
+                      </a:r>
+                      <a:endParaRPr lang="en-US" sz="1000" dirty="0">
+                        <a:solidFill>
+                          <a:srgbClr val="212E73"/>
+                        </a:solidFill>
+                        <a:latin typeface="Hind" panose="020B0604020202020204" charset="0"/>
+                        <a:cs typeface="Hind" panose="020B0604020202020204" charset="0"/>
+                      </a:endParaRPr>
+                    </a:p>
+                  </a:txBody>
+                  <a:tcPr/>
+                </a:tc>
+                <a:tc>
+                  <a:txBody>
+                    <a:bodyPr/>
+                    <a:lstStyle/>
+                    <a:p>
+                      <a:pPr algn="r"/>
+                      <a:r>
+                        <a:rPr lang="de-DE" sz="1000" dirty="0">
+                          <a:solidFill>
+                            <a:srgbClr val="212E73"/>
+                          </a:solidFill>
+                          <a:latin typeface="Hind" panose="020B0604020202020204" charset="0"/>
+                          <a:cs typeface="Hind" panose="020B0604020202020204" charset="0"/>
+                        </a:rPr>
+                        <a:t>7378</a:t>
+                      </a:r>
+                      <a:endParaRPr lang="en-US" sz="1000" dirty="0">
+                        <a:solidFill>
+                          <a:srgbClr val="212E73"/>
+                        </a:solidFill>
+                        <a:latin typeface="Hind" panose="020B0604020202020204" charset="0"/>
+                        <a:cs typeface="Hind" panose="020B0604020202020204" charset="0"/>
+                      </a:endParaRPr>
+                    </a:p>
+                  </a:txBody>
+                  <a:tcPr/>
+                </a:tc>
+                <a:tc>
+                  <a:txBody>
+                    <a:bodyPr/>
+                    <a:lstStyle/>
+                    <a:p>
+                      <a:pPr algn="r"/>
+                      <a:r>
+                        <a:rPr lang="de-DE" sz="1000" dirty="0">
+                          <a:solidFill>
+                            <a:srgbClr val="212E73"/>
+                          </a:solidFill>
+                          <a:latin typeface="Hind" panose="020B0604020202020204" charset="0"/>
+                          <a:cs typeface="Hind" panose="020B0604020202020204" charset="0"/>
+                        </a:rPr>
+                        <a:t>6499</a:t>
+                      </a:r>
+                      <a:endParaRPr lang="en-US" sz="1000" dirty="0">
+                        <a:solidFill>
+                          <a:srgbClr val="212E73"/>
+                        </a:solidFill>
+                        <a:latin typeface="Hind" panose="020B0604020202020204" charset="0"/>
+                        <a:cs typeface="Hind" panose="020B0604020202020204" charset="0"/>
+                      </a:endParaRPr>
+                    </a:p>
+                  </a:txBody>
+                  <a:tcPr/>
+                </a:tc>
+                <a:tc>
+                  <a:txBody>
+                    <a:bodyPr/>
+                    <a:lstStyle/>
+                    <a:p>
+                      <a:pPr marL="0" marR="0" lvl="0" indent="0" algn="r" defTabSz="914400" rtl="0" eaLnBrk="1" fontAlgn="auto" latinLnBrk="0" hangingPunct="1">
+                        <a:lnSpc>
+                          <a:spcPct val="100000"/>
+                        </a:lnSpc>
+                        <a:spcBef>
+                          <a:spcPts val="0"/>
+                        </a:spcBef>
+                        <a:spcAft>
+                          <a:spcPts val="0"/>
+                        </a:spcAft>
+                        <a:buClr>
+                          <a:srgbClr val="000000"/>
+                        </a:buClr>
+                        <a:buSzTx/>
+                        <a:buFont typeface="Arial"/>
+                        <a:buNone/>
+                        <a:tabLst/>
+                        <a:defRPr/>
+                      </a:pPr>
+                      <a:r>
+                        <a:rPr lang="de-DE" sz="1000" dirty="0">
+                          <a:solidFill>
+                            <a:srgbClr val="212E73"/>
+                          </a:solidFill>
+                          <a:latin typeface="Hind" panose="020B0604020202020204" charset="0"/>
+                          <a:cs typeface="Hind" panose="020B0604020202020204" charset="0"/>
+                        </a:rPr>
+                        <a:t>Nordrhein-Westfalen</a:t>
+                      </a:r>
+                      <a:endParaRPr lang="en-US" sz="1000" dirty="0">
+                        <a:solidFill>
+                          <a:srgbClr val="212E73"/>
+                        </a:solidFill>
+                        <a:latin typeface="Hind" panose="020B0604020202020204" charset="0"/>
+                        <a:cs typeface="Hind" panose="020B0604020202020204" charset="0"/>
+                      </a:endParaRPr>
+                    </a:p>
+                    <a:p>
+                      <a:pPr algn="r"/>
+                      <a:endParaRPr lang="en-US" sz="1000" dirty="0">
+                        <a:solidFill>
+                          <a:srgbClr val="212E73"/>
+                        </a:solidFill>
+                        <a:latin typeface="Hind" panose="020B0604020202020204" charset="0"/>
+                        <a:cs typeface="Hind" panose="020B0604020202020204" charset="0"/>
+                      </a:endParaRPr>
+                    </a:p>
+                  </a:txBody>
+                  <a:tcPr/>
+                </a:tc>
+                <a:tc>
+                  <a:txBody>
+                    <a:bodyPr/>
+                    <a:lstStyle/>
+                    <a:p>
+                      <a:pPr algn="r"/>
+                      <a:r>
+                        <a:rPr lang="de-DE" sz="1000" dirty="0">
+                          <a:solidFill>
+                            <a:srgbClr val="212E73"/>
+                          </a:solidFill>
+                          <a:latin typeface="Hind" panose="020B0604020202020204" charset="0"/>
+                          <a:cs typeface="Hind" panose="020B0604020202020204" charset="0"/>
+                        </a:rPr>
+                        <a:t>60+</a:t>
+                      </a:r>
+                      <a:endParaRPr lang="en-US" sz="1000" dirty="0">
+                        <a:solidFill>
+                          <a:srgbClr val="212E73"/>
+                        </a:solidFill>
+                        <a:latin typeface="Hind" panose="020B0604020202020204" charset="0"/>
+                        <a:cs typeface="Hind" panose="020B0604020202020204" charset="0"/>
+                      </a:endParaRPr>
+                    </a:p>
+                  </a:txBody>
+                  <a:tcPr/>
+                </a:tc>
+                <a:tc>
+                  <a:txBody>
+                    <a:bodyPr/>
+                    <a:lstStyle/>
+                    <a:p>
+                      <a:pPr marL="0" marR="0" lvl="0" indent="0" algn="r" defTabSz="914400" rtl="0" eaLnBrk="1" fontAlgn="auto" latinLnBrk="0" hangingPunct="1">
+                        <a:lnSpc>
+                          <a:spcPct val="100000"/>
+                        </a:lnSpc>
+                        <a:spcBef>
+                          <a:spcPts val="0"/>
+                        </a:spcBef>
+                        <a:spcAft>
+                          <a:spcPts val="0"/>
+                        </a:spcAft>
+                        <a:buClr>
+                          <a:srgbClr val="000000"/>
+                        </a:buClr>
+                        <a:buSzTx/>
+                        <a:buFont typeface="Arial"/>
+                        <a:buNone/>
+                        <a:tabLst/>
+                        <a:defRPr/>
+                      </a:pPr>
+                      <a:r>
+                        <a:rPr lang="de-DE" sz="1000" dirty="0">
+                          <a:solidFill>
+                            <a:srgbClr val="212E73"/>
+                          </a:solidFill>
+                          <a:latin typeface="Hind" panose="020B0604020202020204" charset="0"/>
+                          <a:cs typeface="Hind" panose="020B0604020202020204" charset="0"/>
+                        </a:rPr>
+                        <a:t>Winter</a:t>
+                      </a:r>
+                      <a:endParaRPr lang="en-US" sz="1000" dirty="0">
+                        <a:solidFill>
+                          <a:srgbClr val="212E73"/>
+                        </a:solidFill>
+                        <a:latin typeface="Hind" panose="020B0604020202020204" charset="0"/>
+                        <a:cs typeface="Hind" panose="020B0604020202020204" charset="0"/>
+                      </a:endParaRPr>
+                    </a:p>
+                    <a:p>
+                      <a:pPr algn="r"/>
+                      <a:endParaRPr lang="en-US" sz="1000" dirty="0">
+                        <a:solidFill>
+                          <a:srgbClr val="212E73"/>
+                        </a:solidFill>
+                        <a:latin typeface="Hind" panose="020B0604020202020204" charset="0"/>
+                        <a:cs typeface="Hind" panose="020B0604020202020204" charset="0"/>
+                      </a:endParaRPr>
+                    </a:p>
+                  </a:txBody>
+                  <a:tcPr/>
+                </a:tc>
+                <a:tc>
+                  <a:txBody>
+                    <a:bodyPr/>
+                    <a:lstStyle/>
+                    <a:p>
+                      <a:pPr algn="r"/>
+                      <a:r>
+                        <a:rPr lang="de-DE" sz="1000" dirty="0">
+                          <a:solidFill>
+                            <a:srgbClr val="212E73"/>
+                          </a:solidFill>
+                          <a:latin typeface="Hind" panose="020B0604020202020204" charset="0"/>
+                          <a:cs typeface="Hind" panose="020B0604020202020204" charset="0"/>
+                        </a:rPr>
+                        <a:t>3.01e-05</a:t>
+                      </a:r>
+                      <a:endParaRPr lang="en-US" sz="1000" dirty="0">
+                        <a:solidFill>
+                          <a:srgbClr val="212E73"/>
+                        </a:solidFill>
+                        <a:latin typeface="Hind" panose="020B0604020202020204" charset="0"/>
+                        <a:cs typeface="Hind" panose="020B0604020202020204" charset="0"/>
+                      </a:endParaRPr>
+                    </a:p>
+                  </a:txBody>
+                  <a:tcPr/>
+                </a:tc>
+                <a:tc>
+                  <a:txBody>
+                    <a:bodyPr/>
+                    <a:lstStyle/>
+                    <a:p>
+                      <a:pPr algn="ctr"/>
+                      <a:r>
+                        <a:rPr lang="en" sz="1000" dirty="0">
+                          <a:solidFill>
+                            <a:srgbClr val="212E73"/>
+                          </a:solidFill>
+                          <a:latin typeface="Hind" panose="020B0604020202020204" charset="0"/>
+                          <a:cs typeface="Hind" panose="020B0604020202020204" charset="0"/>
+                          <a:sym typeface="Hind"/>
+                        </a:rPr>
+                        <a:t>1</a:t>
+                      </a:r>
+                      <a:endParaRPr lang="en-US" sz="1000" dirty="0">
+                        <a:solidFill>
+                          <a:srgbClr val="212E73"/>
+                        </a:solidFill>
+                        <a:latin typeface="Hind" panose="020B0604020202020204" charset="0"/>
+                        <a:cs typeface="Hind" panose="020B0604020202020204" charset="0"/>
+                      </a:endParaRPr>
+                    </a:p>
+                  </a:txBody>
+                  <a:tcPr/>
+                </a:tc>
+                <a:extLst>
+                  <a:ext uri="{0D108BD9-81ED-4DB2-BD59-A6C34878D82A}">
+                    <a16:rowId xmlns:a16="http://schemas.microsoft.com/office/drawing/2014/main" val="1416578747"/>
+                  </a:ext>
+                </a:extLst>
+              </a:tr>
+              <a:tr h="543480">
+                <a:tc>
+                  <a:txBody>
+                    <a:bodyPr/>
+                    <a:lstStyle/>
+                    <a:p>
+                      <a:pPr algn="r"/>
+                      <a:r>
+                        <a:rPr lang="de-DE" sz="1000" dirty="0">
+                          <a:solidFill>
+                            <a:srgbClr val="212E73"/>
+                          </a:solidFill>
+                          <a:latin typeface="Hind" panose="020B0604020202020204" charset="0"/>
+                          <a:cs typeface="Hind" panose="020B0604020202020204" charset="0"/>
+                        </a:rPr>
+                        <a:t>2021 – 03</a:t>
+                      </a:r>
+                      <a:endParaRPr lang="en-US" sz="1000" dirty="0">
+                        <a:solidFill>
+                          <a:srgbClr val="212E73"/>
+                        </a:solidFill>
+                        <a:latin typeface="Hind" panose="020B0604020202020204" charset="0"/>
+                        <a:cs typeface="Hind" panose="020B0604020202020204" charset="0"/>
+                      </a:endParaRPr>
+                    </a:p>
+                  </a:txBody>
+                  <a:tcPr/>
+                </a:tc>
+                <a:tc>
+                  <a:txBody>
+                    <a:bodyPr/>
+                    <a:lstStyle/>
+                    <a:p>
+                      <a:pPr algn="r"/>
+                      <a:r>
+                        <a:rPr lang="de-DE" sz="1000" dirty="0">
+                          <a:solidFill>
+                            <a:srgbClr val="212E73"/>
+                          </a:solidFill>
+                          <a:latin typeface="Hind" panose="020B0604020202020204" charset="0"/>
+                          <a:cs typeface="Hind" panose="020B0604020202020204" charset="0"/>
+                        </a:rPr>
+                        <a:t>429</a:t>
+                      </a:r>
+                      <a:endParaRPr lang="en-US" sz="1000" dirty="0">
+                        <a:solidFill>
+                          <a:srgbClr val="212E73"/>
+                        </a:solidFill>
+                        <a:latin typeface="Hind" panose="020B0604020202020204" charset="0"/>
+                        <a:cs typeface="Hind" panose="020B0604020202020204" charset="0"/>
+                      </a:endParaRPr>
+                    </a:p>
+                  </a:txBody>
+                  <a:tcPr/>
+                </a:tc>
+                <a:tc>
+                  <a:txBody>
+                    <a:bodyPr/>
+                    <a:lstStyle/>
+                    <a:p>
+                      <a:pPr algn="r"/>
+                      <a:r>
+                        <a:rPr lang="de-DE" sz="1000" dirty="0">
+                          <a:solidFill>
+                            <a:srgbClr val="212E73"/>
+                          </a:solidFill>
+                          <a:latin typeface="Hind" panose="020B0604020202020204" charset="0"/>
+                          <a:cs typeface="Hind" panose="020B0604020202020204" charset="0"/>
+                        </a:rPr>
+                        <a:t>13498</a:t>
+                      </a:r>
+                      <a:endParaRPr lang="en-US" sz="1000" dirty="0">
+                        <a:solidFill>
+                          <a:srgbClr val="212E73"/>
+                        </a:solidFill>
+                        <a:latin typeface="Hind" panose="020B0604020202020204" charset="0"/>
+                        <a:cs typeface="Hind" panose="020B0604020202020204" charset="0"/>
+                      </a:endParaRPr>
+                    </a:p>
+                  </a:txBody>
+                  <a:tcPr/>
+                </a:tc>
+                <a:tc>
+                  <a:txBody>
+                    <a:bodyPr/>
+                    <a:lstStyle/>
+                    <a:p>
+                      <a:pPr algn="r"/>
+                      <a:r>
+                        <a:rPr lang="de-DE" sz="1000" dirty="0">
+                          <a:solidFill>
+                            <a:srgbClr val="212E73"/>
+                          </a:solidFill>
+                          <a:latin typeface="Hind" panose="020B0604020202020204" charset="0"/>
+                          <a:cs typeface="Hind" panose="020B0604020202020204" charset="0"/>
+                        </a:rPr>
+                        <a:t>15977</a:t>
+                      </a:r>
+                      <a:endParaRPr lang="en-US" sz="1000" dirty="0">
+                        <a:solidFill>
+                          <a:srgbClr val="212E73"/>
+                        </a:solidFill>
+                        <a:latin typeface="Hind" panose="020B0604020202020204" charset="0"/>
+                        <a:cs typeface="Hind" panose="020B0604020202020204" charset="0"/>
+                      </a:endParaRPr>
+                    </a:p>
+                  </a:txBody>
+                  <a:tcPr/>
+                </a:tc>
+                <a:tc>
+                  <a:txBody>
+                    <a:bodyPr/>
+                    <a:lstStyle/>
+                    <a:p>
+                      <a:pPr algn="r"/>
+                      <a:r>
+                        <a:rPr lang="de-DE" sz="1000" dirty="0">
+                          <a:solidFill>
+                            <a:srgbClr val="212E73"/>
+                          </a:solidFill>
+                          <a:latin typeface="Hind" panose="020B0604020202020204" charset="0"/>
+                          <a:cs typeface="Hind" panose="020B0604020202020204" charset="0"/>
+                        </a:rPr>
+                        <a:t>19873</a:t>
+                      </a:r>
+                      <a:endParaRPr lang="en-US" sz="1000" dirty="0">
+                        <a:solidFill>
+                          <a:srgbClr val="212E73"/>
+                        </a:solidFill>
+                        <a:latin typeface="Hind" panose="020B0604020202020204" charset="0"/>
+                        <a:cs typeface="Hind" panose="020B0604020202020204" charset="0"/>
+                      </a:endParaRPr>
+                    </a:p>
+                  </a:txBody>
+                  <a:tcPr/>
+                </a:tc>
+                <a:tc>
+                  <a:txBody>
+                    <a:bodyPr/>
+                    <a:lstStyle/>
+                    <a:p>
+                      <a:pPr marL="0" marR="0" lvl="0" indent="0" algn="r" defTabSz="914400" rtl="0" eaLnBrk="1" fontAlgn="auto" latinLnBrk="0" hangingPunct="1">
+                        <a:lnSpc>
+                          <a:spcPct val="100000"/>
+                        </a:lnSpc>
+                        <a:spcBef>
+                          <a:spcPts val="0"/>
+                        </a:spcBef>
+                        <a:spcAft>
+                          <a:spcPts val="0"/>
+                        </a:spcAft>
+                        <a:buClr>
+                          <a:srgbClr val="000000"/>
+                        </a:buClr>
+                        <a:buSzTx/>
+                        <a:buFont typeface="Arial"/>
+                        <a:buNone/>
+                        <a:tabLst/>
+                        <a:defRPr/>
+                      </a:pPr>
+                      <a:r>
+                        <a:rPr lang="de-DE" sz="1000" dirty="0">
+                          <a:solidFill>
+                            <a:srgbClr val="212E73"/>
+                          </a:solidFill>
+                          <a:latin typeface="Hind" panose="020B0604020202020204" charset="0"/>
+                          <a:cs typeface="Hind" panose="020B0604020202020204" charset="0"/>
+                        </a:rPr>
+                        <a:t>Nordrhein-Westfalen</a:t>
+                      </a:r>
+                      <a:endParaRPr lang="en-US" sz="1000" dirty="0">
+                        <a:solidFill>
+                          <a:srgbClr val="212E73"/>
+                        </a:solidFill>
+                        <a:latin typeface="Hind" panose="020B0604020202020204" charset="0"/>
+                        <a:cs typeface="Hind" panose="020B0604020202020204" charset="0"/>
+                      </a:endParaRPr>
+                    </a:p>
+                    <a:p>
+                      <a:pPr algn="r"/>
+                      <a:endParaRPr lang="en-US" sz="1000" dirty="0">
+                        <a:solidFill>
+                          <a:srgbClr val="212E73"/>
+                        </a:solidFill>
+                        <a:latin typeface="Hind" panose="020B0604020202020204" charset="0"/>
+                        <a:cs typeface="Hind" panose="020B0604020202020204" charset="0"/>
+                      </a:endParaRPr>
+                    </a:p>
+                  </a:txBody>
+                  <a:tcPr/>
+                </a:tc>
+                <a:tc>
+                  <a:txBody>
+                    <a:bodyPr/>
+                    <a:lstStyle/>
+                    <a:p>
+                      <a:pPr algn="r"/>
+                      <a:r>
+                        <a:rPr lang="de-DE" sz="1000" dirty="0">
+                          <a:solidFill>
+                            <a:srgbClr val="212E73"/>
+                          </a:solidFill>
+                          <a:latin typeface="Hind" panose="020B0604020202020204" charset="0"/>
+                          <a:cs typeface="Hind" panose="020B0604020202020204" charset="0"/>
+                        </a:rPr>
+                        <a:t>00 – 59</a:t>
+                      </a:r>
+                      <a:endParaRPr lang="en-US" sz="1000" dirty="0">
+                        <a:solidFill>
+                          <a:srgbClr val="212E73"/>
+                        </a:solidFill>
+                        <a:latin typeface="Hind" panose="020B0604020202020204" charset="0"/>
+                        <a:cs typeface="Hind" panose="020B0604020202020204" charset="0"/>
+                      </a:endParaRPr>
+                    </a:p>
+                  </a:txBody>
+                  <a:tcPr/>
+                </a:tc>
+                <a:tc>
+                  <a:txBody>
+                    <a:bodyPr/>
+                    <a:lstStyle/>
+                    <a:p>
+                      <a:pPr marL="0" marR="0" lvl="0" indent="0" algn="r" defTabSz="914400" rtl="0" eaLnBrk="1" fontAlgn="auto" latinLnBrk="0" hangingPunct="1">
+                        <a:lnSpc>
+                          <a:spcPct val="100000"/>
+                        </a:lnSpc>
+                        <a:spcBef>
+                          <a:spcPts val="0"/>
+                        </a:spcBef>
+                        <a:spcAft>
+                          <a:spcPts val="0"/>
+                        </a:spcAft>
+                        <a:buClr>
+                          <a:srgbClr val="000000"/>
+                        </a:buClr>
+                        <a:buSzTx/>
+                        <a:buFont typeface="Arial"/>
+                        <a:buNone/>
+                        <a:tabLst/>
+                        <a:defRPr/>
+                      </a:pPr>
+                      <a:r>
+                        <a:rPr lang="de-DE" sz="1000" dirty="0">
+                          <a:solidFill>
+                            <a:srgbClr val="212E73"/>
+                          </a:solidFill>
+                          <a:latin typeface="Hind" panose="020B0604020202020204" charset="0"/>
+                          <a:cs typeface="Hind" panose="020B0604020202020204" charset="0"/>
+                        </a:rPr>
+                        <a:t>Winter</a:t>
+                      </a:r>
+                      <a:endParaRPr lang="en-US" sz="1000" dirty="0">
+                        <a:solidFill>
+                          <a:srgbClr val="212E73"/>
+                        </a:solidFill>
+                        <a:latin typeface="Hind" panose="020B0604020202020204" charset="0"/>
+                        <a:cs typeface="Hind" panose="020B0604020202020204" charset="0"/>
+                      </a:endParaRPr>
+                    </a:p>
+                    <a:p>
+                      <a:pPr algn="r"/>
+                      <a:endParaRPr lang="en-US" sz="1000" dirty="0">
+                        <a:solidFill>
+                          <a:srgbClr val="212E73"/>
+                        </a:solidFill>
+                        <a:latin typeface="Hind" panose="020B0604020202020204" charset="0"/>
+                        <a:cs typeface="Hind" panose="020B0604020202020204" charset="0"/>
+                      </a:endParaRPr>
+                    </a:p>
+                  </a:txBody>
+                  <a:tcPr/>
+                </a:tc>
+                <a:tc>
+                  <a:txBody>
+                    <a:bodyPr/>
+                    <a:lstStyle/>
+                    <a:p>
+                      <a:pPr algn="r"/>
+                      <a:r>
+                        <a:rPr lang="de-DE" sz="1000" dirty="0">
+                          <a:solidFill>
+                            <a:srgbClr val="212E73"/>
+                          </a:solidFill>
+                          <a:latin typeface="Hind" panose="020B0604020202020204" charset="0"/>
+                          <a:cs typeface="Hind" panose="020B0604020202020204" charset="0"/>
+                        </a:rPr>
+                        <a:t>3.50e-05</a:t>
+                      </a:r>
+                      <a:endParaRPr lang="en-US" sz="1000" dirty="0">
+                        <a:solidFill>
+                          <a:srgbClr val="212E73"/>
+                        </a:solidFill>
+                        <a:latin typeface="Hind" panose="020B0604020202020204" charset="0"/>
+                        <a:cs typeface="Hind" panose="020B0604020202020204" charset="0"/>
+                      </a:endParaRPr>
+                    </a:p>
+                  </a:txBody>
+                  <a:tcPr/>
+                </a:tc>
+                <a:tc>
+                  <a:txBody>
+                    <a:bodyPr/>
+                    <a:lstStyle/>
+                    <a:p>
+                      <a:pPr algn="ctr"/>
+                      <a:r>
+                        <a:rPr lang="en" sz="1000" dirty="0">
+                          <a:solidFill>
+                            <a:srgbClr val="212E73"/>
+                          </a:solidFill>
+                          <a:latin typeface="Hind" panose="020B0604020202020204" charset="0"/>
+                          <a:cs typeface="Hind" panose="020B0604020202020204" charset="0"/>
+                          <a:sym typeface="Hind"/>
+                        </a:rPr>
+                        <a:t>1</a:t>
+                      </a:r>
+                      <a:endParaRPr lang="en-US" sz="1000" dirty="0">
+                        <a:solidFill>
+                          <a:srgbClr val="212E73"/>
+                        </a:solidFill>
+                        <a:latin typeface="Hind" panose="020B0604020202020204" charset="0"/>
+                        <a:cs typeface="Hind" panose="020B0604020202020204" charset="0"/>
+                      </a:endParaRPr>
+                    </a:p>
+                  </a:txBody>
+                  <a:tcPr/>
+                </a:tc>
+                <a:extLst>
+                  <a:ext uri="{0D108BD9-81ED-4DB2-BD59-A6C34878D82A}">
+                    <a16:rowId xmlns:a16="http://schemas.microsoft.com/office/drawing/2014/main" val="849857695"/>
+                  </a:ext>
+                </a:extLst>
+              </a:tr>
+              <a:tr h="543480">
+                <a:tc>
+                  <a:txBody>
+                    <a:bodyPr/>
+                    <a:lstStyle/>
+                    <a:p>
+                      <a:pPr algn="r"/>
+                      <a:r>
+                        <a:rPr lang="de-DE" sz="1000" dirty="0">
+                          <a:solidFill>
+                            <a:srgbClr val="212E73"/>
+                          </a:solidFill>
+                          <a:latin typeface="Hind" panose="020B0604020202020204" charset="0"/>
+                          <a:cs typeface="Hind" panose="020B0604020202020204" charset="0"/>
+                        </a:rPr>
+                        <a:t>2021 – 03</a:t>
+                      </a:r>
+                      <a:endParaRPr lang="en-US" sz="1000" dirty="0">
+                        <a:solidFill>
+                          <a:srgbClr val="212E73"/>
+                        </a:solidFill>
+                        <a:latin typeface="Hind" panose="020B0604020202020204" charset="0"/>
+                        <a:cs typeface="Hind" panose="020B0604020202020204" charset="0"/>
+                      </a:endParaRPr>
+                    </a:p>
+                  </a:txBody>
+                  <a:tcPr/>
+                </a:tc>
+                <a:tc>
+                  <a:txBody>
+                    <a:bodyPr/>
+                    <a:lstStyle/>
+                    <a:p>
+                      <a:pPr algn="r"/>
+                      <a:r>
+                        <a:rPr lang="de-DE" sz="1000" dirty="0">
+                          <a:solidFill>
+                            <a:srgbClr val="212E73"/>
+                          </a:solidFill>
+                          <a:latin typeface="Hind" panose="020B0604020202020204" charset="0"/>
+                          <a:cs typeface="Hind" panose="020B0604020202020204" charset="0"/>
+                        </a:rPr>
+                        <a:t>1343</a:t>
+                      </a:r>
+                      <a:endParaRPr lang="en-US" sz="1000" dirty="0">
+                        <a:solidFill>
+                          <a:srgbClr val="212E73"/>
+                        </a:solidFill>
+                        <a:latin typeface="Hind" panose="020B0604020202020204" charset="0"/>
+                        <a:cs typeface="Hind" panose="020B0604020202020204" charset="0"/>
+                      </a:endParaRPr>
+                    </a:p>
+                  </a:txBody>
+                  <a:tcPr/>
+                </a:tc>
+                <a:tc>
+                  <a:txBody>
+                    <a:bodyPr/>
+                    <a:lstStyle/>
+                    <a:p>
+                      <a:pPr algn="r"/>
+                      <a:r>
+                        <a:rPr lang="de-DE" sz="1000" dirty="0">
+                          <a:solidFill>
+                            <a:srgbClr val="212E73"/>
+                          </a:solidFill>
+                          <a:latin typeface="Hind" panose="020B0604020202020204" charset="0"/>
+                          <a:cs typeface="Hind" panose="020B0604020202020204" charset="0"/>
+                        </a:rPr>
+                        <a:t>5443</a:t>
+                      </a:r>
+                      <a:endParaRPr lang="en-US" sz="1000" dirty="0">
+                        <a:solidFill>
+                          <a:srgbClr val="212E73"/>
+                        </a:solidFill>
+                        <a:latin typeface="Hind" panose="020B0604020202020204" charset="0"/>
+                        <a:cs typeface="Hind" panose="020B0604020202020204" charset="0"/>
+                      </a:endParaRPr>
+                    </a:p>
+                  </a:txBody>
+                  <a:tcPr/>
+                </a:tc>
+                <a:tc>
+                  <a:txBody>
+                    <a:bodyPr/>
+                    <a:lstStyle/>
+                    <a:p>
+                      <a:pPr algn="r"/>
+                      <a:r>
+                        <a:rPr lang="de-DE" sz="1000" dirty="0">
+                          <a:solidFill>
+                            <a:srgbClr val="212E73"/>
+                          </a:solidFill>
+                          <a:latin typeface="Hind" panose="020B0604020202020204" charset="0"/>
+                          <a:cs typeface="Hind" panose="020B0604020202020204" charset="0"/>
+                        </a:rPr>
+                        <a:t>6058</a:t>
+                      </a:r>
+                      <a:endParaRPr lang="en-US" sz="1000" dirty="0">
+                        <a:solidFill>
+                          <a:srgbClr val="212E73"/>
+                        </a:solidFill>
+                        <a:latin typeface="Hind" panose="020B0604020202020204" charset="0"/>
+                        <a:cs typeface="Hind" panose="020B0604020202020204" charset="0"/>
+                      </a:endParaRPr>
+                    </a:p>
+                  </a:txBody>
+                  <a:tcPr/>
+                </a:tc>
+                <a:tc>
+                  <a:txBody>
+                    <a:bodyPr/>
+                    <a:lstStyle/>
+                    <a:p>
+                      <a:pPr algn="r"/>
+                      <a:r>
+                        <a:rPr lang="de-DE" sz="1000" dirty="0">
+                          <a:solidFill>
+                            <a:srgbClr val="212E73"/>
+                          </a:solidFill>
+                          <a:latin typeface="Hind" panose="020B0604020202020204" charset="0"/>
+                          <a:cs typeface="Hind" panose="020B0604020202020204" charset="0"/>
+                        </a:rPr>
+                        <a:t>7378</a:t>
+                      </a:r>
+                      <a:endParaRPr lang="en-US" sz="1000" dirty="0">
+                        <a:solidFill>
+                          <a:srgbClr val="212E73"/>
+                        </a:solidFill>
+                        <a:latin typeface="Hind" panose="020B0604020202020204" charset="0"/>
+                        <a:cs typeface="Hind" panose="020B0604020202020204" charset="0"/>
+                      </a:endParaRPr>
+                    </a:p>
+                  </a:txBody>
+                  <a:tcPr/>
+                </a:tc>
+                <a:tc>
+                  <a:txBody>
+                    <a:bodyPr/>
+                    <a:lstStyle/>
+                    <a:p>
+                      <a:pPr marL="0" marR="0" lvl="0" indent="0" algn="r" defTabSz="914400" rtl="0" eaLnBrk="1" fontAlgn="auto" latinLnBrk="0" hangingPunct="1">
+                        <a:lnSpc>
+                          <a:spcPct val="100000"/>
+                        </a:lnSpc>
+                        <a:spcBef>
+                          <a:spcPts val="0"/>
+                        </a:spcBef>
+                        <a:spcAft>
+                          <a:spcPts val="0"/>
+                        </a:spcAft>
+                        <a:buClr>
+                          <a:srgbClr val="000000"/>
+                        </a:buClr>
+                        <a:buSzTx/>
+                        <a:buFont typeface="Arial"/>
+                        <a:buNone/>
+                        <a:tabLst/>
+                        <a:defRPr/>
+                      </a:pPr>
+                      <a:r>
+                        <a:rPr lang="de-DE" sz="1000" dirty="0">
+                          <a:solidFill>
+                            <a:srgbClr val="212E73"/>
+                          </a:solidFill>
+                          <a:latin typeface="Hind" panose="020B0604020202020204" charset="0"/>
+                          <a:cs typeface="Hind" panose="020B0604020202020204" charset="0"/>
+                        </a:rPr>
+                        <a:t>Nordrhein-Westfalen</a:t>
+                      </a:r>
+                      <a:endParaRPr lang="en-US" sz="1000" dirty="0">
+                        <a:solidFill>
+                          <a:srgbClr val="212E73"/>
+                        </a:solidFill>
+                        <a:latin typeface="Hind" panose="020B0604020202020204" charset="0"/>
+                        <a:cs typeface="Hind" panose="020B0604020202020204" charset="0"/>
+                      </a:endParaRPr>
+                    </a:p>
+                    <a:p>
+                      <a:pPr algn="r"/>
+                      <a:endParaRPr lang="en-US" sz="1000" dirty="0">
+                        <a:solidFill>
+                          <a:srgbClr val="212E73"/>
+                        </a:solidFill>
+                        <a:latin typeface="Hind" panose="020B0604020202020204" charset="0"/>
+                        <a:cs typeface="Hind" panose="020B0604020202020204" charset="0"/>
+                      </a:endParaRPr>
+                    </a:p>
+                  </a:txBody>
+                  <a:tcPr/>
+                </a:tc>
+                <a:tc>
+                  <a:txBody>
+                    <a:bodyPr/>
+                    <a:lstStyle/>
+                    <a:p>
+                      <a:pPr algn="r"/>
+                      <a:r>
+                        <a:rPr lang="de-DE" sz="1000" dirty="0">
+                          <a:solidFill>
+                            <a:srgbClr val="212E73"/>
+                          </a:solidFill>
+                          <a:latin typeface="Hind" panose="020B0604020202020204" charset="0"/>
+                          <a:cs typeface="Hind" panose="020B0604020202020204" charset="0"/>
+                        </a:rPr>
+                        <a:t>60+</a:t>
+                      </a:r>
+                      <a:endParaRPr lang="en-US" sz="1000" dirty="0">
+                        <a:solidFill>
+                          <a:srgbClr val="212E73"/>
+                        </a:solidFill>
+                        <a:latin typeface="Hind" panose="020B0604020202020204" charset="0"/>
+                        <a:cs typeface="Hind" panose="020B0604020202020204" charset="0"/>
+                      </a:endParaRPr>
+                    </a:p>
+                  </a:txBody>
+                  <a:tcPr/>
+                </a:tc>
+                <a:tc>
+                  <a:txBody>
+                    <a:bodyPr/>
+                    <a:lstStyle/>
+                    <a:p>
+                      <a:pPr marL="0" marR="0" lvl="0" indent="0" algn="r" defTabSz="914400" rtl="0" eaLnBrk="1" fontAlgn="auto" latinLnBrk="0" hangingPunct="1">
+                        <a:lnSpc>
+                          <a:spcPct val="100000"/>
+                        </a:lnSpc>
+                        <a:spcBef>
+                          <a:spcPts val="0"/>
+                        </a:spcBef>
+                        <a:spcAft>
+                          <a:spcPts val="0"/>
+                        </a:spcAft>
+                        <a:buClr>
+                          <a:srgbClr val="000000"/>
+                        </a:buClr>
+                        <a:buSzTx/>
+                        <a:buFont typeface="Arial"/>
+                        <a:buNone/>
+                        <a:tabLst/>
+                        <a:defRPr/>
+                      </a:pPr>
+                      <a:r>
+                        <a:rPr lang="de-DE" sz="1000" dirty="0">
+                          <a:solidFill>
+                            <a:srgbClr val="212E73"/>
+                          </a:solidFill>
+                          <a:latin typeface="Hind" panose="020B0604020202020204" charset="0"/>
+                          <a:cs typeface="Hind" panose="020B0604020202020204" charset="0"/>
+                        </a:rPr>
+                        <a:t>Winter</a:t>
+                      </a:r>
+                      <a:endParaRPr lang="en-US" sz="1000" dirty="0">
+                        <a:solidFill>
+                          <a:srgbClr val="212E73"/>
+                        </a:solidFill>
+                        <a:latin typeface="Hind" panose="020B0604020202020204" charset="0"/>
+                        <a:cs typeface="Hind" panose="020B0604020202020204" charset="0"/>
+                      </a:endParaRPr>
+                    </a:p>
+                    <a:p>
+                      <a:pPr algn="r"/>
+                      <a:endParaRPr lang="en-US" sz="1000" dirty="0">
+                        <a:solidFill>
+                          <a:srgbClr val="212E73"/>
+                        </a:solidFill>
+                        <a:latin typeface="Hind" panose="020B0604020202020204" charset="0"/>
+                        <a:cs typeface="Hind" panose="020B0604020202020204" charset="0"/>
+                      </a:endParaRPr>
+                    </a:p>
+                  </a:txBody>
+                  <a:tcPr/>
+                </a:tc>
+                <a:tc>
+                  <a:txBody>
+                    <a:bodyPr/>
+                    <a:lstStyle/>
+                    <a:p>
+                      <a:pPr algn="r"/>
+                      <a:r>
+                        <a:rPr lang="de-DE" sz="1000" dirty="0">
+                          <a:solidFill>
+                            <a:srgbClr val="212E73"/>
+                          </a:solidFill>
+                          <a:latin typeface="Hind" panose="020B0604020202020204" charset="0"/>
+                          <a:cs typeface="Hind" panose="020B0604020202020204" charset="0"/>
+                        </a:rPr>
+                        <a:t>8.79e-05</a:t>
+                      </a:r>
+                      <a:endParaRPr lang="en-US" sz="1000" dirty="0">
+                        <a:solidFill>
+                          <a:srgbClr val="212E73"/>
+                        </a:solidFill>
+                        <a:latin typeface="Hind" panose="020B0604020202020204" charset="0"/>
+                        <a:cs typeface="Hind" panose="020B0604020202020204" charset="0"/>
+                      </a:endParaRPr>
+                    </a:p>
+                  </a:txBody>
+                  <a:tcPr/>
+                </a:tc>
+                <a:tc>
+                  <a:txBody>
+                    <a:bodyPr/>
+                    <a:lstStyle/>
+                    <a:p>
+                      <a:pPr algn="ctr"/>
+                      <a:r>
+                        <a:rPr lang="en" sz="1000" dirty="0">
+                          <a:solidFill>
+                            <a:srgbClr val="212E73"/>
+                          </a:solidFill>
+                          <a:latin typeface="Hind" panose="020B0604020202020204" charset="0"/>
+                          <a:cs typeface="Hind" panose="020B0604020202020204" charset="0"/>
+                          <a:sym typeface="Hind"/>
+                        </a:rPr>
+                        <a:t>1</a:t>
+                      </a:r>
+                      <a:endParaRPr lang="en-US" sz="1000" dirty="0">
+                        <a:solidFill>
+                          <a:srgbClr val="212E73"/>
+                        </a:solidFill>
+                        <a:latin typeface="Hind" panose="020B0604020202020204" charset="0"/>
+                        <a:cs typeface="Hind" panose="020B0604020202020204" charset="0"/>
+                      </a:endParaRPr>
+                    </a:p>
+                  </a:txBody>
+                  <a:tcPr/>
+                </a:tc>
+                <a:extLst>
+                  <a:ext uri="{0D108BD9-81ED-4DB2-BD59-A6C34878D82A}">
+                    <a16:rowId xmlns:a16="http://schemas.microsoft.com/office/drawing/2014/main" val="1871397890"/>
+                  </a:ext>
+                </a:extLst>
+              </a:tr>
+            </a:tbl>
+          </a:graphicData>
+        </a:graphic>
+      </p:graphicFrame>
       <p:sp>
         <p:nvSpPr>
-          <p:cNvPr id="358" name="Google Shape;358;p32"/>
-          <p:cNvSpPr txBox="1">
-            <a:spLocks noGrp="1"/>
-          </p:cNvSpPr>
-          <p:nvPr>
-            <p:ph type="body" idx="1"/>
-          </p:nvPr>
+          <p:cNvPr id="3" name="Rahmen 2">
+            <a:extLst>
+              <a:ext uri="{FF2B5EF4-FFF2-40B4-BE49-F238E27FC236}">
+                <a16:creationId xmlns:a16="http://schemas.microsoft.com/office/drawing/2014/main" id="{09429BCC-384B-43C2-9817-0BDDF6975DC4}"/>
+              </a:ext>
+            </a:extLst>
+          </p:cNvPr>
+          <p:cNvSpPr/>
+          <p:nvPr/>
         </p:nvSpPr>
         <p:spPr>
           <a:xfrm>
-            <a:off x="720000" y="1129299"/>
-            <a:ext cx="7704000" cy="3787933"/>
+            <a:off x="4772233" y="4224921"/>
+            <a:ext cx="547305" cy="233606"/>
           </a:xfrm>
-          <a:prstGeom prst="rect">
-            <a:avLst/>
+          <a:prstGeom prst="frame">
+            <a:avLst>
+              <a:gd name="adj1" fmla="val 0"/>
+            </a:avLst>
           </a:prstGeom>
+          <a:solidFill>
+            <a:srgbClr val="FFFFFF"/>
+          </a:solidFill>
+          <a:ln>
+            <a:solidFill>
+              <a:srgbClr val="FFFFFF"/>
+            </a:solidFill>
+          </a:ln>
         </p:spPr>
+        <p:style>
+          <a:lnRef idx="3">
+            <a:schemeClr val="lt1"/>
+          </a:lnRef>
+          <a:fillRef idx="1">
+            <a:schemeClr val="accent4"/>
+          </a:fillRef>
+          <a:effectRef idx="1">
+            <a:schemeClr val="accent4"/>
+          </a:effectRef>
+          <a:fontRef idx="minor">
+            <a:schemeClr val="lt1"/>
+          </a:fontRef>
+        </p:style>
         <p:txBody>
-          <a:bodyPr spcFirstLastPara="1" wrap="square" lIns="91425" tIns="91425" rIns="91425" bIns="91425" anchor="t" anchorCtr="0">
-            <a:noAutofit/>
-          </a:bodyPr>
+          <a:bodyPr rtlCol="0" anchor="ctr"/>
           <a:lstStyle/>
           <a:p>
-            <a:pPr marL="495300" indent="-342900">
-              <a:buClr>
-                <a:srgbClr val="FFFFFF"/>
-              </a:buClr>
-              <a:buFont typeface="Arial" panose="020B0604020202020204" pitchFamily="34" charset="0"/>
-              <a:buChar char="•"/>
-            </a:pPr>
-            <a:r>
-              <a:rPr lang="de-DE" sz="1800" dirty="0">
-                <a:solidFill>
-                  <a:schemeClr val="tx2"/>
-                </a:solidFill>
-              </a:rPr>
-              <a:t>Finaler Datensatz:</a:t>
-            </a:r>
-          </a:p>
-          <a:p>
-            <a:pPr marL="152400" indent="0">
-              <a:buNone/>
-            </a:pPr>
-            <a:endParaRPr lang="de-DE" sz="2000" dirty="0">
+            <a:pPr algn="ctr"/>
+            <a:endParaRPr lang="en-US">
               <a:solidFill>
-                <a:schemeClr val="tx2"/>
+                <a:schemeClr val="tx1"/>
               </a:solidFill>
             </a:endParaRPr>
           </a:p>
         </p:txBody>
       </p:sp>
-      <p:pic>
-        <p:nvPicPr>
-          <p:cNvPr id="4" name="Picture 4" descr="final.png">
+      <p:sp>
+        <p:nvSpPr>
+          <p:cNvPr id="9" name="Rahmen 8">
             <a:extLst>
               <a:ext uri="{FF2B5EF4-FFF2-40B4-BE49-F238E27FC236}">
-                <a16:creationId xmlns:a16="http://schemas.microsoft.com/office/drawing/2014/main" id="{40341DA2-E806-4136-8B94-D7FAD62571B5}"/>
+                <a16:creationId xmlns:a16="http://schemas.microsoft.com/office/drawing/2014/main" id="{38109EB6-1C42-4417-9CBB-54E786ACDCE0}"/>
               </a:ext>
             </a:extLst>
           </p:cNvPr>
-          <p:cNvPicPr>
-            <a:picLocks noChangeAspect="1"/>
-          </p:cNvPicPr>
+          <p:cNvSpPr/>
           <p:nvPr/>
-        </p:nvPicPr>
-        <p:blipFill>
-          <a:blip r:embed="rId3">
+        </p:nvSpPr>
+        <p:spPr>
+          <a:xfrm>
+            <a:off x="3530785" y="3114197"/>
+            <a:ext cx="540631" cy="233606"/>
+          </a:xfrm>
+          <a:prstGeom prst="frame">
+            <a:avLst>
+              <a:gd name="adj1" fmla="val 0"/>
+            </a:avLst>
+          </a:prstGeom>
+          <a:solidFill>
+            <a:srgbClr val="FFFFFF"/>
+          </a:solidFill>
+          <a:ln>
+            <a:solidFill>
+              <a:srgbClr val="FFFFFF"/>
+            </a:solidFill>
+          </a:ln>
+        </p:spPr>
+        <p:style>
+          <a:lnRef idx="3">
+            <a:schemeClr val="lt1"/>
+          </a:lnRef>
+          <a:fillRef idx="1">
+            <a:schemeClr val="accent4"/>
+          </a:fillRef>
+          <a:effectRef idx="1">
+            <a:schemeClr val="accent4"/>
+          </a:effectRef>
+          <a:fontRef idx="minor">
+            <a:schemeClr val="lt1"/>
+          </a:fontRef>
+        </p:style>
+        <p:txBody>
+          <a:bodyPr rtlCol="0" anchor="ctr"/>
+          <a:lstStyle/>
+          <a:p>
+            <a:pPr algn="ctr"/>
+            <a:endParaRPr lang="en-US">
+              <a:solidFill>
+                <a:schemeClr val="tx1"/>
+              </a:solidFill>
+            </a:endParaRPr>
+          </a:p>
+        </p:txBody>
+      </p:sp>
+      <p:sp>
+        <p:nvSpPr>
+          <p:cNvPr id="10" name="Rahmen 9">
             <a:extLst>
-              <a:ext uri="{28A0092B-C50C-407E-A947-70E740481C1C}">
-                <a14:useLocalDpi xmlns:a14="http://schemas.microsoft.com/office/drawing/2010/main" val="0"/>
+              <a:ext uri="{FF2B5EF4-FFF2-40B4-BE49-F238E27FC236}">
+                <a16:creationId xmlns:a16="http://schemas.microsoft.com/office/drawing/2014/main" id="{2372DFCD-71D2-45B9-848E-95475B17E908}"/>
               </a:ext>
             </a:extLst>
-          </a:blip>
-          <a:srcRect/>
-          <a:stretch>
-            <a:fillRect/>
-          </a:stretch>
-        </p:blipFill>
-        <p:spPr bwMode="auto">
+          </p:cNvPr>
+          <p:cNvSpPr/>
+          <p:nvPr/>
+        </p:nvSpPr>
+        <p:spPr>
           <a:xfrm>
-            <a:off x="78816" y="2015685"/>
-            <a:ext cx="8912150" cy="1998516"/>
+            <a:off x="2289337" y="2029027"/>
+            <a:ext cx="513933" cy="233606"/>
           </a:xfrm>
-          <a:prstGeom prst="rect">
-            <a:avLst/>
+          <a:prstGeom prst="frame">
+            <a:avLst>
+              <a:gd name="adj1" fmla="val 0"/>
+            </a:avLst>
           </a:prstGeom>
-          <a:noFill/>
+          <a:solidFill>
+            <a:srgbClr val="FFFFFF"/>
+          </a:solidFill>
           <a:ln>
-            <a:noFill/>
+            <a:solidFill>
+              <a:srgbClr val="FFFFFF"/>
+            </a:solidFill>
           </a:ln>
-          <a:effectLst/>
-          <a:extLst>
-            <a:ext uri="{909E8E84-426E-40DD-AFC4-6F175D3DCCD1}">
-              <a14:hiddenFill xmlns:a14="http://schemas.microsoft.com/office/drawing/2010/main">
-                <a:solidFill>
-                  <a:srgbClr val="FFFFFF"/>
-                </a:solidFill>
-              </a14:hiddenFill>
-            </a:ext>
-            <a:ext uri="{91240B29-F687-4F45-9708-019B960494DF}">
-              <a14:hiddenLine xmlns:a14="http://schemas.microsoft.com/office/drawing/2010/main" w="12700">
-                <a:solidFill>
-                  <a:srgbClr val="000000"/>
-                </a:solidFill>
-                <a:miter lim="400000"/>
-                <a:headEnd/>
-                <a:tailEnd/>
-              </a14:hiddenLine>
-            </a:ext>
-            <a:ext uri="{AF507438-7753-43E0-B8FC-AC1667EBCBE1}">
-              <a14:hiddenEffects xmlns:a14="http://schemas.microsoft.com/office/drawing/2010/main">
-                <a:effectLst>
-                  <a:outerShdw dist="35921" dir="2700000" algn="ctr" rotWithShape="0">
-                    <a:srgbClr val="808080"/>
-                  </a:outerShdw>
-                </a:effectLst>
-              </a14:hiddenEffects>
-            </a:ext>
-          </a:extLst>
         </p:spPr>
-      </p:pic>
+        <p:style>
+          <a:lnRef idx="3">
+            <a:schemeClr val="lt1"/>
+          </a:lnRef>
+          <a:fillRef idx="1">
+            <a:schemeClr val="accent4"/>
+          </a:fillRef>
+          <a:effectRef idx="1">
+            <a:schemeClr val="accent4"/>
+          </a:effectRef>
+          <a:fontRef idx="minor">
+            <a:schemeClr val="lt1"/>
+          </a:fontRef>
+        </p:style>
+        <p:txBody>
+          <a:bodyPr rtlCol="0" anchor="ctr"/>
+          <a:lstStyle/>
+          <a:p>
+            <a:pPr algn="ctr"/>
+            <a:endParaRPr lang="en-US">
+              <a:solidFill>
+                <a:schemeClr val="tx1"/>
+              </a:solidFill>
+            </a:endParaRPr>
+          </a:p>
+        </p:txBody>
+      </p:sp>
     </p:spTree>
-    <p:extLst>
-      <p:ext uri="{BB962C8B-B14F-4D97-AF65-F5344CB8AC3E}">
-        <p14:creationId xmlns:p14="http://schemas.microsoft.com/office/powerpoint/2010/main" val="4170385078"/>
-      </p:ext>
-    </p:extLst>
   </p:cSld>
   <p:clrMapOvr>
     <a:masterClrMapping/>

--- a/Praesentation/COVID-19 Hospitalisierungsrate .ppt.pptx
+++ b/Praesentation/COVID-19 Hospitalisierungsrate .ppt.pptx
@@ -31484,39 +31484,59 @@
           </a:p>
         </p:txBody>
       </p:sp>
+      <p:sp>
+        <p:nvSpPr>
+          <p:cNvPr id="6" name="Textplatzhalter 5">
+            <a:extLst>
+              <a:ext uri="{FF2B5EF4-FFF2-40B4-BE49-F238E27FC236}">
+                <a16:creationId xmlns:a16="http://schemas.microsoft.com/office/drawing/2014/main" id="{03E563B4-D896-44B2-B9FB-B5FC18200C7B}"/>
+              </a:ext>
+            </a:extLst>
+          </p:cNvPr>
+          <p:cNvSpPr>
+            <a:spLocks noGrp="1"/>
+          </p:cNvSpPr>
+          <p:nvPr>
+            <p:ph type="body" idx="1"/>
+          </p:nvPr>
+        </p:nvSpPr>
+        <p:spPr/>
+        <p:txBody>
+          <a:bodyPr/>
+          <a:lstStyle/>
+          <a:p>
+            <a:endParaRPr lang="en-US"/>
+          </a:p>
+        </p:txBody>
+      </p:sp>
       <p:pic>
         <p:nvPicPr>
-          <p:cNvPr id="4" name="Inhaltsplatzhalter 10">
+          <p:cNvPr id="8" name="Grafik 7">
             <a:extLst>
               <a:ext uri="{FF2B5EF4-FFF2-40B4-BE49-F238E27FC236}">
-                <a16:creationId xmlns:a16="http://schemas.microsoft.com/office/drawing/2014/main" id="{5C08EBB3-C794-484D-8614-32DB19F20891}"/>
+                <a16:creationId xmlns:a16="http://schemas.microsoft.com/office/drawing/2014/main" id="{DB230D3D-0EDA-45DF-9F34-278537DE990A}"/>
               </a:ext>
             </a:extLst>
           </p:cNvPr>
           <p:cNvPicPr>
-            <a:picLocks noGrp="1" noChangeAspect="1"/>
+            <a:picLocks noChangeAspect="1"/>
           </p:cNvPicPr>
-          <p:nvPr>
-            <p:ph idx="1"/>
-          </p:nvPr>
+          <p:nvPr/>
         </p:nvPicPr>
         <p:blipFill>
-          <a:blip r:embed="rId2">
-            <a:extLst>
-              <a:ext uri="{28A0092B-C50C-407E-A947-70E740481C1C}">
-                <a14:useLocalDpi xmlns:a14="http://schemas.microsoft.com/office/drawing/2010/main" val="0"/>
-              </a:ext>
-            </a:extLst>
-          </a:blip>
+          <a:blip r:embed="rId2"/>
           <a:stretch>
             <a:fillRect/>
           </a:stretch>
         </p:blipFill>
         <p:spPr>
           <a:xfrm>
-            <a:off x="719999" y="1129300"/>
-            <a:ext cx="7704001" cy="3466800"/>
+            <a:off x="741842" y="1129300"/>
+            <a:ext cx="7682158" cy="3369368"/>
           </a:xfrm>
+          <a:prstGeom prst="rect">
+            <a:avLst/>
+          </a:prstGeom>
         </p:spPr>
       </p:pic>
     </p:spTree>

--- a/Praesentation/COVID-19 Hospitalisierungsrate .ppt.pptx
+++ b/Praesentation/COVID-19 Hospitalisierungsrate .ppt.pptx
@@ -2118,7 +2118,7 @@
 </file>
 
 <file path=ppt/slideLayouts/slideLayout1.xml><?xml version="1.0" encoding="utf-8"?>
-<p:sldLayout xmlns:a="http://schemas.openxmlformats.org/drawingml/2006/main" xmlns:r="http://schemas.openxmlformats.org/officeDocument/2006/relationships" xmlns:p="http://schemas.openxmlformats.org/presentationml/2006/main" matchingName="Title slide" type="title">
+<p:sldLayout xmlns:a="http://schemas.openxmlformats.org/drawingml/2006/main" xmlns:r="http://schemas.openxmlformats.org/officeDocument/2006/relationships" xmlns:p="http://schemas.openxmlformats.org/presentationml/2006/main" matchingName="Title slide" userDrawn="1">
   <p:cSld name="TITLE">
     <p:spTree>
       <p:nvGrpSpPr>
@@ -27229,7 +27229,7 @@
         </p:nvGrpSpPr>
         <p:grpSpPr>
           <a:xfrm>
-            <a:off x="7398291" y="3762736"/>
+            <a:off x="5296925" y="3752752"/>
             <a:ext cx="903819" cy="915039"/>
             <a:chOff x="4304200" y="4312250"/>
             <a:chExt cx="191325" cy="193700"/>
@@ -31005,12 +31005,12 @@
         </p:nvSpPr>
         <p:spPr>
           <a:xfrm>
-            <a:off x="841890" y="3490325"/>
-            <a:ext cx="5037504" cy="1489429"/>
+            <a:off x="285561" y="3465558"/>
+            <a:ext cx="4926520" cy="1489429"/>
           </a:xfrm>
           <a:prstGeom prst="roundRect">
             <a:avLst>
-              <a:gd name="adj" fmla="val 50000"/>
+              <a:gd name="adj" fmla="val 34140"/>
             </a:avLst>
           </a:prstGeom>
           <a:solidFill>
@@ -31055,8 +31055,8 @@
         </p:nvSpPr>
         <p:spPr>
           <a:xfrm>
-            <a:off x="1032858" y="3597149"/>
-            <a:ext cx="5037504" cy="1489430"/>
+            <a:off x="285560" y="3618086"/>
+            <a:ext cx="4839494" cy="1489430"/>
           </a:xfrm>
           <a:prstGeom prst="rect">
             <a:avLst/>
@@ -31397,6 +31397,154 @@
               </a:rPr>
               <a:t>Institut für Statistik</a:t>
             </a:r>
+          </a:p>
+        </p:txBody>
+      </p:sp>
+      <p:sp>
+        <p:nvSpPr>
+          <p:cNvPr id="87" name="Google Shape;311;p31">
+            <a:extLst>
+              <a:ext uri="{FF2B5EF4-FFF2-40B4-BE49-F238E27FC236}">
+                <a16:creationId xmlns:a16="http://schemas.microsoft.com/office/drawing/2014/main" id="{27409653-A7A7-4CC7-82EE-978603030F30}"/>
+              </a:ext>
+            </a:extLst>
+          </p:cNvPr>
+          <p:cNvSpPr/>
+          <p:nvPr/>
+        </p:nvSpPr>
+        <p:spPr>
+          <a:xfrm>
+            <a:off x="6285589" y="3465558"/>
+            <a:ext cx="2456591" cy="1489428"/>
+          </a:xfrm>
+          <a:prstGeom prst="roundRect">
+            <a:avLst>
+              <a:gd name="adj" fmla="val 30758"/>
+            </a:avLst>
+          </a:prstGeom>
+          <a:solidFill>
+            <a:schemeClr val="dk1"/>
+          </a:solidFill>
+          <a:ln>
+            <a:noFill/>
+          </a:ln>
+        </p:spPr>
+        <p:txBody>
+          <a:bodyPr spcFirstLastPara="1" wrap="square" lIns="91425" tIns="91425" rIns="91425" bIns="91425" anchor="ctr" anchorCtr="0">
+            <a:noAutofit/>
+          </a:bodyPr>
+          <a:lstStyle/>
+          <a:p>
+            <a:pPr marL="0" lvl="0" indent="0" algn="r" rtl="0">
+              <a:spcBef>
+                <a:spcPts val="0"/>
+              </a:spcBef>
+              <a:spcAft>
+                <a:spcPts val="0"/>
+              </a:spcAft>
+              <a:buNone/>
+            </a:pPr>
+            <a:r>
+              <a:rPr lang="de-DE" sz="1800" dirty="0">
+                <a:solidFill>
+                  <a:srgbClr val="141E5C"/>
+                </a:solidFill>
+                <a:latin typeface="Hind" panose="020B0604020202020204" charset="0"/>
+                <a:cs typeface="Hind" panose="020B0604020202020204" charset="0"/>
+              </a:rPr>
+              <a:t>Gruppe: </a:t>
+            </a:r>
+          </a:p>
+          <a:p>
+            <a:pPr marL="0" lvl="0" indent="0" algn="r" rtl="0">
+              <a:spcBef>
+                <a:spcPts val="0"/>
+              </a:spcBef>
+              <a:spcAft>
+                <a:spcPts val="0"/>
+              </a:spcAft>
+              <a:buNone/>
+            </a:pPr>
+            <a:r>
+              <a:rPr lang="de-DE" sz="1800" dirty="0">
+                <a:solidFill>
+                  <a:srgbClr val="141E5C"/>
+                </a:solidFill>
+                <a:latin typeface="Hind" panose="020B0604020202020204" charset="0"/>
+                <a:cs typeface="Hind" panose="020B0604020202020204" charset="0"/>
+              </a:rPr>
+              <a:t>Alexander Marquard</a:t>
+            </a:r>
+          </a:p>
+          <a:p>
+            <a:pPr marL="0" lvl="0" indent="0" algn="r" rtl="0">
+              <a:spcBef>
+                <a:spcPts val="0"/>
+              </a:spcBef>
+              <a:spcAft>
+                <a:spcPts val="0"/>
+              </a:spcAft>
+              <a:buNone/>
+            </a:pPr>
+            <a:r>
+              <a:rPr lang="de-DE" sz="1800" dirty="0">
+                <a:solidFill>
+                  <a:srgbClr val="141E5C"/>
+                </a:solidFill>
+                <a:latin typeface="Hind" panose="020B0604020202020204" charset="0"/>
+                <a:cs typeface="Hind" panose="020B0604020202020204" charset="0"/>
+              </a:rPr>
+              <a:t>Johannes Pfeifer</a:t>
+            </a:r>
+          </a:p>
+          <a:p>
+            <a:pPr marL="0" lvl="0" indent="0" algn="r" rtl="0">
+              <a:spcBef>
+                <a:spcPts val="0"/>
+              </a:spcBef>
+              <a:spcAft>
+                <a:spcPts val="0"/>
+              </a:spcAft>
+              <a:buNone/>
+            </a:pPr>
+            <a:r>
+              <a:rPr lang="de-DE" sz="1800" dirty="0">
+                <a:solidFill>
+                  <a:srgbClr val="141E5C"/>
+                </a:solidFill>
+                <a:latin typeface="Hind" panose="020B0604020202020204" charset="0"/>
+                <a:cs typeface="Hind" panose="020B0604020202020204" charset="0"/>
+              </a:rPr>
+              <a:t>Phu Nguyen</a:t>
+            </a:r>
+          </a:p>
+          <a:p>
+            <a:pPr marL="0" lvl="0" indent="0" algn="r" rtl="0">
+              <a:spcBef>
+                <a:spcPts val="0"/>
+              </a:spcBef>
+              <a:spcAft>
+                <a:spcPts val="0"/>
+              </a:spcAft>
+              <a:buNone/>
+            </a:pPr>
+            <a:r>
+              <a:rPr lang="de-DE" sz="1800" dirty="0">
+                <a:solidFill>
+                  <a:srgbClr val="141E5C"/>
+                </a:solidFill>
+                <a:latin typeface="Hind" panose="020B0604020202020204" charset="0"/>
+                <a:cs typeface="Hind" panose="020B0604020202020204" charset="0"/>
+              </a:rPr>
+              <a:t>Qian Feng</a:t>
+            </a:r>
+            <a:endParaRPr sz="1800" dirty="0">
+              <a:solidFill>
+                <a:srgbClr val="141E5C"/>
+              </a:solidFill>
+              <a:latin typeface="Hind" panose="020B0604020202020204" charset="0"/>
+              <a:cs typeface="Hind" panose="020B0604020202020204" charset="0"/>
+            </a:endParaRPr>
           </a:p>
         </p:txBody>
       </p:sp>
@@ -31534,11 +31682,75 @@
             <a:off x="741842" y="1129300"/>
             <a:ext cx="7682158" cy="3369368"/>
           </a:xfrm>
+          <a:prstGeom prst="round2DiagRect">
+            <a:avLst>
+              <a:gd name="adj1" fmla="val 3038"/>
+              <a:gd name="adj2" fmla="val 4456"/>
+            </a:avLst>
+          </a:prstGeom>
+          <a:ln w="88900" cap="sq">
+            <a:solidFill>
+              <a:srgbClr val="FFFFFF"/>
+            </a:solidFill>
+            <a:miter lim="800000"/>
+          </a:ln>
+          <a:effectLst>
+            <a:outerShdw blurRad="254000" algn="tl" rotWithShape="0">
+              <a:srgbClr val="000000">
+                <a:alpha val="43000"/>
+              </a:srgbClr>
+            </a:outerShdw>
+          </a:effectLst>
+        </p:spPr>
+      </p:pic>
+      <p:sp>
+        <p:nvSpPr>
+          <p:cNvPr id="7" name="Textfeld 6">
+            <a:extLst>
+              <a:ext uri="{FF2B5EF4-FFF2-40B4-BE49-F238E27FC236}">
+                <a16:creationId xmlns:a16="http://schemas.microsoft.com/office/drawing/2014/main" id="{8A1F83D6-5E87-4E3A-9DA4-AD02A522D0AD}"/>
+              </a:ext>
+            </a:extLst>
+          </p:cNvPr>
+          <p:cNvSpPr txBox="1"/>
+          <p:nvPr/>
+        </p:nvSpPr>
+        <p:spPr>
+          <a:xfrm>
+            <a:off x="8693236" y="4785682"/>
+            <a:ext cx="450764" cy="461665"/>
+          </a:xfrm>
           <a:prstGeom prst="rect">
             <a:avLst/>
           </a:prstGeom>
+          <a:noFill/>
         </p:spPr>
-      </p:pic>
+        <p:txBody>
+          <a:bodyPr wrap="none" rtlCol="0">
+            <a:spAutoFit/>
+          </a:bodyPr>
+          <a:lstStyle/>
+          <a:p>
+            <a:r>
+              <a:rPr lang="de-DE" sz="2400" dirty="0">
+                <a:solidFill>
+                  <a:srgbClr val="F5A785"/>
+                </a:solidFill>
+                <a:latin typeface="Hind" panose="020B0604020202020204" charset="0"/>
+                <a:cs typeface="Hind" panose="020B0604020202020204" charset="0"/>
+              </a:rPr>
+              <a:t>10</a:t>
+            </a:r>
+            <a:endParaRPr lang="en-US" sz="2400" dirty="0">
+              <a:solidFill>
+                <a:srgbClr val="F5A785"/>
+              </a:solidFill>
+              <a:latin typeface="Hind" panose="020B0604020202020204" charset="0"/>
+              <a:cs typeface="Hind" panose="020B0604020202020204" charset="0"/>
+            </a:endParaRPr>
+          </a:p>
+        </p:txBody>
+      </p:sp>
     </p:spTree>
     <p:extLst>
       <p:ext uri="{BB962C8B-B14F-4D97-AF65-F5344CB8AC3E}">
@@ -31654,15 +31866,75 @@
             <a:off x="720000" y="1129300"/>
             <a:ext cx="7704000" cy="3466800"/>
           </a:xfrm>
+          <a:prstGeom prst="round2DiagRect">
+            <a:avLst>
+              <a:gd name="adj1" fmla="val 6038"/>
+              <a:gd name="adj2" fmla="val 5511"/>
+            </a:avLst>
+          </a:prstGeom>
+          <a:ln w="88900" cap="sq">
+            <a:solidFill>
+              <a:srgbClr val="FFFFFF"/>
+            </a:solidFill>
+            <a:miter lim="800000"/>
+          </a:ln>
+          <a:effectLst>
+            <a:outerShdw blurRad="254000" algn="tl" rotWithShape="0">
+              <a:srgbClr val="000000">
+                <a:alpha val="43000"/>
+              </a:srgbClr>
+            </a:outerShdw>
+          </a:effectLst>
+        </p:spPr>
+      </p:pic>
+      <p:sp>
+        <p:nvSpPr>
+          <p:cNvPr id="5" name="Textfeld 4">
+            <a:extLst>
+              <a:ext uri="{FF2B5EF4-FFF2-40B4-BE49-F238E27FC236}">
+                <a16:creationId xmlns:a16="http://schemas.microsoft.com/office/drawing/2014/main" id="{23155DB3-CE3B-4DA7-A802-EB038054F1D9}"/>
+              </a:ext>
+            </a:extLst>
+          </p:cNvPr>
+          <p:cNvSpPr txBox="1"/>
+          <p:nvPr/>
+        </p:nvSpPr>
+        <p:spPr>
+          <a:xfrm>
+            <a:off x="8760562" y="4785682"/>
+            <a:ext cx="383438" cy="461665"/>
+          </a:xfrm>
           <a:prstGeom prst="rect">
             <a:avLst/>
           </a:prstGeom>
           <a:noFill/>
-          <a:ln>
-            <a:noFill/>
-          </a:ln>
         </p:spPr>
-      </p:pic>
+        <p:txBody>
+          <a:bodyPr wrap="none" rtlCol="0">
+            <a:spAutoFit/>
+          </a:bodyPr>
+          <a:lstStyle/>
+          <a:p>
+            <a:r>
+              <a:rPr lang="de-DE" sz="2400" dirty="0">
+                <a:solidFill>
+                  <a:srgbClr val="F5A785"/>
+                </a:solidFill>
+                <a:latin typeface="Hind" panose="020B0604020202020204" charset="0"/>
+                <a:cs typeface="Hind" panose="020B0604020202020204" charset="0"/>
+              </a:rPr>
+              <a:t>11</a:t>
+            </a:r>
+            <a:endParaRPr lang="en-US" sz="2400" dirty="0">
+              <a:solidFill>
+                <a:srgbClr val="F5A785"/>
+              </a:solidFill>
+              <a:latin typeface="Hind" panose="020B0604020202020204" charset="0"/>
+              <a:cs typeface="Hind" panose="020B0604020202020204" charset="0"/>
+            </a:endParaRPr>
+          </a:p>
+        </p:txBody>
+      </p:sp>
     </p:spTree>
     <p:extLst>
       <p:ext uri="{BB962C8B-B14F-4D97-AF65-F5344CB8AC3E}">
@@ -31778,15 +32050,75 @@
             <a:off x="965813" y="1129300"/>
             <a:ext cx="7212373" cy="3584550"/>
           </a:xfrm>
+          <a:prstGeom prst="round2DiagRect">
+            <a:avLst>
+              <a:gd name="adj1" fmla="val 5054"/>
+              <a:gd name="adj2" fmla="val 4569"/>
+            </a:avLst>
+          </a:prstGeom>
+          <a:ln w="88900" cap="sq">
+            <a:solidFill>
+              <a:srgbClr val="FFFFFF"/>
+            </a:solidFill>
+            <a:miter lim="800000"/>
+          </a:ln>
+          <a:effectLst>
+            <a:outerShdw blurRad="254000" algn="tl" rotWithShape="0">
+              <a:srgbClr val="000000">
+                <a:alpha val="43000"/>
+              </a:srgbClr>
+            </a:outerShdw>
+          </a:effectLst>
+        </p:spPr>
+      </p:pic>
+      <p:sp>
+        <p:nvSpPr>
+          <p:cNvPr id="5" name="Textfeld 4">
+            <a:extLst>
+              <a:ext uri="{FF2B5EF4-FFF2-40B4-BE49-F238E27FC236}">
+                <a16:creationId xmlns:a16="http://schemas.microsoft.com/office/drawing/2014/main" id="{3CE5C590-B131-4DB5-8E55-0D6AEA4A9EBB}"/>
+              </a:ext>
+            </a:extLst>
+          </p:cNvPr>
+          <p:cNvSpPr txBox="1"/>
+          <p:nvPr/>
+        </p:nvSpPr>
+        <p:spPr>
+          <a:xfrm>
+            <a:off x="8707662" y="4770442"/>
+            <a:ext cx="436338" cy="461665"/>
+          </a:xfrm>
           <a:prstGeom prst="rect">
             <a:avLst/>
           </a:prstGeom>
           <a:noFill/>
-          <a:ln>
-            <a:noFill/>
-          </a:ln>
         </p:spPr>
-      </p:pic>
+        <p:txBody>
+          <a:bodyPr wrap="none" rtlCol="0">
+            <a:spAutoFit/>
+          </a:bodyPr>
+          <a:lstStyle/>
+          <a:p>
+            <a:r>
+              <a:rPr lang="de-DE" sz="2400" dirty="0">
+                <a:solidFill>
+                  <a:srgbClr val="F5A785"/>
+                </a:solidFill>
+                <a:latin typeface="Hind" panose="020B0604020202020204" charset="0"/>
+                <a:cs typeface="Hind" panose="020B0604020202020204" charset="0"/>
+              </a:rPr>
+              <a:t>12</a:t>
+            </a:r>
+            <a:endParaRPr lang="en-US" sz="2400" dirty="0">
+              <a:solidFill>
+                <a:srgbClr val="F5A785"/>
+              </a:solidFill>
+              <a:latin typeface="Hind" panose="020B0604020202020204" charset="0"/>
+              <a:cs typeface="Hind" panose="020B0604020202020204" charset="0"/>
+            </a:endParaRPr>
+          </a:p>
+        </p:txBody>
+      </p:sp>
     </p:spTree>
     <p:extLst>
       <p:ext uri="{BB962C8B-B14F-4D97-AF65-F5344CB8AC3E}">
@@ -32007,6 +32339,54 @@
               <a:t>Modellvorstellung</a:t>
             </a:r>
             <a:endParaRPr dirty="0"/>
+          </a:p>
+        </p:txBody>
+      </p:sp>
+      <p:sp>
+        <p:nvSpPr>
+          <p:cNvPr id="8" name="Textfeld 7">
+            <a:extLst>
+              <a:ext uri="{FF2B5EF4-FFF2-40B4-BE49-F238E27FC236}">
+                <a16:creationId xmlns:a16="http://schemas.microsoft.com/office/drawing/2014/main" id="{528A3EB0-CBE1-4952-9B83-AF1DC2EFE30C}"/>
+              </a:ext>
+            </a:extLst>
+          </p:cNvPr>
+          <p:cNvSpPr txBox="1"/>
+          <p:nvPr/>
+        </p:nvSpPr>
+        <p:spPr>
+          <a:xfrm>
+            <a:off x="0" y="4739962"/>
+            <a:ext cx="426720" cy="461665"/>
+          </a:xfrm>
+          <a:prstGeom prst="rect">
+            <a:avLst/>
+          </a:prstGeom>
+          <a:noFill/>
+        </p:spPr>
+        <p:txBody>
+          <a:bodyPr wrap="none" rtlCol="0">
+            <a:spAutoFit/>
+          </a:bodyPr>
+          <a:lstStyle/>
+          <a:p>
+            <a:r>
+              <a:rPr lang="de-DE" sz="2400" dirty="0">
+                <a:solidFill>
+                  <a:srgbClr val="F5A785"/>
+                </a:solidFill>
+                <a:latin typeface="Hind" panose="020B0604020202020204" charset="0"/>
+                <a:cs typeface="Hind" panose="020B0604020202020204" charset="0"/>
+              </a:rPr>
+              <a:t>13</a:t>
+            </a:r>
+            <a:endParaRPr lang="en-US" sz="2400" dirty="0">
+              <a:solidFill>
+                <a:srgbClr val="F5A785"/>
+              </a:solidFill>
+              <a:latin typeface="Hind" panose="020B0604020202020204" charset="0"/>
+              <a:cs typeface="Hind" panose="020B0604020202020204" charset="0"/>
+            </a:endParaRPr>
           </a:p>
         </p:txBody>
       </p:sp>
@@ -32994,6 +33374,54 @@
           </a:p>
         </p:txBody>
       </p:sp>
+      <p:sp>
+        <p:nvSpPr>
+          <p:cNvPr id="6" name="Textfeld 5">
+            <a:extLst>
+              <a:ext uri="{FF2B5EF4-FFF2-40B4-BE49-F238E27FC236}">
+                <a16:creationId xmlns:a16="http://schemas.microsoft.com/office/drawing/2014/main" id="{C49CC122-5ABC-4839-A16B-C7DA7A681391}"/>
+              </a:ext>
+            </a:extLst>
+          </p:cNvPr>
+          <p:cNvSpPr txBox="1"/>
+          <p:nvPr/>
+        </p:nvSpPr>
+        <p:spPr>
+          <a:xfrm>
+            <a:off x="8693236" y="4755202"/>
+            <a:ext cx="450764" cy="461665"/>
+          </a:xfrm>
+          <a:prstGeom prst="rect">
+            <a:avLst/>
+          </a:prstGeom>
+          <a:noFill/>
+        </p:spPr>
+        <p:txBody>
+          <a:bodyPr wrap="none" rtlCol="0">
+            <a:spAutoFit/>
+          </a:bodyPr>
+          <a:lstStyle/>
+          <a:p>
+            <a:r>
+              <a:rPr lang="de-DE" sz="2400" dirty="0">
+                <a:solidFill>
+                  <a:srgbClr val="F5A785"/>
+                </a:solidFill>
+                <a:latin typeface="Hind" panose="020B0604020202020204" charset="0"/>
+                <a:cs typeface="Hind" panose="020B0604020202020204" charset="0"/>
+              </a:rPr>
+              <a:t>14</a:t>
+            </a:r>
+            <a:endParaRPr lang="en-US" sz="2400" dirty="0">
+              <a:solidFill>
+                <a:srgbClr val="F5A785"/>
+              </a:solidFill>
+              <a:latin typeface="Hind" panose="020B0604020202020204" charset="0"/>
+              <a:cs typeface="Hind" panose="020B0604020202020204" charset="0"/>
+            </a:endParaRPr>
+          </a:p>
+        </p:txBody>
+      </p:sp>
     </p:spTree>
     <p:extLst>
       <p:ext uri="{BB962C8B-B14F-4D97-AF65-F5344CB8AC3E}">
@@ -33113,15 +33541,75 @@
             <a:off x="605570" y="1129300"/>
             <a:ext cx="7932860" cy="3569787"/>
           </a:xfrm>
+          <a:prstGeom prst="round2DiagRect">
+            <a:avLst>
+              <a:gd name="adj1" fmla="val 5771"/>
+              <a:gd name="adj2" fmla="val 5544"/>
+            </a:avLst>
+          </a:prstGeom>
+          <a:ln w="88900" cap="sq">
+            <a:solidFill>
+              <a:srgbClr val="FFFFFF"/>
+            </a:solidFill>
+            <a:miter lim="800000"/>
+          </a:ln>
+          <a:effectLst>
+            <a:outerShdw blurRad="254000" algn="tl" rotWithShape="0">
+              <a:srgbClr val="000000">
+                <a:alpha val="43000"/>
+              </a:srgbClr>
+            </a:outerShdw>
+          </a:effectLst>
+        </p:spPr>
+      </p:pic>
+      <p:sp>
+        <p:nvSpPr>
+          <p:cNvPr id="5" name="Textfeld 4">
+            <a:extLst>
+              <a:ext uri="{FF2B5EF4-FFF2-40B4-BE49-F238E27FC236}">
+                <a16:creationId xmlns:a16="http://schemas.microsoft.com/office/drawing/2014/main" id="{E7624462-570D-479B-A74B-92053CE8E5BC}"/>
+              </a:ext>
+            </a:extLst>
+          </p:cNvPr>
+          <p:cNvSpPr txBox="1"/>
+          <p:nvPr/>
+        </p:nvSpPr>
+        <p:spPr>
+          <a:xfrm>
+            <a:off x="8702854" y="4755202"/>
+            <a:ext cx="441146" cy="461665"/>
+          </a:xfrm>
           <a:prstGeom prst="rect">
             <a:avLst/>
           </a:prstGeom>
           <a:noFill/>
-          <a:ln>
-            <a:noFill/>
-          </a:ln>
         </p:spPr>
-      </p:pic>
+        <p:txBody>
+          <a:bodyPr wrap="none" rtlCol="0">
+            <a:spAutoFit/>
+          </a:bodyPr>
+          <a:lstStyle/>
+          <a:p>
+            <a:r>
+              <a:rPr lang="de-DE" sz="2400" dirty="0">
+                <a:solidFill>
+                  <a:srgbClr val="F5A785"/>
+                </a:solidFill>
+                <a:latin typeface="Hind" panose="020B0604020202020204" charset="0"/>
+                <a:cs typeface="Hind" panose="020B0604020202020204" charset="0"/>
+              </a:rPr>
+              <a:t>15</a:t>
+            </a:r>
+            <a:endParaRPr lang="en-US" sz="2400" dirty="0">
+              <a:solidFill>
+                <a:srgbClr val="F5A785"/>
+              </a:solidFill>
+              <a:latin typeface="Hind" panose="020B0604020202020204" charset="0"/>
+              <a:cs typeface="Hind" panose="020B0604020202020204" charset="0"/>
+            </a:endParaRPr>
+          </a:p>
+        </p:txBody>
+      </p:sp>
     </p:spTree>
     <p:extLst>
       <p:ext uri="{BB962C8B-B14F-4D97-AF65-F5344CB8AC3E}">
@@ -33279,6 +33767,54 @@
               <a:buNone/>
             </a:pPr>
             <a:endParaRPr lang="en-US" dirty="0"/>
+          </a:p>
+        </p:txBody>
+      </p:sp>
+      <p:sp>
+        <p:nvSpPr>
+          <p:cNvPr id="4" name="Textfeld 3">
+            <a:extLst>
+              <a:ext uri="{FF2B5EF4-FFF2-40B4-BE49-F238E27FC236}">
+                <a16:creationId xmlns:a16="http://schemas.microsoft.com/office/drawing/2014/main" id="{1CFADBED-0C06-49F0-ABAA-98DD2F9A6C79}"/>
+              </a:ext>
+            </a:extLst>
+          </p:cNvPr>
+          <p:cNvSpPr txBox="1"/>
+          <p:nvPr/>
+        </p:nvSpPr>
+        <p:spPr>
+          <a:xfrm>
+            <a:off x="8698044" y="4778062"/>
+            <a:ext cx="445956" cy="461665"/>
+          </a:xfrm>
+          <a:prstGeom prst="rect">
+            <a:avLst/>
+          </a:prstGeom>
+          <a:noFill/>
+        </p:spPr>
+        <p:txBody>
+          <a:bodyPr wrap="none" rtlCol="0">
+            <a:spAutoFit/>
+          </a:bodyPr>
+          <a:lstStyle/>
+          <a:p>
+            <a:r>
+              <a:rPr lang="de-DE" sz="2400" dirty="0">
+                <a:solidFill>
+                  <a:srgbClr val="F5A785"/>
+                </a:solidFill>
+                <a:latin typeface="Hind" panose="020B0604020202020204" charset="0"/>
+                <a:cs typeface="Hind" panose="020B0604020202020204" charset="0"/>
+              </a:rPr>
+              <a:t>16</a:t>
+            </a:r>
+            <a:endParaRPr lang="en-US" sz="2400" dirty="0">
+              <a:solidFill>
+                <a:srgbClr val="F5A785"/>
+              </a:solidFill>
+              <a:latin typeface="Hind" panose="020B0604020202020204" charset="0"/>
+              <a:cs typeface="Hind" panose="020B0604020202020204" charset="0"/>
+            </a:endParaRPr>
           </a:p>
         </p:txBody>
       </p:sp>
@@ -33505,6 +34041,54 @@
           </a:p>
         </p:txBody>
       </p:sp>
+      <p:sp>
+        <p:nvSpPr>
+          <p:cNvPr id="8" name="Textfeld 7">
+            <a:extLst>
+              <a:ext uri="{FF2B5EF4-FFF2-40B4-BE49-F238E27FC236}">
+                <a16:creationId xmlns:a16="http://schemas.microsoft.com/office/drawing/2014/main" id="{96315A03-A946-4B6E-B0BD-5F2BEEE691FF}"/>
+              </a:ext>
+            </a:extLst>
+          </p:cNvPr>
+          <p:cNvSpPr txBox="1"/>
+          <p:nvPr/>
+        </p:nvSpPr>
+        <p:spPr>
+          <a:xfrm>
+            <a:off x="0" y="4739962"/>
+            <a:ext cx="423514" cy="461665"/>
+          </a:xfrm>
+          <a:prstGeom prst="rect">
+            <a:avLst/>
+          </a:prstGeom>
+          <a:noFill/>
+        </p:spPr>
+        <p:txBody>
+          <a:bodyPr wrap="none" rtlCol="0">
+            <a:spAutoFit/>
+          </a:bodyPr>
+          <a:lstStyle/>
+          <a:p>
+            <a:r>
+              <a:rPr lang="de-DE" sz="2400" dirty="0">
+                <a:solidFill>
+                  <a:srgbClr val="F5A785"/>
+                </a:solidFill>
+                <a:latin typeface="Hind" panose="020B0604020202020204" charset="0"/>
+                <a:cs typeface="Hind" panose="020B0604020202020204" charset="0"/>
+              </a:rPr>
+              <a:t>17</a:t>
+            </a:r>
+            <a:endParaRPr lang="en-US" sz="2400" dirty="0">
+              <a:solidFill>
+                <a:srgbClr val="F5A785"/>
+              </a:solidFill>
+              <a:latin typeface="Hind" panose="020B0604020202020204" charset="0"/>
+              <a:cs typeface="Hind" panose="020B0604020202020204" charset="0"/>
+            </a:endParaRPr>
+          </a:p>
+        </p:txBody>
+      </p:sp>
     </p:spTree>
     <p:extLst>
       <p:ext uri="{BB962C8B-B14F-4D97-AF65-F5344CB8AC3E}">
@@ -37436,6 +38020,54 @@
               <a:t>ANHANG</a:t>
             </a:r>
             <a:endParaRPr dirty="0"/>
+          </a:p>
+        </p:txBody>
+      </p:sp>
+      <p:sp>
+        <p:nvSpPr>
+          <p:cNvPr id="42" name="Textfeld 41">
+            <a:extLst>
+              <a:ext uri="{FF2B5EF4-FFF2-40B4-BE49-F238E27FC236}">
+                <a16:creationId xmlns:a16="http://schemas.microsoft.com/office/drawing/2014/main" id="{3404F8B3-7E81-4F79-86A2-BFFE348B1104}"/>
+              </a:ext>
+            </a:extLst>
+          </p:cNvPr>
+          <p:cNvSpPr txBox="1"/>
+          <p:nvPr/>
+        </p:nvSpPr>
+        <p:spPr>
+          <a:xfrm>
+            <a:off x="0" y="4739962"/>
+            <a:ext cx="449162" cy="461665"/>
+          </a:xfrm>
+          <a:prstGeom prst="rect">
+            <a:avLst/>
+          </a:prstGeom>
+          <a:noFill/>
+        </p:spPr>
+        <p:txBody>
+          <a:bodyPr wrap="none" rtlCol="0">
+            <a:spAutoFit/>
+          </a:bodyPr>
+          <a:lstStyle/>
+          <a:p>
+            <a:r>
+              <a:rPr lang="de-DE" sz="2400" dirty="0">
+                <a:solidFill>
+                  <a:srgbClr val="F5A785"/>
+                </a:solidFill>
+                <a:latin typeface="Hind" panose="020B0604020202020204" charset="0"/>
+                <a:cs typeface="Hind" panose="020B0604020202020204" charset="0"/>
+              </a:rPr>
+              <a:t>18</a:t>
+            </a:r>
+            <a:endParaRPr lang="en-US" sz="2400" dirty="0">
+              <a:solidFill>
+                <a:srgbClr val="F5A785"/>
+              </a:solidFill>
+              <a:latin typeface="Hind" panose="020B0604020202020204" charset="0"/>
+              <a:cs typeface="Hind" panose="020B0604020202020204" charset="0"/>
+            </a:endParaRPr>
           </a:p>
         </p:txBody>
       </p:sp>
@@ -37686,6 +38318,54 @@
               </a:rPr>
               <a:t>log(Neuerkrankte_lag_2) 	 -0.57622 	 	 &lt; 2e-16 ***</a:t>
             </a:r>
+          </a:p>
+        </p:txBody>
+      </p:sp>
+      <p:sp>
+        <p:nvSpPr>
+          <p:cNvPr id="5" name="Textfeld 4">
+            <a:extLst>
+              <a:ext uri="{FF2B5EF4-FFF2-40B4-BE49-F238E27FC236}">
+                <a16:creationId xmlns:a16="http://schemas.microsoft.com/office/drawing/2014/main" id="{4422CE17-AF56-4621-B975-3766845B2B7C}"/>
+              </a:ext>
+            </a:extLst>
+          </p:cNvPr>
+          <p:cNvSpPr txBox="1"/>
+          <p:nvPr/>
+        </p:nvSpPr>
+        <p:spPr>
+          <a:xfrm>
+            <a:off x="0" y="4739962"/>
+            <a:ext cx="439544" cy="461665"/>
+          </a:xfrm>
+          <a:prstGeom prst="rect">
+            <a:avLst/>
+          </a:prstGeom>
+          <a:noFill/>
+        </p:spPr>
+        <p:txBody>
+          <a:bodyPr wrap="none" rtlCol="0">
+            <a:spAutoFit/>
+          </a:bodyPr>
+          <a:lstStyle/>
+          <a:p>
+            <a:r>
+              <a:rPr lang="de-DE" sz="2400" dirty="0">
+                <a:solidFill>
+                  <a:srgbClr val="F5A785"/>
+                </a:solidFill>
+                <a:latin typeface="Hind" panose="020B0604020202020204" charset="0"/>
+                <a:cs typeface="Hind" panose="020B0604020202020204" charset="0"/>
+              </a:rPr>
+              <a:t>19</a:t>
+            </a:r>
+            <a:endParaRPr lang="en-US" sz="2400" dirty="0">
+              <a:solidFill>
+                <a:srgbClr val="F5A785"/>
+              </a:solidFill>
+              <a:latin typeface="Hind" panose="020B0604020202020204" charset="0"/>
+              <a:cs typeface="Hind" panose="020B0604020202020204" charset="0"/>
+            </a:endParaRPr>
           </a:p>
         </p:txBody>
       </p:sp>
@@ -40034,6 +40714,54 @@
           </a:p>
         </p:txBody>
       </p:sp>
+      <p:sp>
+        <p:nvSpPr>
+          <p:cNvPr id="51" name="Textfeld 50">
+            <a:extLst>
+              <a:ext uri="{FF2B5EF4-FFF2-40B4-BE49-F238E27FC236}">
+                <a16:creationId xmlns:a16="http://schemas.microsoft.com/office/drawing/2014/main" id="{2ADE2907-8C73-4175-8B11-32C3AC0F6845}"/>
+              </a:ext>
+            </a:extLst>
+          </p:cNvPr>
+          <p:cNvSpPr txBox="1"/>
+          <p:nvPr/>
+        </p:nvSpPr>
+        <p:spPr>
+          <a:xfrm>
+            <a:off x="8807048" y="4761468"/>
+            <a:ext cx="336952" cy="461665"/>
+          </a:xfrm>
+          <a:prstGeom prst="rect">
+            <a:avLst/>
+          </a:prstGeom>
+          <a:noFill/>
+        </p:spPr>
+        <p:txBody>
+          <a:bodyPr wrap="none" rtlCol="0">
+            <a:spAutoFit/>
+          </a:bodyPr>
+          <a:lstStyle/>
+          <a:p>
+            <a:r>
+              <a:rPr lang="de-DE" sz="2400" dirty="0">
+                <a:solidFill>
+                  <a:srgbClr val="F5A785"/>
+                </a:solidFill>
+                <a:latin typeface="Hind" panose="020B0604020202020204" charset="0"/>
+                <a:cs typeface="Hind" panose="020B0604020202020204" charset="0"/>
+              </a:rPr>
+              <a:t>2</a:t>
+            </a:r>
+            <a:endParaRPr lang="en-US" sz="2400" dirty="0">
+              <a:solidFill>
+                <a:srgbClr val="F5A785"/>
+              </a:solidFill>
+              <a:latin typeface="Hind" panose="020B0604020202020204" charset="0"/>
+              <a:cs typeface="Hind" panose="020B0604020202020204" charset="0"/>
+            </a:endParaRPr>
+          </a:p>
+        </p:txBody>
+      </p:sp>
     </p:spTree>
   </p:cSld>
   <p:clrMapOvr>
@@ -40153,6 +40881,54 @@
           </a:ln>
         </p:spPr>
       </p:pic>
+      <p:sp>
+        <p:nvSpPr>
+          <p:cNvPr id="5" name="Textfeld 4">
+            <a:extLst>
+              <a:ext uri="{FF2B5EF4-FFF2-40B4-BE49-F238E27FC236}">
+                <a16:creationId xmlns:a16="http://schemas.microsoft.com/office/drawing/2014/main" id="{7B9B6818-9944-49F2-AEFF-B3D6B91CE8A9}"/>
+              </a:ext>
+            </a:extLst>
+          </p:cNvPr>
+          <p:cNvSpPr txBox="1"/>
+          <p:nvPr/>
+        </p:nvSpPr>
+        <p:spPr>
+          <a:xfrm>
+            <a:off x="0" y="4739962"/>
+            <a:ext cx="503664" cy="461665"/>
+          </a:xfrm>
+          <a:prstGeom prst="rect">
+            <a:avLst/>
+          </a:prstGeom>
+          <a:noFill/>
+        </p:spPr>
+        <p:txBody>
+          <a:bodyPr wrap="none" rtlCol="0">
+            <a:spAutoFit/>
+          </a:bodyPr>
+          <a:lstStyle/>
+          <a:p>
+            <a:r>
+              <a:rPr lang="de-DE" sz="2400" dirty="0">
+                <a:solidFill>
+                  <a:srgbClr val="F5A785"/>
+                </a:solidFill>
+                <a:latin typeface="Hind" panose="020B0604020202020204" charset="0"/>
+                <a:cs typeface="Hind" panose="020B0604020202020204" charset="0"/>
+              </a:rPr>
+              <a:t>20</a:t>
+            </a:r>
+            <a:endParaRPr lang="en-US" sz="2400" dirty="0">
+              <a:solidFill>
+                <a:srgbClr val="F5A785"/>
+              </a:solidFill>
+              <a:latin typeface="Hind" panose="020B0604020202020204" charset="0"/>
+              <a:cs typeface="Hind" panose="020B0604020202020204" charset="0"/>
+            </a:endParaRPr>
+          </a:p>
+        </p:txBody>
+      </p:sp>
     </p:spTree>
     <p:extLst>
       <p:ext uri="{BB962C8B-B14F-4D97-AF65-F5344CB8AC3E}">
@@ -40277,6 +41053,54 @@
           </a:ln>
         </p:spPr>
       </p:pic>
+      <p:sp>
+        <p:nvSpPr>
+          <p:cNvPr id="5" name="Textfeld 4">
+            <a:extLst>
+              <a:ext uri="{FF2B5EF4-FFF2-40B4-BE49-F238E27FC236}">
+                <a16:creationId xmlns:a16="http://schemas.microsoft.com/office/drawing/2014/main" id="{27ECD8F5-B94D-4AF3-AC28-E70C2EE1EA45}"/>
+              </a:ext>
+            </a:extLst>
+          </p:cNvPr>
+          <p:cNvSpPr txBox="1"/>
+          <p:nvPr/>
+        </p:nvSpPr>
+        <p:spPr>
+          <a:xfrm>
+            <a:off x="0" y="4739962"/>
+            <a:ext cx="436338" cy="461665"/>
+          </a:xfrm>
+          <a:prstGeom prst="rect">
+            <a:avLst/>
+          </a:prstGeom>
+          <a:noFill/>
+        </p:spPr>
+        <p:txBody>
+          <a:bodyPr wrap="none" rtlCol="0">
+            <a:spAutoFit/>
+          </a:bodyPr>
+          <a:lstStyle/>
+          <a:p>
+            <a:r>
+              <a:rPr lang="de-DE" sz="2400" dirty="0">
+                <a:solidFill>
+                  <a:srgbClr val="F5A785"/>
+                </a:solidFill>
+                <a:latin typeface="Hind" panose="020B0604020202020204" charset="0"/>
+                <a:cs typeface="Hind" panose="020B0604020202020204" charset="0"/>
+              </a:rPr>
+              <a:t>21</a:t>
+            </a:r>
+            <a:endParaRPr lang="en-US" sz="2400" dirty="0">
+              <a:solidFill>
+                <a:srgbClr val="F5A785"/>
+              </a:solidFill>
+              <a:latin typeface="Hind" panose="020B0604020202020204" charset="0"/>
+              <a:cs typeface="Hind" panose="020B0604020202020204" charset="0"/>
+            </a:endParaRPr>
+          </a:p>
+        </p:txBody>
+      </p:sp>
     </p:spTree>
     <p:extLst>
       <p:ext uri="{BB962C8B-B14F-4D97-AF65-F5344CB8AC3E}">
@@ -40427,6 +41251,54 @@
           </a:xfrm>
         </p:spPr>
       </p:pic>
+      <p:sp>
+        <p:nvSpPr>
+          <p:cNvPr id="6" name="Textfeld 5">
+            <a:extLst>
+              <a:ext uri="{FF2B5EF4-FFF2-40B4-BE49-F238E27FC236}">
+                <a16:creationId xmlns:a16="http://schemas.microsoft.com/office/drawing/2014/main" id="{F5201BF6-70DB-4AA4-841F-2D7F8092CE16}"/>
+              </a:ext>
+            </a:extLst>
+          </p:cNvPr>
+          <p:cNvSpPr txBox="1"/>
+          <p:nvPr/>
+        </p:nvSpPr>
+        <p:spPr>
+          <a:xfrm>
+            <a:off x="0" y="4739962"/>
+            <a:ext cx="489236" cy="461665"/>
+          </a:xfrm>
+          <a:prstGeom prst="rect">
+            <a:avLst/>
+          </a:prstGeom>
+          <a:noFill/>
+        </p:spPr>
+        <p:txBody>
+          <a:bodyPr wrap="none" rtlCol="0">
+            <a:spAutoFit/>
+          </a:bodyPr>
+          <a:lstStyle/>
+          <a:p>
+            <a:r>
+              <a:rPr lang="de-DE" sz="2400" dirty="0">
+                <a:solidFill>
+                  <a:srgbClr val="F5A785"/>
+                </a:solidFill>
+                <a:latin typeface="Hind" panose="020B0604020202020204" charset="0"/>
+                <a:cs typeface="Hind" panose="020B0604020202020204" charset="0"/>
+              </a:rPr>
+              <a:t>22</a:t>
+            </a:r>
+            <a:endParaRPr lang="en-US" sz="2400" dirty="0">
+              <a:solidFill>
+                <a:srgbClr val="F5A785"/>
+              </a:solidFill>
+              <a:latin typeface="Hind" panose="020B0604020202020204" charset="0"/>
+              <a:cs typeface="Hind" panose="020B0604020202020204" charset="0"/>
+            </a:endParaRPr>
+          </a:p>
+        </p:txBody>
+      </p:sp>
     </p:spTree>
     <p:extLst>
       <p:ext uri="{BB962C8B-B14F-4D97-AF65-F5344CB8AC3E}">
@@ -40551,6 +41423,54 @@
           </a:ln>
         </p:spPr>
       </p:pic>
+      <p:sp>
+        <p:nvSpPr>
+          <p:cNvPr id="5" name="Textfeld 4">
+            <a:extLst>
+              <a:ext uri="{FF2B5EF4-FFF2-40B4-BE49-F238E27FC236}">
+                <a16:creationId xmlns:a16="http://schemas.microsoft.com/office/drawing/2014/main" id="{C3370C4E-EA58-4BD6-96E4-F12677ED42FD}"/>
+              </a:ext>
+            </a:extLst>
+          </p:cNvPr>
+          <p:cNvSpPr txBox="1"/>
+          <p:nvPr/>
+        </p:nvSpPr>
+        <p:spPr>
+          <a:xfrm>
+            <a:off x="0" y="4739962"/>
+            <a:ext cx="479618" cy="461665"/>
+          </a:xfrm>
+          <a:prstGeom prst="rect">
+            <a:avLst/>
+          </a:prstGeom>
+          <a:noFill/>
+        </p:spPr>
+        <p:txBody>
+          <a:bodyPr wrap="none" rtlCol="0">
+            <a:spAutoFit/>
+          </a:bodyPr>
+          <a:lstStyle/>
+          <a:p>
+            <a:r>
+              <a:rPr lang="de-DE" sz="2400" dirty="0">
+                <a:solidFill>
+                  <a:srgbClr val="F5A785"/>
+                </a:solidFill>
+                <a:latin typeface="Hind" panose="020B0604020202020204" charset="0"/>
+                <a:cs typeface="Hind" panose="020B0604020202020204" charset="0"/>
+              </a:rPr>
+              <a:t>23</a:t>
+            </a:r>
+            <a:endParaRPr lang="en-US" sz="2400" dirty="0">
+              <a:solidFill>
+                <a:srgbClr val="F5A785"/>
+              </a:solidFill>
+              <a:latin typeface="Hind" panose="020B0604020202020204" charset="0"/>
+              <a:cs typeface="Hind" panose="020B0604020202020204" charset="0"/>
+            </a:endParaRPr>
+          </a:p>
+        </p:txBody>
+      </p:sp>
     </p:spTree>
     <p:extLst>
       <p:ext uri="{BB962C8B-B14F-4D97-AF65-F5344CB8AC3E}">
@@ -40790,6 +41710,54 @@
               <a:t>nformationen</a:t>
             </a:r>
             <a:endParaRPr dirty="0"/>
+          </a:p>
+        </p:txBody>
+      </p:sp>
+      <p:sp>
+        <p:nvSpPr>
+          <p:cNvPr id="9" name="Textfeld 8">
+            <a:extLst>
+              <a:ext uri="{FF2B5EF4-FFF2-40B4-BE49-F238E27FC236}">
+                <a16:creationId xmlns:a16="http://schemas.microsoft.com/office/drawing/2014/main" id="{B93EDD54-23D8-4594-BFED-A99C6B75FB77}"/>
+              </a:ext>
+            </a:extLst>
+          </p:cNvPr>
+          <p:cNvSpPr txBox="1"/>
+          <p:nvPr/>
+        </p:nvSpPr>
+        <p:spPr>
+          <a:xfrm>
+            <a:off x="0" y="4739962"/>
+            <a:ext cx="327334" cy="461665"/>
+          </a:xfrm>
+          <a:prstGeom prst="rect">
+            <a:avLst/>
+          </a:prstGeom>
+          <a:noFill/>
+        </p:spPr>
+        <p:txBody>
+          <a:bodyPr wrap="none" rtlCol="0">
+            <a:spAutoFit/>
+          </a:bodyPr>
+          <a:lstStyle/>
+          <a:p>
+            <a:r>
+              <a:rPr lang="de-DE" sz="2400" dirty="0">
+                <a:solidFill>
+                  <a:srgbClr val="F5A785"/>
+                </a:solidFill>
+                <a:latin typeface="Hind" panose="020B0604020202020204" charset="0"/>
+                <a:cs typeface="Hind" panose="020B0604020202020204" charset="0"/>
+              </a:rPr>
+              <a:t>3</a:t>
+            </a:r>
+            <a:endParaRPr lang="en-US" sz="2400" dirty="0">
+              <a:solidFill>
+                <a:srgbClr val="F5A785"/>
+              </a:solidFill>
+              <a:latin typeface="Hind" panose="020B0604020202020204" charset="0"/>
+              <a:cs typeface="Hind" panose="020B0604020202020204" charset="0"/>
+            </a:endParaRPr>
           </a:p>
         </p:txBody>
       </p:sp>
@@ -41043,6 +42011,54 @@
           </a:p>
         </p:txBody>
       </p:sp>
+      <p:sp>
+        <p:nvSpPr>
+          <p:cNvPr id="5" name="Textfeld 4">
+            <a:extLst>
+              <a:ext uri="{FF2B5EF4-FFF2-40B4-BE49-F238E27FC236}">
+                <a16:creationId xmlns:a16="http://schemas.microsoft.com/office/drawing/2014/main" id="{69A0E552-48B5-4870-86D4-35E4155358F1}"/>
+              </a:ext>
+            </a:extLst>
+          </p:cNvPr>
+          <p:cNvSpPr txBox="1"/>
+          <p:nvPr/>
+        </p:nvSpPr>
+        <p:spPr>
+          <a:xfrm>
+            <a:off x="8792622" y="4747582"/>
+            <a:ext cx="351378" cy="461665"/>
+          </a:xfrm>
+          <a:prstGeom prst="rect">
+            <a:avLst/>
+          </a:prstGeom>
+          <a:noFill/>
+        </p:spPr>
+        <p:txBody>
+          <a:bodyPr wrap="none" rtlCol="0">
+            <a:spAutoFit/>
+          </a:bodyPr>
+          <a:lstStyle/>
+          <a:p>
+            <a:r>
+              <a:rPr lang="de-DE" sz="2400" dirty="0">
+                <a:solidFill>
+                  <a:srgbClr val="F5A785"/>
+                </a:solidFill>
+                <a:latin typeface="Hind" panose="020B0604020202020204" charset="0"/>
+                <a:cs typeface="Hind" panose="020B0604020202020204" charset="0"/>
+              </a:rPr>
+              <a:t>4</a:t>
+            </a:r>
+            <a:endParaRPr lang="en-US" sz="2400" dirty="0">
+              <a:solidFill>
+                <a:srgbClr val="F5A785"/>
+              </a:solidFill>
+              <a:latin typeface="Hind" panose="020B0604020202020204" charset="0"/>
+              <a:cs typeface="Hind" panose="020B0604020202020204" charset="0"/>
+            </a:endParaRPr>
+          </a:p>
+        </p:txBody>
+      </p:sp>
     </p:spTree>
   </p:cSld>
   <p:clrMapOvr>
@@ -41186,7 +42202,7 @@
         </p:nvSpPr>
         <p:spPr>
           <a:xfrm>
-            <a:off x="2813124" y="1423298"/>
+            <a:off x="2526123" y="1413357"/>
             <a:ext cx="1093189" cy="910151"/>
           </a:xfrm>
           <a:prstGeom prst="ellipse">
@@ -41226,7 +42242,7 @@
         </p:nvSpPr>
         <p:spPr>
           <a:xfrm>
-            <a:off x="5032922" y="1410523"/>
+            <a:off x="4685851" y="1391884"/>
             <a:ext cx="1113583" cy="935700"/>
           </a:xfrm>
           <a:prstGeom prst="ellipse">
@@ -41303,13 +42319,14 @@
           <p:cNvPr id="1080" name="Google Shape;1080;p49"/>
           <p:cNvCxnSpPr>
             <a:cxnSpLocks/>
+            <a:stCxn id="1076" idx="4"/>
           </p:cNvCxnSpPr>
           <p:nvPr/>
         </p:nvCxnSpPr>
         <p:spPr>
           <a:xfrm>
-            <a:off x="1525112" y="2333450"/>
-            <a:ext cx="0" cy="381000"/>
+            <a:off x="1525112" y="2324830"/>
+            <a:ext cx="0" cy="389620"/>
           </a:xfrm>
           <a:prstGeom prst="straightConnector1">
             <a:avLst/>
@@ -41334,7 +42351,7 @@
         </p:nvCxnSpPr>
         <p:spPr>
           <a:xfrm>
-            <a:off x="5589714" y="2333449"/>
+            <a:off x="5242643" y="2333449"/>
             <a:ext cx="0" cy="381000"/>
           </a:xfrm>
           <a:prstGeom prst="straightConnector1">
@@ -41355,13 +42372,16 @@
       <p:cxnSp>
         <p:nvCxnSpPr>
           <p:cNvPr id="1082" name="Google Shape;1082;p49"/>
-          <p:cNvCxnSpPr/>
+          <p:cNvCxnSpPr>
+            <a:cxnSpLocks/>
+            <a:stCxn id="1077" idx="4"/>
+          </p:cNvCxnSpPr>
           <p:nvPr/>
         </p:nvCxnSpPr>
         <p:spPr>
           <a:xfrm>
-            <a:off x="3359719" y="2333450"/>
-            <a:ext cx="0" cy="381000"/>
+            <a:off x="3072718" y="2323508"/>
+            <a:ext cx="0" cy="390941"/>
           </a:xfrm>
           <a:prstGeom prst="straightConnector1">
             <a:avLst/>
@@ -41416,7 +42436,7 @@
         </p:nvSpPr>
         <p:spPr>
           <a:xfrm flipH="1">
-            <a:off x="526777" y="3228008"/>
+            <a:off x="383278" y="3228008"/>
             <a:ext cx="3831276" cy="433500"/>
           </a:xfrm>
           <a:prstGeom prst="rect">
@@ -41524,7 +42544,7 @@
         </p:nvSpPr>
         <p:spPr>
           <a:xfrm flipH="1">
-            <a:off x="2823770" y="1646762"/>
+            <a:off x="2526123" y="1659628"/>
             <a:ext cx="1113600" cy="433500"/>
           </a:xfrm>
           <a:prstGeom prst="rect">
@@ -41624,7 +42644,7 @@
         </p:nvSpPr>
         <p:spPr>
           <a:xfrm flipH="1">
-            <a:off x="2239242" y="4077709"/>
+            <a:off x="2031981" y="4075595"/>
             <a:ext cx="2653870" cy="433500"/>
           </a:xfrm>
           <a:prstGeom prst="rect">
@@ -41666,7 +42686,7 @@
         </p:nvSpPr>
         <p:spPr>
           <a:xfrm flipH="1">
-            <a:off x="5855024" y="3217763"/>
+            <a:off x="5650464" y="3228008"/>
             <a:ext cx="1560600" cy="433500"/>
           </a:xfrm>
           <a:prstGeom prst="rect">
@@ -41712,7 +42732,7 @@
         </p:nvSpPr>
         <p:spPr>
           <a:xfrm flipH="1">
-            <a:off x="5032922" y="1607443"/>
+            <a:off x="4715831" y="1589288"/>
             <a:ext cx="1113600" cy="433500"/>
           </a:xfrm>
           <a:prstGeom prst="rect">
@@ -42352,8 +43372,8 @@
         </p:nvSpPr>
         <p:spPr bwMode="auto">
           <a:xfrm>
-            <a:off x="1525112" y="2869989"/>
-            <a:ext cx="1834607" cy="338138"/>
+            <a:off x="1525113" y="2869989"/>
+            <a:ext cx="1547606" cy="338138"/>
           </a:xfrm>
           <a:custGeom>
             <a:avLst/>
@@ -42543,7 +43563,7 @@
         <p:spPr bwMode="auto">
           <a:xfrm>
             <a:off x="1525112" y="3687529"/>
-            <a:ext cx="4130417" cy="338138"/>
+            <a:ext cx="3717531" cy="338138"/>
           </a:xfrm>
           <a:custGeom>
             <a:avLst/>
@@ -42732,8 +43752,8 @@
         </p:nvSpPr>
         <p:spPr bwMode="auto">
           <a:xfrm>
-            <a:off x="5651763" y="2865963"/>
-            <a:ext cx="1967123" cy="338138"/>
+            <a:off x="5242643" y="2865963"/>
+            <a:ext cx="2376243" cy="338138"/>
           </a:xfrm>
           <a:custGeom>
             <a:avLst/>
@@ -42903,6 +43923,54 @@
           <a:lstStyle/>
           <a:p>
             <a:endParaRPr lang="en-US"/>
+          </a:p>
+        </p:txBody>
+      </p:sp>
+      <p:sp>
+        <p:nvSpPr>
+          <p:cNvPr id="31" name="Textfeld 30">
+            <a:extLst>
+              <a:ext uri="{FF2B5EF4-FFF2-40B4-BE49-F238E27FC236}">
+                <a16:creationId xmlns:a16="http://schemas.microsoft.com/office/drawing/2014/main" id="{20D876D8-B287-48F8-885A-FD5A118D4569}"/>
+              </a:ext>
+            </a:extLst>
+          </p:cNvPr>
+          <p:cNvSpPr txBox="1"/>
+          <p:nvPr/>
+        </p:nvSpPr>
+        <p:spPr>
+          <a:xfrm>
+            <a:off x="8802240" y="4762822"/>
+            <a:ext cx="341760" cy="461665"/>
+          </a:xfrm>
+          <a:prstGeom prst="rect">
+            <a:avLst/>
+          </a:prstGeom>
+          <a:noFill/>
+        </p:spPr>
+        <p:txBody>
+          <a:bodyPr wrap="none" rtlCol="0">
+            <a:spAutoFit/>
+          </a:bodyPr>
+          <a:lstStyle/>
+          <a:p>
+            <a:r>
+              <a:rPr lang="de-DE" sz="2400" dirty="0">
+                <a:solidFill>
+                  <a:srgbClr val="F5A785"/>
+                </a:solidFill>
+                <a:latin typeface="Hind" panose="020B0604020202020204" charset="0"/>
+                <a:cs typeface="Hind" panose="020B0604020202020204" charset="0"/>
+              </a:rPr>
+              <a:t>5</a:t>
+            </a:r>
+            <a:endParaRPr lang="en-US" sz="2400" dirty="0">
+              <a:solidFill>
+                <a:srgbClr val="F5A785"/>
+              </a:solidFill>
+              <a:latin typeface="Hind" panose="020B0604020202020204" charset="0"/>
+              <a:cs typeface="Hind" panose="020B0604020202020204" charset="0"/>
+            </a:endParaRPr>
           </a:p>
         </p:txBody>
       </p:sp>
@@ -43121,6 +44189,54 @@
               <a:t>Datenaufbereitung</a:t>
             </a:r>
             <a:endParaRPr dirty="0"/>
+          </a:p>
+        </p:txBody>
+      </p:sp>
+      <p:sp>
+        <p:nvSpPr>
+          <p:cNvPr id="9" name="Textfeld 8">
+            <a:extLst>
+              <a:ext uri="{FF2B5EF4-FFF2-40B4-BE49-F238E27FC236}">
+                <a16:creationId xmlns:a16="http://schemas.microsoft.com/office/drawing/2014/main" id="{0F63F51C-3AF9-4911-A536-A3ACFA5D40FE}"/>
+              </a:ext>
+            </a:extLst>
+          </p:cNvPr>
+          <p:cNvSpPr txBox="1"/>
+          <p:nvPr/>
+        </p:nvSpPr>
+        <p:spPr>
+          <a:xfrm>
+            <a:off x="0" y="4739962"/>
+            <a:ext cx="346570" cy="461665"/>
+          </a:xfrm>
+          <a:prstGeom prst="rect">
+            <a:avLst/>
+          </a:prstGeom>
+          <a:noFill/>
+        </p:spPr>
+        <p:txBody>
+          <a:bodyPr wrap="none" rtlCol="0">
+            <a:spAutoFit/>
+          </a:bodyPr>
+          <a:lstStyle/>
+          <a:p>
+            <a:r>
+              <a:rPr lang="de-DE" sz="2400" dirty="0">
+                <a:solidFill>
+                  <a:srgbClr val="F5A785"/>
+                </a:solidFill>
+                <a:latin typeface="Hind" panose="020B0604020202020204" charset="0"/>
+                <a:cs typeface="Hind" panose="020B0604020202020204" charset="0"/>
+              </a:rPr>
+              <a:t>6</a:t>
+            </a:r>
+            <a:endParaRPr lang="en-US" sz="2400" dirty="0">
+              <a:solidFill>
+                <a:srgbClr val="F5A785"/>
+              </a:solidFill>
+              <a:latin typeface="Hind" panose="020B0604020202020204" charset="0"/>
+              <a:cs typeface="Hind" panose="020B0604020202020204" charset="0"/>
+            </a:endParaRPr>
           </a:p>
         </p:txBody>
       </p:sp>
@@ -45421,6 +46537,54 @@
           </a:p>
         </p:txBody>
       </p:sp>
+      <p:sp>
+        <p:nvSpPr>
+          <p:cNvPr id="11" name="Textfeld 10">
+            <a:extLst>
+              <a:ext uri="{FF2B5EF4-FFF2-40B4-BE49-F238E27FC236}">
+                <a16:creationId xmlns:a16="http://schemas.microsoft.com/office/drawing/2014/main" id="{FACF82E5-5139-4D3B-8A31-12A82DD7AB0A}"/>
+              </a:ext>
+            </a:extLst>
+          </p:cNvPr>
+          <p:cNvSpPr txBox="1"/>
+          <p:nvPr/>
+        </p:nvSpPr>
+        <p:spPr>
+          <a:xfrm>
+            <a:off x="8819872" y="4756198"/>
+            <a:ext cx="324128" cy="461665"/>
+          </a:xfrm>
+          <a:prstGeom prst="rect">
+            <a:avLst/>
+          </a:prstGeom>
+          <a:noFill/>
+        </p:spPr>
+        <p:txBody>
+          <a:bodyPr wrap="none" rtlCol="0">
+            <a:spAutoFit/>
+          </a:bodyPr>
+          <a:lstStyle/>
+          <a:p>
+            <a:r>
+              <a:rPr lang="de-DE" sz="2400" dirty="0">
+                <a:solidFill>
+                  <a:srgbClr val="F5A785"/>
+                </a:solidFill>
+                <a:latin typeface="Hind" panose="020B0604020202020204" charset="0"/>
+                <a:cs typeface="Hind" panose="020B0604020202020204" charset="0"/>
+              </a:rPr>
+              <a:t>7</a:t>
+            </a:r>
+            <a:endParaRPr lang="en-US" sz="2400" dirty="0">
+              <a:solidFill>
+                <a:srgbClr val="F5A785"/>
+              </a:solidFill>
+              <a:latin typeface="Hind" panose="020B0604020202020204" charset="0"/>
+              <a:cs typeface="Hind" panose="020B0604020202020204" charset="0"/>
+            </a:endParaRPr>
+          </a:p>
+        </p:txBody>
+      </p:sp>
     </p:spTree>
   </p:cSld>
   <p:clrMapOvr>
@@ -45639,6 +46803,54 @@
           </a:p>
         </p:txBody>
       </p:sp>
+      <p:sp>
+        <p:nvSpPr>
+          <p:cNvPr id="8" name="Textfeld 7">
+            <a:extLst>
+              <a:ext uri="{FF2B5EF4-FFF2-40B4-BE49-F238E27FC236}">
+                <a16:creationId xmlns:a16="http://schemas.microsoft.com/office/drawing/2014/main" id="{08D70DE4-753B-4B17-B434-0D0BF812347A}"/>
+              </a:ext>
+            </a:extLst>
+          </p:cNvPr>
+          <p:cNvSpPr txBox="1"/>
+          <p:nvPr/>
+        </p:nvSpPr>
+        <p:spPr>
+          <a:xfrm>
+            <a:off x="0" y="4739962"/>
+            <a:ext cx="349776" cy="461665"/>
+          </a:xfrm>
+          <a:prstGeom prst="rect">
+            <a:avLst/>
+          </a:prstGeom>
+          <a:noFill/>
+        </p:spPr>
+        <p:txBody>
+          <a:bodyPr wrap="none" rtlCol="0">
+            <a:spAutoFit/>
+          </a:bodyPr>
+          <a:lstStyle/>
+          <a:p>
+            <a:r>
+              <a:rPr lang="de-DE" sz="2400" dirty="0">
+                <a:solidFill>
+                  <a:srgbClr val="F5A785"/>
+                </a:solidFill>
+                <a:latin typeface="Hind" panose="020B0604020202020204" charset="0"/>
+                <a:cs typeface="Hind" panose="020B0604020202020204" charset="0"/>
+              </a:rPr>
+              <a:t>8</a:t>
+            </a:r>
+            <a:endParaRPr lang="en-US" sz="2400" dirty="0">
+              <a:solidFill>
+                <a:srgbClr val="F5A785"/>
+              </a:solidFill>
+              <a:latin typeface="Hind" panose="020B0604020202020204" charset="0"/>
+              <a:cs typeface="Hind" panose="020B0604020202020204" charset="0"/>
+            </a:endParaRPr>
+          </a:p>
+        </p:txBody>
+      </p:sp>
     </p:spTree>
     <p:extLst>
       <p:ext uri="{BB962C8B-B14F-4D97-AF65-F5344CB8AC3E}">
@@ -45776,11 +46988,75 @@
             <a:off x="720000" y="1129299"/>
             <a:ext cx="7704000" cy="3466800"/>
           </a:xfrm>
+          <a:prstGeom prst="round2DiagRect">
+            <a:avLst>
+              <a:gd name="adj1" fmla="val 4527"/>
+              <a:gd name="adj2" fmla="val 4331"/>
+            </a:avLst>
+          </a:prstGeom>
+          <a:ln w="88900" cap="sq">
+            <a:solidFill>
+              <a:srgbClr val="FFFFFF"/>
+            </a:solidFill>
+            <a:miter lim="800000"/>
+          </a:ln>
+          <a:effectLst>
+            <a:outerShdw blurRad="254000" algn="tl" rotWithShape="0">
+              <a:srgbClr val="000000">
+                <a:alpha val="43000"/>
+              </a:srgbClr>
+            </a:outerShdw>
+          </a:effectLst>
+        </p:spPr>
+      </p:pic>
+      <p:sp>
+        <p:nvSpPr>
+          <p:cNvPr id="5" name="Textfeld 4">
+            <a:extLst>
+              <a:ext uri="{FF2B5EF4-FFF2-40B4-BE49-F238E27FC236}">
+                <a16:creationId xmlns:a16="http://schemas.microsoft.com/office/drawing/2014/main" id="{33E91F5F-0D1B-4392-8DBB-31BC9674E9EA}"/>
+              </a:ext>
+            </a:extLst>
+          </p:cNvPr>
+          <p:cNvSpPr txBox="1"/>
+          <p:nvPr/>
+        </p:nvSpPr>
+        <p:spPr>
+          <a:xfrm>
+            <a:off x="8803842" y="4778062"/>
+            <a:ext cx="340158" cy="461665"/>
+          </a:xfrm>
           <a:prstGeom prst="rect">
             <a:avLst/>
           </a:prstGeom>
+          <a:noFill/>
         </p:spPr>
-      </p:pic>
+        <p:txBody>
+          <a:bodyPr wrap="none" rtlCol="0">
+            <a:spAutoFit/>
+          </a:bodyPr>
+          <a:lstStyle/>
+          <a:p>
+            <a:r>
+              <a:rPr lang="de-DE" sz="2400" dirty="0">
+                <a:solidFill>
+                  <a:srgbClr val="F5A785"/>
+                </a:solidFill>
+                <a:latin typeface="Hind" panose="020B0604020202020204" charset="0"/>
+                <a:cs typeface="Hind" panose="020B0604020202020204" charset="0"/>
+              </a:rPr>
+              <a:t>9</a:t>
+            </a:r>
+            <a:endParaRPr lang="en-US" sz="2400" dirty="0">
+              <a:solidFill>
+                <a:srgbClr val="F5A785"/>
+              </a:solidFill>
+              <a:latin typeface="Hind" panose="020B0604020202020204" charset="0"/>
+              <a:cs typeface="Hind" panose="020B0604020202020204" charset="0"/>
+            </a:endParaRPr>
+          </a:p>
+        </p:txBody>
+      </p:sp>
     </p:spTree>
     <p:extLst>
       <p:ext uri="{BB962C8B-B14F-4D97-AF65-F5344CB8AC3E}">

--- a/Praesentation/COVID-19 Hospitalisierungsrate .ppt.pptx
+++ b/Praesentation/COVID-19 Hospitalisierungsrate .ppt.pptx
@@ -32468,7 +32468,7 @@
         <p:spPr bwMode="auto">
           <a:xfrm>
             <a:off x="1390039" y="1542631"/>
-            <a:ext cx="6363922" cy="1885119"/>
+            <a:ext cx="6338274" cy="1885119"/>
           </a:xfrm>
           <a:prstGeom prst="rect">
             <a:avLst/>
@@ -32636,7 +32636,7 @@
                 <a:latin typeface="Hind" panose="020B0604020202020204" charset="0"/>
                 <a:cs typeface="Hind" panose="020B0604020202020204" charset="0"/>
               </a:rPr>
-              <a:t> + </a:t>
+              <a:t> + 	</a:t>
             </a:r>
             <a:r>
               <a:rPr lang="el-GR" altLang="en-US" sz="2000" dirty="0">
@@ -32670,7 +32670,31 @@
                 <a:latin typeface="Hind" panose="020B0604020202020204" charset="0"/>
                 <a:cs typeface="Hind" panose="020B0604020202020204" charset="0"/>
               </a:rPr>
-              <a:t> * (</a:t>
+              <a:t> * </a:t>
+            </a:r>
+            <a:r>
+              <a:rPr lang="en-US" altLang="en-US" sz="2000" dirty="0">
+                <a:solidFill>
+                  <a:srgbClr val="F8F8F8"/>
+                </a:solidFill>
+                <a:latin typeface="Hind" panose="020B0604020202020204" charset="0"/>
+                <a:cs typeface="Hind" panose="020B0604020202020204" charset="0"/>
+              </a:rPr>
+              <a:t>Ⅰ</a:t>
+            </a:r>
+            <a:r>
+              <a:rPr kumimoji="0" lang="en-US" altLang="en-US" sz="2000" b="0" i="0" u="none" strike="noStrike" cap="none" normalizeH="0" baseline="0" dirty="0">
+                <a:ln>
+                  <a:noFill/>
+                </a:ln>
+                <a:solidFill>
+                  <a:srgbClr val="F8F8F8"/>
+                </a:solidFill>
+                <a:effectLst/>
+                <a:latin typeface="Hind" panose="020B0604020202020204" charset="0"/>
+                <a:cs typeface="Hind" panose="020B0604020202020204" charset="0"/>
+              </a:rPr>
+              <a:t>(</a:t>
             </a:r>
             <a:r>
               <a:rPr kumimoji="0" lang="en-US" altLang="en-US" sz="2000" b="0" i="0" u="none" strike="noStrike" cap="none" normalizeH="0" baseline="0" dirty="0" err="1">
